--- a/presentation/UC Berkeley Gym Attendance.pptx
+++ b/presentation/UC Berkeley Gym Attendance.pptx
@@ -5,14 +5,16 @@
     <p:sldMasterId id="2147483648" r:id="rId1"/>
   </p:sldMasterIdLst>
   <p:sldIdLst>
-    <p:sldId id="263" r:id="rId2"/>
-    <p:sldId id="257" r:id="rId3"/>
-    <p:sldId id="258" r:id="rId4"/>
-    <p:sldId id="259" r:id="rId5"/>
-    <p:sldId id="260" r:id="rId6"/>
-    <p:sldId id="261" r:id="rId7"/>
-    <p:sldId id="262" r:id="rId8"/>
-    <p:sldId id="264" r:id="rId9"/>
+    <p:sldId id="266" r:id="rId2"/>
+    <p:sldId id="265" r:id="rId3"/>
+    <p:sldId id="263" r:id="rId4"/>
+    <p:sldId id="257" r:id="rId5"/>
+    <p:sldId id="258" r:id="rId6"/>
+    <p:sldId id="259" r:id="rId7"/>
+    <p:sldId id="260" r:id="rId8"/>
+    <p:sldId id="261" r:id="rId9"/>
+    <p:sldId id="262" r:id="rId10"/>
+    <p:sldId id="264" r:id="rId11"/>
   </p:sldIdLst>
   <p:sldSz cx="12192000" cy="6858000"/>
   <p:notesSz cx="6858000" cy="9144000"/>
@@ -248,7 +250,7 @@
           <a:p>
             <a:fld id="{261AE865-0BAD-4428-8396-EB69E173C912}" type="datetimeFigureOut">
               <a:rPr lang="en-US" smtClean="0"/>
-              <a:t>3/28/2017</a:t>
+              <a:t>3/31/2017</a:t>
             </a:fld>
             <a:endParaRPr lang="en-US"/>
           </a:p>
@@ -416,7 +418,7 @@
           <a:p>
             <a:fld id="{261AE865-0BAD-4428-8396-EB69E173C912}" type="datetimeFigureOut">
               <a:rPr lang="en-US" smtClean="0"/>
-              <a:t>3/28/2017</a:t>
+              <a:t>3/31/2017</a:t>
             </a:fld>
             <a:endParaRPr lang="en-US"/>
           </a:p>
@@ -594,7 +596,7 @@
           <a:p>
             <a:fld id="{261AE865-0BAD-4428-8396-EB69E173C912}" type="datetimeFigureOut">
               <a:rPr lang="en-US" smtClean="0"/>
-              <a:t>3/28/2017</a:t>
+              <a:t>3/31/2017</a:t>
             </a:fld>
             <a:endParaRPr lang="en-US"/>
           </a:p>
@@ -762,7 +764,7 @@
           <a:p>
             <a:fld id="{261AE865-0BAD-4428-8396-EB69E173C912}" type="datetimeFigureOut">
               <a:rPr lang="en-US" smtClean="0"/>
-              <a:t>3/28/2017</a:t>
+              <a:t>3/31/2017</a:t>
             </a:fld>
             <a:endParaRPr lang="en-US"/>
           </a:p>
@@ -1007,7 +1009,7 @@
           <a:p>
             <a:fld id="{261AE865-0BAD-4428-8396-EB69E173C912}" type="datetimeFigureOut">
               <a:rPr lang="en-US" smtClean="0"/>
-              <a:t>3/28/2017</a:t>
+              <a:t>3/31/2017</a:t>
             </a:fld>
             <a:endParaRPr lang="en-US"/>
           </a:p>
@@ -1236,7 +1238,7 @@
           <a:p>
             <a:fld id="{261AE865-0BAD-4428-8396-EB69E173C912}" type="datetimeFigureOut">
               <a:rPr lang="en-US" smtClean="0"/>
-              <a:t>3/28/2017</a:t>
+              <a:t>3/31/2017</a:t>
             </a:fld>
             <a:endParaRPr lang="en-US"/>
           </a:p>
@@ -1600,7 +1602,7 @@
           <a:p>
             <a:fld id="{261AE865-0BAD-4428-8396-EB69E173C912}" type="datetimeFigureOut">
               <a:rPr lang="en-US" smtClean="0"/>
-              <a:t>3/28/2017</a:t>
+              <a:t>3/31/2017</a:t>
             </a:fld>
             <a:endParaRPr lang="en-US"/>
           </a:p>
@@ -1717,7 +1719,7 @@
           <a:p>
             <a:fld id="{261AE865-0BAD-4428-8396-EB69E173C912}" type="datetimeFigureOut">
               <a:rPr lang="en-US" smtClean="0"/>
-              <a:t>3/28/2017</a:t>
+              <a:t>3/31/2017</a:t>
             </a:fld>
             <a:endParaRPr lang="en-US"/>
           </a:p>
@@ -1812,7 +1814,7 @@
           <a:p>
             <a:fld id="{261AE865-0BAD-4428-8396-EB69E173C912}" type="datetimeFigureOut">
               <a:rPr lang="en-US" smtClean="0"/>
-              <a:t>3/28/2017</a:t>
+              <a:t>3/31/2017</a:t>
             </a:fld>
             <a:endParaRPr lang="en-US"/>
           </a:p>
@@ -2087,7 +2089,7 @@
           <a:p>
             <a:fld id="{261AE865-0BAD-4428-8396-EB69E173C912}" type="datetimeFigureOut">
               <a:rPr lang="en-US" smtClean="0"/>
-              <a:t>3/28/2017</a:t>
+              <a:t>3/31/2017</a:t>
             </a:fld>
             <a:endParaRPr lang="en-US"/>
           </a:p>
@@ -2339,7 +2341,7 @@
           <a:p>
             <a:fld id="{261AE865-0BAD-4428-8396-EB69E173C912}" type="datetimeFigureOut">
               <a:rPr lang="en-US" smtClean="0"/>
-              <a:t>3/28/2017</a:t>
+              <a:t>3/31/2017</a:t>
             </a:fld>
             <a:endParaRPr lang="en-US"/>
           </a:p>
@@ -2550,7 +2552,7 @@
           <a:p>
             <a:fld id="{261AE865-0BAD-4428-8396-EB69E173C912}" type="datetimeFigureOut">
               <a:rPr lang="en-US" smtClean="0"/>
-              <a:t>3/28/2017</a:t>
+              <a:t>3/31/2017</a:t>
             </a:fld>
             <a:endParaRPr lang="en-US"/>
           </a:p>
@@ -2957,6 +2959,117 @@
       </p:grpSpPr>
       <p:sp>
         <p:nvSpPr>
+          <p:cNvPr id="5" name="Rectangle 4"/>
+          <p:cNvSpPr/>
+          <p:nvPr/>
+        </p:nvSpPr>
+        <p:spPr>
+          <a:xfrm>
+            <a:off x="0" y="0"/>
+            <a:ext cx="12192000" cy="897622"/>
+          </a:xfrm>
+          <a:prstGeom prst="rect">
+            <a:avLst/>
+          </a:prstGeom>
+          <a:solidFill>
+            <a:srgbClr val="003A70"/>
+          </a:solidFill>
+          <a:ln>
+            <a:noFill/>
+          </a:ln>
+        </p:spPr>
+        <p:style>
+          <a:lnRef idx="2">
+            <a:schemeClr val="accent1">
+              <a:shade val="50000"/>
+            </a:schemeClr>
+          </a:lnRef>
+          <a:fillRef idx="1">
+            <a:schemeClr val="accent1"/>
+          </a:fillRef>
+          <a:effectRef idx="0">
+            <a:schemeClr val="accent1"/>
+          </a:effectRef>
+          <a:fontRef idx="minor">
+            <a:schemeClr val="lt1"/>
+          </a:fontRef>
+        </p:style>
+        <p:txBody>
+          <a:bodyPr rtlCol="0" anchor="ctr"/>
+          <a:lstStyle/>
+          <a:p>
+            <a:pPr algn="ctr"/>
+            <a:endParaRPr lang="en-US"/>
+          </a:p>
+        </p:txBody>
+      </p:sp>
+      <p:sp>
+        <p:nvSpPr>
+          <p:cNvPr id="4" name="TextBox 3"/>
+          <p:cNvSpPr txBox="1"/>
+          <p:nvPr/>
+        </p:nvSpPr>
+        <p:spPr>
+          <a:xfrm>
+            <a:off x="351563" y="125645"/>
+            <a:ext cx="7166837" cy="646331"/>
+          </a:xfrm>
+          <a:prstGeom prst="rect">
+            <a:avLst/>
+          </a:prstGeom>
+          <a:noFill/>
+        </p:spPr>
+        <p:txBody>
+          <a:bodyPr wrap="square" rtlCol="0">
+            <a:spAutoFit/>
+          </a:bodyPr>
+          <a:lstStyle/>
+          <a:p>
+            <a:r>
+              <a:rPr lang="en-US" sz="3600" dirty="0">
+                <a:solidFill>
+                  <a:schemeClr val="bg1"/>
+                </a:solidFill>
+                <a:latin typeface="Proxima Nova Lt" panose="02000506030000020004" pitchFamily="50" charset="0"/>
+                <a:ea typeface="Karla" pitchFamily="2" charset="0"/>
+              </a:rPr>
+              <a:t>Why?</a:t>
+            </a:r>
+          </a:p>
+        </p:txBody>
+      </p:sp>
+    </p:spTree>
+    <p:extLst>
+      <p:ext uri="{BB962C8B-B14F-4D97-AF65-F5344CB8AC3E}">
+        <p14:creationId xmlns:p14="http://schemas.microsoft.com/office/powerpoint/2010/main" val="2262752931"/>
+      </p:ext>
+    </p:extLst>
+  </p:cSld>
+  <p:clrMapOvr>
+    <a:masterClrMapping/>
+  </p:clrMapOvr>
+</p:sld>
+</file>
+
+<file path=ppt/slides/slide10.xml><?xml version="1.0" encoding="utf-8"?>
+<p:sld xmlns:a="http://schemas.openxmlformats.org/drawingml/2006/main" xmlns:r="http://schemas.openxmlformats.org/officeDocument/2006/relationships" xmlns:p="http://schemas.openxmlformats.org/presentationml/2006/main">
+  <p:cSld>
+    <p:spTree>
+      <p:nvGrpSpPr>
+        <p:cNvPr id="1" name=""/>
+        <p:cNvGrpSpPr/>
+        <p:nvPr/>
+      </p:nvGrpSpPr>
+      <p:grpSpPr>
+        <a:xfrm>
+          <a:off x="0" y="0"/>
+          <a:ext cx="0" cy="0"/>
+          <a:chOff x="0" y="0"/>
+          <a:chExt cx="0" cy="0"/>
+        </a:xfrm>
+      </p:grpSpPr>
+      <p:sp>
+        <p:nvSpPr>
           <p:cNvPr id="49" name="TextBox 48"/>
           <p:cNvSpPr txBox="1"/>
           <p:nvPr/>
@@ -3069,14 +3182,14 @@
       </p:sp>
       <p:sp>
         <p:nvSpPr>
-          <p:cNvPr id="64" name="TextBox 63"/>
+          <p:cNvPr id="54" name="TextBox 53"/>
           <p:cNvSpPr txBox="1"/>
           <p:nvPr/>
         </p:nvSpPr>
         <p:spPr>
           <a:xfrm>
-            <a:off x="968375" y="264531"/>
-            <a:ext cx="5178311" cy="461665"/>
+            <a:off x="6678270" y="1168985"/>
+            <a:ext cx="1994014" cy="851515"/>
           </a:xfrm>
           <a:prstGeom prst="rect">
             <a:avLst/>
@@ -3089,6 +3202,136 @@
           </a:bodyPr>
           <a:lstStyle/>
           <a:p>
+            <a:pPr>
+              <a:spcAft>
+                <a:spcPts val="100"/>
+              </a:spcAft>
+            </a:pPr>
+            <a:r>
+              <a:rPr lang="en-US" sz="1200" b="1" dirty="0">
+                <a:latin typeface="Century Gothic" panose="020B0502020202020204" pitchFamily="34" charset="0"/>
+                <a:cs typeface="Arial" panose="020B0604020202020204" pitchFamily="34" charset="0"/>
+              </a:rPr>
+              <a:t>New Year’s Gym Rush</a:t>
+            </a:r>
+          </a:p>
+          <a:p>
+            <a:pPr>
+              <a:spcAft>
+                <a:spcPts val="200"/>
+              </a:spcAft>
+            </a:pPr>
+            <a:r>
+              <a:rPr lang="en-US" sz="1000" dirty="0">
+                <a:latin typeface="Century Gothic" panose="020B0502020202020204" pitchFamily="34" charset="0"/>
+                <a:cs typeface="Arial" panose="020B0604020202020204" pitchFamily="34" charset="0"/>
+              </a:rPr>
+              <a:t>Jan 20, 2016</a:t>
+            </a:r>
+          </a:p>
+          <a:p>
+            <a:r>
+              <a:rPr lang="en-US" sz="800" i="1" dirty="0">
+                <a:latin typeface="Century Gothic" panose="020B0502020202020204" pitchFamily="34" charset="0"/>
+                <a:cs typeface="Arial" panose="020B0604020202020204" pitchFamily="34" charset="0"/>
+              </a:rPr>
+              <a:t>Students flood to the gym in a futile attempt to fulfill their New Year’s goals</a:t>
+            </a:r>
+          </a:p>
+        </p:txBody>
+      </p:sp>
+      <p:cxnSp>
+        <p:nvCxnSpPr>
+          <p:cNvPr id="60" name="Straight Arrow Connector 59"/>
+          <p:cNvCxnSpPr>
+            <a:cxnSpLocks/>
+          </p:cNvCxnSpPr>
+          <p:nvPr/>
+        </p:nvCxnSpPr>
+        <p:spPr>
+          <a:xfrm flipH="1">
+            <a:off x="5741759" y="1433497"/>
+            <a:ext cx="974611" cy="33724"/>
+          </a:xfrm>
+          <a:prstGeom prst="straightConnector1">
+            <a:avLst/>
+          </a:prstGeom>
+          <a:ln>
+            <a:tailEnd type="triangle"/>
+          </a:ln>
+        </p:spPr>
+        <p:style>
+          <a:lnRef idx="1">
+            <a:schemeClr val="accent1"/>
+          </a:lnRef>
+          <a:fillRef idx="0">
+            <a:schemeClr val="accent1"/>
+          </a:fillRef>
+          <a:effectRef idx="0">
+            <a:schemeClr val="accent1"/>
+          </a:effectRef>
+          <a:fontRef idx="minor">
+            <a:schemeClr val="tx1"/>
+          </a:fontRef>
+        </p:style>
+      </p:cxnSp>
+      <p:cxnSp>
+        <p:nvCxnSpPr>
+          <p:cNvPr id="61" name="Straight Arrow Connector 60"/>
+          <p:cNvCxnSpPr>
+            <a:cxnSpLocks/>
+          </p:cNvCxnSpPr>
+          <p:nvPr/>
+        </p:nvCxnSpPr>
+        <p:spPr>
+          <a:xfrm flipV="1">
+            <a:off x="4584700" y="4626041"/>
+            <a:ext cx="317272" cy="382366"/>
+          </a:xfrm>
+          <a:prstGeom prst="straightConnector1">
+            <a:avLst/>
+          </a:prstGeom>
+          <a:ln>
+            <a:tailEnd type="triangle"/>
+          </a:ln>
+        </p:spPr>
+        <p:style>
+          <a:lnRef idx="1">
+            <a:schemeClr val="accent1"/>
+          </a:lnRef>
+          <a:fillRef idx="0">
+            <a:schemeClr val="accent1"/>
+          </a:fillRef>
+          <a:effectRef idx="0">
+            <a:schemeClr val="accent1"/>
+          </a:effectRef>
+          <a:fontRef idx="minor">
+            <a:schemeClr val="tx1"/>
+          </a:fontRef>
+        </p:style>
+      </p:cxnSp>
+      <p:sp>
+        <p:nvSpPr>
+          <p:cNvPr id="64" name="TextBox 63"/>
+          <p:cNvSpPr txBox="1"/>
+          <p:nvPr/>
+        </p:nvSpPr>
+        <p:spPr>
+          <a:xfrm>
+            <a:off x="968375" y="264531"/>
+            <a:ext cx="5178311" cy="461665"/>
+          </a:xfrm>
+          <a:prstGeom prst="rect">
+            <a:avLst/>
+          </a:prstGeom>
+          <a:noFill/>
+        </p:spPr>
+        <p:txBody>
+          <a:bodyPr wrap="square" rtlCol="0">
+            <a:spAutoFit/>
+          </a:bodyPr>
+          <a:lstStyle/>
+          <a:p>
             <a:r>
               <a:rPr lang="en-US" sz="2400" dirty="0">
                 <a:latin typeface="Futura-Normal" pitchFamily="2" charset="0"/>
@@ -3098,10 +3341,450 @@
           </a:p>
         </p:txBody>
       </p:sp>
+      <p:sp>
+        <p:nvSpPr>
+          <p:cNvPr id="65" name="TextBox 64"/>
+          <p:cNvSpPr txBox="1"/>
+          <p:nvPr/>
+        </p:nvSpPr>
+        <p:spPr>
+          <a:xfrm>
+            <a:off x="3539744" y="5008407"/>
+            <a:ext cx="1617448" cy="715581"/>
+          </a:xfrm>
+          <a:prstGeom prst="rect">
+            <a:avLst/>
+          </a:prstGeom>
+          <a:noFill/>
+        </p:spPr>
+        <p:txBody>
+          <a:bodyPr wrap="square" rtlCol="0">
+            <a:spAutoFit/>
+          </a:bodyPr>
+          <a:lstStyle/>
+          <a:p>
+            <a:pPr>
+              <a:spcAft>
+                <a:spcPts val="100"/>
+              </a:spcAft>
+            </a:pPr>
+            <a:r>
+              <a:rPr lang="en-US" sz="1200" b="1" dirty="0">
+                <a:latin typeface="Century Gothic" panose="020B0502020202020204" pitchFamily="34" charset="0"/>
+                <a:cs typeface="Arial" panose="020B0604020202020204" pitchFamily="34" charset="0"/>
+              </a:rPr>
+              <a:t>Winter Break</a:t>
+            </a:r>
+          </a:p>
+          <a:p>
+            <a:pPr>
+              <a:spcAft>
+                <a:spcPts val="200"/>
+              </a:spcAft>
+            </a:pPr>
+            <a:r>
+              <a:rPr lang="en-US" sz="1000" dirty="0">
+                <a:latin typeface="Century Gothic" panose="020B0502020202020204" pitchFamily="34" charset="0"/>
+                <a:cs typeface="Arial" panose="020B0604020202020204" pitchFamily="34" charset="0"/>
+              </a:rPr>
+              <a:t>Dec 19-Jan 19, 2015</a:t>
+            </a:r>
+          </a:p>
+          <a:p>
+            <a:r>
+              <a:rPr lang="en-US" sz="800" i="1" dirty="0">
+                <a:latin typeface="Century Gothic" panose="020B0502020202020204" pitchFamily="34" charset="0"/>
+                <a:cs typeface="Arial" panose="020B0604020202020204" pitchFamily="34" charset="0"/>
+              </a:rPr>
+              <a:t>Most students head home for the winter holidays</a:t>
+            </a:r>
+          </a:p>
+        </p:txBody>
+      </p:sp>
+      <p:sp>
+        <p:nvSpPr>
+          <p:cNvPr id="66" name="TextBox 65"/>
+          <p:cNvSpPr txBox="1"/>
+          <p:nvPr/>
+        </p:nvSpPr>
+        <p:spPr>
+          <a:xfrm>
+            <a:off x="2023091" y="3516084"/>
+            <a:ext cx="1624984" cy="838691"/>
+          </a:xfrm>
+          <a:prstGeom prst="rect">
+            <a:avLst/>
+          </a:prstGeom>
+          <a:noFill/>
+        </p:spPr>
+        <p:txBody>
+          <a:bodyPr wrap="square" rtlCol="0">
+            <a:spAutoFit/>
+          </a:bodyPr>
+          <a:lstStyle/>
+          <a:p>
+            <a:pPr>
+              <a:spcAft>
+                <a:spcPts val="100"/>
+              </a:spcAft>
+            </a:pPr>
+            <a:r>
+              <a:rPr lang="en-US" sz="1200" b="1" dirty="0">
+                <a:latin typeface="Century Gothic" panose="020B0502020202020204" pitchFamily="34" charset="0"/>
+                <a:cs typeface="Arial" panose="020B0604020202020204" pitchFamily="34" charset="0"/>
+              </a:rPr>
+              <a:t>Thanksgiving</a:t>
+            </a:r>
+          </a:p>
+          <a:p>
+            <a:pPr>
+              <a:spcAft>
+                <a:spcPts val="200"/>
+              </a:spcAft>
+            </a:pPr>
+            <a:r>
+              <a:rPr lang="en-US" sz="1000" dirty="0">
+                <a:latin typeface="Century Gothic" panose="020B0502020202020204" pitchFamily="34" charset="0"/>
+                <a:cs typeface="Arial" panose="020B0604020202020204" pitchFamily="34" charset="0"/>
+              </a:rPr>
+              <a:t>Nov 26 2015</a:t>
+            </a:r>
+          </a:p>
+          <a:p>
+            <a:r>
+              <a:rPr lang="en-US" sz="800" i="1" dirty="0">
+                <a:latin typeface="Century Gothic" panose="020B0502020202020204" pitchFamily="34" charset="0"/>
+                <a:cs typeface="Arial" panose="020B0604020202020204" pitchFamily="34" charset="0"/>
+              </a:rPr>
+              <a:t>Working out is optional when you’re filling up on turkey and mashed potatoes</a:t>
+            </a:r>
+          </a:p>
+        </p:txBody>
+      </p:sp>
+      <p:cxnSp>
+        <p:nvCxnSpPr>
+          <p:cNvPr id="67" name="Straight Arrow Connector 66"/>
+          <p:cNvCxnSpPr>
+            <a:cxnSpLocks/>
+          </p:cNvCxnSpPr>
+          <p:nvPr/>
+        </p:nvCxnSpPr>
+        <p:spPr>
+          <a:xfrm flipV="1">
+            <a:off x="3249384" y="3601809"/>
+            <a:ext cx="926306" cy="219076"/>
+          </a:xfrm>
+          <a:prstGeom prst="straightConnector1">
+            <a:avLst/>
+          </a:prstGeom>
+          <a:ln>
+            <a:tailEnd type="triangle"/>
+          </a:ln>
+        </p:spPr>
+        <p:style>
+          <a:lnRef idx="1">
+            <a:schemeClr val="accent1"/>
+          </a:lnRef>
+          <a:fillRef idx="0">
+            <a:schemeClr val="accent1"/>
+          </a:fillRef>
+          <a:effectRef idx="0">
+            <a:schemeClr val="accent1"/>
+          </a:effectRef>
+          <a:fontRef idx="minor">
+            <a:schemeClr val="tx1"/>
+          </a:fontRef>
+        </p:style>
+      </p:cxnSp>
+      <p:sp>
+        <p:nvSpPr>
+          <p:cNvPr id="72" name="TextBox 71"/>
+          <p:cNvSpPr txBox="1"/>
+          <p:nvPr/>
+        </p:nvSpPr>
+        <p:spPr>
+          <a:xfrm>
+            <a:off x="5910722" y="5008407"/>
+            <a:ext cx="1535095" cy="592470"/>
+          </a:xfrm>
+          <a:prstGeom prst="rect">
+            <a:avLst/>
+          </a:prstGeom>
+          <a:noFill/>
+        </p:spPr>
+        <p:txBody>
+          <a:bodyPr wrap="square" rtlCol="0">
+            <a:spAutoFit/>
+          </a:bodyPr>
+          <a:lstStyle/>
+          <a:p>
+            <a:pPr>
+              <a:spcAft>
+                <a:spcPts val="100"/>
+              </a:spcAft>
+            </a:pPr>
+            <a:r>
+              <a:rPr lang="en-US" sz="1200" b="1" dirty="0">
+                <a:latin typeface="Century Gothic" panose="020B0502020202020204" pitchFamily="34" charset="0"/>
+                <a:cs typeface="Arial" panose="020B0604020202020204" pitchFamily="34" charset="0"/>
+              </a:rPr>
+              <a:t>Spring Break</a:t>
+            </a:r>
+          </a:p>
+          <a:p>
+            <a:pPr>
+              <a:spcAft>
+                <a:spcPts val="200"/>
+              </a:spcAft>
+            </a:pPr>
+            <a:r>
+              <a:rPr lang="en-US" sz="1000" dirty="0">
+                <a:latin typeface="Century Gothic" panose="020B0502020202020204" pitchFamily="34" charset="0"/>
+                <a:cs typeface="Arial" panose="020B0604020202020204" pitchFamily="34" charset="0"/>
+              </a:rPr>
+              <a:t>Mar 21-25, 2016</a:t>
+            </a:r>
+          </a:p>
+          <a:p>
+            <a:r>
+              <a:rPr lang="en-US" sz="800" i="1" dirty="0">
+                <a:latin typeface="Century Gothic" panose="020B0502020202020204" pitchFamily="34" charset="0"/>
+                <a:cs typeface="Arial" panose="020B0604020202020204" pitchFamily="34" charset="0"/>
+              </a:rPr>
+              <a:t>Spring break! Party! Woo!</a:t>
+            </a:r>
+          </a:p>
+        </p:txBody>
+      </p:sp>
+      <p:cxnSp>
+        <p:nvCxnSpPr>
+          <p:cNvPr id="80" name="Straight Arrow Connector 79"/>
+          <p:cNvCxnSpPr>
+            <a:cxnSpLocks/>
+          </p:cNvCxnSpPr>
+          <p:nvPr/>
+        </p:nvCxnSpPr>
+        <p:spPr>
+          <a:xfrm flipV="1">
+            <a:off x="6934200" y="4354775"/>
+            <a:ext cx="400050" cy="653632"/>
+          </a:xfrm>
+          <a:prstGeom prst="straightConnector1">
+            <a:avLst/>
+          </a:prstGeom>
+          <a:ln>
+            <a:tailEnd type="triangle"/>
+          </a:ln>
+        </p:spPr>
+        <p:style>
+          <a:lnRef idx="1">
+            <a:schemeClr val="accent1"/>
+          </a:lnRef>
+          <a:fillRef idx="0">
+            <a:schemeClr val="accent1"/>
+          </a:fillRef>
+          <a:effectRef idx="0">
+            <a:schemeClr val="accent1"/>
+          </a:effectRef>
+          <a:fontRef idx="minor">
+            <a:schemeClr val="tx1"/>
+          </a:fontRef>
+        </p:style>
+      </p:cxnSp>
+      <p:sp>
+        <p:nvSpPr>
+          <p:cNvPr id="85" name="TextBox 84"/>
+          <p:cNvSpPr txBox="1"/>
+          <p:nvPr/>
+        </p:nvSpPr>
+        <p:spPr>
+          <a:xfrm>
+            <a:off x="3103334" y="1105594"/>
+            <a:ext cx="1481366" cy="715581"/>
+          </a:xfrm>
+          <a:prstGeom prst="rect">
+            <a:avLst/>
+          </a:prstGeom>
+          <a:noFill/>
+        </p:spPr>
+        <p:txBody>
+          <a:bodyPr wrap="square" rtlCol="0">
+            <a:spAutoFit/>
+          </a:bodyPr>
+          <a:lstStyle/>
+          <a:p>
+            <a:pPr>
+              <a:spcAft>
+                <a:spcPts val="100"/>
+              </a:spcAft>
+            </a:pPr>
+            <a:r>
+              <a:rPr lang="en-US" sz="1200" b="1" dirty="0">
+                <a:latin typeface="Century Gothic" panose="020B0502020202020204" pitchFamily="34" charset="0"/>
+                <a:cs typeface="Arial" panose="020B0604020202020204" pitchFamily="34" charset="0"/>
+              </a:rPr>
+              <a:t>School Begins</a:t>
+            </a:r>
+          </a:p>
+          <a:p>
+            <a:pPr>
+              <a:spcAft>
+                <a:spcPts val="200"/>
+              </a:spcAft>
+            </a:pPr>
+            <a:r>
+              <a:rPr lang="en-US" sz="1000" dirty="0">
+                <a:latin typeface="Century Gothic" panose="020B0502020202020204" pitchFamily="34" charset="0"/>
+                <a:cs typeface="Arial" panose="020B0604020202020204" pitchFamily="34" charset="0"/>
+              </a:rPr>
+              <a:t>Aug 26, 2015</a:t>
+            </a:r>
+          </a:p>
+          <a:p>
+            <a:r>
+              <a:rPr lang="en-US" sz="800" i="1" dirty="0">
+                <a:latin typeface="Century Gothic" panose="020B0502020202020204" pitchFamily="34" charset="0"/>
+                <a:cs typeface="Arial" panose="020B0604020202020204" pitchFamily="34" charset="0"/>
+              </a:rPr>
+              <a:t>Every freshman is in the gym until next week</a:t>
+            </a:r>
+          </a:p>
+        </p:txBody>
+      </p:sp>
+      <p:cxnSp>
+        <p:nvCxnSpPr>
+          <p:cNvPr id="86" name="Straight Arrow Connector 85"/>
+          <p:cNvCxnSpPr>
+            <a:cxnSpLocks/>
+          </p:cNvCxnSpPr>
+          <p:nvPr/>
+        </p:nvCxnSpPr>
+        <p:spPr>
+          <a:xfrm flipH="1">
+            <a:off x="2126456" y="1450359"/>
+            <a:ext cx="976878" cy="111741"/>
+          </a:xfrm>
+          <a:prstGeom prst="straightConnector1">
+            <a:avLst/>
+          </a:prstGeom>
+          <a:ln>
+            <a:tailEnd type="triangle"/>
+          </a:ln>
+        </p:spPr>
+        <p:style>
+          <a:lnRef idx="1">
+            <a:schemeClr val="accent1"/>
+          </a:lnRef>
+          <a:fillRef idx="0">
+            <a:schemeClr val="accent1"/>
+          </a:fillRef>
+          <a:effectRef idx="0">
+            <a:schemeClr val="accent1"/>
+          </a:effectRef>
+          <a:fontRef idx="minor">
+            <a:schemeClr val="tx1"/>
+          </a:fontRef>
+        </p:style>
+      </p:cxnSp>
+      <p:sp>
+        <p:nvSpPr>
+          <p:cNvPr id="89" name="TextBox 88"/>
+          <p:cNvSpPr txBox="1"/>
+          <p:nvPr/>
+        </p:nvSpPr>
+        <p:spPr>
+          <a:xfrm>
+            <a:off x="9412888" y="2724000"/>
+            <a:ext cx="2040969" cy="715581"/>
+          </a:xfrm>
+          <a:prstGeom prst="rect">
+            <a:avLst/>
+          </a:prstGeom>
+          <a:noFill/>
+        </p:spPr>
+        <p:txBody>
+          <a:bodyPr wrap="square" rtlCol="0">
+            <a:spAutoFit/>
+          </a:bodyPr>
+          <a:lstStyle/>
+          <a:p>
+            <a:pPr>
+              <a:spcAft>
+                <a:spcPts val="100"/>
+              </a:spcAft>
+            </a:pPr>
+            <a:r>
+              <a:rPr lang="en-US" sz="1200" b="1" dirty="0">
+                <a:latin typeface="Century Gothic" panose="020B0502020202020204" pitchFamily="34" charset="0"/>
+                <a:cs typeface="Arial" panose="020B0604020202020204" pitchFamily="34" charset="0"/>
+              </a:rPr>
+              <a:t>Spring Commencement</a:t>
+            </a:r>
+          </a:p>
+          <a:p>
+            <a:pPr>
+              <a:spcAft>
+                <a:spcPts val="200"/>
+              </a:spcAft>
+            </a:pPr>
+            <a:r>
+              <a:rPr lang="en-US" sz="1000" dirty="0">
+                <a:latin typeface="Century Gothic" panose="020B0502020202020204" pitchFamily="34" charset="0"/>
+                <a:cs typeface="Arial" panose="020B0604020202020204" pitchFamily="34" charset="0"/>
+              </a:rPr>
+              <a:t>May 14, 2016</a:t>
+            </a:r>
+          </a:p>
+          <a:p>
+            <a:r>
+              <a:rPr lang="en-US" sz="800" i="1" dirty="0">
+                <a:latin typeface="Century Gothic" panose="020B0502020202020204" pitchFamily="34" charset="0"/>
+                <a:cs typeface="Arial" panose="020B0604020202020204" pitchFamily="34" charset="0"/>
+              </a:rPr>
+              <a:t>The gym becomes an empty wasteland until next year</a:t>
+            </a:r>
+          </a:p>
+        </p:txBody>
+      </p:sp>
+      <p:cxnSp>
+        <p:nvCxnSpPr>
+          <p:cNvPr id="92" name="Straight Arrow Connector 91"/>
+          <p:cNvCxnSpPr>
+            <a:cxnSpLocks/>
+          </p:cNvCxnSpPr>
+          <p:nvPr/>
+        </p:nvCxnSpPr>
+        <p:spPr>
+          <a:xfrm flipH="1">
+            <a:off x="9184367" y="3429000"/>
+            <a:ext cx="302534" cy="923090"/>
+          </a:xfrm>
+          <a:prstGeom prst="straightConnector1">
+            <a:avLst/>
+          </a:prstGeom>
+          <a:ln>
+            <a:tailEnd type="triangle"/>
+          </a:ln>
+        </p:spPr>
+        <p:style>
+          <a:lnRef idx="1">
+            <a:schemeClr val="accent1"/>
+          </a:lnRef>
+          <a:fillRef idx="0">
+            <a:schemeClr val="accent1"/>
+          </a:fillRef>
+          <a:effectRef idx="0">
+            <a:schemeClr val="accent1"/>
+          </a:effectRef>
+          <a:fontRef idx="minor">
+            <a:schemeClr val="tx1"/>
+          </a:fontRef>
+        </p:style>
+      </p:cxnSp>
     </p:spTree>
     <p:extLst>
       <p:ext uri="{BB962C8B-B14F-4D97-AF65-F5344CB8AC3E}">
-        <p14:creationId xmlns:p14="http://schemas.microsoft.com/office/powerpoint/2010/main" val="3554674386"/>
+        <p14:creationId xmlns:p14="http://schemas.microsoft.com/office/powerpoint/2010/main" val="1862851807"/>
       </p:ext>
     </p:extLst>
   </p:cSld>
@@ -3130,14 +3813,159 @@
       </p:grpSpPr>
       <p:sp>
         <p:nvSpPr>
-          <p:cNvPr id="49" name="TextBox 48"/>
+          <p:cNvPr id="76" name="Rectangle 75"/>
+          <p:cNvSpPr/>
+          <p:nvPr/>
+        </p:nvSpPr>
+        <p:spPr>
+          <a:xfrm>
+            <a:off x="2725048" y="1747275"/>
+            <a:ext cx="1628442" cy="1536755"/>
+          </a:xfrm>
+          <a:prstGeom prst="rect">
+            <a:avLst/>
+          </a:prstGeom>
+          <a:solidFill>
+            <a:srgbClr val="003A70"/>
+          </a:solidFill>
+          <a:ln>
+            <a:noFill/>
+          </a:ln>
+        </p:spPr>
+        <p:style>
+          <a:lnRef idx="2">
+            <a:schemeClr val="accent1">
+              <a:shade val="50000"/>
+            </a:schemeClr>
+          </a:lnRef>
+          <a:fillRef idx="1">
+            <a:schemeClr val="accent1"/>
+          </a:fillRef>
+          <a:effectRef idx="0">
+            <a:schemeClr val="accent1"/>
+          </a:effectRef>
+          <a:fontRef idx="minor">
+            <a:schemeClr val="lt1"/>
+          </a:fontRef>
+        </p:style>
+        <p:txBody>
+          <a:bodyPr rtlCol="0" anchor="ctr"/>
+          <a:lstStyle/>
+          <a:p>
+            <a:pPr algn="ctr"/>
+            <a:endParaRPr lang="en-US"/>
+          </a:p>
+        </p:txBody>
+      </p:sp>
+      <p:sp>
+        <p:nvSpPr>
+          <p:cNvPr id="11" name="Rectangle 10"/>
+          <p:cNvSpPr/>
+          <p:nvPr/>
+        </p:nvSpPr>
+        <p:spPr>
+          <a:xfrm>
+            <a:off x="676062" y="1747385"/>
+            <a:ext cx="1628442" cy="1536755"/>
+          </a:xfrm>
+          <a:prstGeom prst="rect">
+            <a:avLst/>
+          </a:prstGeom>
+          <a:solidFill>
+            <a:srgbClr val="003A70"/>
+          </a:solidFill>
+          <a:ln>
+            <a:noFill/>
+          </a:ln>
+        </p:spPr>
+        <p:style>
+          <a:lnRef idx="2">
+            <a:schemeClr val="accent1">
+              <a:shade val="50000"/>
+            </a:schemeClr>
+          </a:lnRef>
+          <a:fillRef idx="1">
+            <a:schemeClr val="accent1"/>
+          </a:fillRef>
+          <a:effectRef idx="0">
+            <a:schemeClr val="accent1"/>
+          </a:effectRef>
+          <a:fontRef idx="minor">
+            <a:schemeClr val="lt1"/>
+          </a:fontRef>
+        </p:style>
+        <p:txBody>
+          <a:bodyPr rtlCol="0" anchor="ctr"/>
+          <a:lstStyle/>
+          <a:p>
+            <a:pPr algn="ctr"/>
+            <a:endParaRPr lang="en-US">
+              <a:solidFill>
+                <a:schemeClr val="tx1">
+                  <a:lumMod val="65000"/>
+                  <a:lumOff val="35000"/>
+                </a:schemeClr>
+              </a:solidFill>
+            </a:endParaRPr>
+          </a:p>
+        </p:txBody>
+      </p:sp>
+      <p:sp>
+        <p:nvSpPr>
+          <p:cNvPr id="5" name="Rectangle 4"/>
+          <p:cNvSpPr/>
+          <p:nvPr/>
+        </p:nvSpPr>
+        <p:spPr>
+          <a:xfrm>
+            <a:off x="0" y="0"/>
+            <a:ext cx="12192000" cy="897622"/>
+          </a:xfrm>
+          <a:prstGeom prst="rect">
+            <a:avLst/>
+          </a:prstGeom>
+          <a:solidFill>
+            <a:srgbClr val="003A70"/>
+          </a:solidFill>
+          <a:ln>
+            <a:noFill/>
+          </a:ln>
+        </p:spPr>
+        <p:style>
+          <a:lnRef idx="2">
+            <a:schemeClr val="accent1">
+              <a:shade val="50000"/>
+            </a:schemeClr>
+          </a:lnRef>
+          <a:fillRef idx="1">
+            <a:schemeClr val="accent1"/>
+          </a:fillRef>
+          <a:effectRef idx="0">
+            <a:schemeClr val="accent1"/>
+          </a:effectRef>
+          <a:fontRef idx="minor">
+            <a:schemeClr val="lt1"/>
+          </a:fontRef>
+        </p:style>
+        <p:txBody>
+          <a:bodyPr rtlCol="0" anchor="ctr"/>
+          <a:lstStyle/>
+          <a:p>
+            <a:pPr algn="ctr"/>
+            <a:endParaRPr lang="en-US"/>
+          </a:p>
+        </p:txBody>
+      </p:sp>
+      <p:sp>
+        <p:nvSpPr>
+          <p:cNvPr id="4" name="TextBox 3"/>
           <p:cNvSpPr txBox="1"/>
           <p:nvPr/>
         </p:nvSpPr>
         <p:spPr>
           <a:xfrm>
-            <a:off x="404480" y="2724000"/>
-            <a:ext cx="507831" cy="1410001"/>
+            <a:off x="351563" y="125645"/>
+            <a:ext cx="5863905" cy="646331"/>
           </a:xfrm>
           <a:prstGeom prst="rect">
             <a:avLst/>
@@ -3145,59 +3973,85 @@
           <a:noFill/>
         </p:spPr>
         <p:txBody>
-          <a:bodyPr vert="vert270" wrap="none" rtlCol="0">
+          <a:bodyPr wrap="square" rtlCol="0">
             <a:spAutoFit/>
           </a:bodyPr>
           <a:lstStyle/>
           <a:p>
+            <a:r>
+              <a:rPr lang="en-US" sz="3600" dirty="0">
+                <a:solidFill>
+                  <a:schemeClr val="bg1"/>
+                </a:solidFill>
+                <a:latin typeface="Proxima Nova Lt" panose="02000506030000020004" pitchFamily="50" charset="0"/>
+                <a:ea typeface="Karla" pitchFamily="2" charset="0"/>
+              </a:rPr>
+              <a:t>Data Overview</a:t>
+            </a:r>
+          </a:p>
+        </p:txBody>
+      </p:sp>
+      <p:sp>
+        <p:nvSpPr>
+          <p:cNvPr id="7" name="TextBox 6"/>
+          <p:cNvSpPr txBox="1"/>
+          <p:nvPr/>
+        </p:nvSpPr>
+        <p:spPr>
+          <a:xfrm>
+            <a:off x="740474" y="1811871"/>
+            <a:ext cx="1499618" cy="338554"/>
+          </a:xfrm>
+          <a:prstGeom prst="rect">
+            <a:avLst/>
+          </a:prstGeom>
+          <a:noFill/>
+        </p:spPr>
+        <p:txBody>
+          <a:bodyPr wrap="square" rtlCol="0">
+            <a:spAutoFit/>
+          </a:bodyPr>
+          <a:lstStyle/>
+          <a:p>
             <a:pPr algn="ctr"/>
             <a:r>
-              <a:rPr lang="en-US" sz="1200" b="1" dirty="0">
-                <a:latin typeface="Arial" panose="020B0604020202020204" pitchFamily="34" charset="0"/>
-                <a:cs typeface="Arial" panose="020B0604020202020204" pitchFamily="34" charset="0"/>
-              </a:rPr>
-              <a:t>Number of People</a:t>
-            </a:r>
-          </a:p>
-          <a:p>
-            <a:pPr algn="ctr"/>
-            <a:r>
-              <a:rPr lang="en-US" sz="900" dirty="0">
-                <a:latin typeface="Arial" panose="020B0604020202020204" pitchFamily="34" charset="0"/>
-                <a:cs typeface="Arial" panose="020B0604020202020204" pitchFamily="34" charset="0"/>
-              </a:rPr>
-              <a:t>(7-day Moving Average)</a:t>
-            </a:r>
-            <a:endParaRPr lang="en-US" sz="1400" dirty="0">
-              <a:latin typeface="Arial" panose="020B0604020202020204" pitchFamily="34" charset="0"/>
-              <a:cs typeface="Arial" panose="020B0604020202020204" pitchFamily="34" charset="0"/>
-            </a:endParaRPr>
+              <a:rPr lang="en-US" sz="1600" dirty="0">
+                <a:solidFill>
+                  <a:schemeClr val="bg1"/>
+                </a:solidFill>
+                <a:latin typeface="Proxima Nova Lt" panose="02000506030000020004" pitchFamily="50" charset="0"/>
+                <a:ea typeface="Karla" pitchFamily="2" charset="0"/>
+              </a:rPr>
+              <a:t>School</a:t>
+            </a:r>
           </a:p>
         </p:txBody>
       </p:sp>
       <p:pic>
         <p:nvPicPr>
-          <p:cNvPr id="51" name="Picture 50"/>
+          <p:cNvPr id="20" name="Picture 19"/>
           <p:cNvPicPr>
             <a:picLocks noChangeAspect="1"/>
           </p:cNvPicPr>
           <p:nvPr/>
         </p:nvPicPr>
-        <p:blipFill rotWithShape="1">
+        <p:blipFill>
           <a:blip r:embed="rId2">
+            <a:biLevel thresh="25000"/>
             <a:extLst>
               <a:ext uri="{28A0092B-C50C-407E-A947-70E740481C1C}">
                 <a14:useLocalDpi xmlns:a14="http://schemas.microsoft.com/office/drawing/2010/main" val="0"/>
               </a:ext>
             </a:extLst>
           </a:blip>
-          <a:srcRect l="2222" t="3819" r="2086" b="3567"/>
-          <a:stretch/>
+          <a:stretch>
+            <a:fillRect/>
+          </a:stretch>
         </p:blipFill>
         <p:spPr>
           <a:xfrm>
-            <a:off x="1055459" y="1072536"/>
-            <a:ext cx="10255250" cy="5293497"/>
+            <a:off x="646435" y="2165197"/>
+            <a:ext cx="1687696" cy="963915"/>
           </a:xfrm>
           <a:prstGeom prst="rect">
             <a:avLst/>
@@ -3206,50 +4060,60 @@
       </p:pic>
       <p:sp>
         <p:nvSpPr>
-          <p:cNvPr id="53" name="TextBox 52"/>
+          <p:cNvPr id="33" name="Rectangle 32"/>
+          <p:cNvSpPr/>
+          <p:nvPr/>
+        </p:nvSpPr>
+        <p:spPr>
+          <a:xfrm>
+            <a:off x="6772221" y="1747275"/>
+            <a:ext cx="1628442" cy="1536755"/>
+          </a:xfrm>
+          <a:prstGeom prst="rect">
+            <a:avLst/>
+          </a:prstGeom>
+          <a:solidFill>
+            <a:srgbClr val="003A70"/>
+          </a:solidFill>
+          <a:ln>
+            <a:noFill/>
+          </a:ln>
+        </p:spPr>
+        <p:style>
+          <a:lnRef idx="2">
+            <a:schemeClr val="accent1">
+              <a:shade val="50000"/>
+            </a:schemeClr>
+          </a:lnRef>
+          <a:fillRef idx="1">
+            <a:schemeClr val="accent1"/>
+          </a:fillRef>
+          <a:effectRef idx="0">
+            <a:schemeClr val="accent1"/>
+          </a:effectRef>
+          <a:fontRef idx="minor">
+            <a:schemeClr val="lt1"/>
+          </a:fontRef>
+        </p:style>
+        <p:txBody>
+          <a:bodyPr rtlCol="0" anchor="ctr"/>
+          <a:lstStyle/>
+          <a:p>
+            <a:pPr algn="ctr"/>
+            <a:endParaRPr lang="en-US"/>
+          </a:p>
+        </p:txBody>
+      </p:sp>
+      <p:sp>
+        <p:nvSpPr>
+          <p:cNvPr id="34" name="TextBox 33"/>
           <p:cNvSpPr txBox="1"/>
           <p:nvPr/>
         </p:nvSpPr>
         <p:spPr>
           <a:xfrm>
-            <a:off x="5823050" y="6411684"/>
-            <a:ext cx="647934" cy="276999"/>
-          </a:xfrm>
-          <a:prstGeom prst="rect">
-            <a:avLst/>
-          </a:prstGeom>
-          <a:noFill/>
-        </p:spPr>
-        <p:txBody>
-          <a:bodyPr wrap="none" rtlCol="0">
-            <a:spAutoFit/>
-          </a:bodyPr>
-          <a:lstStyle/>
-          <a:p>
-            <a:r>
-              <a:rPr lang="en-US" sz="1200" b="1" dirty="0">
-                <a:latin typeface="Arial" panose="020B0604020202020204" pitchFamily="34" charset="0"/>
-                <a:cs typeface="Arial" panose="020B0604020202020204" pitchFamily="34" charset="0"/>
-              </a:rPr>
-              <a:t>Month</a:t>
-            </a:r>
-            <a:endParaRPr lang="en-US" sz="1400" b="1" dirty="0">
-              <a:latin typeface="Arial" panose="020B0604020202020204" pitchFamily="34" charset="0"/>
-              <a:cs typeface="Arial" panose="020B0604020202020204" pitchFamily="34" charset="0"/>
-            </a:endParaRPr>
-          </a:p>
-        </p:txBody>
-      </p:sp>
-      <p:sp>
-        <p:nvSpPr>
-          <p:cNvPr id="64" name="TextBox 63"/>
-          <p:cNvSpPr txBox="1"/>
-          <p:nvPr/>
-        </p:nvSpPr>
-        <p:spPr>
-          <a:xfrm>
-            <a:off x="968375" y="264531"/>
-            <a:ext cx="5178311" cy="461665"/>
+            <a:off x="6901045" y="1811761"/>
+            <a:ext cx="1370794" cy="338554"/>
           </a:xfrm>
           <a:prstGeom prst="rect">
             <a:avLst/>
@@ -3262,25 +4126,107 @@
           </a:bodyPr>
           <a:lstStyle/>
           <a:p>
-            <a:r>
-              <a:rPr lang="en-US" sz="2400" dirty="0">
-                <a:latin typeface="Futura-Normal" pitchFamily="2" charset="0"/>
-              </a:rPr>
-              <a:t>UC Berkeley 2015-16 Gym Attendance</a:t>
-            </a:r>
-          </a:p>
-        </p:txBody>
-      </p:sp>
-      <p:sp>
-        <p:nvSpPr>
-          <p:cNvPr id="85" name="TextBox 84"/>
+            <a:pPr algn="ctr"/>
+            <a:r>
+              <a:rPr lang="en-US" sz="1600" dirty="0">
+                <a:solidFill>
+                  <a:schemeClr val="bg1"/>
+                </a:solidFill>
+                <a:latin typeface="Proxima Nova Lt" panose="02000506030000020004" pitchFamily="50" charset="0"/>
+                <a:ea typeface="Karla" pitchFamily="2" charset="0"/>
+              </a:rPr>
+              <a:t>Date / Time</a:t>
+            </a:r>
+          </a:p>
+        </p:txBody>
+      </p:sp>
+      <p:pic>
+        <p:nvPicPr>
+          <p:cNvPr id="24" name="Picture 23"/>
+          <p:cNvPicPr>
+            <a:picLocks noChangeAspect="1"/>
+          </p:cNvPicPr>
+          <p:nvPr/>
+        </p:nvPicPr>
+        <p:blipFill>
+          <a:blip r:embed="rId3">
+            <a:biLevel thresh="25000"/>
+            <a:extLst>
+              <a:ext uri="{28A0092B-C50C-407E-A947-70E740481C1C}">
+                <a14:useLocalDpi xmlns:a14="http://schemas.microsoft.com/office/drawing/2010/main" val="0"/>
+              </a:ext>
+            </a:extLst>
+          </a:blip>
+          <a:stretch>
+            <a:fillRect/>
+          </a:stretch>
+        </p:blipFill>
+        <p:spPr>
+          <a:xfrm>
+            <a:off x="7135928" y="2198881"/>
+            <a:ext cx="901028" cy="901028"/>
+          </a:xfrm>
+          <a:prstGeom prst="rect">
+            <a:avLst/>
+          </a:prstGeom>
+        </p:spPr>
+      </p:pic>
+      <p:sp>
+        <p:nvSpPr>
+          <p:cNvPr id="37" name="Rectangle 36"/>
+          <p:cNvSpPr/>
+          <p:nvPr/>
+        </p:nvSpPr>
+        <p:spPr>
+          <a:xfrm>
+            <a:off x="4774034" y="1747275"/>
+            <a:ext cx="1628442" cy="1536755"/>
+          </a:xfrm>
+          <a:prstGeom prst="rect">
+            <a:avLst/>
+          </a:prstGeom>
+          <a:solidFill>
+            <a:srgbClr val="003A70"/>
+          </a:solidFill>
+          <a:ln>
+            <a:noFill/>
+          </a:ln>
+        </p:spPr>
+        <p:style>
+          <a:lnRef idx="2">
+            <a:schemeClr val="accent1">
+              <a:shade val="50000"/>
+            </a:schemeClr>
+          </a:lnRef>
+          <a:fillRef idx="1">
+            <a:schemeClr val="accent1"/>
+          </a:fillRef>
+          <a:effectRef idx="0">
+            <a:schemeClr val="accent1"/>
+          </a:effectRef>
+          <a:fontRef idx="minor">
+            <a:schemeClr val="lt1"/>
+          </a:fontRef>
+        </p:style>
+        <p:txBody>
+          <a:bodyPr rtlCol="0" anchor="ctr"/>
+          <a:lstStyle/>
+          <a:p>
+            <a:pPr algn="ctr"/>
+            <a:endParaRPr lang="en-US"/>
+          </a:p>
+        </p:txBody>
+      </p:sp>
+      <p:sp>
+        <p:nvSpPr>
+          <p:cNvPr id="38" name="TextBox 37"/>
           <p:cNvSpPr txBox="1"/>
           <p:nvPr/>
         </p:nvSpPr>
         <p:spPr>
           <a:xfrm>
-            <a:off x="3103334" y="1105594"/>
-            <a:ext cx="1481366" cy="715581"/>
+            <a:off x="4938363" y="1811761"/>
+            <a:ext cx="1370794" cy="338554"/>
           </a:xfrm>
           <a:prstGeom prst="rect">
             <a:avLst/>
@@ -3293,62 +4239,216 @@
           </a:bodyPr>
           <a:lstStyle/>
           <a:p>
-            <a:pPr>
-              <a:spcAft>
-                <a:spcPts val="100"/>
-              </a:spcAft>
-            </a:pPr>
-            <a:r>
-              <a:rPr lang="en-US" sz="1200" b="1" dirty="0">
-                <a:latin typeface="Century Gothic" panose="020B0502020202020204" pitchFamily="34" charset="0"/>
-                <a:cs typeface="Arial" panose="020B0604020202020204" pitchFamily="34" charset="0"/>
-              </a:rPr>
-              <a:t>School Begins</a:t>
-            </a:r>
-          </a:p>
-          <a:p>
-            <a:pPr>
-              <a:spcAft>
-                <a:spcPts val="200"/>
-              </a:spcAft>
-            </a:pPr>
-            <a:r>
-              <a:rPr lang="en-US" sz="1000" dirty="0">
-                <a:latin typeface="Century Gothic" panose="020B0502020202020204" pitchFamily="34" charset="0"/>
-                <a:cs typeface="Arial" panose="020B0604020202020204" pitchFamily="34" charset="0"/>
-              </a:rPr>
-              <a:t>Aug 26, 2016</a:t>
-            </a:r>
-          </a:p>
-          <a:p>
-            <a:r>
-              <a:rPr lang="en-US" sz="800" i="1" dirty="0">
-                <a:latin typeface="Century Gothic" panose="020B0502020202020204" pitchFamily="34" charset="0"/>
-                <a:cs typeface="Arial" panose="020B0604020202020204" pitchFamily="34" charset="0"/>
-              </a:rPr>
-              <a:t>Every freshman is in the gym until next week</a:t>
+            <a:pPr algn="ctr"/>
+            <a:r>
+              <a:rPr lang="en-US" sz="1600" dirty="0">
+                <a:solidFill>
+                  <a:schemeClr val="bg1"/>
+                </a:solidFill>
+                <a:latin typeface="Proxima Nova Lt" panose="02000506030000020004" pitchFamily="50" charset="0"/>
+                <a:ea typeface="Karla" pitchFamily="2" charset="0"/>
+              </a:rPr>
+              <a:t>Climate</a:t>
+            </a:r>
+          </a:p>
+        </p:txBody>
+      </p:sp>
+      <p:pic>
+        <p:nvPicPr>
+          <p:cNvPr id="40" name="Picture 39"/>
+          <p:cNvPicPr>
+            <a:picLocks noChangeAspect="1"/>
+          </p:cNvPicPr>
+          <p:nvPr/>
+        </p:nvPicPr>
+        <p:blipFill>
+          <a:blip r:embed="rId4">
+            <a:biLevel thresh="25000"/>
+            <a:extLst>
+              <a:ext uri="{28A0092B-C50C-407E-A947-70E740481C1C}">
+                <a14:useLocalDpi xmlns:a14="http://schemas.microsoft.com/office/drawing/2010/main" val="0"/>
+              </a:ext>
+            </a:extLst>
+          </a:blip>
+          <a:stretch>
+            <a:fillRect/>
+          </a:stretch>
+        </p:blipFill>
+        <p:spPr>
+          <a:xfrm>
+            <a:off x="5097480" y="2214801"/>
+            <a:ext cx="1052560" cy="1052560"/>
+          </a:xfrm>
+          <a:prstGeom prst="rect">
+            <a:avLst/>
+          </a:prstGeom>
+        </p:spPr>
+      </p:pic>
+      <p:sp>
+        <p:nvSpPr>
+          <p:cNvPr id="51" name="TextBox 50"/>
+          <p:cNvSpPr txBox="1"/>
+          <p:nvPr/>
+        </p:nvSpPr>
+        <p:spPr>
+          <a:xfrm>
+            <a:off x="763433" y="3350816"/>
+            <a:ext cx="1378962" cy="338554"/>
+          </a:xfrm>
+          <a:prstGeom prst="rect">
+            <a:avLst/>
+          </a:prstGeom>
+          <a:solidFill>
+            <a:srgbClr val="F2A900"/>
+          </a:solidFill>
+        </p:spPr>
+        <p:txBody>
+          <a:bodyPr wrap="square" rtlCol="0">
+            <a:spAutoFit/>
+          </a:bodyPr>
+          <a:lstStyle/>
+          <a:p>
+            <a:r>
+              <a:rPr lang="en-US" sz="1600" dirty="0">
+                <a:solidFill>
+                  <a:schemeClr val="tx1">
+                    <a:lumMod val="85000"/>
+                    <a:lumOff val="15000"/>
+                  </a:schemeClr>
+                </a:solidFill>
+                <a:latin typeface="Proxima Nova Lt" panose="02000506030000020004" pitchFamily="50" charset="0"/>
+                <a:ea typeface="Karla" pitchFamily="2" charset="0"/>
+              </a:rPr>
+              <a:t>Semester #</a:t>
+            </a:r>
+          </a:p>
+        </p:txBody>
+      </p:sp>
+      <p:sp>
+        <p:nvSpPr>
+          <p:cNvPr id="54" name="TextBox 53"/>
+          <p:cNvSpPr txBox="1"/>
+          <p:nvPr/>
+        </p:nvSpPr>
+        <p:spPr>
+          <a:xfrm>
+            <a:off x="763433" y="3756046"/>
+            <a:ext cx="1378962" cy="584775"/>
+          </a:xfrm>
+          <a:prstGeom prst="rect">
+            <a:avLst/>
+          </a:prstGeom>
+          <a:solidFill>
+            <a:srgbClr val="F2A900"/>
+          </a:solidFill>
+        </p:spPr>
+        <p:txBody>
+          <a:bodyPr wrap="square" rtlCol="0">
+            <a:spAutoFit/>
+          </a:bodyPr>
+          <a:lstStyle/>
+          <a:p>
+            <a:r>
+              <a:rPr lang="en-US" sz="1600" dirty="0">
+                <a:solidFill>
+                  <a:schemeClr val="tx1">
+                    <a:lumMod val="85000"/>
+                    <a:lumOff val="15000"/>
+                  </a:schemeClr>
+                </a:solidFill>
+                <a:latin typeface="Proxima Nova Lt" panose="02000506030000020004" pitchFamily="50" charset="0"/>
+                <a:ea typeface="Karla" pitchFamily="2" charset="0"/>
+              </a:rPr>
+              <a:t>During Semester</a:t>
+            </a:r>
+          </a:p>
+        </p:txBody>
+      </p:sp>
+      <p:pic>
+        <p:nvPicPr>
+          <p:cNvPr id="42" name="Picture 41"/>
+          <p:cNvPicPr>
+            <a:picLocks noChangeAspect="1"/>
+          </p:cNvPicPr>
+          <p:nvPr/>
+        </p:nvPicPr>
+        <p:blipFill>
+          <a:blip r:embed="rId5">
+            <a:biLevel thresh="25000"/>
+            <a:extLst>
+              <a:ext uri="{28A0092B-C50C-407E-A947-70E740481C1C}">
+                <a14:useLocalDpi xmlns:a14="http://schemas.microsoft.com/office/drawing/2010/main" val="0"/>
+              </a:ext>
+            </a:extLst>
+          </a:blip>
+          <a:stretch>
+            <a:fillRect/>
+          </a:stretch>
+        </p:blipFill>
+        <p:spPr>
+          <a:xfrm>
+            <a:off x="3067018" y="2181388"/>
+            <a:ext cx="944503" cy="944503"/>
+          </a:xfrm>
+          <a:prstGeom prst="rect">
+            <a:avLst/>
+          </a:prstGeom>
+        </p:spPr>
+      </p:pic>
+      <p:sp>
+        <p:nvSpPr>
+          <p:cNvPr id="77" name="TextBox 76"/>
+          <p:cNvSpPr txBox="1"/>
+          <p:nvPr/>
+        </p:nvSpPr>
+        <p:spPr>
+          <a:xfrm>
+            <a:off x="2853872" y="1811761"/>
+            <a:ext cx="1370794" cy="338554"/>
+          </a:xfrm>
+          <a:prstGeom prst="rect">
+            <a:avLst/>
+          </a:prstGeom>
+          <a:noFill/>
+        </p:spPr>
+        <p:txBody>
+          <a:bodyPr wrap="square" rtlCol="0">
+            <a:spAutoFit/>
+          </a:bodyPr>
+          <a:lstStyle/>
+          <a:p>
+            <a:pPr algn="ctr"/>
+            <a:r>
+              <a:rPr lang="en-US" sz="1600" dirty="0">
+                <a:solidFill>
+                  <a:schemeClr val="bg1"/>
+                </a:solidFill>
+                <a:latin typeface="Proxima Nova Lt" panose="02000506030000020004" pitchFamily="50" charset="0"/>
+                <a:ea typeface="Karla" pitchFamily="2" charset="0"/>
+              </a:rPr>
+              <a:t>Holiday</a:t>
             </a:r>
           </a:p>
         </p:txBody>
       </p:sp>
       <p:cxnSp>
         <p:nvCxnSpPr>
-          <p:cNvPr id="86" name="Straight Arrow Connector 85"/>
-          <p:cNvCxnSpPr>
-            <a:cxnSpLocks/>
-          </p:cNvCxnSpPr>
+          <p:cNvPr id="44" name="Straight Connector 43"/>
+          <p:cNvCxnSpPr/>
           <p:nvPr/>
         </p:nvCxnSpPr>
         <p:spPr>
-          <a:xfrm flipH="1">
-            <a:off x="2126456" y="1450359"/>
-            <a:ext cx="976878" cy="111741"/>
-          </a:xfrm>
-          <a:prstGeom prst="straightConnector1">
-            <a:avLst/>
-          </a:prstGeom>
-          <a:ln>
-            <a:tailEnd type="triangle"/>
+          <a:xfrm>
+            <a:off x="8927407" y="895241"/>
+            <a:ext cx="19050" cy="5331728"/>
+          </a:xfrm>
+          <a:prstGeom prst="line">
+            <a:avLst/>
+          </a:prstGeom>
+          <a:ln w="31750">
+            <a:solidFill>
+              <a:srgbClr val="003A70"/>
+            </a:solidFill>
           </a:ln>
         </p:spPr>
         <p:style>
@@ -3366,16 +4466,2091 @@
           </a:fontRef>
         </p:style>
       </p:cxnSp>
+      <p:sp>
+        <p:nvSpPr>
+          <p:cNvPr id="88" name="TextBox 87"/>
+          <p:cNvSpPr txBox="1"/>
+          <p:nvPr/>
+        </p:nvSpPr>
+        <p:spPr>
+          <a:xfrm>
+            <a:off x="763433" y="4407497"/>
+            <a:ext cx="1378962" cy="584775"/>
+          </a:xfrm>
+          <a:prstGeom prst="rect">
+            <a:avLst/>
+          </a:prstGeom>
+          <a:solidFill>
+            <a:srgbClr val="F2A900"/>
+          </a:solidFill>
+        </p:spPr>
+        <p:txBody>
+          <a:bodyPr wrap="square" rtlCol="0">
+            <a:spAutoFit/>
+          </a:bodyPr>
+          <a:lstStyle/>
+          <a:p>
+            <a:r>
+              <a:rPr lang="en-US" sz="1600" dirty="0">
+                <a:solidFill>
+                  <a:schemeClr val="tx1">
+                    <a:lumMod val="85000"/>
+                    <a:lumOff val="15000"/>
+                  </a:schemeClr>
+                </a:solidFill>
+                <a:latin typeface="Proxima Nova Lt" panose="02000506030000020004" pitchFamily="50" charset="0"/>
+                <a:ea typeface="Karla" pitchFamily="2" charset="0"/>
+              </a:rPr>
+              <a:t>Start of Semester</a:t>
+            </a:r>
+          </a:p>
+        </p:txBody>
+      </p:sp>
+      <p:sp>
+        <p:nvSpPr>
+          <p:cNvPr id="90" name="TextBox 89"/>
+          <p:cNvSpPr txBox="1"/>
+          <p:nvPr/>
+        </p:nvSpPr>
+        <p:spPr>
+          <a:xfrm>
+            <a:off x="763433" y="5058950"/>
+            <a:ext cx="1378962" cy="584775"/>
+          </a:xfrm>
+          <a:prstGeom prst="rect">
+            <a:avLst/>
+          </a:prstGeom>
+          <a:solidFill>
+            <a:srgbClr val="F2A900"/>
+          </a:solidFill>
+        </p:spPr>
+        <p:txBody>
+          <a:bodyPr wrap="square" rtlCol="0">
+            <a:spAutoFit/>
+          </a:bodyPr>
+          <a:lstStyle/>
+          <a:p>
+            <a:r>
+              <a:rPr lang="en-US" sz="1600" dirty="0">
+                <a:solidFill>
+                  <a:schemeClr val="tx1">
+                    <a:lumMod val="85000"/>
+                    <a:lumOff val="15000"/>
+                  </a:schemeClr>
+                </a:solidFill>
+                <a:latin typeface="Proxima Nova Lt" panose="02000506030000020004" pitchFamily="50" charset="0"/>
+                <a:ea typeface="Karla" pitchFamily="2" charset="0"/>
+              </a:rPr>
+              <a:t>Week of Semester</a:t>
+            </a:r>
+          </a:p>
+        </p:txBody>
+      </p:sp>
+      <p:cxnSp>
+        <p:nvCxnSpPr>
+          <p:cNvPr id="46" name="Straight Connector 45"/>
+          <p:cNvCxnSpPr>
+            <a:cxnSpLocks/>
+          </p:cNvCxnSpPr>
+          <p:nvPr/>
+        </p:nvCxnSpPr>
+        <p:spPr>
+          <a:xfrm flipH="1">
+            <a:off x="680824" y="3281649"/>
+            <a:ext cx="1" cy="2362076"/>
+          </a:xfrm>
+          <a:prstGeom prst="line">
+            <a:avLst/>
+          </a:prstGeom>
+          <a:ln w="12700">
+            <a:solidFill>
+              <a:srgbClr val="003A70"/>
+            </a:solidFill>
+          </a:ln>
+        </p:spPr>
+        <p:style>
+          <a:lnRef idx="1">
+            <a:schemeClr val="accent1"/>
+          </a:lnRef>
+          <a:fillRef idx="0">
+            <a:schemeClr val="accent1"/>
+          </a:fillRef>
+          <a:effectRef idx="0">
+            <a:schemeClr val="accent1"/>
+          </a:effectRef>
+          <a:fontRef idx="minor">
+            <a:schemeClr val="tx1"/>
+          </a:fontRef>
+        </p:style>
+      </p:cxnSp>
+      <p:sp>
+        <p:nvSpPr>
+          <p:cNvPr id="94" name="TextBox 93"/>
+          <p:cNvSpPr txBox="1"/>
+          <p:nvPr/>
+        </p:nvSpPr>
+        <p:spPr>
+          <a:xfrm>
+            <a:off x="2812418" y="3344869"/>
+            <a:ext cx="1398361" cy="584775"/>
+          </a:xfrm>
+          <a:prstGeom prst="rect">
+            <a:avLst/>
+          </a:prstGeom>
+          <a:solidFill>
+            <a:srgbClr val="F2A900"/>
+          </a:solidFill>
+        </p:spPr>
+        <p:txBody>
+          <a:bodyPr wrap="square" rtlCol="0">
+            <a:spAutoFit/>
+          </a:bodyPr>
+          <a:lstStyle/>
+          <a:p>
+            <a:r>
+              <a:rPr lang="en-US" sz="1600" dirty="0">
+                <a:solidFill>
+                  <a:schemeClr val="tx1">
+                    <a:lumMod val="85000"/>
+                    <a:lumOff val="15000"/>
+                  </a:schemeClr>
+                </a:solidFill>
+                <a:latin typeface="Proxima Nova Lt" panose="02000506030000020004" pitchFamily="50" charset="0"/>
+                <a:ea typeface="Karla" pitchFamily="2" charset="0"/>
+              </a:rPr>
+              <a:t>Major Holiday</a:t>
+            </a:r>
+          </a:p>
+        </p:txBody>
+      </p:sp>
+      <p:sp>
+        <p:nvSpPr>
+          <p:cNvPr id="95" name="TextBox 94"/>
+          <p:cNvSpPr txBox="1"/>
+          <p:nvPr/>
+        </p:nvSpPr>
+        <p:spPr>
+          <a:xfrm>
+            <a:off x="2812418" y="3990483"/>
+            <a:ext cx="1398361" cy="584775"/>
+          </a:xfrm>
+          <a:prstGeom prst="rect">
+            <a:avLst/>
+          </a:prstGeom>
+          <a:solidFill>
+            <a:srgbClr val="F2A900"/>
+          </a:solidFill>
+        </p:spPr>
+        <p:txBody>
+          <a:bodyPr wrap="square" rtlCol="0">
+            <a:spAutoFit/>
+          </a:bodyPr>
+          <a:lstStyle/>
+          <a:p>
+            <a:r>
+              <a:rPr lang="en-US" sz="1600" dirty="0">
+                <a:solidFill>
+                  <a:schemeClr val="tx1">
+                    <a:lumMod val="85000"/>
+                    <a:lumOff val="15000"/>
+                  </a:schemeClr>
+                </a:solidFill>
+                <a:latin typeface="Proxima Nova Lt" panose="02000506030000020004" pitchFamily="50" charset="0"/>
+                <a:ea typeface="Karla" pitchFamily="2" charset="0"/>
+              </a:rPr>
+              <a:t>Holiday Recess</a:t>
+            </a:r>
+          </a:p>
+        </p:txBody>
+      </p:sp>
+      <p:sp>
+        <p:nvSpPr>
+          <p:cNvPr id="96" name="TextBox 95"/>
+          <p:cNvSpPr txBox="1"/>
+          <p:nvPr/>
+        </p:nvSpPr>
+        <p:spPr>
+          <a:xfrm>
+            <a:off x="2812418" y="4636097"/>
+            <a:ext cx="1398361" cy="584775"/>
+          </a:xfrm>
+          <a:prstGeom prst="rect">
+            <a:avLst/>
+          </a:prstGeom>
+          <a:solidFill>
+            <a:srgbClr val="F2A900"/>
+          </a:solidFill>
+        </p:spPr>
+        <p:txBody>
+          <a:bodyPr wrap="square" rtlCol="0">
+            <a:spAutoFit/>
+          </a:bodyPr>
+          <a:lstStyle/>
+          <a:p>
+            <a:r>
+              <a:rPr lang="en-US" sz="1600" dirty="0">
+                <a:solidFill>
+                  <a:schemeClr val="tx1">
+                    <a:lumMod val="85000"/>
+                    <a:lumOff val="15000"/>
+                  </a:schemeClr>
+                </a:solidFill>
+                <a:latin typeface="Proxima Nova Lt" panose="02000506030000020004" pitchFamily="50" charset="0"/>
+                <a:ea typeface="Karla" pitchFamily="2" charset="0"/>
+              </a:rPr>
+              <a:t>Academic Holiday</a:t>
+            </a:r>
+          </a:p>
+        </p:txBody>
+      </p:sp>
+      <p:cxnSp>
+        <p:nvCxnSpPr>
+          <p:cNvPr id="98" name="Straight Connector 97"/>
+          <p:cNvCxnSpPr>
+            <a:cxnSpLocks/>
+          </p:cNvCxnSpPr>
+          <p:nvPr/>
+        </p:nvCxnSpPr>
+        <p:spPr>
+          <a:xfrm flipH="1">
+            <a:off x="2729811" y="3281649"/>
+            <a:ext cx="1" cy="1939223"/>
+          </a:xfrm>
+          <a:prstGeom prst="line">
+            <a:avLst/>
+          </a:prstGeom>
+          <a:ln w="12700">
+            <a:solidFill>
+              <a:srgbClr val="003A70"/>
+            </a:solidFill>
+          </a:ln>
+        </p:spPr>
+        <p:style>
+          <a:lnRef idx="1">
+            <a:schemeClr val="accent1"/>
+          </a:lnRef>
+          <a:fillRef idx="0">
+            <a:schemeClr val="accent1"/>
+          </a:fillRef>
+          <a:effectRef idx="0">
+            <a:schemeClr val="accent1"/>
+          </a:effectRef>
+          <a:fontRef idx="minor">
+            <a:schemeClr val="tx1"/>
+          </a:fontRef>
+        </p:style>
+      </p:cxnSp>
+      <p:sp>
+        <p:nvSpPr>
+          <p:cNvPr id="102" name="TextBox 101"/>
+          <p:cNvSpPr txBox="1"/>
+          <p:nvPr/>
+        </p:nvSpPr>
+        <p:spPr>
+          <a:xfrm>
+            <a:off x="4861526" y="3349870"/>
+            <a:ext cx="1398359" cy="338554"/>
+          </a:xfrm>
+          <a:prstGeom prst="rect">
+            <a:avLst/>
+          </a:prstGeom>
+          <a:solidFill>
+            <a:srgbClr val="F2A900"/>
+          </a:solidFill>
+        </p:spPr>
+        <p:txBody>
+          <a:bodyPr wrap="square" rtlCol="0">
+            <a:spAutoFit/>
+          </a:bodyPr>
+          <a:lstStyle/>
+          <a:p>
+            <a:r>
+              <a:rPr lang="en-US" sz="1600" dirty="0">
+                <a:solidFill>
+                  <a:schemeClr val="tx1">
+                    <a:lumMod val="85000"/>
+                    <a:lumOff val="15000"/>
+                  </a:schemeClr>
+                </a:solidFill>
+                <a:latin typeface="Proxima Nova Lt" panose="02000506030000020004" pitchFamily="50" charset="0"/>
+                <a:ea typeface="Karla" pitchFamily="2" charset="0"/>
+              </a:rPr>
+              <a:t>Temperature</a:t>
+            </a:r>
+          </a:p>
+        </p:txBody>
+      </p:sp>
+      <p:sp>
+        <p:nvSpPr>
+          <p:cNvPr id="103" name="TextBox 102"/>
+          <p:cNvSpPr txBox="1"/>
+          <p:nvPr/>
+        </p:nvSpPr>
+        <p:spPr>
+          <a:xfrm>
+            <a:off x="4861526" y="3754263"/>
+            <a:ext cx="1398359" cy="338554"/>
+          </a:xfrm>
+          <a:prstGeom prst="rect">
+            <a:avLst/>
+          </a:prstGeom>
+          <a:solidFill>
+            <a:srgbClr val="F2A900"/>
+          </a:solidFill>
+        </p:spPr>
+        <p:txBody>
+          <a:bodyPr wrap="square" rtlCol="0">
+            <a:spAutoFit/>
+          </a:bodyPr>
+          <a:lstStyle/>
+          <a:p>
+            <a:r>
+              <a:rPr lang="en-US" sz="1600" dirty="0">
+                <a:solidFill>
+                  <a:schemeClr val="tx1">
+                    <a:lumMod val="85000"/>
+                    <a:lumOff val="15000"/>
+                  </a:schemeClr>
+                </a:solidFill>
+                <a:latin typeface="Proxima Nova Lt" panose="02000506030000020004" pitchFamily="50" charset="0"/>
+                <a:ea typeface="Karla" pitchFamily="2" charset="0"/>
+              </a:rPr>
+              <a:t>Precipitation</a:t>
+            </a:r>
+          </a:p>
+        </p:txBody>
+      </p:sp>
+      <p:cxnSp>
+        <p:nvCxnSpPr>
+          <p:cNvPr id="105" name="Straight Connector 104"/>
+          <p:cNvCxnSpPr>
+            <a:cxnSpLocks/>
+          </p:cNvCxnSpPr>
+          <p:nvPr/>
+        </p:nvCxnSpPr>
+        <p:spPr>
+          <a:xfrm flipH="1">
+            <a:off x="4778920" y="3281649"/>
+            <a:ext cx="1" cy="811168"/>
+          </a:xfrm>
+          <a:prstGeom prst="line">
+            <a:avLst/>
+          </a:prstGeom>
+          <a:ln w="12700">
+            <a:solidFill>
+              <a:srgbClr val="003A70"/>
+            </a:solidFill>
+          </a:ln>
+        </p:spPr>
+        <p:style>
+          <a:lnRef idx="1">
+            <a:schemeClr val="accent1"/>
+          </a:lnRef>
+          <a:fillRef idx="0">
+            <a:schemeClr val="accent1"/>
+          </a:fillRef>
+          <a:effectRef idx="0">
+            <a:schemeClr val="accent1"/>
+          </a:effectRef>
+          <a:fontRef idx="minor">
+            <a:schemeClr val="tx1"/>
+          </a:fontRef>
+        </p:style>
+      </p:cxnSp>
+      <p:sp>
+        <p:nvSpPr>
+          <p:cNvPr id="107" name="TextBox 106"/>
+          <p:cNvSpPr txBox="1"/>
+          <p:nvPr/>
+        </p:nvSpPr>
+        <p:spPr>
+          <a:xfrm>
+            <a:off x="6859588" y="3349870"/>
+            <a:ext cx="1398359" cy="338554"/>
+          </a:xfrm>
+          <a:prstGeom prst="rect">
+            <a:avLst/>
+          </a:prstGeom>
+          <a:solidFill>
+            <a:srgbClr val="F2A900"/>
+          </a:solidFill>
+        </p:spPr>
+        <p:txBody>
+          <a:bodyPr wrap="square" rtlCol="0">
+            <a:spAutoFit/>
+          </a:bodyPr>
+          <a:lstStyle/>
+          <a:p>
+            <a:r>
+              <a:rPr lang="en-US" sz="1600" dirty="0">
+                <a:solidFill>
+                  <a:schemeClr val="tx1">
+                    <a:lumMod val="85000"/>
+                    <a:lumOff val="15000"/>
+                  </a:schemeClr>
+                </a:solidFill>
+                <a:latin typeface="Proxima Nova Lt" panose="02000506030000020004" pitchFamily="50" charset="0"/>
+                <a:ea typeface="Karla" pitchFamily="2" charset="0"/>
+              </a:rPr>
+              <a:t>Day of Week</a:t>
+            </a:r>
+          </a:p>
+        </p:txBody>
+      </p:sp>
+      <p:sp>
+        <p:nvSpPr>
+          <p:cNvPr id="108" name="TextBox 107"/>
+          <p:cNvSpPr txBox="1"/>
+          <p:nvPr/>
+        </p:nvSpPr>
+        <p:spPr>
+          <a:xfrm>
+            <a:off x="6859588" y="3754263"/>
+            <a:ext cx="1398359" cy="338554"/>
+          </a:xfrm>
+          <a:prstGeom prst="rect">
+            <a:avLst/>
+          </a:prstGeom>
+          <a:solidFill>
+            <a:srgbClr val="F2A900"/>
+          </a:solidFill>
+        </p:spPr>
+        <p:txBody>
+          <a:bodyPr wrap="square" rtlCol="0">
+            <a:spAutoFit/>
+          </a:bodyPr>
+          <a:lstStyle/>
+          <a:p>
+            <a:r>
+              <a:rPr lang="en-US" sz="1600" dirty="0">
+                <a:solidFill>
+                  <a:schemeClr val="tx1">
+                    <a:lumMod val="85000"/>
+                    <a:lumOff val="15000"/>
+                  </a:schemeClr>
+                </a:solidFill>
+                <a:latin typeface="Proxima Nova Lt" panose="02000506030000020004" pitchFamily="50" charset="0"/>
+                <a:ea typeface="Karla" pitchFamily="2" charset="0"/>
+              </a:rPr>
+              <a:t>Hour</a:t>
+            </a:r>
+          </a:p>
+        </p:txBody>
+      </p:sp>
+      <p:cxnSp>
+        <p:nvCxnSpPr>
+          <p:cNvPr id="109" name="Straight Connector 108"/>
+          <p:cNvCxnSpPr>
+            <a:cxnSpLocks/>
+          </p:cNvCxnSpPr>
+          <p:nvPr/>
+        </p:nvCxnSpPr>
+        <p:spPr>
+          <a:xfrm flipH="1">
+            <a:off x="6776982" y="3281649"/>
+            <a:ext cx="1" cy="811168"/>
+          </a:xfrm>
+          <a:prstGeom prst="line">
+            <a:avLst/>
+          </a:prstGeom>
+          <a:ln w="12700">
+            <a:solidFill>
+              <a:srgbClr val="003A70"/>
+            </a:solidFill>
+          </a:ln>
+        </p:spPr>
+        <p:style>
+          <a:lnRef idx="1">
+            <a:schemeClr val="accent1"/>
+          </a:lnRef>
+          <a:fillRef idx="0">
+            <a:schemeClr val="accent1"/>
+          </a:fillRef>
+          <a:effectRef idx="0">
+            <a:schemeClr val="accent1"/>
+          </a:effectRef>
+          <a:fontRef idx="minor">
+            <a:schemeClr val="tx1"/>
+          </a:fontRef>
+        </p:style>
+      </p:cxnSp>
+      <p:sp>
+        <p:nvSpPr>
+          <p:cNvPr id="85" name="Rectangle 84"/>
+          <p:cNvSpPr/>
+          <p:nvPr/>
+        </p:nvSpPr>
+        <p:spPr>
+          <a:xfrm>
+            <a:off x="676061" y="1041400"/>
+            <a:ext cx="7724602" cy="501684"/>
+          </a:xfrm>
+          <a:prstGeom prst="rect">
+            <a:avLst/>
+          </a:prstGeom>
+          <a:solidFill>
+            <a:srgbClr val="F2A900"/>
+          </a:solidFill>
+          <a:ln>
+            <a:noFill/>
+          </a:ln>
+        </p:spPr>
+        <p:style>
+          <a:lnRef idx="2">
+            <a:schemeClr val="accent1">
+              <a:shade val="50000"/>
+            </a:schemeClr>
+          </a:lnRef>
+          <a:fillRef idx="1">
+            <a:schemeClr val="accent1"/>
+          </a:fillRef>
+          <a:effectRef idx="0">
+            <a:schemeClr val="accent1"/>
+          </a:effectRef>
+          <a:fontRef idx="minor">
+            <a:schemeClr val="lt1"/>
+          </a:fontRef>
+        </p:style>
+        <p:txBody>
+          <a:bodyPr rtlCol="0" anchor="ctr"/>
+          <a:lstStyle/>
+          <a:p>
+            <a:pPr algn="ctr"/>
+            <a:r>
+              <a:rPr lang="en-US" dirty="0">
+                <a:solidFill>
+                  <a:schemeClr val="tx1">
+                    <a:lumMod val="85000"/>
+                    <a:lumOff val="15000"/>
+                  </a:schemeClr>
+                </a:solidFill>
+                <a:latin typeface="Proxima Nova Lt" panose="02000506030000020004" pitchFamily="50" charset="0"/>
+              </a:rPr>
+              <a:t>Predictors</a:t>
+            </a:r>
+          </a:p>
+        </p:txBody>
+      </p:sp>
+      <p:sp>
+        <p:nvSpPr>
+          <p:cNvPr id="111" name="Rectangle 110"/>
+          <p:cNvSpPr/>
+          <p:nvPr/>
+        </p:nvSpPr>
+        <p:spPr>
+          <a:xfrm>
+            <a:off x="9473200" y="1041400"/>
+            <a:ext cx="1971786" cy="501684"/>
+          </a:xfrm>
+          <a:prstGeom prst="rect">
+            <a:avLst/>
+          </a:prstGeom>
+          <a:solidFill>
+            <a:srgbClr val="C00000"/>
+          </a:solidFill>
+          <a:ln>
+            <a:noFill/>
+          </a:ln>
+        </p:spPr>
+        <p:style>
+          <a:lnRef idx="2">
+            <a:schemeClr val="accent1">
+              <a:shade val="50000"/>
+            </a:schemeClr>
+          </a:lnRef>
+          <a:fillRef idx="1">
+            <a:schemeClr val="accent1"/>
+          </a:fillRef>
+          <a:effectRef idx="0">
+            <a:schemeClr val="accent1"/>
+          </a:effectRef>
+          <a:fontRef idx="minor">
+            <a:schemeClr val="lt1"/>
+          </a:fontRef>
+        </p:style>
+        <p:txBody>
+          <a:bodyPr rtlCol="0" anchor="ctr"/>
+          <a:lstStyle/>
+          <a:p>
+            <a:pPr algn="ctr"/>
+            <a:r>
+              <a:rPr lang="en-US" dirty="0">
+                <a:solidFill>
+                  <a:schemeClr val="bg1"/>
+                </a:solidFill>
+                <a:latin typeface="Proxima Nova Lt" panose="02000506030000020004" pitchFamily="50" charset="0"/>
+              </a:rPr>
+              <a:t>Target</a:t>
+            </a:r>
+          </a:p>
+        </p:txBody>
+      </p:sp>
+      <p:sp>
+        <p:nvSpPr>
+          <p:cNvPr id="112" name="Rectangle 111"/>
+          <p:cNvSpPr/>
+          <p:nvPr/>
+        </p:nvSpPr>
+        <p:spPr>
+          <a:xfrm>
+            <a:off x="9633563" y="1747275"/>
+            <a:ext cx="1628442" cy="2593546"/>
+          </a:xfrm>
+          <a:prstGeom prst="rect">
+            <a:avLst/>
+          </a:prstGeom>
+          <a:solidFill>
+            <a:srgbClr val="003A70"/>
+          </a:solidFill>
+          <a:ln>
+            <a:noFill/>
+          </a:ln>
+        </p:spPr>
+        <p:style>
+          <a:lnRef idx="2">
+            <a:schemeClr val="accent1">
+              <a:shade val="50000"/>
+            </a:schemeClr>
+          </a:lnRef>
+          <a:fillRef idx="1">
+            <a:schemeClr val="accent1"/>
+          </a:fillRef>
+          <a:effectRef idx="0">
+            <a:schemeClr val="accent1"/>
+          </a:effectRef>
+          <a:fontRef idx="minor">
+            <a:schemeClr val="lt1"/>
+          </a:fontRef>
+        </p:style>
+        <p:txBody>
+          <a:bodyPr rtlCol="0" anchor="ctr"/>
+          <a:lstStyle/>
+          <a:p>
+            <a:pPr algn="ctr"/>
+            <a:endParaRPr lang="en-US">
+              <a:solidFill>
+                <a:schemeClr val="tx1">
+                  <a:lumMod val="65000"/>
+                  <a:lumOff val="35000"/>
+                </a:schemeClr>
+              </a:solidFill>
+            </a:endParaRPr>
+          </a:p>
+        </p:txBody>
+      </p:sp>
+      <p:sp>
+        <p:nvSpPr>
+          <p:cNvPr id="113" name="TextBox 112"/>
+          <p:cNvSpPr txBox="1"/>
+          <p:nvPr/>
+        </p:nvSpPr>
+        <p:spPr>
+          <a:xfrm>
+            <a:off x="9697975" y="1811761"/>
+            <a:ext cx="1499618" cy="584775"/>
+          </a:xfrm>
+          <a:prstGeom prst="rect">
+            <a:avLst/>
+          </a:prstGeom>
+          <a:noFill/>
+        </p:spPr>
+        <p:txBody>
+          <a:bodyPr wrap="square" rtlCol="0">
+            <a:spAutoFit/>
+          </a:bodyPr>
+          <a:lstStyle/>
+          <a:p>
+            <a:pPr algn="ctr"/>
+            <a:r>
+              <a:rPr lang="en-US" sz="1600" dirty="0">
+                <a:solidFill>
+                  <a:schemeClr val="bg1"/>
+                </a:solidFill>
+                <a:latin typeface="Proxima Nova Lt" panose="02000506030000020004" pitchFamily="50" charset="0"/>
+                <a:ea typeface="Karla" pitchFamily="2" charset="0"/>
+              </a:rPr>
+              <a:t>Gym Attendance</a:t>
+            </a:r>
+          </a:p>
+        </p:txBody>
+      </p:sp>
+      <p:pic>
+        <p:nvPicPr>
+          <p:cNvPr id="91" name="Picture 90"/>
+          <p:cNvPicPr>
+            <a:picLocks noChangeAspect="1"/>
+          </p:cNvPicPr>
+          <p:nvPr/>
+        </p:nvPicPr>
+        <p:blipFill>
+          <a:blip r:embed="rId6">
+            <a:biLevel thresh="25000"/>
+            <a:extLst>
+              <a:ext uri="{28A0092B-C50C-407E-A947-70E740481C1C}">
+                <a14:useLocalDpi xmlns:a14="http://schemas.microsoft.com/office/drawing/2010/main" val="0"/>
+              </a:ext>
+            </a:extLst>
+          </a:blip>
+          <a:stretch>
+            <a:fillRect/>
+          </a:stretch>
+        </p:blipFill>
+        <p:spPr>
+          <a:xfrm>
+            <a:off x="9501697" y="2392236"/>
+            <a:ext cx="1914792" cy="1905266"/>
+          </a:xfrm>
+          <a:prstGeom prst="rect">
+            <a:avLst/>
+          </a:prstGeom>
+        </p:spPr>
+      </p:pic>
     </p:spTree>
     <p:extLst>
       <p:ext uri="{BB962C8B-B14F-4D97-AF65-F5344CB8AC3E}">
-        <p14:creationId xmlns:p14="http://schemas.microsoft.com/office/powerpoint/2010/main" val="1968835946"/>
+        <p14:creationId xmlns:p14="http://schemas.microsoft.com/office/powerpoint/2010/main" val="194057908"/>
       </p:ext>
     </p:extLst>
   </p:cSld>
   <p:clrMapOvr>
     <a:masterClrMapping/>
   </p:clrMapOvr>
+  <p:timing>
+    <p:tnLst>
+      <p:par>
+        <p:cTn id="1" dur="indefinite" restart="never" nodeType="tmRoot">
+          <p:childTnLst>
+            <p:seq concurrent="1" nextAc="seek">
+              <p:cTn id="2" dur="indefinite" nodeType="mainSeq">
+                <p:childTnLst>
+                  <p:par>
+                    <p:cTn id="3" fill="hold">
+                      <p:stCondLst>
+                        <p:cond delay="indefinite"/>
+                      </p:stCondLst>
+                      <p:childTnLst>
+                        <p:par>
+                          <p:cTn id="4" fill="hold">
+                            <p:stCondLst>
+                              <p:cond delay="0"/>
+                            </p:stCondLst>
+                            <p:childTnLst>
+                              <p:par>
+                                <p:cTn id="5" presetID="10" presetClass="entr" presetSubtype="0" fill="hold" grpId="0" nodeType="clickEffect">
+                                  <p:stCondLst>
+                                    <p:cond delay="0"/>
+                                  </p:stCondLst>
+                                  <p:childTnLst>
+                                    <p:set>
+                                      <p:cBhvr>
+                                        <p:cTn id="6" dur="1" fill="hold">
+                                          <p:stCondLst>
+                                            <p:cond delay="0"/>
+                                          </p:stCondLst>
+                                        </p:cTn>
+                                        <p:tgtEl>
+                                          <p:spTgt spid="85"/>
+                                        </p:tgtEl>
+                                        <p:attrNameLst>
+                                          <p:attrName>style.visibility</p:attrName>
+                                        </p:attrNameLst>
+                                      </p:cBhvr>
+                                      <p:to>
+                                        <p:strVal val="visible"/>
+                                      </p:to>
+                                    </p:set>
+                                    <p:animEffect transition="in" filter="fade">
+                                      <p:cBhvr>
+                                        <p:cTn id="7" dur="1000"/>
+                                        <p:tgtEl>
+                                          <p:spTgt spid="85"/>
+                                        </p:tgtEl>
+                                      </p:cBhvr>
+                                    </p:animEffect>
+                                  </p:childTnLst>
+                                </p:cTn>
+                              </p:par>
+                            </p:childTnLst>
+                          </p:cTn>
+                        </p:par>
+                      </p:childTnLst>
+                    </p:cTn>
+                  </p:par>
+                  <p:par>
+                    <p:cTn id="8" fill="hold">
+                      <p:stCondLst>
+                        <p:cond delay="indefinite"/>
+                      </p:stCondLst>
+                      <p:childTnLst>
+                        <p:par>
+                          <p:cTn id="9" fill="hold">
+                            <p:stCondLst>
+                              <p:cond delay="0"/>
+                            </p:stCondLst>
+                            <p:childTnLst>
+                              <p:par>
+                                <p:cTn id="10" presetID="10" presetClass="entr" presetSubtype="0" fill="hold" grpId="0" nodeType="clickEffect">
+                                  <p:stCondLst>
+                                    <p:cond delay="0"/>
+                                  </p:stCondLst>
+                                  <p:childTnLst>
+                                    <p:set>
+                                      <p:cBhvr>
+                                        <p:cTn id="11" dur="1" fill="hold">
+                                          <p:stCondLst>
+                                            <p:cond delay="0"/>
+                                          </p:stCondLst>
+                                        </p:cTn>
+                                        <p:tgtEl>
+                                          <p:spTgt spid="11"/>
+                                        </p:tgtEl>
+                                        <p:attrNameLst>
+                                          <p:attrName>style.visibility</p:attrName>
+                                        </p:attrNameLst>
+                                      </p:cBhvr>
+                                      <p:to>
+                                        <p:strVal val="visible"/>
+                                      </p:to>
+                                    </p:set>
+                                    <p:animEffect transition="in" filter="fade">
+                                      <p:cBhvr>
+                                        <p:cTn id="12" dur="1000"/>
+                                        <p:tgtEl>
+                                          <p:spTgt spid="11"/>
+                                        </p:tgtEl>
+                                      </p:cBhvr>
+                                    </p:animEffect>
+                                  </p:childTnLst>
+                                </p:cTn>
+                              </p:par>
+                              <p:par>
+                                <p:cTn id="13" presetID="10" presetClass="entr" presetSubtype="0" fill="hold" grpId="0" nodeType="withEffect">
+                                  <p:stCondLst>
+                                    <p:cond delay="0"/>
+                                  </p:stCondLst>
+                                  <p:childTnLst>
+                                    <p:set>
+                                      <p:cBhvr>
+                                        <p:cTn id="14" dur="1" fill="hold">
+                                          <p:stCondLst>
+                                            <p:cond delay="0"/>
+                                          </p:stCondLst>
+                                        </p:cTn>
+                                        <p:tgtEl>
+                                          <p:spTgt spid="7"/>
+                                        </p:tgtEl>
+                                        <p:attrNameLst>
+                                          <p:attrName>style.visibility</p:attrName>
+                                        </p:attrNameLst>
+                                      </p:cBhvr>
+                                      <p:to>
+                                        <p:strVal val="visible"/>
+                                      </p:to>
+                                    </p:set>
+                                    <p:animEffect transition="in" filter="fade">
+                                      <p:cBhvr>
+                                        <p:cTn id="15" dur="1000"/>
+                                        <p:tgtEl>
+                                          <p:spTgt spid="7"/>
+                                        </p:tgtEl>
+                                      </p:cBhvr>
+                                    </p:animEffect>
+                                  </p:childTnLst>
+                                </p:cTn>
+                              </p:par>
+                              <p:par>
+                                <p:cTn id="16" presetID="10" presetClass="entr" presetSubtype="0" fill="hold" nodeType="withEffect">
+                                  <p:stCondLst>
+                                    <p:cond delay="0"/>
+                                  </p:stCondLst>
+                                  <p:childTnLst>
+                                    <p:set>
+                                      <p:cBhvr>
+                                        <p:cTn id="17" dur="1" fill="hold">
+                                          <p:stCondLst>
+                                            <p:cond delay="0"/>
+                                          </p:stCondLst>
+                                        </p:cTn>
+                                        <p:tgtEl>
+                                          <p:spTgt spid="20"/>
+                                        </p:tgtEl>
+                                        <p:attrNameLst>
+                                          <p:attrName>style.visibility</p:attrName>
+                                        </p:attrNameLst>
+                                      </p:cBhvr>
+                                      <p:to>
+                                        <p:strVal val="visible"/>
+                                      </p:to>
+                                    </p:set>
+                                    <p:animEffect transition="in" filter="fade">
+                                      <p:cBhvr>
+                                        <p:cTn id="18" dur="1000"/>
+                                        <p:tgtEl>
+                                          <p:spTgt spid="20"/>
+                                        </p:tgtEl>
+                                      </p:cBhvr>
+                                    </p:animEffect>
+                                  </p:childTnLst>
+                                </p:cTn>
+                              </p:par>
+                              <p:par>
+                                <p:cTn id="19" presetID="10" presetClass="entr" presetSubtype="0" fill="hold" nodeType="withEffect">
+                                  <p:stCondLst>
+                                    <p:cond delay="0"/>
+                                  </p:stCondLst>
+                                  <p:childTnLst>
+                                    <p:set>
+                                      <p:cBhvr>
+                                        <p:cTn id="20" dur="1" fill="hold">
+                                          <p:stCondLst>
+                                            <p:cond delay="0"/>
+                                          </p:stCondLst>
+                                        </p:cTn>
+                                        <p:tgtEl>
+                                          <p:spTgt spid="46"/>
+                                        </p:tgtEl>
+                                        <p:attrNameLst>
+                                          <p:attrName>style.visibility</p:attrName>
+                                        </p:attrNameLst>
+                                      </p:cBhvr>
+                                      <p:to>
+                                        <p:strVal val="visible"/>
+                                      </p:to>
+                                    </p:set>
+                                    <p:animEffect transition="in" filter="fade">
+                                      <p:cBhvr>
+                                        <p:cTn id="21" dur="1000"/>
+                                        <p:tgtEl>
+                                          <p:spTgt spid="46"/>
+                                        </p:tgtEl>
+                                      </p:cBhvr>
+                                    </p:animEffect>
+                                  </p:childTnLst>
+                                </p:cTn>
+                              </p:par>
+                              <p:par>
+                                <p:cTn id="22" presetID="10" presetClass="entr" presetSubtype="0" fill="hold" grpId="0" nodeType="withEffect">
+                                  <p:stCondLst>
+                                    <p:cond delay="0"/>
+                                  </p:stCondLst>
+                                  <p:childTnLst>
+                                    <p:set>
+                                      <p:cBhvr>
+                                        <p:cTn id="23" dur="1" fill="hold">
+                                          <p:stCondLst>
+                                            <p:cond delay="0"/>
+                                          </p:stCondLst>
+                                        </p:cTn>
+                                        <p:tgtEl>
+                                          <p:spTgt spid="51"/>
+                                        </p:tgtEl>
+                                        <p:attrNameLst>
+                                          <p:attrName>style.visibility</p:attrName>
+                                        </p:attrNameLst>
+                                      </p:cBhvr>
+                                      <p:to>
+                                        <p:strVal val="visible"/>
+                                      </p:to>
+                                    </p:set>
+                                    <p:animEffect transition="in" filter="fade">
+                                      <p:cBhvr>
+                                        <p:cTn id="24" dur="1000"/>
+                                        <p:tgtEl>
+                                          <p:spTgt spid="51"/>
+                                        </p:tgtEl>
+                                      </p:cBhvr>
+                                    </p:animEffect>
+                                  </p:childTnLst>
+                                </p:cTn>
+                              </p:par>
+                              <p:par>
+                                <p:cTn id="25" presetID="10" presetClass="entr" presetSubtype="0" fill="hold" grpId="0" nodeType="withEffect">
+                                  <p:stCondLst>
+                                    <p:cond delay="0"/>
+                                  </p:stCondLst>
+                                  <p:childTnLst>
+                                    <p:set>
+                                      <p:cBhvr>
+                                        <p:cTn id="26" dur="1" fill="hold">
+                                          <p:stCondLst>
+                                            <p:cond delay="0"/>
+                                          </p:stCondLst>
+                                        </p:cTn>
+                                        <p:tgtEl>
+                                          <p:spTgt spid="54"/>
+                                        </p:tgtEl>
+                                        <p:attrNameLst>
+                                          <p:attrName>style.visibility</p:attrName>
+                                        </p:attrNameLst>
+                                      </p:cBhvr>
+                                      <p:to>
+                                        <p:strVal val="visible"/>
+                                      </p:to>
+                                    </p:set>
+                                    <p:animEffect transition="in" filter="fade">
+                                      <p:cBhvr>
+                                        <p:cTn id="27" dur="1000"/>
+                                        <p:tgtEl>
+                                          <p:spTgt spid="54"/>
+                                        </p:tgtEl>
+                                      </p:cBhvr>
+                                    </p:animEffect>
+                                  </p:childTnLst>
+                                </p:cTn>
+                              </p:par>
+                              <p:par>
+                                <p:cTn id="28" presetID="10" presetClass="entr" presetSubtype="0" fill="hold" grpId="0" nodeType="withEffect">
+                                  <p:stCondLst>
+                                    <p:cond delay="0"/>
+                                  </p:stCondLst>
+                                  <p:childTnLst>
+                                    <p:set>
+                                      <p:cBhvr>
+                                        <p:cTn id="29" dur="1" fill="hold">
+                                          <p:stCondLst>
+                                            <p:cond delay="0"/>
+                                          </p:stCondLst>
+                                        </p:cTn>
+                                        <p:tgtEl>
+                                          <p:spTgt spid="88"/>
+                                        </p:tgtEl>
+                                        <p:attrNameLst>
+                                          <p:attrName>style.visibility</p:attrName>
+                                        </p:attrNameLst>
+                                      </p:cBhvr>
+                                      <p:to>
+                                        <p:strVal val="visible"/>
+                                      </p:to>
+                                    </p:set>
+                                    <p:animEffect transition="in" filter="fade">
+                                      <p:cBhvr>
+                                        <p:cTn id="30" dur="1000"/>
+                                        <p:tgtEl>
+                                          <p:spTgt spid="88"/>
+                                        </p:tgtEl>
+                                      </p:cBhvr>
+                                    </p:animEffect>
+                                  </p:childTnLst>
+                                </p:cTn>
+                              </p:par>
+                              <p:par>
+                                <p:cTn id="31" presetID="10" presetClass="entr" presetSubtype="0" fill="hold" grpId="0" nodeType="withEffect">
+                                  <p:stCondLst>
+                                    <p:cond delay="0"/>
+                                  </p:stCondLst>
+                                  <p:childTnLst>
+                                    <p:set>
+                                      <p:cBhvr>
+                                        <p:cTn id="32" dur="1" fill="hold">
+                                          <p:stCondLst>
+                                            <p:cond delay="0"/>
+                                          </p:stCondLst>
+                                        </p:cTn>
+                                        <p:tgtEl>
+                                          <p:spTgt spid="90"/>
+                                        </p:tgtEl>
+                                        <p:attrNameLst>
+                                          <p:attrName>style.visibility</p:attrName>
+                                        </p:attrNameLst>
+                                      </p:cBhvr>
+                                      <p:to>
+                                        <p:strVal val="visible"/>
+                                      </p:to>
+                                    </p:set>
+                                    <p:animEffect transition="in" filter="fade">
+                                      <p:cBhvr>
+                                        <p:cTn id="33" dur="1000"/>
+                                        <p:tgtEl>
+                                          <p:spTgt spid="90"/>
+                                        </p:tgtEl>
+                                      </p:cBhvr>
+                                    </p:animEffect>
+                                  </p:childTnLst>
+                                </p:cTn>
+                              </p:par>
+                            </p:childTnLst>
+                          </p:cTn>
+                        </p:par>
+                      </p:childTnLst>
+                    </p:cTn>
+                  </p:par>
+                  <p:par>
+                    <p:cTn id="34" fill="hold">
+                      <p:stCondLst>
+                        <p:cond delay="indefinite"/>
+                      </p:stCondLst>
+                      <p:childTnLst>
+                        <p:par>
+                          <p:cTn id="35" fill="hold">
+                            <p:stCondLst>
+                              <p:cond delay="0"/>
+                            </p:stCondLst>
+                            <p:childTnLst>
+                              <p:par>
+                                <p:cTn id="36" presetID="10" presetClass="entr" presetSubtype="0" fill="hold" grpId="0" nodeType="clickEffect">
+                                  <p:stCondLst>
+                                    <p:cond delay="0"/>
+                                  </p:stCondLst>
+                                  <p:childTnLst>
+                                    <p:set>
+                                      <p:cBhvr>
+                                        <p:cTn id="37" dur="1" fill="hold">
+                                          <p:stCondLst>
+                                            <p:cond delay="0"/>
+                                          </p:stCondLst>
+                                        </p:cTn>
+                                        <p:tgtEl>
+                                          <p:spTgt spid="76"/>
+                                        </p:tgtEl>
+                                        <p:attrNameLst>
+                                          <p:attrName>style.visibility</p:attrName>
+                                        </p:attrNameLst>
+                                      </p:cBhvr>
+                                      <p:to>
+                                        <p:strVal val="visible"/>
+                                      </p:to>
+                                    </p:set>
+                                    <p:animEffect transition="in" filter="fade">
+                                      <p:cBhvr>
+                                        <p:cTn id="38" dur="1000"/>
+                                        <p:tgtEl>
+                                          <p:spTgt spid="76"/>
+                                        </p:tgtEl>
+                                      </p:cBhvr>
+                                    </p:animEffect>
+                                  </p:childTnLst>
+                                </p:cTn>
+                              </p:par>
+                              <p:par>
+                                <p:cTn id="39" presetID="10" presetClass="entr" presetSubtype="0" fill="hold" nodeType="withEffect">
+                                  <p:stCondLst>
+                                    <p:cond delay="0"/>
+                                  </p:stCondLst>
+                                  <p:childTnLst>
+                                    <p:set>
+                                      <p:cBhvr>
+                                        <p:cTn id="40" dur="1" fill="hold">
+                                          <p:stCondLst>
+                                            <p:cond delay="0"/>
+                                          </p:stCondLst>
+                                        </p:cTn>
+                                        <p:tgtEl>
+                                          <p:spTgt spid="42"/>
+                                        </p:tgtEl>
+                                        <p:attrNameLst>
+                                          <p:attrName>style.visibility</p:attrName>
+                                        </p:attrNameLst>
+                                      </p:cBhvr>
+                                      <p:to>
+                                        <p:strVal val="visible"/>
+                                      </p:to>
+                                    </p:set>
+                                    <p:animEffect transition="in" filter="fade">
+                                      <p:cBhvr>
+                                        <p:cTn id="41" dur="1000"/>
+                                        <p:tgtEl>
+                                          <p:spTgt spid="42"/>
+                                        </p:tgtEl>
+                                      </p:cBhvr>
+                                    </p:animEffect>
+                                  </p:childTnLst>
+                                </p:cTn>
+                              </p:par>
+                              <p:par>
+                                <p:cTn id="42" presetID="10" presetClass="entr" presetSubtype="0" fill="hold" grpId="0" nodeType="withEffect">
+                                  <p:stCondLst>
+                                    <p:cond delay="0"/>
+                                  </p:stCondLst>
+                                  <p:childTnLst>
+                                    <p:set>
+                                      <p:cBhvr>
+                                        <p:cTn id="43" dur="1" fill="hold">
+                                          <p:stCondLst>
+                                            <p:cond delay="0"/>
+                                          </p:stCondLst>
+                                        </p:cTn>
+                                        <p:tgtEl>
+                                          <p:spTgt spid="77"/>
+                                        </p:tgtEl>
+                                        <p:attrNameLst>
+                                          <p:attrName>style.visibility</p:attrName>
+                                        </p:attrNameLst>
+                                      </p:cBhvr>
+                                      <p:to>
+                                        <p:strVal val="visible"/>
+                                      </p:to>
+                                    </p:set>
+                                    <p:animEffect transition="in" filter="fade">
+                                      <p:cBhvr>
+                                        <p:cTn id="44" dur="1000"/>
+                                        <p:tgtEl>
+                                          <p:spTgt spid="77"/>
+                                        </p:tgtEl>
+                                      </p:cBhvr>
+                                    </p:animEffect>
+                                  </p:childTnLst>
+                                </p:cTn>
+                              </p:par>
+                              <p:par>
+                                <p:cTn id="45" presetID="10" presetClass="entr" presetSubtype="0" fill="hold" nodeType="withEffect">
+                                  <p:stCondLst>
+                                    <p:cond delay="0"/>
+                                  </p:stCondLst>
+                                  <p:childTnLst>
+                                    <p:set>
+                                      <p:cBhvr>
+                                        <p:cTn id="46" dur="1" fill="hold">
+                                          <p:stCondLst>
+                                            <p:cond delay="0"/>
+                                          </p:stCondLst>
+                                        </p:cTn>
+                                        <p:tgtEl>
+                                          <p:spTgt spid="98"/>
+                                        </p:tgtEl>
+                                        <p:attrNameLst>
+                                          <p:attrName>style.visibility</p:attrName>
+                                        </p:attrNameLst>
+                                      </p:cBhvr>
+                                      <p:to>
+                                        <p:strVal val="visible"/>
+                                      </p:to>
+                                    </p:set>
+                                    <p:animEffect transition="in" filter="fade">
+                                      <p:cBhvr>
+                                        <p:cTn id="47" dur="1000"/>
+                                        <p:tgtEl>
+                                          <p:spTgt spid="98"/>
+                                        </p:tgtEl>
+                                      </p:cBhvr>
+                                    </p:animEffect>
+                                  </p:childTnLst>
+                                </p:cTn>
+                              </p:par>
+                              <p:par>
+                                <p:cTn id="48" presetID="10" presetClass="entr" presetSubtype="0" fill="hold" grpId="0" nodeType="withEffect">
+                                  <p:stCondLst>
+                                    <p:cond delay="0"/>
+                                  </p:stCondLst>
+                                  <p:childTnLst>
+                                    <p:set>
+                                      <p:cBhvr>
+                                        <p:cTn id="49" dur="1" fill="hold">
+                                          <p:stCondLst>
+                                            <p:cond delay="0"/>
+                                          </p:stCondLst>
+                                        </p:cTn>
+                                        <p:tgtEl>
+                                          <p:spTgt spid="94"/>
+                                        </p:tgtEl>
+                                        <p:attrNameLst>
+                                          <p:attrName>style.visibility</p:attrName>
+                                        </p:attrNameLst>
+                                      </p:cBhvr>
+                                      <p:to>
+                                        <p:strVal val="visible"/>
+                                      </p:to>
+                                    </p:set>
+                                    <p:animEffect transition="in" filter="fade">
+                                      <p:cBhvr>
+                                        <p:cTn id="50" dur="1000"/>
+                                        <p:tgtEl>
+                                          <p:spTgt spid="94"/>
+                                        </p:tgtEl>
+                                      </p:cBhvr>
+                                    </p:animEffect>
+                                  </p:childTnLst>
+                                </p:cTn>
+                              </p:par>
+                              <p:par>
+                                <p:cTn id="51" presetID="10" presetClass="entr" presetSubtype="0" fill="hold" grpId="0" nodeType="withEffect">
+                                  <p:stCondLst>
+                                    <p:cond delay="0"/>
+                                  </p:stCondLst>
+                                  <p:childTnLst>
+                                    <p:set>
+                                      <p:cBhvr>
+                                        <p:cTn id="52" dur="1" fill="hold">
+                                          <p:stCondLst>
+                                            <p:cond delay="0"/>
+                                          </p:stCondLst>
+                                        </p:cTn>
+                                        <p:tgtEl>
+                                          <p:spTgt spid="95"/>
+                                        </p:tgtEl>
+                                        <p:attrNameLst>
+                                          <p:attrName>style.visibility</p:attrName>
+                                        </p:attrNameLst>
+                                      </p:cBhvr>
+                                      <p:to>
+                                        <p:strVal val="visible"/>
+                                      </p:to>
+                                    </p:set>
+                                    <p:animEffect transition="in" filter="fade">
+                                      <p:cBhvr>
+                                        <p:cTn id="53" dur="1000"/>
+                                        <p:tgtEl>
+                                          <p:spTgt spid="95"/>
+                                        </p:tgtEl>
+                                      </p:cBhvr>
+                                    </p:animEffect>
+                                  </p:childTnLst>
+                                </p:cTn>
+                              </p:par>
+                              <p:par>
+                                <p:cTn id="54" presetID="10" presetClass="entr" presetSubtype="0" fill="hold" grpId="0" nodeType="withEffect">
+                                  <p:stCondLst>
+                                    <p:cond delay="0"/>
+                                  </p:stCondLst>
+                                  <p:childTnLst>
+                                    <p:set>
+                                      <p:cBhvr>
+                                        <p:cTn id="55" dur="1" fill="hold">
+                                          <p:stCondLst>
+                                            <p:cond delay="0"/>
+                                          </p:stCondLst>
+                                        </p:cTn>
+                                        <p:tgtEl>
+                                          <p:spTgt spid="96"/>
+                                        </p:tgtEl>
+                                        <p:attrNameLst>
+                                          <p:attrName>style.visibility</p:attrName>
+                                        </p:attrNameLst>
+                                      </p:cBhvr>
+                                      <p:to>
+                                        <p:strVal val="visible"/>
+                                      </p:to>
+                                    </p:set>
+                                    <p:animEffect transition="in" filter="fade">
+                                      <p:cBhvr>
+                                        <p:cTn id="56" dur="1000"/>
+                                        <p:tgtEl>
+                                          <p:spTgt spid="96"/>
+                                        </p:tgtEl>
+                                      </p:cBhvr>
+                                    </p:animEffect>
+                                  </p:childTnLst>
+                                </p:cTn>
+                              </p:par>
+                            </p:childTnLst>
+                          </p:cTn>
+                        </p:par>
+                      </p:childTnLst>
+                    </p:cTn>
+                  </p:par>
+                  <p:par>
+                    <p:cTn id="57" fill="hold">
+                      <p:stCondLst>
+                        <p:cond delay="indefinite"/>
+                      </p:stCondLst>
+                      <p:childTnLst>
+                        <p:par>
+                          <p:cTn id="58" fill="hold">
+                            <p:stCondLst>
+                              <p:cond delay="0"/>
+                            </p:stCondLst>
+                            <p:childTnLst>
+                              <p:par>
+                                <p:cTn id="59" presetID="10" presetClass="entr" presetSubtype="0" fill="hold" grpId="0" nodeType="clickEffect">
+                                  <p:stCondLst>
+                                    <p:cond delay="0"/>
+                                  </p:stCondLst>
+                                  <p:childTnLst>
+                                    <p:set>
+                                      <p:cBhvr>
+                                        <p:cTn id="60" dur="1" fill="hold">
+                                          <p:stCondLst>
+                                            <p:cond delay="0"/>
+                                          </p:stCondLst>
+                                        </p:cTn>
+                                        <p:tgtEl>
+                                          <p:spTgt spid="37"/>
+                                        </p:tgtEl>
+                                        <p:attrNameLst>
+                                          <p:attrName>style.visibility</p:attrName>
+                                        </p:attrNameLst>
+                                      </p:cBhvr>
+                                      <p:to>
+                                        <p:strVal val="visible"/>
+                                      </p:to>
+                                    </p:set>
+                                    <p:animEffect transition="in" filter="fade">
+                                      <p:cBhvr>
+                                        <p:cTn id="61" dur="1000"/>
+                                        <p:tgtEl>
+                                          <p:spTgt spid="37"/>
+                                        </p:tgtEl>
+                                      </p:cBhvr>
+                                    </p:animEffect>
+                                  </p:childTnLst>
+                                </p:cTn>
+                              </p:par>
+                              <p:par>
+                                <p:cTn id="62" presetID="10" presetClass="entr" presetSubtype="0" fill="hold" grpId="0" nodeType="withEffect">
+                                  <p:stCondLst>
+                                    <p:cond delay="0"/>
+                                  </p:stCondLst>
+                                  <p:childTnLst>
+                                    <p:set>
+                                      <p:cBhvr>
+                                        <p:cTn id="63" dur="1" fill="hold">
+                                          <p:stCondLst>
+                                            <p:cond delay="0"/>
+                                          </p:stCondLst>
+                                        </p:cTn>
+                                        <p:tgtEl>
+                                          <p:spTgt spid="38"/>
+                                        </p:tgtEl>
+                                        <p:attrNameLst>
+                                          <p:attrName>style.visibility</p:attrName>
+                                        </p:attrNameLst>
+                                      </p:cBhvr>
+                                      <p:to>
+                                        <p:strVal val="visible"/>
+                                      </p:to>
+                                    </p:set>
+                                    <p:animEffect transition="in" filter="fade">
+                                      <p:cBhvr>
+                                        <p:cTn id="64" dur="1000"/>
+                                        <p:tgtEl>
+                                          <p:spTgt spid="38"/>
+                                        </p:tgtEl>
+                                      </p:cBhvr>
+                                    </p:animEffect>
+                                  </p:childTnLst>
+                                </p:cTn>
+                              </p:par>
+                              <p:par>
+                                <p:cTn id="65" presetID="10" presetClass="entr" presetSubtype="0" fill="hold" nodeType="withEffect">
+                                  <p:stCondLst>
+                                    <p:cond delay="0"/>
+                                  </p:stCondLst>
+                                  <p:childTnLst>
+                                    <p:set>
+                                      <p:cBhvr>
+                                        <p:cTn id="66" dur="1" fill="hold">
+                                          <p:stCondLst>
+                                            <p:cond delay="0"/>
+                                          </p:stCondLst>
+                                        </p:cTn>
+                                        <p:tgtEl>
+                                          <p:spTgt spid="40"/>
+                                        </p:tgtEl>
+                                        <p:attrNameLst>
+                                          <p:attrName>style.visibility</p:attrName>
+                                        </p:attrNameLst>
+                                      </p:cBhvr>
+                                      <p:to>
+                                        <p:strVal val="visible"/>
+                                      </p:to>
+                                    </p:set>
+                                    <p:animEffect transition="in" filter="fade">
+                                      <p:cBhvr>
+                                        <p:cTn id="67" dur="1000"/>
+                                        <p:tgtEl>
+                                          <p:spTgt spid="40"/>
+                                        </p:tgtEl>
+                                      </p:cBhvr>
+                                    </p:animEffect>
+                                  </p:childTnLst>
+                                </p:cTn>
+                              </p:par>
+                              <p:par>
+                                <p:cTn id="68" presetID="10" presetClass="entr" presetSubtype="0" fill="hold" nodeType="withEffect">
+                                  <p:stCondLst>
+                                    <p:cond delay="0"/>
+                                  </p:stCondLst>
+                                  <p:childTnLst>
+                                    <p:set>
+                                      <p:cBhvr>
+                                        <p:cTn id="69" dur="1" fill="hold">
+                                          <p:stCondLst>
+                                            <p:cond delay="0"/>
+                                          </p:stCondLst>
+                                        </p:cTn>
+                                        <p:tgtEl>
+                                          <p:spTgt spid="105"/>
+                                        </p:tgtEl>
+                                        <p:attrNameLst>
+                                          <p:attrName>style.visibility</p:attrName>
+                                        </p:attrNameLst>
+                                      </p:cBhvr>
+                                      <p:to>
+                                        <p:strVal val="visible"/>
+                                      </p:to>
+                                    </p:set>
+                                    <p:animEffect transition="in" filter="fade">
+                                      <p:cBhvr>
+                                        <p:cTn id="70" dur="1000"/>
+                                        <p:tgtEl>
+                                          <p:spTgt spid="105"/>
+                                        </p:tgtEl>
+                                      </p:cBhvr>
+                                    </p:animEffect>
+                                  </p:childTnLst>
+                                </p:cTn>
+                              </p:par>
+                              <p:par>
+                                <p:cTn id="71" presetID="10" presetClass="entr" presetSubtype="0" fill="hold" grpId="0" nodeType="withEffect">
+                                  <p:stCondLst>
+                                    <p:cond delay="0"/>
+                                  </p:stCondLst>
+                                  <p:childTnLst>
+                                    <p:set>
+                                      <p:cBhvr>
+                                        <p:cTn id="72" dur="1" fill="hold">
+                                          <p:stCondLst>
+                                            <p:cond delay="0"/>
+                                          </p:stCondLst>
+                                        </p:cTn>
+                                        <p:tgtEl>
+                                          <p:spTgt spid="102"/>
+                                        </p:tgtEl>
+                                        <p:attrNameLst>
+                                          <p:attrName>style.visibility</p:attrName>
+                                        </p:attrNameLst>
+                                      </p:cBhvr>
+                                      <p:to>
+                                        <p:strVal val="visible"/>
+                                      </p:to>
+                                    </p:set>
+                                    <p:animEffect transition="in" filter="fade">
+                                      <p:cBhvr>
+                                        <p:cTn id="73" dur="1000"/>
+                                        <p:tgtEl>
+                                          <p:spTgt spid="102"/>
+                                        </p:tgtEl>
+                                      </p:cBhvr>
+                                    </p:animEffect>
+                                  </p:childTnLst>
+                                </p:cTn>
+                              </p:par>
+                              <p:par>
+                                <p:cTn id="74" presetID="10" presetClass="entr" presetSubtype="0" fill="hold" grpId="0" nodeType="withEffect">
+                                  <p:stCondLst>
+                                    <p:cond delay="0"/>
+                                  </p:stCondLst>
+                                  <p:childTnLst>
+                                    <p:set>
+                                      <p:cBhvr>
+                                        <p:cTn id="75" dur="1" fill="hold">
+                                          <p:stCondLst>
+                                            <p:cond delay="0"/>
+                                          </p:stCondLst>
+                                        </p:cTn>
+                                        <p:tgtEl>
+                                          <p:spTgt spid="103"/>
+                                        </p:tgtEl>
+                                        <p:attrNameLst>
+                                          <p:attrName>style.visibility</p:attrName>
+                                        </p:attrNameLst>
+                                      </p:cBhvr>
+                                      <p:to>
+                                        <p:strVal val="visible"/>
+                                      </p:to>
+                                    </p:set>
+                                    <p:animEffect transition="in" filter="fade">
+                                      <p:cBhvr>
+                                        <p:cTn id="76" dur="1000"/>
+                                        <p:tgtEl>
+                                          <p:spTgt spid="103"/>
+                                        </p:tgtEl>
+                                      </p:cBhvr>
+                                    </p:animEffect>
+                                  </p:childTnLst>
+                                </p:cTn>
+                              </p:par>
+                            </p:childTnLst>
+                          </p:cTn>
+                        </p:par>
+                      </p:childTnLst>
+                    </p:cTn>
+                  </p:par>
+                  <p:par>
+                    <p:cTn id="77" fill="hold">
+                      <p:stCondLst>
+                        <p:cond delay="indefinite"/>
+                      </p:stCondLst>
+                      <p:childTnLst>
+                        <p:par>
+                          <p:cTn id="78" fill="hold">
+                            <p:stCondLst>
+                              <p:cond delay="0"/>
+                            </p:stCondLst>
+                            <p:childTnLst>
+                              <p:par>
+                                <p:cTn id="79" presetID="10" presetClass="entr" presetSubtype="0" fill="hold" grpId="0" nodeType="clickEffect">
+                                  <p:stCondLst>
+                                    <p:cond delay="0"/>
+                                  </p:stCondLst>
+                                  <p:childTnLst>
+                                    <p:set>
+                                      <p:cBhvr>
+                                        <p:cTn id="80" dur="1" fill="hold">
+                                          <p:stCondLst>
+                                            <p:cond delay="0"/>
+                                          </p:stCondLst>
+                                        </p:cTn>
+                                        <p:tgtEl>
+                                          <p:spTgt spid="33"/>
+                                        </p:tgtEl>
+                                        <p:attrNameLst>
+                                          <p:attrName>style.visibility</p:attrName>
+                                        </p:attrNameLst>
+                                      </p:cBhvr>
+                                      <p:to>
+                                        <p:strVal val="visible"/>
+                                      </p:to>
+                                    </p:set>
+                                    <p:animEffect transition="in" filter="fade">
+                                      <p:cBhvr>
+                                        <p:cTn id="81" dur="1000"/>
+                                        <p:tgtEl>
+                                          <p:spTgt spid="33"/>
+                                        </p:tgtEl>
+                                      </p:cBhvr>
+                                    </p:animEffect>
+                                  </p:childTnLst>
+                                </p:cTn>
+                              </p:par>
+                              <p:par>
+                                <p:cTn id="82" presetID="10" presetClass="entr" presetSubtype="0" fill="hold" grpId="0" nodeType="withEffect">
+                                  <p:stCondLst>
+                                    <p:cond delay="0"/>
+                                  </p:stCondLst>
+                                  <p:childTnLst>
+                                    <p:set>
+                                      <p:cBhvr>
+                                        <p:cTn id="83" dur="1" fill="hold">
+                                          <p:stCondLst>
+                                            <p:cond delay="0"/>
+                                          </p:stCondLst>
+                                        </p:cTn>
+                                        <p:tgtEl>
+                                          <p:spTgt spid="34"/>
+                                        </p:tgtEl>
+                                        <p:attrNameLst>
+                                          <p:attrName>style.visibility</p:attrName>
+                                        </p:attrNameLst>
+                                      </p:cBhvr>
+                                      <p:to>
+                                        <p:strVal val="visible"/>
+                                      </p:to>
+                                    </p:set>
+                                    <p:animEffect transition="in" filter="fade">
+                                      <p:cBhvr>
+                                        <p:cTn id="84" dur="1000"/>
+                                        <p:tgtEl>
+                                          <p:spTgt spid="34"/>
+                                        </p:tgtEl>
+                                      </p:cBhvr>
+                                    </p:animEffect>
+                                  </p:childTnLst>
+                                </p:cTn>
+                              </p:par>
+                              <p:par>
+                                <p:cTn id="85" presetID="10" presetClass="entr" presetSubtype="0" fill="hold" nodeType="withEffect">
+                                  <p:stCondLst>
+                                    <p:cond delay="0"/>
+                                  </p:stCondLst>
+                                  <p:childTnLst>
+                                    <p:set>
+                                      <p:cBhvr>
+                                        <p:cTn id="86" dur="1" fill="hold">
+                                          <p:stCondLst>
+                                            <p:cond delay="0"/>
+                                          </p:stCondLst>
+                                        </p:cTn>
+                                        <p:tgtEl>
+                                          <p:spTgt spid="24"/>
+                                        </p:tgtEl>
+                                        <p:attrNameLst>
+                                          <p:attrName>style.visibility</p:attrName>
+                                        </p:attrNameLst>
+                                      </p:cBhvr>
+                                      <p:to>
+                                        <p:strVal val="visible"/>
+                                      </p:to>
+                                    </p:set>
+                                    <p:animEffect transition="in" filter="fade">
+                                      <p:cBhvr>
+                                        <p:cTn id="87" dur="1000"/>
+                                        <p:tgtEl>
+                                          <p:spTgt spid="24"/>
+                                        </p:tgtEl>
+                                      </p:cBhvr>
+                                    </p:animEffect>
+                                  </p:childTnLst>
+                                </p:cTn>
+                              </p:par>
+                              <p:par>
+                                <p:cTn id="88" presetID="10" presetClass="entr" presetSubtype="0" fill="hold" nodeType="withEffect">
+                                  <p:stCondLst>
+                                    <p:cond delay="0"/>
+                                  </p:stCondLst>
+                                  <p:childTnLst>
+                                    <p:set>
+                                      <p:cBhvr>
+                                        <p:cTn id="89" dur="1" fill="hold">
+                                          <p:stCondLst>
+                                            <p:cond delay="0"/>
+                                          </p:stCondLst>
+                                        </p:cTn>
+                                        <p:tgtEl>
+                                          <p:spTgt spid="109"/>
+                                        </p:tgtEl>
+                                        <p:attrNameLst>
+                                          <p:attrName>style.visibility</p:attrName>
+                                        </p:attrNameLst>
+                                      </p:cBhvr>
+                                      <p:to>
+                                        <p:strVal val="visible"/>
+                                      </p:to>
+                                    </p:set>
+                                    <p:animEffect transition="in" filter="fade">
+                                      <p:cBhvr>
+                                        <p:cTn id="90" dur="1000"/>
+                                        <p:tgtEl>
+                                          <p:spTgt spid="109"/>
+                                        </p:tgtEl>
+                                      </p:cBhvr>
+                                    </p:animEffect>
+                                  </p:childTnLst>
+                                </p:cTn>
+                              </p:par>
+                              <p:par>
+                                <p:cTn id="91" presetID="10" presetClass="entr" presetSubtype="0" fill="hold" grpId="0" nodeType="withEffect">
+                                  <p:stCondLst>
+                                    <p:cond delay="0"/>
+                                  </p:stCondLst>
+                                  <p:childTnLst>
+                                    <p:set>
+                                      <p:cBhvr>
+                                        <p:cTn id="92" dur="1" fill="hold">
+                                          <p:stCondLst>
+                                            <p:cond delay="0"/>
+                                          </p:stCondLst>
+                                        </p:cTn>
+                                        <p:tgtEl>
+                                          <p:spTgt spid="107"/>
+                                        </p:tgtEl>
+                                        <p:attrNameLst>
+                                          <p:attrName>style.visibility</p:attrName>
+                                        </p:attrNameLst>
+                                      </p:cBhvr>
+                                      <p:to>
+                                        <p:strVal val="visible"/>
+                                      </p:to>
+                                    </p:set>
+                                    <p:animEffect transition="in" filter="fade">
+                                      <p:cBhvr>
+                                        <p:cTn id="93" dur="1000"/>
+                                        <p:tgtEl>
+                                          <p:spTgt spid="107"/>
+                                        </p:tgtEl>
+                                      </p:cBhvr>
+                                    </p:animEffect>
+                                  </p:childTnLst>
+                                </p:cTn>
+                              </p:par>
+                              <p:par>
+                                <p:cTn id="94" presetID="10" presetClass="entr" presetSubtype="0" fill="hold" grpId="0" nodeType="withEffect">
+                                  <p:stCondLst>
+                                    <p:cond delay="0"/>
+                                  </p:stCondLst>
+                                  <p:childTnLst>
+                                    <p:set>
+                                      <p:cBhvr>
+                                        <p:cTn id="95" dur="1" fill="hold">
+                                          <p:stCondLst>
+                                            <p:cond delay="0"/>
+                                          </p:stCondLst>
+                                        </p:cTn>
+                                        <p:tgtEl>
+                                          <p:spTgt spid="108"/>
+                                        </p:tgtEl>
+                                        <p:attrNameLst>
+                                          <p:attrName>style.visibility</p:attrName>
+                                        </p:attrNameLst>
+                                      </p:cBhvr>
+                                      <p:to>
+                                        <p:strVal val="visible"/>
+                                      </p:to>
+                                    </p:set>
+                                    <p:animEffect transition="in" filter="fade">
+                                      <p:cBhvr>
+                                        <p:cTn id="96" dur="1000"/>
+                                        <p:tgtEl>
+                                          <p:spTgt spid="108"/>
+                                        </p:tgtEl>
+                                      </p:cBhvr>
+                                    </p:animEffect>
+                                  </p:childTnLst>
+                                </p:cTn>
+                              </p:par>
+                            </p:childTnLst>
+                          </p:cTn>
+                        </p:par>
+                      </p:childTnLst>
+                    </p:cTn>
+                  </p:par>
+                  <p:par>
+                    <p:cTn id="97" fill="hold">
+                      <p:stCondLst>
+                        <p:cond delay="indefinite"/>
+                      </p:stCondLst>
+                      <p:childTnLst>
+                        <p:par>
+                          <p:cTn id="98" fill="hold">
+                            <p:stCondLst>
+                              <p:cond delay="0"/>
+                            </p:stCondLst>
+                            <p:childTnLst>
+                              <p:par>
+                                <p:cTn id="99" presetID="10" presetClass="entr" presetSubtype="0" fill="hold" grpId="0" nodeType="clickEffect">
+                                  <p:stCondLst>
+                                    <p:cond delay="0"/>
+                                  </p:stCondLst>
+                                  <p:childTnLst>
+                                    <p:set>
+                                      <p:cBhvr>
+                                        <p:cTn id="100" dur="1" fill="hold">
+                                          <p:stCondLst>
+                                            <p:cond delay="0"/>
+                                          </p:stCondLst>
+                                        </p:cTn>
+                                        <p:tgtEl>
+                                          <p:spTgt spid="111"/>
+                                        </p:tgtEl>
+                                        <p:attrNameLst>
+                                          <p:attrName>style.visibility</p:attrName>
+                                        </p:attrNameLst>
+                                      </p:cBhvr>
+                                      <p:to>
+                                        <p:strVal val="visible"/>
+                                      </p:to>
+                                    </p:set>
+                                    <p:animEffect transition="in" filter="fade">
+                                      <p:cBhvr>
+                                        <p:cTn id="101" dur="1000"/>
+                                        <p:tgtEl>
+                                          <p:spTgt spid="111"/>
+                                        </p:tgtEl>
+                                      </p:cBhvr>
+                                    </p:animEffect>
+                                  </p:childTnLst>
+                                </p:cTn>
+                              </p:par>
+                              <p:par>
+                                <p:cTn id="102" presetID="10" presetClass="entr" presetSubtype="0" fill="hold" nodeType="withEffect">
+                                  <p:stCondLst>
+                                    <p:cond delay="0"/>
+                                  </p:stCondLst>
+                                  <p:childTnLst>
+                                    <p:set>
+                                      <p:cBhvr>
+                                        <p:cTn id="103" dur="1" fill="hold">
+                                          <p:stCondLst>
+                                            <p:cond delay="0"/>
+                                          </p:stCondLst>
+                                        </p:cTn>
+                                        <p:tgtEl>
+                                          <p:spTgt spid="44"/>
+                                        </p:tgtEl>
+                                        <p:attrNameLst>
+                                          <p:attrName>style.visibility</p:attrName>
+                                        </p:attrNameLst>
+                                      </p:cBhvr>
+                                      <p:to>
+                                        <p:strVal val="visible"/>
+                                      </p:to>
+                                    </p:set>
+                                    <p:animEffect transition="in" filter="fade">
+                                      <p:cBhvr>
+                                        <p:cTn id="104" dur="1000"/>
+                                        <p:tgtEl>
+                                          <p:spTgt spid="44"/>
+                                        </p:tgtEl>
+                                      </p:cBhvr>
+                                    </p:animEffect>
+                                  </p:childTnLst>
+                                </p:cTn>
+                              </p:par>
+                            </p:childTnLst>
+                          </p:cTn>
+                        </p:par>
+                      </p:childTnLst>
+                    </p:cTn>
+                  </p:par>
+                  <p:par>
+                    <p:cTn id="105" fill="hold">
+                      <p:stCondLst>
+                        <p:cond delay="indefinite"/>
+                      </p:stCondLst>
+                      <p:childTnLst>
+                        <p:par>
+                          <p:cTn id="106" fill="hold">
+                            <p:stCondLst>
+                              <p:cond delay="0"/>
+                            </p:stCondLst>
+                            <p:childTnLst>
+                              <p:par>
+                                <p:cTn id="107" presetID="10" presetClass="entr" presetSubtype="0" fill="hold" grpId="0" nodeType="clickEffect">
+                                  <p:stCondLst>
+                                    <p:cond delay="0"/>
+                                  </p:stCondLst>
+                                  <p:childTnLst>
+                                    <p:set>
+                                      <p:cBhvr>
+                                        <p:cTn id="108" dur="1" fill="hold">
+                                          <p:stCondLst>
+                                            <p:cond delay="0"/>
+                                          </p:stCondLst>
+                                        </p:cTn>
+                                        <p:tgtEl>
+                                          <p:spTgt spid="112"/>
+                                        </p:tgtEl>
+                                        <p:attrNameLst>
+                                          <p:attrName>style.visibility</p:attrName>
+                                        </p:attrNameLst>
+                                      </p:cBhvr>
+                                      <p:to>
+                                        <p:strVal val="visible"/>
+                                      </p:to>
+                                    </p:set>
+                                    <p:animEffect transition="in" filter="fade">
+                                      <p:cBhvr>
+                                        <p:cTn id="109" dur="1000"/>
+                                        <p:tgtEl>
+                                          <p:spTgt spid="112"/>
+                                        </p:tgtEl>
+                                      </p:cBhvr>
+                                    </p:animEffect>
+                                  </p:childTnLst>
+                                </p:cTn>
+                              </p:par>
+                              <p:par>
+                                <p:cTn id="110" presetID="10" presetClass="entr" presetSubtype="0" fill="hold" grpId="0" nodeType="withEffect">
+                                  <p:stCondLst>
+                                    <p:cond delay="0"/>
+                                  </p:stCondLst>
+                                  <p:childTnLst>
+                                    <p:set>
+                                      <p:cBhvr>
+                                        <p:cTn id="111" dur="1" fill="hold">
+                                          <p:stCondLst>
+                                            <p:cond delay="0"/>
+                                          </p:stCondLst>
+                                        </p:cTn>
+                                        <p:tgtEl>
+                                          <p:spTgt spid="113"/>
+                                        </p:tgtEl>
+                                        <p:attrNameLst>
+                                          <p:attrName>style.visibility</p:attrName>
+                                        </p:attrNameLst>
+                                      </p:cBhvr>
+                                      <p:to>
+                                        <p:strVal val="visible"/>
+                                      </p:to>
+                                    </p:set>
+                                    <p:animEffect transition="in" filter="fade">
+                                      <p:cBhvr>
+                                        <p:cTn id="112" dur="1000"/>
+                                        <p:tgtEl>
+                                          <p:spTgt spid="113"/>
+                                        </p:tgtEl>
+                                      </p:cBhvr>
+                                    </p:animEffect>
+                                  </p:childTnLst>
+                                </p:cTn>
+                              </p:par>
+                              <p:par>
+                                <p:cTn id="113" presetID="10" presetClass="entr" presetSubtype="0" fill="hold" nodeType="withEffect">
+                                  <p:stCondLst>
+                                    <p:cond delay="0"/>
+                                  </p:stCondLst>
+                                  <p:childTnLst>
+                                    <p:set>
+                                      <p:cBhvr>
+                                        <p:cTn id="114" dur="1" fill="hold">
+                                          <p:stCondLst>
+                                            <p:cond delay="0"/>
+                                          </p:stCondLst>
+                                        </p:cTn>
+                                        <p:tgtEl>
+                                          <p:spTgt spid="91"/>
+                                        </p:tgtEl>
+                                        <p:attrNameLst>
+                                          <p:attrName>style.visibility</p:attrName>
+                                        </p:attrNameLst>
+                                      </p:cBhvr>
+                                      <p:to>
+                                        <p:strVal val="visible"/>
+                                      </p:to>
+                                    </p:set>
+                                    <p:animEffect transition="in" filter="fade">
+                                      <p:cBhvr>
+                                        <p:cTn id="115" dur="1000"/>
+                                        <p:tgtEl>
+                                          <p:spTgt spid="91"/>
+                                        </p:tgtEl>
+                                      </p:cBhvr>
+                                    </p:animEffect>
+                                  </p:childTnLst>
+                                </p:cTn>
+                              </p:par>
+                            </p:childTnLst>
+                          </p:cTn>
+                        </p:par>
+                      </p:childTnLst>
+                    </p:cTn>
+                  </p:par>
+                </p:childTnLst>
+              </p:cTn>
+              <p:prevCondLst>
+                <p:cond evt="onPrev" delay="0">
+                  <p:tgtEl>
+                    <p:sldTgt/>
+                  </p:tgtEl>
+                </p:cond>
+              </p:prevCondLst>
+              <p:nextCondLst>
+                <p:cond evt="onNext" delay="0">
+                  <p:tgtEl>
+                    <p:sldTgt/>
+                  </p:tgtEl>
+                </p:cond>
+              </p:nextCondLst>
+            </p:seq>
+          </p:childTnLst>
+        </p:cTn>
+      </p:par>
+    </p:tnLst>
+    <p:bldLst>
+      <p:bldP spid="76" grpId="0" animBg="1"/>
+      <p:bldP spid="11" grpId="0" animBg="1"/>
+      <p:bldP spid="7" grpId="0"/>
+      <p:bldP spid="33" grpId="0" animBg="1"/>
+      <p:bldP spid="34" grpId="0"/>
+      <p:bldP spid="37" grpId="0" animBg="1"/>
+      <p:bldP spid="38" grpId="0"/>
+      <p:bldP spid="51" grpId="0" animBg="1"/>
+      <p:bldP spid="54" grpId="0" animBg="1"/>
+      <p:bldP spid="77" grpId="0"/>
+      <p:bldP spid="88" grpId="0" animBg="1"/>
+      <p:bldP spid="90" grpId="0" animBg="1"/>
+      <p:bldP spid="94" grpId="0" animBg="1"/>
+      <p:bldP spid="95" grpId="0" animBg="1"/>
+      <p:bldP spid="96" grpId="0" animBg="1"/>
+      <p:bldP spid="102" grpId="0" animBg="1"/>
+      <p:bldP spid="103" grpId="0" animBg="1"/>
+      <p:bldP spid="107" grpId="0" animBg="1"/>
+      <p:bldP spid="108" grpId="0" animBg="1"/>
+      <p:bldP spid="85" grpId="0" animBg="1"/>
+      <p:bldP spid="111" grpId="0" animBg="1"/>
+      <p:bldP spid="112" grpId="0" animBg="1"/>
+      <p:bldP spid="113" grpId="0"/>
+    </p:bldLst>
+  </p:timing>
 </p:sld>
 </file>
 
@@ -3539,221 +6714,10 @@
           </a:p>
         </p:txBody>
       </p:sp>
-      <p:sp>
-        <p:nvSpPr>
-          <p:cNvPr id="66" name="TextBox 65"/>
-          <p:cNvSpPr txBox="1"/>
-          <p:nvPr/>
-        </p:nvSpPr>
-        <p:spPr>
-          <a:xfrm>
-            <a:off x="2023091" y="3516084"/>
-            <a:ext cx="1621523" cy="838691"/>
-          </a:xfrm>
-          <a:prstGeom prst="rect">
-            <a:avLst/>
-          </a:prstGeom>
-          <a:noFill/>
-        </p:spPr>
-        <p:txBody>
-          <a:bodyPr wrap="square" rtlCol="0">
-            <a:spAutoFit/>
-          </a:bodyPr>
-          <a:lstStyle/>
-          <a:p>
-            <a:pPr>
-              <a:spcAft>
-                <a:spcPts val="100"/>
-              </a:spcAft>
-            </a:pPr>
-            <a:r>
-              <a:rPr lang="en-US" sz="1200" b="1" dirty="0">
-                <a:latin typeface="Century Gothic" panose="020B0502020202020204" pitchFamily="34" charset="0"/>
-                <a:cs typeface="Arial" panose="020B0604020202020204" pitchFamily="34" charset="0"/>
-              </a:rPr>
-              <a:t>Thanksgiving</a:t>
-            </a:r>
-          </a:p>
-          <a:p>
-            <a:pPr>
-              <a:spcAft>
-                <a:spcPts val="200"/>
-              </a:spcAft>
-            </a:pPr>
-            <a:r>
-              <a:rPr lang="en-US" sz="1000" dirty="0">
-                <a:latin typeface="Century Gothic" panose="020B0502020202020204" pitchFamily="34" charset="0"/>
-                <a:cs typeface="Arial" panose="020B0604020202020204" pitchFamily="34" charset="0"/>
-              </a:rPr>
-              <a:t>Nov 26 2015</a:t>
-            </a:r>
-          </a:p>
-          <a:p>
-            <a:r>
-              <a:rPr lang="en-US" sz="800" i="1" dirty="0">
-                <a:latin typeface="Century Gothic" panose="020B0502020202020204" pitchFamily="34" charset="0"/>
-                <a:cs typeface="Arial" panose="020B0604020202020204" pitchFamily="34" charset="0"/>
-              </a:rPr>
-              <a:t>Working out is optional when you’re filling up on turkey and mashed potatoes</a:t>
-            </a:r>
-          </a:p>
-        </p:txBody>
-      </p:sp>
-      <p:cxnSp>
-        <p:nvCxnSpPr>
-          <p:cNvPr id="67" name="Straight Arrow Connector 66"/>
-          <p:cNvCxnSpPr>
-            <a:cxnSpLocks/>
-          </p:cNvCxnSpPr>
-          <p:nvPr/>
-        </p:nvCxnSpPr>
-        <p:spPr>
-          <a:xfrm flipV="1">
-            <a:off x="3249384" y="3601809"/>
-            <a:ext cx="926306" cy="219076"/>
-          </a:xfrm>
-          <a:prstGeom prst="straightConnector1">
-            <a:avLst/>
-          </a:prstGeom>
-          <a:ln>
-            <a:tailEnd type="triangle"/>
-          </a:ln>
-        </p:spPr>
-        <p:style>
-          <a:lnRef idx="1">
-            <a:schemeClr val="accent1"/>
-          </a:lnRef>
-          <a:fillRef idx="0">
-            <a:schemeClr val="accent1"/>
-          </a:fillRef>
-          <a:effectRef idx="0">
-            <a:schemeClr val="accent1"/>
-          </a:effectRef>
-          <a:fontRef idx="minor">
-            <a:schemeClr val="tx1"/>
-          </a:fontRef>
-        </p:style>
-      </p:cxnSp>
-      <p:sp>
-        <p:nvSpPr>
-          <p:cNvPr id="85" name="TextBox 84"/>
-          <p:cNvSpPr txBox="1"/>
-          <p:nvPr/>
-        </p:nvSpPr>
-        <p:spPr>
-          <a:xfrm>
-            <a:off x="3103334" y="1105594"/>
-            <a:ext cx="1481366" cy="715581"/>
-          </a:xfrm>
-          <a:prstGeom prst="rect">
-            <a:avLst/>
-          </a:prstGeom>
-          <a:noFill/>
-          <a:ln>
-            <a:noFill/>
-          </a:ln>
-        </p:spPr>
-        <p:txBody>
-          <a:bodyPr wrap="square" rtlCol="0">
-            <a:spAutoFit/>
-          </a:bodyPr>
-          <a:lstStyle/>
-          <a:p>
-            <a:pPr>
-              <a:spcAft>
-                <a:spcPts val="100"/>
-              </a:spcAft>
-            </a:pPr>
-            <a:r>
-              <a:rPr lang="en-US" sz="1200" b="1" dirty="0">
-                <a:solidFill>
-                  <a:schemeClr val="bg2">
-                    <a:lumMod val="90000"/>
-                  </a:schemeClr>
-                </a:solidFill>
-                <a:latin typeface="Century Gothic" panose="020B0502020202020204" pitchFamily="34" charset="0"/>
-                <a:cs typeface="Arial" panose="020B0604020202020204" pitchFamily="34" charset="0"/>
-              </a:rPr>
-              <a:t>School Begins</a:t>
-            </a:r>
-          </a:p>
-          <a:p>
-            <a:pPr>
-              <a:spcAft>
-                <a:spcPts val="200"/>
-              </a:spcAft>
-            </a:pPr>
-            <a:r>
-              <a:rPr lang="en-US" sz="1000" dirty="0">
-                <a:solidFill>
-                  <a:schemeClr val="bg2">
-                    <a:lumMod val="90000"/>
-                  </a:schemeClr>
-                </a:solidFill>
-                <a:latin typeface="Century Gothic" panose="020B0502020202020204" pitchFamily="34" charset="0"/>
-                <a:cs typeface="Arial" panose="020B0604020202020204" pitchFamily="34" charset="0"/>
-              </a:rPr>
-              <a:t>Aug 26, 2016</a:t>
-            </a:r>
-          </a:p>
-          <a:p>
-            <a:r>
-              <a:rPr lang="en-US" sz="800" i="1" dirty="0">
-                <a:solidFill>
-                  <a:schemeClr val="bg2">
-                    <a:lumMod val="90000"/>
-                  </a:schemeClr>
-                </a:solidFill>
-                <a:latin typeface="Century Gothic" panose="020B0502020202020204" pitchFamily="34" charset="0"/>
-                <a:cs typeface="Arial" panose="020B0604020202020204" pitchFamily="34" charset="0"/>
-              </a:rPr>
-              <a:t>Every freshman is in the gym until next week</a:t>
-            </a:r>
-          </a:p>
-        </p:txBody>
-      </p:sp>
-      <p:cxnSp>
-        <p:nvCxnSpPr>
-          <p:cNvPr id="86" name="Straight Arrow Connector 85"/>
-          <p:cNvCxnSpPr>
-            <a:cxnSpLocks/>
-          </p:cNvCxnSpPr>
-          <p:nvPr/>
-        </p:nvCxnSpPr>
-        <p:spPr>
-          <a:xfrm flipH="1">
-            <a:off x="2126456" y="1450359"/>
-            <a:ext cx="976878" cy="111741"/>
-          </a:xfrm>
-          <a:prstGeom prst="straightConnector1">
-            <a:avLst/>
-          </a:prstGeom>
-          <a:ln>
-            <a:solidFill>
-              <a:schemeClr val="bg2"/>
-            </a:solidFill>
-            <a:tailEnd type="triangle"/>
-          </a:ln>
-        </p:spPr>
-        <p:style>
-          <a:lnRef idx="1">
-            <a:schemeClr val="accent1"/>
-          </a:lnRef>
-          <a:fillRef idx="0">
-            <a:schemeClr val="accent1"/>
-          </a:fillRef>
-          <a:effectRef idx="0">
-            <a:schemeClr val="accent1"/>
-          </a:effectRef>
-          <a:fontRef idx="minor">
-            <a:schemeClr val="tx1"/>
-          </a:fontRef>
-        </p:style>
-      </p:cxnSp>
     </p:spTree>
     <p:extLst>
       <p:ext uri="{BB962C8B-B14F-4D97-AF65-F5344CB8AC3E}">
-        <p14:creationId xmlns:p14="http://schemas.microsoft.com/office/powerpoint/2010/main" val="1840922421"/>
+        <p14:creationId xmlns:p14="http://schemas.microsoft.com/office/powerpoint/2010/main" val="3554674386"/>
       </p:ext>
     </p:extLst>
   </p:cSld>
@@ -3766,6 +6730,16 @@
 <file path=ppt/slides/slide4.xml><?xml version="1.0" encoding="utf-8"?>
 <p:sld xmlns:a="http://schemas.openxmlformats.org/drawingml/2006/main" xmlns:r="http://schemas.openxmlformats.org/officeDocument/2006/relationships" xmlns:p="http://schemas.openxmlformats.org/presentationml/2006/main">
   <p:cSld>
+    <p:bg>
+      <p:bgPr>
+        <a:solidFill>
+          <a:schemeClr val="bg1">
+            <a:alpha val="99000"/>
+          </a:schemeClr>
+        </a:solidFill>
+        <a:effectLst/>
+      </p:bgPr>
+    </p:bg>
     <p:spTree>
       <p:nvGrpSpPr>
         <p:cNvPr id="1" name=""/>
@@ -3892,41 +6866,6 @@
           </a:p>
         </p:txBody>
       </p:sp>
-      <p:cxnSp>
-        <p:nvCxnSpPr>
-          <p:cNvPr id="61" name="Straight Arrow Connector 60"/>
-          <p:cNvCxnSpPr>
-            <a:cxnSpLocks/>
-          </p:cNvCxnSpPr>
-          <p:nvPr/>
-        </p:nvCxnSpPr>
-        <p:spPr>
-          <a:xfrm flipV="1">
-            <a:off x="4584700" y="4626041"/>
-            <a:ext cx="317272" cy="382366"/>
-          </a:xfrm>
-          <a:prstGeom prst="straightConnector1">
-            <a:avLst/>
-          </a:prstGeom>
-          <a:ln>
-            <a:tailEnd type="triangle"/>
-          </a:ln>
-        </p:spPr>
-        <p:style>
-          <a:lnRef idx="1">
-            <a:schemeClr val="accent1"/>
-          </a:lnRef>
-          <a:fillRef idx="0">
-            <a:schemeClr val="accent1"/>
-          </a:fillRef>
-          <a:effectRef idx="0">
-            <a:schemeClr val="accent1"/>
-          </a:effectRef>
-          <a:fontRef idx="minor">
-            <a:schemeClr val="tx1"/>
-          </a:fontRef>
-        </p:style>
-      </p:cxnSp>
       <p:sp>
         <p:nvSpPr>
           <p:cNvPr id="64" name="TextBox 63"/>
@@ -3960,14 +6899,14 @@
       </p:sp>
       <p:sp>
         <p:nvSpPr>
-          <p:cNvPr id="65" name="TextBox 64"/>
+          <p:cNvPr id="85" name="TextBox 84"/>
           <p:cNvSpPr txBox="1"/>
           <p:nvPr/>
         </p:nvSpPr>
         <p:spPr>
           <a:xfrm>
-            <a:off x="3539744" y="5008407"/>
-            <a:ext cx="1617448" cy="838691"/>
+            <a:off x="3103334" y="1105594"/>
+            <a:ext cx="1481366" cy="715581"/>
           </a:xfrm>
           <a:prstGeom prst="rect">
             <a:avLst/>
@@ -3990,7 +6929,7 @@
                 <a:latin typeface="Century Gothic" panose="020B0502020202020204" pitchFamily="34" charset="0"/>
                 <a:cs typeface="Arial" panose="020B0604020202020204" pitchFamily="34" charset="0"/>
               </a:rPr>
-              <a:t>Winter Break</a:t>
+              <a:t>School Begins</a:t>
             </a:r>
           </a:p>
           <a:p>
@@ -4004,200 +6943,12 @@
                 <a:latin typeface="Century Gothic" panose="020B0502020202020204" pitchFamily="34" charset="0"/>
                 <a:cs typeface="Arial" panose="020B0604020202020204" pitchFamily="34" charset="0"/>
               </a:rPr>
-              <a:t>Dec 19-Jan 19, 2015</a:t>
+              <a:t>Aug 26, 2016</a:t>
             </a:r>
           </a:p>
           <a:p>
             <a:r>
               <a:rPr lang="en-US" sz="800" i="1" dirty="0">
-                <a:latin typeface="Century Gothic" panose="020B0502020202020204" pitchFamily="34" charset="0"/>
-                <a:cs typeface="Arial" panose="020B0604020202020204" pitchFamily="34" charset="0"/>
-              </a:rPr>
-              <a:t>Most students head home for the winter holidays, like Christmas and Hanukkah</a:t>
-            </a:r>
-          </a:p>
-        </p:txBody>
-      </p:sp>
-      <p:sp>
-        <p:nvSpPr>
-          <p:cNvPr id="66" name="TextBox 65"/>
-          <p:cNvSpPr txBox="1"/>
-          <p:nvPr/>
-        </p:nvSpPr>
-        <p:spPr>
-          <a:xfrm>
-            <a:off x="2023091" y="3516084"/>
-            <a:ext cx="1621523" cy="838691"/>
-          </a:xfrm>
-          <a:prstGeom prst="rect">
-            <a:avLst/>
-          </a:prstGeom>
-          <a:noFill/>
-        </p:spPr>
-        <p:txBody>
-          <a:bodyPr wrap="square" rtlCol="0">
-            <a:spAutoFit/>
-          </a:bodyPr>
-          <a:lstStyle/>
-          <a:p>
-            <a:pPr>
-              <a:spcAft>
-                <a:spcPts val="100"/>
-              </a:spcAft>
-            </a:pPr>
-            <a:r>
-              <a:rPr lang="en-US" sz="1200" b="1" dirty="0">
-                <a:solidFill>
-                  <a:schemeClr val="bg2">
-                    <a:lumMod val="90000"/>
-                  </a:schemeClr>
-                </a:solidFill>
-                <a:latin typeface="Century Gothic" panose="020B0502020202020204" pitchFamily="34" charset="0"/>
-                <a:cs typeface="Arial" panose="020B0604020202020204" pitchFamily="34" charset="0"/>
-              </a:rPr>
-              <a:t>Thanksgiving</a:t>
-            </a:r>
-          </a:p>
-          <a:p>
-            <a:pPr>
-              <a:spcAft>
-                <a:spcPts val="200"/>
-              </a:spcAft>
-            </a:pPr>
-            <a:r>
-              <a:rPr lang="en-US" sz="1000" dirty="0">
-                <a:solidFill>
-                  <a:schemeClr val="bg2">
-                    <a:lumMod val="90000"/>
-                  </a:schemeClr>
-                </a:solidFill>
-                <a:latin typeface="Century Gothic" panose="020B0502020202020204" pitchFamily="34" charset="0"/>
-                <a:cs typeface="Arial" panose="020B0604020202020204" pitchFamily="34" charset="0"/>
-              </a:rPr>
-              <a:t>Nov 26 2015</a:t>
-            </a:r>
-          </a:p>
-          <a:p>
-            <a:r>
-              <a:rPr lang="en-US" sz="800" i="1" dirty="0">
-                <a:solidFill>
-                  <a:schemeClr val="bg2">
-                    <a:lumMod val="90000"/>
-                  </a:schemeClr>
-                </a:solidFill>
-                <a:latin typeface="Century Gothic" panose="020B0502020202020204" pitchFamily="34" charset="0"/>
-                <a:cs typeface="Arial" panose="020B0604020202020204" pitchFamily="34" charset="0"/>
-              </a:rPr>
-              <a:t>Working out is optional when you’re filling up on turkey and mashed potatoes</a:t>
-            </a:r>
-          </a:p>
-        </p:txBody>
-      </p:sp>
-      <p:cxnSp>
-        <p:nvCxnSpPr>
-          <p:cNvPr id="67" name="Straight Arrow Connector 66"/>
-          <p:cNvCxnSpPr>
-            <a:cxnSpLocks/>
-          </p:cNvCxnSpPr>
-          <p:nvPr/>
-        </p:nvCxnSpPr>
-        <p:spPr>
-          <a:xfrm flipV="1">
-            <a:off x="3249384" y="3601809"/>
-            <a:ext cx="926306" cy="219076"/>
-          </a:xfrm>
-          <a:prstGeom prst="straightConnector1">
-            <a:avLst/>
-          </a:prstGeom>
-          <a:ln>
-            <a:solidFill>
-              <a:schemeClr val="bg2"/>
-            </a:solidFill>
-            <a:tailEnd type="triangle"/>
-          </a:ln>
-        </p:spPr>
-        <p:style>
-          <a:lnRef idx="1">
-            <a:schemeClr val="accent1"/>
-          </a:lnRef>
-          <a:fillRef idx="0">
-            <a:schemeClr val="accent1"/>
-          </a:fillRef>
-          <a:effectRef idx="0">
-            <a:schemeClr val="accent1"/>
-          </a:effectRef>
-          <a:fontRef idx="minor">
-            <a:schemeClr val="tx1"/>
-          </a:fontRef>
-        </p:style>
-      </p:cxnSp>
-      <p:sp>
-        <p:nvSpPr>
-          <p:cNvPr id="85" name="TextBox 84"/>
-          <p:cNvSpPr txBox="1"/>
-          <p:nvPr/>
-        </p:nvSpPr>
-        <p:spPr>
-          <a:xfrm>
-            <a:off x="3103334" y="1105594"/>
-            <a:ext cx="1481366" cy="715581"/>
-          </a:xfrm>
-          <a:prstGeom prst="rect">
-            <a:avLst/>
-          </a:prstGeom>
-          <a:noFill/>
-        </p:spPr>
-        <p:txBody>
-          <a:bodyPr wrap="square" rtlCol="0">
-            <a:spAutoFit/>
-          </a:bodyPr>
-          <a:lstStyle/>
-          <a:p>
-            <a:pPr>
-              <a:spcAft>
-                <a:spcPts val="100"/>
-              </a:spcAft>
-            </a:pPr>
-            <a:r>
-              <a:rPr lang="en-US" sz="1200" b="1" dirty="0">
-                <a:solidFill>
-                  <a:schemeClr val="bg2">
-                    <a:lumMod val="90000"/>
-                  </a:schemeClr>
-                </a:solidFill>
-                <a:latin typeface="Century Gothic" panose="020B0502020202020204" pitchFamily="34" charset="0"/>
-                <a:cs typeface="Arial" panose="020B0604020202020204" pitchFamily="34" charset="0"/>
-              </a:rPr>
-              <a:t>School Begins</a:t>
-            </a:r>
-          </a:p>
-          <a:p>
-            <a:pPr>
-              <a:spcAft>
-                <a:spcPts val="200"/>
-              </a:spcAft>
-            </a:pPr>
-            <a:r>
-              <a:rPr lang="en-US" sz="1000" dirty="0">
-                <a:solidFill>
-                  <a:schemeClr val="bg2">
-                    <a:lumMod val="90000"/>
-                  </a:schemeClr>
-                </a:solidFill>
-                <a:latin typeface="Century Gothic" panose="020B0502020202020204" pitchFamily="34" charset="0"/>
-                <a:cs typeface="Arial" panose="020B0604020202020204" pitchFamily="34" charset="0"/>
-              </a:rPr>
-              <a:t>Aug 26, 2016</a:t>
-            </a:r>
-          </a:p>
-          <a:p>
-            <a:r>
-              <a:rPr lang="en-US" sz="800" i="1" dirty="0">
-                <a:solidFill>
-                  <a:schemeClr val="bg2">
-                    <a:lumMod val="90000"/>
-                  </a:schemeClr>
-                </a:solidFill>
                 <a:latin typeface="Century Gothic" panose="020B0502020202020204" pitchFamily="34" charset="0"/>
                 <a:cs typeface="Arial" panose="020B0604020202020204" pitchFamily="34" charset="0"/>
               </a:rPr>
@@ -4223,9 +6974,6 @@
             <a:avLst/>
           </a:prstGeom>
           <a:ln>
-            <a:solidFill>
-              <a:schemeClr val="bg2"/>
-            </a:solidFill>
             <a:tailEnd type="triangle"/>
           </a:ln>
         </p:spPr>
@@ -4247,7 +6995,7 @@
     </p:spTree>
     <p:extLst>
       <p:ext uri="{BB962C8B-B14F-4D97-AF65-F5344CB8AC3E}">
-        <p14:creationId xmlns:p14="http://schemas.microsoft.com/office/powerpoint/2010/main" val="2914679269"/>
+        <p14:creationId xmlns:p14="http://schemas.microsoft.com/office/powerpoint/2010/main" val="1968835946"/>
       </p:ext>
     </p:extLst>
   </p:cSld>
@@ -4388,14 +7136,45 @@
       </p:sp>
       <p:sp>
         <p:nvSpPr>
-          <p:cNvPr id="54" name="TextBox 53"/>
+          <p:cNvPr id="64" name="TextBox 63"/>
           <p:cNvSpPr txBox="1"/>
           <p:nvPr/>
         </p:nvSpPr>
         <p:spPr>
           <a:xfrm>
-            <a:off x="6678270" y="1168985"/>
-            <a:ext cx="1994014" cy="851515"/>
+            <a:off x="968375" y="264531"/>
+            <a:ext cx="5178311" cy="461665"/>
+          </a:xfrm>
+          <a:prstGeom prst="rect">
+            <a:avLst/>
+          </a:prstGeom>
+          <a:noFill/>
+        </p:spPr>
+        <p:txBody>
+          <a:bodyPr wrap="square" rtlCol="0">
+            <a:spAutoFit/>
+          </a:bodyPr>
+          <a:lstStyle/>
+          <a:p>
+            <a:r>
+              <a:rPr lang="en-US" sz="2400" dirty="0">
+                <a:latin typeface="Futura-Normal" pitchFamily="2" charset="0"/>
+              </a:rPr>
+              <a:t>UC Berkeley 2015-16 Gym Attendance</a:t>
+            </a:r>
+          </a:p>
+        </p:txBody>
+      </p:sp>
+      <p:sp>
+        <p:nvSpPr>
+          <p:cNvPr id="66" name="TextBox 65"/>
+          <p:cNvSpPr txBox="1"/>
+          <p:nvPr/>
+        </p:nvSpPr>
+        <p:spPr>
+          <a:xfrm>
+            <a:off x="2023091" y="3516084"/>
+            <a:ext cx="1621523" cy="838691"/>
           </a:xfrm>
           <a:prstGeom prst="rect">
             <a:avLst/>
@@ -4418,7 +7197,7 @@
                 <a:latin typeface="Century Gothic" panose="020B0502020202020204" pitchFamily="34" charset="0"/>
                 <a:cs typeface="Arial" panose="020B0604020202020204" pitchFamily="34" charset="0"/>
               </a:rPr>
-              <a:t>New Year’s Gym Rush</a:t>
+              <a:t>Thanksgiving</a:t>
             </a:r>
           </a:p>
           <a:p>
@@ -4432,7 +7211,7 @@
                 <a:latin typeface="Century Gothic" panose="020B0502020202020204" pitchFamily="34" charset="0"/>
                 <a:cs typeface="Arial" panose="020B0604020202020204" pitchFamily="34" charset="0"/>
               </a:rPr>
-              <a:t>Jan 20, 2016</a:t>
+              <a:t>Nov 26 2015</a:t>
             </a:r>
           </a:p>
           <a:p>
@@ -4441,23 +7220,23 @@
                 <a:latin typeface="Century Gothic" panose="020B0502020202020204" pitchFamily="34" charset="0"/>
                 <a:cs typeface="Arial" panose="020B0604020202020204" pitchFamily="34" charset="0"/>
               </a:rPr>
-              <a:t>Students flood to the gym in a futile attempt to fulfill their New Year’s goals</a:t>
+              <a:t>Working out is optional when you’re filling up on turkey and mashed potatoes</a:t>
             </a:r>
           </a:p>
         </p:txBody>
       </p:sp>
       <p:cxnSp>
         <p:nvCxnSpPr>
-          <p:cNvPr id="60" name="Straight Arrow Connector 59"/>
+          <p:cNvPr id="67" name="Straight Arrow Connector 66"/>
           <p:cNvCxnSpPr>
             <a:cxnSpLocks/>
           </p:cNvCxnSpPr>
           <p:nvPr/>
         </p:nvCxnSpPr>
         <p:spPr>
-          <a:xfrm flipH="1">
-            <a:off x="5741759" y="1433497"/>
-            <a:ext cx="974611" cy="33724"/>
+          <a:xfrm flipV="1">
+            <a:off x="3249384" y="3601809"/>
+            <a:ext cx="926306" cy="219076"/>
           </a:xfrm>
           <a:prstGeom prst="straightConnector1">
             <a:avLst/>
@@ -4481,85 +7260,16 @@
           </a:fontRef>
         </p:style>
       </p:cxnSp>
-      <p:cxnSp>
-        <p:nvCxnSpPr>
-          <p:cNvPr id="61" name="Straight Arrow Connector 60"/>
-          <p:cNvCxnSpPr>
-            <a:cxnSpLocks/>
-          </p:cNvCxnSpPr>
-          <p:nvPr/>
-        </p:nvCxnSpPr>
-        <p:spPr>
-          <a:xfrm flipV="1">
-            <a:off x="4584700" y="4626041"/>
-            <a:ext cx="317272" cy="382366"/>
-          </a:xfrm>
-          <a:prstGeom prst="straightConnector1">
-            <a:avLst/>
-          </a:prstGeom>
-          <a:ln>
-            <a:solidFill>
-              <a:schemeClr val="bg2"/>
-            </a:solidFill>
-            <a:tailEnd type="triangle"/>
-          </a:ln>
-        </p:spPr>
-        <p:style>
-          <a:lnRef idx="1">
-            <a:schemeClr val="accent1"/>
-          </a:lnRef>
-          <a:fillRef idx="0">
-            <a:schemeClr val="accent1"/>
-          </a:fillRef>
-          <a:effectRef idx="0">
-            <a:schemeClr val="accent1"/>
-          </a:effectRef>
-          <a:fontRef idx="minor">
-            <a:schemeClr val="tx1"/>
-          </a:fontRef>
-        </p:style>
-      </p:cxnSp>
-      <p:sp>
-        <p:nvSpPr>
-          <p:cNvPr id="64" name="TextBox 63"/>
+      <p:sp>
+        <p:nvSpPr>
+          <p:cNvPr id="85" name="TextBox 84"/>
           <p:cNvSpPr txBox="1"/>
           <p:nvPr/>
         </p:nvSpPr>
         <p:spPr>
           <a:xfrm>
-            <a:off x="968375" y="264531"/>
-            <a:ext cx="5178311" cy="461665"/>
-          </a:xfrm>
-          <a:prstGeom prst="rect">
-            <a:avLst/>
-          </a:prstGeom>
-          <a:noFill/>
-        </p:spPr>
-        <p:txBody>
-          <a:bodyPr wrap="square" rtlCol="0">
-            <a:spAutoFit/>
-          </a:bodyPr>
-          <a:lstStyle/>
-          <a:p>
-            <a:r>
-              <a:rPr lang="en-US" sz="2400" dirty="0">
-                <a:latin typeface="Futura-Normal" pitchFamily="2" charset="0"/>
-              </a:rPr>
-              <a:t>UC Berkeley 2015-16 Gym Attendance</a:t>
-            </a:r>
-          </a:p>
-        </p:txBody>
-      </p:sp>
-      <p:sp>
-        <p:nvSpPr>
-          <p:cNvPr id="65" name="TextBox 64"/>
-          <p:cNvSpPr txBox="1"/>
-          <p:nvPr/>
-        </p:nvSpPr>
-        <p:spPr>
-          <a:xfrm>
-            <a:off x="3539744" y="5008407"/>
-            <a:ext cx="1617448" cy="838691"/>
+            <a:off x="3103334" y="1105594"/>
+            <a:ext cx="1481366" cy="715581"/>
           </a:xfrm>
           <a:prstGeom prst="rect">
             <a:avLst/>
@@ -4568,194 +7278,6 @@
           <a:ln>
             <a:noFill/>
           </a:ln>
-        </p:spPr>
-        <p:txBody>
-          <a:bodyPr wrap="square" rtlCol="0">
-            <a:spAutoFit/>
-          </a:bodyPr>
-          <a:lstStyle/>
-          <a:p>
-            <a:pPr>
-              <a:spcAft>
-                <a:spcPts val="100"/>
-              </a:spcAft>
-            </a:pPr>
-            <a:r>
-              <a:rPr lang="en-US" sz="1200" b="1" dirty="0">
-                <a:solidFill>
-                  <a:schemeClr val="bg2">
-                    <a:lumMod val="90000"/>
-                  </a:schemeClr>
-                </a:solidFill>
-                <a:latin typeface="Century Gothic" panose="020B0502020202020204" pitchFamily="34" charset="0"/>
-                <a:cs typeface="Arial" panose="020B0604020202020204" pitchFamily="34" charset="0"/>
-              </a:rPr>
-              <a:t>Winter Break</a:t>
-            </a:r>
-          </a:p>
-          <a:p>
-            <a:pPr>
-              <a:spcAft>
-                <a:spcPts val="200"/>
-              </a:spcAft>
-            </a:pPr>
-            <a:r>
-              <a:rPr lang="en-US" sz="1000" dirty="0">
-                <a:solidFill>
-                  <a:schemeClr val="bg2">
-                    <a:lumMod val="90000"/>
-                  </a:schemeClr>
-                </a:solidFill>
-                <a:latin typeface="Century Gothic" panose="020B0502020202020204" pitchFamily="34" charset="0"/>
-                <a:cs typeface="Arial" panose="020B0604020202020204" pitchFamily="34" charset="0"/>
-              </a:rPr>
-              <a:t>Dec 19-Jan 19, 2015</a:t>
-            </a:r>
-          </a:p>
-          <a:p>
-            <a:r>
-              <a:rPr lang="en-US" sz="800" i="1" dirty="0">
-                <a:solidFill>
-                  <a:schemeClr val="bg2">
-                    <a:lumMod val="90000"/>
-                  </a:schemeClr>
-                </a:solidFill>
-                <a:latin typeface="Century Gothic" panose="020B0502020202020204" pitchFamily="34" charset="0"/>
-                <a:cs typeface="Arial" panose="020B0604020202020204" pitchFamily="34" charset="0"/>
-              </a:rPr>
-              <a:t>Most students head home for the winter holidays, like Christmas and Hanukkah</a:t>
-            </a:r>
-          </a:p>
-        </p:txBody>
-      </p:sp>
-      <p:sp>
-        <p:nvSpPr>
-          <p:cNvPr id="66" name="TextBox 65"/>
-          <p:cNvSpPr txBox="1"/>
-          <p:nvPr/>
-        </p:nvSpPr>
-        <p:spPr>
-          <a:xfrm>
-            <a:off x="2023091" y="3516084"/>
-            <a:ext cx="1621523" cy="838691"/>
-          </a:xfrm>
-          <a:prstGeom prst="rect">
-            <a:avLst/>
-          </a:prstGeom>
-          <a:noFill/>
-        </p:spPr>
-        <p:txBody>
-          <a:bodyPr wrap="square" rtlCol="0">
-            <a:spAutoFit/>
-          </a:bodyPr>
-          <a:lstStyle/>
-          <a:p>
-            <a:pPr>
-              <a:spcAft>
-                <a:spcPts val="100"/>
-              </a:spcAft>
-            </a:pPr>
-            <a:r>
-              <a:rPr lang="en-US" sz="1200" b="1" dirty="0">
-                <a:solidFill>
-                  <a:schemeClr val="bg2">
-                    <a:lumMod val="90000"/>
-                  </a:schemeClr>
-                </a:solidFill>
-                <a:latin typeface="Century Gothic" panose="020B0502020202020204" pitchFamily="34" charset="0"/>
-                <a:cs typeface="Arial" panose="020B0604020202020204" pitchFamily="34" charset="0"/>
-              </a:rPr>
-              <a:t>Thanksgiving</a:t>
-            </a:r>
-          </a:p>
-          <a:p>
-            <a:pPr>
-              <a:spcAft>
-                <a:spcPts val="200"/>
-              </a:spcAft>
-            </a:pPr>
-            <a:r>
-              <a:rPr lang="en-US" sz="1000" dirty="0">
-                <a:solidFill>
-                  <a:schemeClr val="bg2">
-                    <a:lumMod val="90000"/>
-                  </a:schemeClr>
-                </a:solidFill>
-                <a:latin typeface="Century Gothic" panose="020B0502020202020204" pitchFamily="34" charset="0"/>
-                <a:cs typeface="Arial" panose="020B0604020202020204" pitchFamily="34" charset="0"/>
-              </a:rPr>
-              <a:t>Nov 26 2015</a:t>
-            </a:r>
-          </a:p>
-          <a:p>
-            <a:r>
-              <a:rPr lang="en-US" sz="800" i="1" dirty="0">
-                <a:solidFill>
-                  <a:schemeClr val="bg2">
-                    <a:lumMod val="90000"/>
-                  </a:schemeClr>
-                </a:solidFill>
-                <a:latin typeface="Century Gothic" panose="020B0502020202020204" pitchFamily="34" charset="0"/>
-                <a:cs typeface="Arial" panose="020B0604020202020204" pitchFamily="34" charset="0"/>
-              </a:rPr>
-              <a:t>Working out is optional when you’re filling up on turkey and mashed potatoes</a:t>
-            </a:r>
-          </a:p>
-        </p:txBody>
-      </p:sp>
-      <p:cxnSp>
-        <p:nvCxnSpPr>
-          <p:cNvPr id="67" name="Straight Arrow Connector 66"/>
-          <p:cNvCxnSpPr>
-            <a:cxnSpLocks/>
-          </p:cNvCxnSpPr>
-          <p:nvPr/>
-        </p:nvCxnSpPr>
-        <p:spPr>
-          <a:xfrm flipV="1">
-            <a:off x="3249384" y="3601809"/>
-            <a:ext cx="926306" cy="219076"/>
-          </a:xfrm>
-          <a:prstGeom prst="straightConnector1">
-            <a:avLst/>
-          </a:prstGeom>
-          <a:ln>
-            <a:solidFill>
-              <a:schemeClr val="bg2"/>
-            </a:solidFill>
-            <a:tailEnd type="triangle"/>
-          </a:ln>
-        </p:spPr>
-        <p:style>
-          <a:lnRef idx="1">
-            <a:schemeClr val="accent1"/>
-          </a:lnRef>
-          <a:fillRef idx="0">
-            <a:schemeClr val="accent1"/>
-          </a:fillRef>
-          <a:effectRef idx="0">
-            <a:schemeClr val="accent1"/>
-          </a:effectRef>
-          <a:fontRef idx="minor">
-            <a:schemeClr val="tx1"/>
-          </a:fontRef>
-        </p:style>
-      </p:cxnSp>
-      <p:sp>
-        <p:nvSpPr>
-          <p:cNvPr id="85" name="TextBox 84"/>
-          <p:cNvSpPr txBox="1"/>
-          <p:nvPr/>
-        </p:nvSpPr>
-        <p:spPr>
-          <a:xfrm>
-            <a:off x="3103334" y="1105594"/>
-            <a:ext cx="1481366" cy="715581"/>
-          </a:xfrm>
-          <a:prstGeom prst="rect">
-            <a:avLst/>
-          </a:prstGeom>
-          <a:noFill/>
         </p:spPr>
         <p:txBody>
           <a:bodyPr wrap="square" rtlCol="0">
@@ -4857,7 +7379,7 @@
     </p:spTree>
     <p:extLst>
       <p:ext uri="{BB962C8B-B14F-4D97-AF65-F5344CB8AC3E}">
-        <p14:creationId xmlns:p14="http://schemas.microsoft.com/office/powerpoint/2010/main" val="587154643"/>
+        <p14:creationId xmlns:p14="http://schemas.microsoft.com/office/powerpoint/2010/main" val="1840922421"/>
       </p:ext>
     </p:extLst>
   </p:cSld>
@@ -4958,9 +7480,6 @@
           <a:prstGeom prst="rect">
             <a:avLst/>
           </a:prstGeom>
-          <a:ln>
-            <a:noFill/>
-          </a:ln>
         </p:spPr>
       </p:pic>
       <p:sp>
@@ -4999,16 +7518,142 @@
           </a:p>
         </p:txBody>
       </p:sp>
-      <p:sp>
-        <p:nvSpPr>
-          <p:cNvPr id="54" name="TextBox 53"/>
+      <p:cxnSp>
+        <p:nvCxnSpPr>
+          <p:cNvPr id="61" name="Straight Arrow Connector 60"/>
+          <p:cNvCxnSpPr>
+            <a:cxnSpLocks/>
+          </p:cNvCxnSpPr>
+          <p:nvPr/>
+        </p:nvCxnSpPr>
+        <p:spPr>
+          <a:xfrm flipV="1">
+            <a:off x="4584700" y="4626041"/>
+            <a:ext cx="317272" cy="382366"/>
+          </a:xfrm>
+          <a:prstGeom prst="straightConnector1">
+            <a:avLst/>
+          </a:prstGeom>
+          <a:ln>
+            <a:tailEnd type="triangle"/>
+          </a:ln>
+        </p:spPr>
+        <p:style>
+          <a:lnRef idx="1">
+            <a:schemeClr val="accent1"/>
+          </a:lnRef>
+          <a:fillRef idx="0">
+            <a:schemeClr val="accent1"/>
+          </a:fillRef>
+          <a:effectRef idx="0">
+            <a:schemeClr val="accent1"/>
+          </a:effectRef>
+          <a:fontRef idx="minor">
+            <a:schemeClr val="tx1"/>
+          </a:fontRef>
+        </p:style>
+      </p:cxnSp>
+      <p:sp>
+        <p:nvSpPr>
+          <p:cNvPr id="64" name="TextBox 63"/>
           <p:cNvSpPr txBox="1"/>
           <p:nvPr/>
         </p:nvSpPr>
         <p:spPr>
           <a:xfrm>
-            <a:off x="6678270" y="1168985"/>
-            <a:ext cx="1994014" cy="851515"/>
+            <a:off x="968375" y="264531"/>
+            <a:ext cx="5178311" cy="461665"/>
+          </a:xfrm>
+          <a:prstGeom prst="rect">
+            <a:avLst/>
+          </a:prstGeom>
+          <a:noFill/>
+        </p:spPr>
+        <p:txBody>
+          <a:bodyPr wrap="square" rtlCol="0">
+            <a:spAutoFit/>
+          </a:bodyPr>
+          <a:lstStyle/>
+          <a:p>
+            <a:r>
+              <a:rPr lang="en-US" sz="2400" dirty="0">
+                <a:latin typeface="Futura-Normal" pitchFamily="2" charset="0"/>
+              </a:rPr>
+              <a:t>UC Berkeley 2015-16 Gym Attendance</a:t>
+            </a:r>
+          </a:p>
+        </p:txBody>
+      </p:sp>
+      <p:sp>
+        <p:nvSpPr>
+          <p:cNvPr id="65" name="TextBox 64"/>
+          <p:cNvSpPr txBox="1"/>
+          <p:nvPr/>
+        </p:nvSpPr>
+        <p:spPr>
+          <a:xfrm>
+            <a:off x="3539744" y="5008407"/>
+            <a:ext cx="1617448" cy="838691"/>
+          </a:xfrm>
+          <a:prstGeom prst="rect">
+            <a:avLst/>
+          </a:prstGeom>
+          <a:noFill/>
+        </p:spPr>
+        <p:txBody>
+          <a:bodyPr wrap="square" rtlCol="0">
+            <a:spAutoFit/>
+          </a:bodyPr>
+          <a:lstStyle/>
+          <a:p>
+            <a:pPr>
+              <a:spcAft>
+                <a:spcPts val="100"/>
+              </a:spcAft>
+            </a:pPr>
+            <a:r>
+              <a:rPr lang="en-US" sz="1200" b="1" dirty="0">
+                <a:latin typeface="Century Gothic" panose="020B0502020202020204" pitchFamily="34" charset="0"/>
+                <a:cs typeface="Arial" panose="020B0604020202020204" pitchFamily="34" charset="0"/>
+              </a:rPr>
+              <a:t>Winter Break</a:t>
+            </a:r>
+          </a:p>
+          <a:p>
+            <a:pPr>
+              <a:spcAft>
+                <a:spcPts val="200"/>
+              </a:spcAft>
+            </a:pPr>
+            <a:r>
+              <a:rPr lang="en-US" sz="1000" dirty="0">
+                <a:latin typeface="Century Gothic" panose="020B0502020202020204" pitchFamily="34" charset="0"/>
+                <a:cs typeface="Arial" panose="020B0604020202020204" pitchFamily="34" charset="0"/>
+              </a:rPr>
+              <a:t>Dec 19-Jan 19, 2015</a:t>
+            </a:r>
+          </a:p>
+          <a:p>
+            <a:r>
+              <a:rPr lang="en-US" sz="800" i="1" dirty="0">
+                <a:latin typeface="Century Gothic" panose="020B0502020202020204" pitchFamily="34" charset="0"/>
+                <a:cs typeface="Arial" panose="020B0604020202020204" pitchFamily="34" charset="0"/>
+              </a:rPr>
+              <a:t>Most students head home for the winter holidays, like Christmas and Hanukkah</a:t>
+            </a:r>
+          </a:p>
+        </p:txBody>
+      </p:sp>
+      <p:sp>
+        <p:nvSpPr>
+          <p:cNvPr id="66" name="TextBox 65"/>
+          <p:cNvSpPr txBox="1"/>
+          <p:nvPr/>
+        </p:nvSpPr>
+        <p:spPr>
+          <a:xfrm>
+            <a:off x="2023091" y="3516084"/>
+            <a:ext cx="1621523" cy="838691"/>
           </a:xfrm>
           <a:prstGeom prst="rect">
             <a:avLst/>
@@ -5036,7 +7681,7 @@
                 <a:latin typeface="Century Gothic" panose="020B0502020202020204" pitchFamily="34" charset="0"/>
                 <a:cs typeface="Arial" panose="020B0604020202020204" pitchFamily="34" charset="0"/>
               </a:rPr>
-              <a:t>New Year’s Gym Rush</a:t>
+              <a:t>Thanksgiving</a:t>
             </a:r>
           </a:p>
           <a:p>
@@ -5055,7 +7700,7 @@
                 <a:latin typeface="Century Gothic" panose="020B0502020202020204" pitchFamily="34" charset="0"/>
                 <a:cs typeface="Arial" panose="020B0604020202020204" pitchFamily="34" charset="0"/>
               </a:rPr>
-              <a:t>Jan 20, 2016</a:t>
+              <a:t>Nov 26 2015</a:t>
             </a:r>
           </a:p>
           <a:p>
@@ -5069,263 +7714,6 @@
                 <a:latin typeface="Century Gothic" panose="020B0502020202020204" pitchFamily="34" charset="0"/>
                 <a:cs typeface="Arial" panose="020B0604020202020204" pitchFamily="34" charset="0"/>
               </a:rPr>
-              <a:t>Students flood to the gym in a futile attempt to fulfill their New Year’s goals</a:t>
-            </a:r>
-          </a:p>
-        </p:txBody>
-      </p:sp>
-      <p:cxnSp>
-        <p:nvCxnSpPr>
-          <p:cNvPr id="60" name="Straight Arrow Connector 59"/>
-          <p:cNvCxnSpPr>
-            <a:cxnSpLocks/>
-          </p:cNvCxnSpPr>
-          <p:nvPr/>
-        </p:nvCxnSpPr>
-        <p:spPr>
-          <a:xfrm flipH="1">
-            <a:off x="5741759" y="1433497"/>
-            <a:ext cx="974611" cy="33724"/>
-          </a:xfrm>
-          <a:prstGeom prst="straightConnector1">
-            <a:avLst/>
-          </a:prstGeom>
-          <a:ln>
-            <a:solidFill>
-              <a:schemeClr val="bg2"/>
-            </a:solidFill>
-            <a:tailEnd type="triangle"/>
-          </a:ln>
-        </p:spPr>
-        <p:style>
-          <a:lnRef idx="1">
-            <a:schemeClr val="accent1"/>
-          </a:lnRef>
-          <a:fillRef idx="0">
-            <a:schemeClr val="accent1"/>
-          </a:fillRef>
-          <a:effectRef idx="0">
-            <a:schemeClr val="accent1"/>
-          </a:effectRef>
-          <a:fontRef idx="minor">
-            <a:schemeClr val="tx1"/>
-          </a:fontRef>
-        </p:style>
-      </p:cxnSp>
-      <p:cxnSp>
-        <p:nvCxnSpPr>
-          <p:cNvPr id="61" name="Straight Arrow Connector 60"/>
-          <p:cNvCxnSpPr>
-            <a:cxnSpLocks/>
-          </p:cNvCxnSpPr>
-          <p:nvPr/>
-        </p:nvCxnSpPr>
-        <p:spPr>
-          <a:xfrm flipV="1">
-            <a:off x="4584700" y="4626041"/>
-            <a:ext cx="317272" cy="382366"/>
-          </a:xfrm>
-          <a:prstGeom prst="straightConnector1">
-            <a:avLst/>
-          </a:prstGeom>
-          <a:ln>
-            <a:solidFill>
-              <a:schemeClr val="bg2"/>
-            </a:solidFill>
-            <a:tailEnd type="triangle"/>
-          </a:ln>
-        </p:spPr>
-        <p:style>
-          <a:lnRef idx="1">
-            <a:schemeClr val="accent1"/>
-          </a:lnRef>
-          <a:fillRef idx="0">
-            <a:schemeClr val="accent1"/>
-          </a:fillRef>
-          <a:effectRef idx="0">
-            <a:schemeClr val="accent1"/>
-          </a:effectRef>
-          <a:fontRef idx="minor">
-            <a:schemeClr val="tx1"/>
-          </a:fontRef>
-        </p:style>
-      </p:cxnSp>
-      <p:sp>
-        <p:nvSpPr>
-          <p:cNvPr id="64" name="TextBox 63"/>
-          <p:cNvSpPr txBox="1"/>
-          <p:nvPr/>
-        </p:nvSpPr>
-        <p:spPr>
-          <a:xfrm>
-            <a:off x="968375" y="264531"/>
-            <a:ext cx="5178311" cy="461665"/>
-          </a:xfrm>
-          <a:prstGeom prst="rect">
-            <a:avLst/>
-          </a:prstGeom>
-          <a:noFill/>
-        </p:spPr>
-        <p:txBody>
-          <a:bodyPr wrap="square" rtlCol="0">
-            <a:spAutoFit/>
-          </a:bodyPr>
-          <a:lstStyle/>
-          <a:p>
-            <a:r>
-              <a:rPr lang="en-US" sz="2400" dirty="0">
-                <a:latin typeface="Futura-Normal" pitchFamily="2" charset="0"/>
-              </a:rPr>
-              <a:t>UC Berkeley 2015-16 Gym Attendance</a:t>
-            </a:r>
-          </a:p>
-        </p:txBody>
-      </p:sp>
-      <p:sp>
-        <p:nvSpPr>
-          <p:cNvPr id="65" name="TextBox 64"/>
-          <p:cNvSpPr txBox="1"/>
-          <p:nvPr/>
-        </p:nvSpPr>
-        <p:spPr>
-          <a:xfrm>
-            <a:off x="3539744" y="5008407"/>
-            <a:ext cx="1617448" cy="838691"/>
-          </a:xfrm>
-          <a:prstGeom prst="rect">
-            <a:avLst/>
-          </a:prstGeom>
-          <a:noFill/>
-        </p:spPr>
-        <p:txBody>
-          <a:bodyPr wrap="square" rtlCol="0">
-            <a:spAutoFit/>
-          </a:bodyPr>
-          <a:lstStyle/>
-          <a:p>
-            <a:pPr>
-              <a:spcAft>
-                <a:spcPts val="100"/>
-              </a:spcAft>
-            </a:pPr>
-            <a:r>
-              <a:rPr lang="en-US" sz="1200" b="1" dirty="0">
-                <a:solidFill>
-                  <a:schemeClr val="bg2">
-                    <a:lumMod val="90000"/>
-                  </a:schemeClr>
-                </a:solidFill>
-                <a:latin typeface="Century Gothic" panose="020B0502020202020204" pitchFamily="34" charset="0"/>
-                <a:cs typeface="Arial" panose="020B0604020202020204" pitchFamily="34" charset="0"/>
-              </a:rPr>
-              <a:t>Winter Break</a:t>
-            </a:r>
-          </a:p>
-          <a:p>
-            <a:pPr>
-              <a:spcAft>
-                <a:spcPts val="200"/>
-              </a:spcAft>
-            </a:pPr>
-            <a:r>
-              <a:rPr lang="en-US" sz="1000" dirty="0">
-                <a:solidFill>
-                  <a:schemeClr val="bg2">
-                    <a:lumMod val="90000"/>
-                  </a:schemeClr>
-                </a:solidFill>
-                <a:latin typeface="Century Gothic" panose="020B0502020202020204" pitchFamily="34" charset="0"/>
-                <a:cs typeface="Arial" panose="020B0604020202020204" pitchFamily="34" charset="0"/>
-              </a:rPr>
-              <a:t>Dec 19-Jan 19, 2015</a:t>
-            </a:r>
-          </a:p>
-          <a:p>
-            <a:r>
-              <a:rPr lang="en-US" sz="800" i="1" dirty="0">
-                <a:solidFill>
-                  <a:schemeClr val="bg2">
-                    <a:lumMod val="90000"/>
-                  </a:schemeClr>
-                </a:solidFill>
-                <a:latin typeface="Century Gothic" panose="020B0502020202020204" pitchFamily="34" charset="0"/>
-                <a:cs typeface="Arial" panose="020B0604020202020204" pitchFamily="34" charset="0"/>
-              </a:rPr>
-              <a:t>Most students head home for the winter holidays, like Christmas and Hanukkah</a:t>
-            </a:r>
-          </a:p>
-        </p:txBody>
-      </p:sp>
-      <p:sp>
-        <p:nvSpPr>
-          <p:cNvPr id="66" name="TextBox 65"/>
-          <p:cNvSpPr txBox="1"/>
-          <p:nvPr/>
-        </p:nvSpPr>
-        <p:spPr>
-          <a:xfrm>
-            <a:off x="2023091" y="3516084"/>
-            <a:ext cx="1621523" cy="838691"/>
-          </a:xfrm>
-          <a:prstGeom prst="rect">
-            <a:avLst/>
-          </a:prstGeom>
-          <a:noFill/>
-        </p:spPr>
-        <p:txBody>
-          <a:bodyPr wrap="square" rtlCol="0">
-            <a:spAutoFit/>
-          </a:bodyPr>
-          <a:lstStyle/>
-          <a:p>
-            <a:pPr>
-              <a:spcAft>
-                <a:spcPts val="100"/>
-              </a:spcAft>
-            </a:pPr>
-            <a:r>
-              <a:rPr lang="en-US" sz="1200" b="1" dirty="0">
-                <a:solidFill>
-                  <a:schemeClr val="bg2">
-                    <a:lumMod val="90000"/>
-                  </a:schemeClr>
-                </a:solidFill>
-                <a:latin typeface="Century Gothic" panose="020B0502020202020204" pitchFamily="34" charset="0"/>
-                <a:cs typeface="Arial" panose="020B0604020202020204" pitchFamily="34" charset="0"/>
-              </a:rPr>
-              <a:t>Thanksgiving</a:t>
-            </a:r>
-          </a:p>
-          <a:p>
-            <a:pPr>
-              <a:spcAft>
-                <a:spcPts val="200"/>
-              </a:spcAft>
-            </a:pPr>
-            <a:r>
-              <a:rPr lang="en-US" sz="1000" dirty="0">
-                <a:solidFill>
-                  <a:schemeClr val="bg2">
-                    <a:lumMod val="90000"/>
-                  </a:schemeClr>
-                </a:solidFill>
-                <a:latin typeface="Century Gothic" panose="020B0502020202020204" pitchFamily="34" charset="0"/>
-                <a:cs typeface="Arial" panose="020B0604020202020204" pitchFamily="34" charset="0"/>
-              </a:rPr>
-              <a:t>Nov 26 2015</a:t>
-            </a:r>
-          </a:p>
-          <a:p>
-            <a:r>
-              <a:rPr lang="en-US" sz="800" i="1" dirty="0">
-                <a:solidFill>
-                  <a:schemeClr val="bg2">
-                    <a:lumMod val="90000"/>
-                  </a:schemeClr>
-                </a:solidFill>
-                <a:latin typeface="Century Gothic" panose="020B0502020202020204" pitchFamily="34" charset="0"/>
-                <a:cs typeface="Arial" panose="020B0604020202020204" pitchFamily="34" charset="0"/>
-              </a:rPr>
               <a:t>Working out is optional when you’re filling up on turkey and mashed potatoes</a:t>
             </a:r>
           </a:p>
@@ -5351,101 +7739,6 @@
             <a:solidFill>
               <a:schemeClr val="bg2"/>
             </a:solidFill>
-            <a:tailEnd type="triangle"/>
-          </a:ln>
-        </p:spPr>
-        <p:style>
-          <a:lnRef idx="1">
-            <a:schemeClr val="accent1"/>
-          </a:lnRef>
-          <a:fillRef idx="0">
-            <a:schemeClr val="accent1"/>
-          </a:fillRef>
-          <a:effectRef idx="0">
-            <a:schemeClr val="accent1"/>
-          </a:effectRef>
-          <a:fontRef idx="minor">
-            <a:schemeClr val="tx1"/>
-          </a:fontRef>
-        </p:style>
-      </p:cxnSp>
-      <p:sp>
-        <p:nvSpPr>
-          <p:cNvPr id="72" name="TextBox 71"/>
-          <p:cNvSpPr txBox="1"/>
-          <p:nvPr/>
-        </p:nvSpPr>
-        <p:spPr>
-          <a:xfrm>
-            <a:off x="5910722" y="5008407"/>
-            <a:ext cx="1535095" cy="592470"/>
-          </a:xfrm>
-          <a:prstGeom prst="rect">
-            <a:avLst/>
-          </a:prstGeom>
-          <a:noFill/>
-        </p:spPr>
-        <p:txBody>
-          <a:bodyPr wrap="square" rtlCol="0">
-            <a:spAutoFit/>
-          </a:bodyPr>
-          <a:lstStyle/>
-          <a:p>
-            <a:pPr>
-              <a:spcAft>
-                <a:spcPts val="100"/>
-              </a:spcAft>
-            </a:pPr>
-            <a:r>
-              <a:rPr lang="en-US" sz="1200" b="1" dirty="0">
-                <a:latin typeface="Century Gothic" panose="020B0502020202020204" pitchFamily="34" charset="0"/>
-                <a:cs typeface="Arial" panose="020B0604020202020204" pitchFamily="34" charset="0"/>
-              </a:rPr>
-              <a:t>Spring Break</a:t>
-            </a:r>
-          </a:p>
-          <a:p>
-            <a:pPr>
-              <a:spcAft>
-                <a:spcPts val="200"/>
-              </a:spcAft>
-            </a:pPr>
-            <a:r>
-              <a:rPr lang="en-US" sz="1000" dirty="0">
-                <a:latin typeface="Century Gothic" panose="020B0502020202020204" pitchFamily="34" charset="0"/>
-                <a:cs typeface="Arial" panose="020B0604020202020204" pitchFamily="34" charset="0"/>
-              </a:rPr>
-              <a:t>Mar 21-25, 2016</a:t>
-            </a:r>
-          </a:p>
-          <a:p>
-            <a:r>
-              <a:rPr lang="en-US" sz="800" i="1" dirty="0">
-                <a:latin typeface="Century Gothic" panose="020B0502020202020204" pitchFamily="34" charset="0"/>
-                <a:cs typeface="Arial" panose="020B0604020202020204" pitchFamily="34" charset="0"/>
-              </a:rPr>
-              <a:t>Spring break! Party! Woo!</a:t>
-            </a:r>
-          </a:p>
-        </p:txBody>
-      </p:sp>
-      <p:cxnSp>
-        <p:nvCxnSpPr>
-          <p:cNvPr id="80" name="Straight Arrow Connector 79"/>
-          <p:cNvCxnSpPr>
-            <a:cxnSpLocks/>
-          </p:cNvCxnSpPr>
-          <p:nvPr/>
-        </p:nvCxnSpPr>
-        <p:spPr>
-          <a:xfrm flipV="1">
-            <a:off x="6934200" y="4354775"/>
-            <a:ext cx="400050" cy="653632"/>
-          </a:xfrm>
-          <a:prstGeom prst="straightConnector1">
-            <a:avLst/>
-          </a:prstGeom>
-          <a:ln>
             <a:tailEnd type="triangle"/>
           </a:ln>
         </p:spPr>
@@ -5580,7 +7873,7 @@
     </p:spTree>
     <p:extLst>
       <p:ext uri="{BB962C8B-B14F-4D97-AF65-F5344CB8AC3E}">
-        <p14:creationId xmlns:p14="http://schemas.microsoft.com/office/powerpoint/2010/main" val="3065806878"/>
+        <p14:creationId xmlns:p14="http://schemas.microsoft.com/office/powerpoint/2010/main" val="2914679269"/>
       </p:ext>
     </p:extLst>
   </p:cSld>
@@ -5748,11 +8041,6 @@
             </a:pPr>
             <a:r>
               <a:rPr lang="en-US" sz="1200" b="1" dirty="0">
-                <a:solidFill>
-                  <a:schemeClr val="bg2">
-                    <a:lumMod val="90000"/>
-                  </a:schemeClr>
-                </a:solidFill>
                 <a:latin typeface="Century Gothic" panose="020B0502020202020204" pitchFamily="34" charset="0"/>
                 <a:cs typeface="Arial" panose="020B0604020202020204" pitchFamily="34" charset="0"/>
               </a:rPr>
@@ -5767,11 +8055,6 @@
             </a:pPr>
             <a:r>
               <a:rPr lang="en-US" sz="1000" dirty="0">
-                <a:solidFill>
-                  <a:schemeClr val="bg2">
-                    <a:lumMod val="90000"/>
-                  </a:schemeClr>
-                </a:solidFill>
                 <a:latin typeface="Century Gothic" panose="020B0502020202020204" pitchFamily="34" charset="0"/>
                 <a:cs typeface="Arial" panose="020B0604020202020204" pitchFamily="34" charset="0"/>
               </a:rPr>
@@ -5781,11 +8064,6 @@
           <a:p>
             <a:r>
               <a:rPr lang="en-US" sz="800" i="1" dirty="0">
-                <a:solidFill>
-                  <a:schemeClr val="bg2">
-                    <a:lumMod val="90000"/>
-                  </a:schemeClr>
-                </a:solidFill>
                 <a:latin typeface="Century Gothic" panose="020B0502020202020204" pitchFamily="34" charset="0"/>
                 <a:cs typeface="Arial" panose="020B0604020202020204" pitchFamily="34" charset="0"/>
               </a:rPr>
@@ -5811,9 +8089,6 @@
             <a:avLst/>
           </a:prstGeom>
           <a:ln>
-            <a:solidFill>
-              <a:schemeClr val="bg2"/>
-            </a:solidFill>
             <a:tailEnd type="triangle"/>
           </a:ln>
         </p:spPr>
@@ -5910,12 +8185,15 @@
         <p:spPr>
           <a:xfrm>
             <a:off x="3539744" y="5008407"/>
-            <a:ext cx="1617448" cy="715581"/>
+            <a:ext cx="1617448" cy="838691"/>
           </a:xfrm>
           <a:prstGeom prst="rect">
             <a:avLst/>
           </a:prstGeom>
           <a:noFill/>
+          <a:ln>
+            <a:noFill/>
+          </a:ln>
         </p:spPr>
         <p:txBody>
           <a:bodyPr wrap="square" rtlCol="0">
@@ -5971,7 +8249,7 @@
                 <a:latin typeface="Century Gothic" panose="020B0502020202020204" pitchFamily="34" charset="0"/>
                 <a:cs typeface="Arial" panose="020B0604020202020204" pitchFamily="34" charset="0"/>
               </a:rPr>
-              <a:t>Most students head home for the winter holidays</a:t>
+              <a:t>Most students head home for the winter holidays, like Christmas and Hanukkah</a:t>
             </a:r>
           </a:p>
         </p:txBody>
@@ -5985,7 +8263,7 @@
         <p:spPr>
           <a:xfrm>
             <a:off x="2023091" y="3516084"/>
-            <a:ext cx="1624984" cy="838691"/>
+            <a:ext cx="1621523" cy="838691"/>
           </a:xfrm>
           <a:prstGeom prst="rect">
             <a:avLst/>
@@ -6091,14 +8369,14 @@
       </p:cxnSp>
       <p:sp>
         <p:nvSpPr>
-          <p:cNvPr id="72" name="TextBox 71"/>
+          <p:cNvPr id="85" name="TextBox 84"/>
           <p:cNvSpPr txBox="1"/>
           <p:nvPr/>
         </p:nvSpPr>
         <p:spPr>
           <a:xfrm>
-            <a:off x="5910722" y="5008407"/>
-            <a:ext cx="1535095" cy="592470"/>
+            <a:off x="3103334" y="1105594"/>
+            <a:ext cx="1481366" cy="715581"/>
           </a:xfrm>
           <a:prstGeom prst="rect">
             <a:avLst/>
@@ -6126,7 +8404,7 @@
                 <a:latin typeface="Century Gothic" panose="020B0502020202020204" pitchFamily="34" charset="0"/>
                 <a:cs typeface="Arial" panose="020B0604020202020204" pitchFamily="34" charset="0"/>
               </a:rPr>
-              <a:t>Spring Break</a:t>
+              <a:t>School Begins</a:t>
             </a:r>
           </a:p>
           <a:p>
@@ -6145,7 +8423,7 @@
                 <a:latin typeface="Century Gothic" panose="020B0502020202020204" pitchFamily="34" charset="0"/>
                 <a:cs typeface="Arial" panose="020B0604020202020204" pitchFamily="34" charset="0"/>
               </a:rPr>
-              <a:t>Mar 21-25, 2016</a:t>
+              <a:t>Aug 26, 2016</a:t>
             </a:r>
           </a:p>
           <a:p>
@@ -6159,119 +8437,6 @@
                 <a:latin typeface="Century Gothic" panose="020B0502020202020204" pitchFamily="34" charset="0"/>
                 <a:cs typeface="Arial" panose="020B0604020202020204" pitchFamily="34" charset="0"/>
               </a:rPr>
-              <a:t>Spring break! Party! Woo!</a:t>
-            </a:r>
-          </a:p>
-        </p:txBody>
-      </p:sp>
-      <p:cxnSp>
-        <p:nvCxnSpPr>
-          <p:cNvPr id="80" name="Straight Arrow Connector 79"/>
-          <p:cNvCxnSpPr>
-            <a:cxnSpLocks/>
-          </p:cNvCxnSpPr>
-          <p:nvPr/>
-        </p:nvCxnSpPr>
-        <p:spPr>
-          <a:xfrm flipV="1">
-            <a:off x="6934200" y="4354775"/>
-            <a:ext cx="400050" cy="653632"/>
-          </a:xfrm>
-          <a:prstGeom prst="straightConnector1">
-            <a:avLst/>
-          </a:prstGeom>
-          <a:ln>
-            <a:solidFill>
-              <a:schemeClr val="bg2"/>
-            </a:solidFill>
-            <a:tailEnd type="triangle"/>
-          </a:ln>
-        </p:spPr>
-        <p:style>
-          <a:lnRef idx="1">
-            <a:schemeClr val="accent1"/>
-          </a:lnRef>
-          <a:fillRef idx="0">
-            <a:schemeClr val="accent1"/>
-          </a:fillRef>
-          <a:effectRef idx="0">
-            <a:schemeClr val="accent1"/>
-          </a:effectRef>
-          <a:fontRef idx="minor">
-            <a:schemeClr val="tx1"/>
-          </a:fontRef>
-        </p:style>
-      </p:cxnSp>
-      <p:sp>
-        <p:nvSpPr>
-          <p:cNvPr id="85" name="TextBox 84"/>
-          <p:cNvSpPr txBox="1"/>
-          <p:nvPr/>
-        </p:nvSpPr>
-        <p:spPr>
-          <a:xfrm>
-            <a:off x="3103334" y="1105594"/>
-            <a:ext cx="1481366" cy="715581"/>
-          </a:xfrm>
-          <a:prstGeom prst="rect">
-            <a:avLst/>
-          </a:prstGeom>
-          <a:noFill/>
-        </p:spPr>
-        <p:txBody>
-          <a:bodyPr wrap="square" rtlCol="0">
-            <a:spAutoFit/>
-          </a:bodyPr>
-          <a:lstStyle/>
-          <a:p>
-            <a:pPr>
-              <a:spcAft>
-                <a:spcPts val="100"/>
-              </a:spcAft>
-            </a:pPr>
-            <a:r>
-              <a:rPr lang="en-US" sz="1200" b="1" dirty="0">
-                <a:solidFill>
-                  <a:schemeClr val="bg2">
-                    <a:lumMod val="90000"/>
-                  </a:schemeClr>
-                </a:solidFill>
-                <a:latin typeface="Century Gothic" panose="020B0502020202020204" pitchFamily="34" charset="0"/>
-                <a:cs typeface="Arial" panose="020B0604020202020204" pitchFamily="34" charset="0"/>
-              </a:rPr>
-              <a:t>School Begins</a:t>
-            </a:r>
-          </a:p>
-          <a:p>
-            <a:pPr>
-              <a:spcAft>
-                <a:spcPts val="200"/>
-              </a:spcAft>
-            </a:pPr>
-            <a:r>
-              <a:rPr lang="en-US" sz="1000" dirty="0">
-                <a:solidFill>
-                  <a:schemeClr val="bg2">
-                    <a:lumMod val="90000"/>
-                  </a:schemeClr>
-                </a:solidFill>
-                <a:latin typeface="Century Gothic" panose="020B0502020202020204" pitchFamily="34" charset="0"/>
-                <a:cs typeface="Arial" panose="020B0604020202020204" pitchFamily="34" charset="0"/>
-              </a:rPr>
-              <a:t>Aug 26, 2016</a:t>
-            </a:r>
-          </a:p>
-          <a:p>
-            <a:r>
-              <a:rPr lang="en-US" sz="800" i="1" dirty="0">
-                <a:solidFill>
-                  <a:schemeClr val="bg2">
-                    <a:lumMod val="90000"/>
-                  </a:schemeClr>
-                </a:solidFill>
-                <a:latin typeface="Century Gothic" panose="020B0502020202020204" pitchFamily="34" charset="0"/>
-                <a:cs typeface="Arial" panose="020B0604020202020204" pitchFamily="34" charset="0"/>
-              </a:rPr>
               <a:t>Every freshman is in the gym until next week</a:t>
             </a:r>
           </a:p>
@@ -6297,101 +8462,6 @@
             <a:solidFill>
               <a:schemeClr val="bg2"/>
             </a:solidFill>
-            <a:tailEnd type="triangle"/>
-          </a:ln>
-        </p:spPr>
-        <p:style>
-          <a:lnRef idx="1">
-            <a:schemeClr val="accent1"/>
-          </a:lnRef>
-          <a:fillRef idx="0">
-            <a:schemeClr val="accent1"/>
-          </a:fillRef>
-          <a:effectRef idx="0">
-            <a:schemeClr val="accent1"/>
-          </a:effectRef>
-          <a:fontRef idx="minor">
-            <a:schemeClr val="tx1"/>
-          </a:fontRef>
-        </p:style>
-      </p:cxnSp>
-      <p:sp>
-        <p:nvSpPr>
-          <p:cNvPr id="89" name="TextBox 88"/>
-          <p:cNvSpPr txBox="1"/>
-          <p:nvPr/>
-        </p:nvSpPr>
-        <p:spPr>
-          <a:xfrm>
-            <a:off x="9412888" y="2724000"/>
-            <a:ext cx="2040969" cy="715581"/>
-          </a:xfrm>
-          <a:prstGeom prst="rect">
-            <a:avLst/>
-          </a:prstGeom>
-          <a:noFill/>
-        </p:spPr>
-        <p:txBody>
-          <a:bodyPr wrap="square" rtlCol="0">
-            <a:spAutoFit/>
-          </a:bodyPr>
-          <a:lstStyle/>
-          <a:p>
-            <a:pPr>
-              <a:spcAft>
-                <a:spcPts val="100"/>
-              </a:spcAft>
-            </a:pPr>
-            <a:r>
-              <a:rPr lang="en-US" sz="1200" b="1" dirty="0">
-                <a:latin typeface="Century Gothic" panose="020B0502020202020204" pitchFamily="34" charset="0"/>
-                <a:cs typeface="Arial" panose="020B0604020202020204" pitchFamily="34" charset="0"/>
-              </a:rPr>
-              <a:t>Spring Commencement</a:t>
-            </a:r>
-          </a:p>
-          <a:p>
-            <a:pPr>
-              <a:spcAft>
-                <a:spcPts val="200"/>
-              </a:spcAft>
-            </a:pPr>
-            <a:r>
-              <a:rPr lang="en-US" sz="1000" dirty="0">
-                <a:latin typeface="Century Gothic" panose="020B0502020202020204" pitchFamily="34" charset="0"/>
-                <a:cs typeface="Arial" panose="020B0604020202020204" pitchFamily="34" charset="0"/>
-              </a:rPr>
-              <a:t>May 14, 2016</a:t>
-            </a:r>
-          </a:p>
-          <a:p>
-            <a:r>
-              <a:rPr lang="en-US" sz="800" i="1" dirty="0">
-                <a:latin typeface="Century Gothic" panose="020B0502020202020204" pitchFamily="34" charset="0"/>
-                <a:cs typeface="Arial" panose="020B0604020202020204" pitchFamily="34" charset="0"/>
-              </a:rPr>
-              <a:t>The gym becomes an empty wasteland until next year</a:t>
-            </a:r>
-          </a:p>
-        </p:txBody>
-      </p:sp>
-      <p:cxnSp>
-        <p:nvCxnSpPr>
-          <p:cNvPr id="92" name="Straight Arrow Connector 91"/>
-          <p:cNvCxnSpPr>
-            <a:cxnSpLocks/>
-          </p:cNvCxnSpPr>
-          <p:nvPr/>
-        </p:nvCxnSpPr>
-        <p:spPr>
-          <a:xfrm flipH="1">
-            <a:off x="8976220" y="3429000"/>
-            <a:ext cx="510681" cy="773884"/>
-          </a:xfrm>
-          <a:prstGeom prst="straightConnector1">
-            <a:avLst/>
-          </a:prstGeom>
-          <a:ln>
             <a:tailEnd type="triangle"/>
           </a:ln>
         </p:spPr>
@@ -6413,7 +8483,7 @@
     </p:spTree>
     <p:extLst>
       <p:ext uri="{BB962C8B-B14F-4D97-AF65-F5344CB8AC3E}">
-        <p14:creationId xmlns:p14="http://schemas.microsoft.com/office/powerpoint/2010/main" val="3988067614"/>
+        <p14:creationId xmlns:p14="http://schemas.microsoft.com/office/powerpoint/2010/main" val="587154643"/>
       </p:ext>
     </p:extLst>
   </p:cSld>
@@ -6514,6 +8584,9 @@
           <a:prstGeom prst="rect">
             <a:avLst/>
           </a:prstGeom>
+          <a:ln>
+            <a:noFill/>
+          </a:ln>
         </p:spPr>
       </p:pic>
       <p:sp>
@@ -6581,6 +8654,11 @@
             </a:pPr>
             <a:r>
               <a:rPr lang="en-US" sz="1200" b="1" dirty="0">
+                <a:solidFill>
+                  <a:schemeClr val="bg2">
+                    <a:lumMod val="90000"/>
+                  </a:schemeClr>
+                </a:solidFill>
                 <a:latin typeface="Century Gothic" panose="020B0502020202020204" pitchFamily="34" charset="0"/>
                 <a:cs typeface="Arial" panose="020B0604020202020204" pitchFamily="34" charset="0"/>
               </a:rPr>
@@ -6595,6 +8673,11 @@
             </a:pPr>
             <a:r>
               <a:rPr lang="en-US" sz="1000" dirty="0">
+                <a:solidFill>
+                  <a:schemeClr val="bg2">
+                    <a:lumMod val="90000"/>
+                  </a:schemeClr>
+                </a:solidFill>
                 <a:latin typeface="Century Gothic" panose="020B0502020202020204" pitchFamily="34" charset="0"/>
                 <a:cs typeface="Arial" panose="020B0604020202020204" pitchFamily="34" charset="0"/>
               </a:rPr>
@@ -6604,6 +8687,11 @@
           <a:p>
             <a:r>
               <a:rPr lang="en-US" sz="800" i="1" dirty="0">
+                <a:solidFill>
+                  <a:schemeClr val="bg2">
+                    <a:lumMod val="90000"/>
+                  </a:schemeClr>
+                </a:solidFill>
                 <a:latin typeface="Century Gothic" panose="020B0502020202020204" pitchFamily="34" charset="0"/>
                 <a:cs typeface="Arial" panose="020B0604020202020204" pitchFamily="34" charset="0"/>
               </a:rPr>
@@ -6629,6 +8717,9 @@
             <a:avLst/>
           </a:prstGeom>
           <a:ln>
+            <a:solidFill>
+              <a:schemeClr val="bg2"/>
+            </a:solidFill>
             <a:tailEnd type="triangle"/>
           </a:ln>
         </p:spPr>
@@ -6664,6 +8755,9 @@
             <a:avLst/>
           </a:prstGeom>
           <a:ln>
+            <a:solidFill>
+              <a:schemeClr val="bg2"/>
+            </a:solidFill>
             <a:tailEnd type="triangle"/>
           </a:ln>
         </p:spPr>
@@ -6722,7 +8816,7 @@
         <p:spPr>
           <a:xfrm>
             <a:off x="3539744" y="5008407"/>
-            <a:ext cx="1617448" cy="715581"/>
+            <a:ext cx="1617448" cy="838691"/>
           </a:xfrm>
           <a:prstGeom prst="rect">
             <a:avLst/>
@@ -6742,6 +8836,11 @@
             </a:pPr>
             <a:r>
               <a:rPr lang="en-US" sz="1200" b="1" dirty="0">
+                <a:solidFill>
+                  <a:schemeClr val="bg2">
+                    <a:lumMod val="90000"/>
+                  </a:schemeClr>
+                </a:solidFill>
                 <a:latin typeface="Century Gothic" panose="020B0502020202020204" pitchFamily="34" charset="0"/>
                 <a:cs typeface="Arial" panose="020B0604020202020204" pitchFamily="34" charset="0"/>
               </a:rPr>
@@ -6756,6 +8855,11 @@
             </a:pPr>
             <a:r>
               <a:rPr lang="en-US" sz="1000" dirty="0">
+                <a:solidFill>
+                  <a:schemeClr val="bg2">
+                    <a:lumMod val="90000"/>
+                  </a:schemeClr>
+                </a:solidFill>
                 <a:latin typeface="Century Gothic" panose="020B0502020202020204" pitchFamily="34" charset="0"/>
                 <a:cs typeface="Arial" panose="020B0604020202020204" pitchFamily="34" charset="0"/>
               </a:rPr>
@@ -6765,10 +8869,15 @@
           <a:p>
             <a:r>
               <a:rPr lang="en-US" sz="800" i="1" dirty="0">
+                <a:solidFill>
+                  <a:schemeClr val="bg2">
+                    <a:lumMod val="90000"/>
+                  </a:schemeClr>
+                </a:solidFill>
                 <a:latin typeface="Century Gothic" panose="020B0502020202020204" pitchFamily="34" charset="0"/>
                 <a:cs typeface="Arial" panose="020B0604020202020204" pitchFamily="34" charset="0"/>
               </a:rPr>
-              <a:t>Most students head home for the winter holidays</a:t>
+              <a:t>Most students head home for the winter holidays, like Christmas and Hanukkah</a:t>
             </a:r>
           </a:p>
         </p:txBody>
@@ -6782,7 +8891,7 @@
         <p:spPr>
           <a:xfrm>
             <a:off x="2023091" y="3516084"/>
-            <a:ext cx="1624984" cy="838691"/>
+            <a:ext cx="1621523" cy="838691"/>
           </a:xfrm>
           <a:prstGeom prst="rect">
             <a:avLst/>
@@ -6802,6 +8911,11 @@
             </a:pPr>
             <a:r>
               <a:rPr lang="en-US" sz="1200" b="1" dirty="0">
+                <a:solidFill>
+                  <a:schemeClr val="bg2">
+                    <a:lumMod val="90000"/>
+                  </a:schemeClr>
+                </a:solidFill>
                 <a:latin typeface="Century Gothic" panose="020B0502020202020204" pitchFamily="34" charset="0"/>
                 <a:cs typeface="Arial" panose="020B0604020202020204" pitchFamily="34" charset="0"/>
               </a:rPr>
@@ -6816,6 +8930,11 @@
             </a:pPr>
             <a:r>
               <a:rPr lang="en-US" sz="1000" dirty="0">
+                <a:solidFill>
+                  <a:schemeClr val="bg2">
+                    <a:lumMod val="90000"/>
+                  </a:schemeClr>
+                </a:solidFill>
                 <a:latin typeface="Century Gothic" panose="020B0502020202020204" pitchFamily="34" charset="0"/>
                 <a:cs typeface="Arial" panose="020B0604020202020204" pitchFamily="34" charset="0"/>
               </a:rPr>
@@ -6825,6 +8944,11 @@
           <a:p>
             <a:r>
               <a:rPr lang="en-US" sz="800" i="1" dirty="0">
+                <a:solidFill>
+                  <a:schemeClr val="bg2">
+                    <a:lumMod val="90000"/>
+                  </a:schemeClr>
+                </a:solidFill>
                 <a:latin typeface="Century Gothic" panose="020B0502020202020204" pitchFamily="34" charset="0"/>
                 <a:cs typeface="Arial" panose="020B0604020202020204" pitchFamily="34" charset="0"/>
               </a:rPr>
@@ -6850,6 +8974,9 @@
             <a:avLst/>
           </a:prstGeom>
           <a:ln>
+            <a:solidFill>
+              <a:schemeClr val="bg2"/>
+            </a:solidFill>
             <a:tailEnd type="triangle"/>
           </a:ln>
         </p:spPr>
@@ -6992,6 +9119,11 @@
             </a:pPr>
             <a:r>
               <a:rPr lang="en-US" sz="1200" b="1" dirty="0">
+                <a:solidFill>
+                  <a:schemeClr val="bg2">
+                    <a:lumMod val="90000"/>
+                  </a:schemeClr>
+                </a:solidFill>
                 <a:latin typeface="Century Gothic" panose="020B0502020202020204" pitchFamily="34" charset="0"/>
                 <a:cs typeface="Arial" panose="020B0604020202020204" pitchFamily="34" charset="0"/>
               </a:rPr>
@@ -7006,15 +9138,25 @@
             </a:pPr>
             <a:r>
               <a:rPr lang="en-US" sz="1000" dirty="0">
+                <a:solidFill>
+                  <a:schemeClr val="bg2">
+                    <a:lumMod val="90000"/>
+                  </a:schemeClr>
+                </a:solidFill>
                 <a:latin typeface="Century Gothic" panose="020B0502020202020204" pitchFamily="34" charset="0"/>
                 <a:cs typeface="Arial" panose="020B0604020202020204" pitchFamily="34" charset="0"/>
               </a:rPr>
-              <a:t>Aug 26, 2015</a:t>
+              <a:t>Aug 26, 2016</a:t>
             </a:r>
           </a:p>
           <a:p>
             <a:r>
               <a:rPr lang="en-US" sz="800" i="1" dirty="0">
+                <a:solidFill>
+                  <a:schemeClr val="bg2">
+                    <a:lumMod val="90000"/>
+                  </a:schemeClr>
+                </a:solidFill>
                 <a:latin typeface="Century Gothic" panose="020B0502020202020204" pitchFamily="34" charset="0"/>
                 <a:cs typeface="Arial" panose="020B0604020202020204" pitchFamily="34" charset="0"/>
               </a:rPr>
@@ -7040,101 +9182,9 @@
             <a:avLst/>
           </a:prstGeom>
           <a:ln>
-            <a:tailEnd type="triangle"/>
-          </a:ln>
-        </p:spPr>
-        <p:style>
-          <a:lnRef idx="1">
-            <a:schemeClr val="accent1"/>
-          </a:lnRef>
-          <a:fillRef idx="0">
-            <a:schemeClr val="accent1"/>
-          </a:fillRef>
-          <a:effectRef idx="0">
-            <a:schemeClr val="accent1"/>
-          </a:effectRef>
-          <a:fontRef idx="minor">
-            <a:schemeClr val="tx1"/>
-          </a:fontRef>
-        </p:style>
-      </p:cxnSp>
-      <p:sp>
-        <p:nvSpPr>
-          <p:cNvPr id="89" name="TextBox 88"/>
-          <p:cNvSpPr txBox="1"/>
-          <p:nvPr/>
-        </p:nvSpPr>
-        <p:spPr>
-          <a:xfrm>
-            <a:off x="9412888" y="2724000"/>
-            <a:ext cx="2040969" cy="715581"/>
-          </a:xfrm>
-          <a:prstGeom prst="rect">
-            <a:avLst/>
-          </a:prstGeom>
-          <a:noFill/>
-        </p:spPr>
-        <p:txBody>
-          <a:bodyPr wrap="square" rtlCol="0">
-            <a:spAutoFit/>
-          </a:bodyPr>
-          <a:lstStyle/>
-          <a:p>
-            <a:pPr>
-              <a:spcAft>
-                <a:spcPts val="100"/>
-              </a:spcAft>
-            </a:pPr>
-            <a:r>
-              <a:rPr lang="en-US" sz="1200" b="1" dirty="0">
-                <a:latin typeface="Century Gothic" panose="020B0502020202020204" pitchFamily="34" charset="0"/>
-                <a:cs typeface="Arial" panose="020B0604020202020204" pitchFamily="34" charset="0"/>
-              </a:rPr>
-              <a:t>Spring Commencement</a:t>
-            </a:r>
-          </a:p>
-          <a:p>
-            <a:pPr>
-              <a:spcAft>
-                <a:spcPts val="200"/>
-              </a:spcAft>
-            </a:pPr>
-            <a:r>
-              <a:rPr lang="en-US" sz="1000" dirty="0">
-                <a:latin typeface="Century Gothic" panose="020B0502020202020204" pitchFamily="34" charset="0"/>
-                <a:cs typeface="Arial" panose="020B0604020202020204" pitchFamily="34" charset="0"/>
-              </a:rPr>
-              <a:t>May 14, 2016</a:t>
-            </a:r>
-          </a:p>
-          <a:p>
-            <a:r>
-              <a:rPr lang="en-US" sz="800" i="1" dirty="0">
-                <a:latin typeface="Century Gothic" panose="020B0502020202020204" pitchFamily="34" charset="0"/>
-                <a:cs typeface="Arial" panose="020B0604020202020204" pitchFamily="34" charset="0"/>
-              </a:rPr>
-              <a:t>The gym becomes an empty wasteland until next year</a:t>
-            </a:r>
-          </a:p>
-        </p:txBody>
-      </p:sp>
-      <p:cxnSp>
-        <p:nvCxnSpPr>
-          <p:cNvPr id="92" name="Straight Arrow Connector 91"/>
-          <p:cNvCxnSpPr>
-            <a:cxnSpLocks/>
-          </p:cNvCxnSpPr>
-          <p:nvPr/>
-        </p:nvCxnSpPr>
-        <p:spPr>
-          <a:xfrm flipH="1">
-            <a:off x="9184367" y="3429000"/>
-            <a:ext cx="302534" cy="923090"/>
-          </a:xfrm>
-          <a:prstGeom prst="straightConnector1">
-            <a:avLst/>
-          </a:prstGeom>
-          <a:ln>
+            <a:solidFill>
+              <a:schemeClr val="bg2"/>
+            </a:solidFill>
             <a:tailEnd type="triangle"/>
           </a:ln>
         </p:spPr>
@@ -7156,7 +9206,840 @@
     </p:spTree>
     <p:extLst>
       <p:ext uri="{BB962C8B-B14F-4D97-AF65-F5344CB8AC3E}">
-        <p14:creationId xmlns:p14="http://schemas.microsoft.com/office/powerpoint/2010/main" val="1862851807"/>
+        <p14:creationId xmlns:p14="http://schemas.microsoft.com/office/powerpoint/2010/main" val="3065806878"/>
+      </p:ext>
+    </p:extLst>
+  </p:cSld>
+  <p:clrMapOvr>
+    <a:masterClrMapping/>
+  </p:clrMapOvr>
+</p:sld>
+</file>
+
+<file path=ppt/slides/slide9.xml><?xml version="1.0" encoding="utf-8"?>
+<p:sld xmlns:a="http://schemas.openxmlformats.org/drawingml/2006/main" xmlns:r="http://schemas.openxmlformats.org/officeDocument/2006/relationships" xmlns:p="http://schemas.openxmlformats.org/presentationml/2006/main">
+  <p:cSld>
+    <p:spTree>
+      <p:nvGrpSpPr>
+        <p:cNvPr id="1" name=""/>
+        <p:cNvGrpSpPr/>
+        <p:nvPr/>
+      </p:nvGrpSpPr>
+      <p:grpSpPr>
+        <a:xfrm>
+          <a:off x="0" y="0"/>
+          <a:ext cx="0" cy="0"/>
+          <a:chOff x="0" y="0"/>
+          <a:chExt cx="0" cy="0"/>
+        </a:xfrm>
+      </p:grpSpPr>
+      <p:sp>
+        <p:nvSpPr>
+          <p:cNvPr id="49" name="TextBox 48"/>
+          <p:cNvSpPr txBox="1"/>
+          <p:nvPr/>
+        </p:nvSpPr>
+        <p:spPr>
+          <a:xfrm>
+            <a:off x="404480" y="2724000"/>
+            <a:ext cx="507831" cy="1410001"/>
+          </a:xfrm>
+          <a:prstGeom prst="rect">
+            <a:avLst/>
+          </a:prstGeom>
+          <a:noFill/>
+        </p:spPr>
+        <p:txBody>
+          <a:bodyPr vert="vert270" wrap="none" rtlCol="0">
+            <a:spAutoFit/>
+          </a:bodyPr>
+          <a:lstStyle/>
+          <a:p>
+            <a:pPr algn="ctr"/>
+            <a:r>
+              <a:rPr lang="en-US" sz="1200" b="1" dirty="0">
+                <a:latin typeface="Arial" panose="020B0604020202020204" pitchFamily="34" charset="0"/>
+                <a:cs typeface="Arial" panose="020B0604020202020204" pitchFamily="34" charset="0"/>
+              </a:rPr>
+              <a:t>Number of People</a:t>
+            </a:r>
+          </a:p>
+          <a:p>
+            <a:pPr algn="ctr"/>
+            <a:r>
+              <a:rPr lang="en-US" sz="900" dirty="0">
+                <a:latin typeface="Arial" panose="020B0604020202020204" pitchFamily="34" charset="0"/>
+                <a:cs typeface="Arial" panose="020B0604020202020204" pitchFamily="34" charset="0"/>
+              </a:rPr>
+              <a:t>(7-day Moving Average)</a:t>
+            </a:r>
+            <a:endParaRPr lang="en-US" sz="1400" dirty="0">
+              <a:latin typeface="Arial" panose="020B0604020202020204" pitchFamily="34" charset="0"/>
+              <a:cs typeface="Arial" panose="020B0604020202020204" pitchFamily="34" charset="0"/>
+            </a:endParaRPr>
+          </a:p>
+        </p:txBody>
+      </p:sp>
+      <p:pic>
+        <p:nvPicPr>
+          <p:cNvPr id="51" name="Picture 50"/>
+          <p:cNvPicPr>
+            <a:picLocks noChangeAspect="1"/>
+          </p:cNvPicPr>
+          <p:nvPr/>
+        </p:nvPicPr>
+        <p:blipFill rotWithShape="1">
+          <a:blip r:embed="rId2">
+            <a:extLst>
+              <a:ext uri="{28A0092B-C50C-407E-A947-70E740481C1C}">
+                <a14:useLocalDpi xmlns:a14="http://schemas.microsoft.com/office/drawing/2010/main" val="0"/>
+              </a:ext>
+            </a:extLst>
+          </a:blip>
+          <a:srcRect l="2222" t="3819" r="2086" b="3567"/>
+          <a:stretch/>
+        </p:blipFill>
+        <p:spPr>
+          <a:xfrm>
+            <a:off x="1055459" y="1072536"/>
+            <a:ext cx="10255250" cy="5293497"/>
+          </a:xfrm>
+          <a:prstGeom prst="rect">
+            <a:avLst/>
+          </a:prstGeom>
+        </p:spPr>
+      </p:pic>
+      <p:sp>
+        <p:nvSpPr>
+          <p:cNvPr id="53" name="TextBox 52"/>
+          <p:cNvSpPr txBox="1"/>
+          <p:nvPr/>
+        </p:nvSpPr>
+        <p:spPr>
+          <a:xfrm>
+            <a:off x="5823050" y="6411684"/>
+            <a:ext cx="647934" cy="276999"/>
+          </a:xfrm>
+          <a:prstGeom prst="rect">
+            <a:avLst/>
+          </a:prstGeom>
+          <a:noFill/>
+        </p:spPr>
+        <p:txBody>
+          <a:bodyPr wrap="none" rtlCol="0">
+            <a:spAutoFit/>
+          </a:bodyPr>
+          <a:lstStyle/>
+          <a:p>
+            <a:r>
+              <a:rPr lang="en-US" sz="1200" b="1" dirty="0">
+                <a:latin typeface="Arial" panose="020B0604020202020204" pitchFamily="34" charset="0"/>
+                <a:cs typeface="Arial" panose="020B0604020202020204" pitchFamily="34" charset="0"/>
+              </a:rPr>
+              <a:t>Month</a:t>
+            </a:r>
+            <a:endParaRPr lang="en-US" sz="1400" b="1" dirty="0">
+              <a:latin typeface="Arial" panose="020B0604020202020204" pitchFamily="34" charset="0"/>
+              <a:cs typeface="Arial" panose="020B0604020202020204" pitchFamily="34" charset="0"/>
+            </a:endParaRPr>
+          </a:p>
+        </p:txBody>
+      </p:sp>
+      <p:sp>
+        <p:nvSpPr>
+          <p:cNvPr id="54" name="TextBox 53"/>
+          <p:cNvSpPr txBox="1"/>
+          <p:nvPr/>
+        </p:nvSpPr>
+        <p:spPr>
+          <a:xfrm>
+            <a:off x="6678270" y="1168985"/>
+            <a:ext cx="1994014" cy="851515"/>
+          </a:xfrm>
+          <a:prstGeom prst="rect">
+            <a:avLst/>
+          </a:prstGeom>
+          <a:noFill/>
+        </p:spPr>
+        <p:txBody>
+          <a:bodyPr wrap="square" rtlCol="0">
+            <a:spAutoFit/>
+          </a:bodyPr>
+          <a:lstStyle/>
+          <a:p>
+            <a:pPr>
+              <a:spcAft>
+                <a:spcPts val="100"/>
+              </a:spcAft>
+            </a:pPr>
+            <a:r>
+              <a:rPr lang="en-US" sz="1200" b="1" dirty="0">
+                <a:solidFill>
+                  <a:schemeClr val="bg2">
+                    <a:lumMod val="90000"/>
+                  </a:schemeClr>
+                </a:solidFill>
+                <a:latin typeface="Century Gothic" panose="020B0502020202020204" pitchFamily="34" charset="0"/>
+                <a:cs typeface="Arial" panose="020B0604020202020204" pitchFamily="34" charset="0"/>
+              </a:rPr>
+              <a:t>New Year’s Gym Rush</a:t>
+            </a:r>
+          </a:p>
+          <a:p>
+            <a:pPr>
+              <a:spcAft>
+                <a:spcPts val="200"/>
+              </a:spcAft>
+            </a:pPr>
+            <a:r>
+              <a:rPr lang="en-US" sz="1000" dirty="0">
+                <a:solidFill>
+                  <a:schemeClr val="bg2">
+                    <a:lumMod val="90000"/>
+                  </a:schemeClr>
+                </a:solidFill>
+                <a:latin typeface="Century Gothic" panose="020B0502020202020204" pitchFamily="34" charset="0"/>
+                <a:cs typeface="Arial" panose="020B0604020202020204" pitchFamily="34" charset="0"/>
+              </a:rPr>
+              <a:t>Jan 20, 2016</a:t>
+            </a:r>
+          </a:p>
+          <a:p>
+            <a:r>
+              <a:rPr lang="en-US" sz="800" i="1" dirty="0">
+                <a:solidFill>
+                  <a:schemeClr val="bg2">
+                    <a:lumMod val="90000"/>
+                  </a:schemeClr>
+                </a:solidFill>
+                <a:latin typeface="Century Gothic" panose="020B0502020202020204" pitchFamily="34" charset="0"/>
+                <a:cs typeface="Arial" panose="020B0604020202020204" pitchFamily="34" charset="0"/>
+              </a:rPr>
+              <a:t>Students flood to the gym in a futile attempt to fulfill their New Year’s goals</a:t>
+            </a:r>
+          </a:p>
+        </p:txBody>
+      </p:sp>
+      <p:cxnSp>
+        <p:nvCxnSpPr>
+          <p:cNvPr id="60" name="Straight Arrow Connector 59"/>
+          <p:cNvCxnSpPr>
+            <a:cxnSpLocks/>
+          </p:cNvCxnSpPr>
+          <p:nvPr/>
+        </p:nvCxnSpPr>
+        <p:spPr>
+          <a:xfrm flipH="1">
+            <a:off x="5741759" y="1433497"/>
+            <a:ext cx="974611" cy="33724"/>
+          </a:xfrm>
+          <a:prstGeom prst="straightConnector1">
+            <a:avLst/>
+          </a:prstGeom>
+          <a:ln>
+            <a:solidFill>
+              <a:schemeClr val="bg2"/>
+            </a:solidFill>
+            <a:tailEnd type="triangle"/>
+          </a:ln>
+        </p:spPr>
+        <p:style>
+          <a:lnRef idx="1">
+            <a:schemeClr val="accent1"/>
+          </a:lnRef>
+          <a:fillRef idx="0">
+            <a:schemeClr val="accent1"/>
+          </a:fillRef>
+          <a:effectRef idx="0">
+            <a:schemeClr val="accent1"/>
+          </a:effectRef>
+          <a:fontRef idx="minor">
+            <a:schemeClr val="tx1"/>
+          </a:fontRef>
+        </p:style>
+      </p:cxnSp>
+      <p:cxnSp>
+        <p:nvCxnSpPr>
+          <p:cNvPr id="61" name="Straight Arrow Connector 60"/>
+          <p:cNvCxnSpPr>
+            <a:cxnSpLocks/>
+          </p:cNvCxnSpPr>
+          <p:nvPr/>
+        </p:nvCxnSpPr>
+        <p:spPr>
+          <a:xfrm flipV="1">
+            <a:off x="4584700" y="4626041"/>
+            <a:ext cx="317272" cy="382366"/>
+          </a:xfrm>
+          <a:prstGeom prst="straightConnector1">
+            <a:avLst/>
+          </a:prstGeom>
+          <a:ln>
+            <a:solidFill>
+              <a:schemeClr val="bg2"/>
+            </a:solidFill>
+            <a:tailEnd type="triangle"/>
+          </a:ln>
+        </p:spPr>
+        <p:style>
+          <a:lnRef idx="1">
+            <a:schemeClr val="accent1"/>
+          </a:lnRef>
+          <a:fillRef idx="0">
+            <a:schemeClr val="accent1"/>
+          </a:fillRef>
+          <a:effectRef idx="0">
+            <a:schemeClr val="accent1"/>
+          </a:effectRef>
+          <a:fontRef idx="minor">
+            <a:schemeClr val="tx1"/>
+          </a:fontRef>
+        </p:style>
+      </p:cxnSp>
+      <p:sp>
+        <p:nvSpPr>
+          <p:cNvPr id="64" name="TextBox 63"/>
+          <p:cNvSpPr txBox="1"/>
+          <p:nvPr/>
+        </p:nvSpPr>
+        <p:spPr>
+          <a:xfrm>
+            <a:off x="968375" y="264531"/>
+            <a:ext cx="5178311" cy="461665"/>
+          </a:xfrm>
+          <a:prstGeom prst="rect">
+            <a:avLst/>
+          </a:prstGeom>
+          <a:noFill/>
+        </p:spPr>
+        <p:txBody>
+          <a:bodyPr wrap="square" rtlCol="0">
+            <a:spAutoFit/>
+          </a:bodyPr>
+          <a:lstStyle/>
+          <a:p>
+            <a:r>
+              <a:rPr lang="en-US" sz="2400" dirty="0">
+                <a:latin typeface="Futura-Normal" pitchFamily="2" charset="0"/>
+              </a:rPr>
+              <a:t>UC Berkeley 2015-16 Gym Attendance</a:t>
+            </a:r>
+          </a:p>
+        </p:txBody>
+      </p:sp>
+      <p:sp>
+        <p:nvSpPr>
+          <p:cNvPr id="65" name="TextBox 64"/>
+          <p:cNvSpPr txBox="1"/>
+          <p:nvPr/>
+        </p:nvSpPr>
+        <p:spPr>
+          <a:xfrm>
+            <a:off x="3539744" y="5008407"/>
+            <a:ext cx="1617448" cy="715581"/>
+          </a:xfrm>
+          <a:prstGeom prst="rect">
+            <a:avLst/>
+          </a:prstGeom>
+          <a:noFill/>
+        </p:spPr>
+        <p:txBody>
+          <a:bodyPr wrap="square" rtlCol="0">
+            <a:spAutoFit/>
+          </a:bodyPr>
+          <a:lstStyle/>
+          <a:p>
+            <a:pPr>
+              <a:spcAft>
+                <a:spcPts val="100"/>
+              </a:spcAft>
+            </a:pPr>
+            <a:r>
+              <a:rPr lang="en-US" sz="1200" b="1" dirty="0">
+                <a:solidFill>
+                  <a:schemeClr val="bg2">
+                    <a:lumMod val="90000"/>
+                  </a:schemeClr>
+                </a:solidFill>
+                <a:latin typeface="Century Gothic" panose="020B0502020202020204" pitchFamily="34" charset="0"/>
+                <a:cs typeface="Arial" panose="020B0604020202020204" pitchFamily="34" charset="0"/>
+              </a:rPr>
+              <a:t>Winter Break</a:t>
+            </a:r>
+          </a:p>
+          <a:p>
+            <a:pPr>
+              <a:spcAft>
+                <a:spcPts val="200"/>
+              </a:spcAft>
+            </a:pPr>
+            <a:r>
+              <a:rPr lang="en-US" sz="1000" dirty="0">
+                <a:solidFill>
+                  <a:schemeClr val="bg2">
+                    <a:lumMod val="90000"/>
+                  </a:schemeClr>
+                </a:solidFill>
+                <a:latin typeface="Century Gothic" panose="020B0502020202020204" pitchFamily="34" charset="0"/>
+                <a:cs typeface="Arial" panose="020B0604020202020204" pitchFamily="34" charset="0"/>
+              </a:rPr>
+              <a:t>Dec 19-Jan 19, 2015</a:t>
+            </a:r>
+          </a:p>
+          <a:p>
+            <a:r>
+              <a:rPr lang="en-US" sz="800" i="1" dirty="0">
+                <a:solidFill>
+                  <a:schemeClr val="bg2">
+                    <a:lumMod val="90000"/>
+                  </a:schemeClr>
+                </a:solidFill>
+                <a:latin typeface="Century Gothic" panose="020B0502020202020204" pitchFamily="34" charset="0"/>
+                <a:cs typeface="Arial" panose="020B0604020202020204" pitchFamily="34" charset="0"/>
+              </a:rPr>
+              <a:t>Most students head home for the winter holidays</a:t>
+            </a:r>
+          </a:p>
+        </p:txBody>
+      </p:sp>
+      <p:sp>
+        <p:nvSpPr>
+          <p:cNvPr id="66" name="TextBox 65"/>
+          <p:cNvSpPr txBox="1"/>
+          <p:nvPr/>
+        </p:nvSpPr>
+        <p:spPr>
+          <a:xfrm>
+            <a:off x="2023091" y="3516084"/>
+            <a:ext cx="1624984" cy="838691"/>
+          </a:xfrm>
+          <a:prstGeom prst="rect">
+            <a:avLst/>
+          </a:prstGeom>
+          <a:noFill/>
+        </p:spPr>
+        <p:txBody>
+          <a:bodyPr wrap="square" rtlCol="0">
+            <a:spAutoFit/>
+          </a:bodyPr>
+          <a:lstStyle/>
+          <a:p>
+            <a:pPr>
+              <a:spcAft>
+                <a:spcPts val="100"/>
+              </a:spcAft>
+            </a:pPr>
+            <a:r>
+              <a:rPr lang="en-US" sz="1200" b="1" dirty="0">
+                <a:solidFill>
+                  <a:schemeClr val="bg2">
+                    <a:lumMod val="90000"/>
+                  </a:schemeClr>
+                </a:solidFill>
+                <a:latin typeface="Century Gothic" panose="020B0502020202020204" pitchFamily="34" charset="0"/>
+                <a:cs typeface="Arial" panose="020B0604020202020204" pitchFamily="34" charset="0"/>
+              </a:rPr>
+              <a:t>Thanksgiving</a:t>
+            </a:r>
+          </a:p>
+          <a:p>
+            <a:pPr>
+              <a:spcAft>
+                <a:spcPts val="200"/>
+              </a:spcAft>
+            </a:pPr>
+            <a:r>
+              <a:rPr lang="en-US" sz="1000" dirty="0">
+                <a:solidFill>
+                  <a:schemeClr val="bg2">
+                    <a:lumMod val="90000"/>
+                  </a:schemeClr>
+                </a:solidFill>
+                <a:latin typeface="Century Gothic" panose="020B0502020202020204" pitchFamily="34" charset="0"/>
+                <a:cs typeface="Arial" panose="020B0604020202020204" pitchFamily="34" charset="0"/>
+              </a:rPr>
+              <a:t>Nov 26 2015</a:t>
+            </a:r>
+          </a:p>
+          <a:p>
+            <a:r>
+              <a:rPr lang="en-US" sz="800" i="1" dirty="0">
+                <a:solidFill>
+                  <a:schemeClr val="bg2">
+                    <a:lumMod val="90000"/>
+                  </a:schemeClr>
+                </a:solidFill>
+                <a:latin typeface="Century Gothic" panose="020B0502020202020204" pitchFamily="34" charset="0"/>
+                <a:cs typeface="Arial" panose="020B0604020202020204" pitchFamily="34" charset="0"/>
+              </a:rPr>
+              <a:t>Working out is optional when you’re filling up on turkey and mashed potatoes</a:t>
+            </a:r>
+          </a:p>
+        </p:txBody>
+      </p:sp>
+      <p:cxnSp>
+        <p:nvCxnSpPr>
+          <p:cNvPr id="67" name="Straight Arrow Connector 66"/>
+          <p:cNvCxnSpPr>
+            <a:cxnSpLocks/>
+          </p:cNvCxnSpPr>
+          <p:nvPr/>
+        </p:nvCxnSpPr>
+        <p:spPr>
+          <a:xfrm flipV="1">
+            <a:off x="3249384" y="3601809"/>
+            <a:ext cx="926306" cy="219076"/>
+          </a:xfrm>
+          <a:prstGeom prst="straightConnector1">
+            <a:avLst/>
+          </a:prstGeom>
+          <a:ln>
+            <a:solidFill>
+              <a:schemeClr val="bg2"/>
+            </a:solidFill>
+            <a:tailEnd type="triangle"/>
+          </a:ln>
+        </p:spPr>
+        <p:style>
+          <a:lnRef idx="1">
+            <a:schemeClr val="accent1"/>
+          </a:lnRef>
+          <a:fillRef idx="0">
+            <a:schemeClr val="accent1"/>
+          </a:fillRef>
+          <a:effectRef idx="0">
+            <a:schemeClr val="accent1"/>
+          </a:effectRef>
+          <a:fontRef idx="minor">
+            <a:schemeClr val="tx1"/>
+          </a:fontRef>
+        </p:style>
+      </p:cxnSp>
+      <p:sp>
+        <p:nvSpPr>
+          <p:cNvPr id="72" name="TextBox 71"/>
+          <p:cNvSpPr txBox="1"/>
+          <p:nvPr/>
+        </p:nvSpPr>
+        <p:spPr>
+          <a:xfrm>
+            <a:off x="5910722" y="5008407"/>
+            <a:ext cx="1535095" cy="592470"/>
+          </a:xfrm>
+          <a:prstGeom prst="rect">
+            <a:avLst/>
+          </a:prstGeom>
+          <a:noFill/>
+        </p:spPr>
+        <p:txBody>
+          <a:bodyPr wrap="square" rtlCol="0">
+            <a:spAutoFit/>
+          </a:bodyPr>
+          <a:lstStyle/>
+          <a:p>
+            <a:pPr>
+              <a:spcAft>
+                <a:spcPts val="100"/>
+              </a:spcAft>
+            </a:pPr>
+            <a:r>
+              <a:rPr lang="en-US" sz="1200" b="1" dirty="0">
+                <a:solidFill>
+                  <a:schemeClr val="bg2">
+                    <a:lumMod val="90000"/>
+                  </a:schemeClr>
+                </a:solidFill>
+                <a:latin typeface="Century Gothic" panose="020B0502020202020204" pitchFamily="34" charset="0"/>
+                <a:cs typeface="Arial" panose="020B0604020202020204" pitchFamily="34" charset="0"/>
+              </a:rPr>
+              <a:t>Spring Break</a:t>
+            </a:r>
+          </a:p>
+          <a:p>
+            <a:pPr>
+              <a:spcAft>
+                <a:spcPts val="200"/>
+              </a:spcAft>
+            </a:pPr>
+            <a:r>
+              <a:rPr lang="en-US" sz="1000" dirty="0">
+                <a:solidFill>
+                  <a:schemeClr val="bg2">
+                    <a:lumMod val="90000"/>
+                  </a:schemeClr>
+                </a:solidFill>
+                <a:latin typeface="Century Gothic" panose="020B0502020202020204" pitchFamily="34" charset="0"/>
+                <a:cs typeface="Arial" panose="020B0604020202020204" pitchFamily="34" charset="0"/>
+              </a:rPr>
+              <a:t>Mar 21-25, 2016</a:t>
+            </a:r>
+          </a:p>
+          <a:p>
+            <a:r>
+              <a:rPr lang="en-US" sz="800" i="1" dirty="0">
+                <a:solidFill>
+                  <a:schemeClr val="bg2">
+                    <a:lumMod val="90000"/>
+                  </a:schemeClr>
+                </a:solidFill>
+                <a:latin typeface="Century Gothic" panose="020B0502020202020204" pitchFamily="34" charset="0"/>
+                <a:cs typeface="Arial" panose="020B0604020202020204" pitchFamily="34" charset="0"/>
+              </a:rPr>
+              <a:t>Spring break! Party! Woo!</a:t>
+            </a:r>
+          </a:p>
+        </p:txBody>
+      </p:sp>
+      <p:cxnSp>
+        <p:nvCxnSpPr>
+          <p:cNvPr id="80" name="Straight Arrow Connector 79"/>
+          <p:cNvCxnSpPr>
+            <a:cxnSpLocks/>
+          </p:cNvCxnSpPr>
+          <p:nvPr/>
+        </p:nvCxnSpPr>
+        <p:spPr>
+          <a:xfrm flipV="1">
+            <a:off x="6934200" y="4354775"/>
+            <a:ext cx="400050" cy="653632"/>
+          </a:xfrm>
+          <a:prstGeom prst="straightConnector1">
+            <a:avLst/>
+          </a:prstGeom>
+          <a:ln>
+            <a:solidFill>
+              <a:schemeClr val="bg2"/>
+            </a:solidFill>
+            <a:tailEnd type="triangle"/>
+          </a:ln>
+        </p:spPr>
+        <p:style>
+          <a:lnRef idx="1">
+            <a:schemeClr val="accent1"/>
+          </a:lnRef>
+          <a:fillRef idx="0">
+            <a:schemeClr val="accent1"/>
+          </a:fillRef>
+          <a:effectRef idx="0">
+            <a:schemeClr val="accent1"/>
+          </a:effectRef>
+          <a:fontRef idx="minor">
+            <a:schemeClr val="tx1"/>
+          </a:fontRef>
+        </p:style>
+      </p:cxnSp>
+      <p:sp>
+        <p:nvSpPr>
+          <p:cNvPr id="85" name="TextBox 84"/>
+          <p:cNvSpPr txBox="1"/>
+          <p:nvPr/>
+        </p:nvSpPr>
+        <p:spPr>
+          <a:xfrm>
+            <a:off x="3103334" y="1105594"/>
+            <a:ext cx="1481366" cy="715581"/>
+          </a:xfrm>
+          <a:prstGeom prst="rect">
+            <a:avLst/>
+          </a:prstGeom>
+          <a:noFill/>
+        </p:spPr>
+        <p:txBody>
+          <a:bodyPr wrap="square" rtlCol="0">
+            <a:spAutoFit/>
+          </a:bodyPr>
+          <a:lstStyle/>
+          <a:p>
+            <a:pPr>
+              <a:spcAft>
+                <a:spcPts val="100"/>
+              </a:spcAft>
+            </a:pPr>
+            <a:r>
+              <a:rPr lang="en-US" sz="1200" b="1" dirty="0">
+                <a:solidFill>
+                  <a:schemeClr val="bg2">
+                    <a:lumMod val="90000"/>
+                  </a:schemeClr>
+                </a:solidFill>
+                <a:latin typeface="Century Gothic" panose="020B0502020202020204" pitchFamily="34" charset="0"/>
+                <a:cs typeface="Arial" panose="020B0604020202020204" pitchFamily="34" charset="0"/>
+              </a:rPr>
+              <a:t>School Begins</a:t>
+            </a:r>
+          </a:p>
+          <a:p>
+            <a:pPr>
+              <a:spcAft>
+                <a:spcPts val="200"/>
+              </a:spcAft>
+            </a:pPr>
+            <a:r>
+              <a:rPr lang="en-US" sz="1000" dirty="0">
+                <a:solidFill>
+                  <a:schemeClr val="bg2">
+                    <a:lumMod val="90000"/>
+                  </a:schemeClr>
+                </a:solidFill>
+                <a:latin typeface="Century Gothic" panose="020B0502020202020204" pitchFamily="34" charset="0"/>
+                <a:cs typeface="Arial" panose="020B0604020202020204" pitchFamily="34" charset="0"/>
+              </a:rPr>
+              <a:t>Aug 26, 2016</a:t>
+            </a:r>
+          </a:p>
+          <a:p>
+            <a:r>
+              <a:rPr lang="en-US" sz="800" i="1" dirty="0">
+                <a:solidFill>
+                  <a:schemeClr val="bg2">
+                    <a:lumMod val="90000"/>
+                  </a:schemeClr>
+                </a:solidFill>
+                <a:latin typeface="Century Gothic" panose="020B0502020202020204" pitchFamily="34" charset="0"/>
+                <a:cs typeface="Arial" panose="020B0604020202020204" pitchFamily="34" charset="0"/>
+              </a:rPr>
+              <a:t>Every freshman is in the gym until next week</a:t>
+            </a:r>
+          </a:p>
+        </p:txBody>
+      </p:sp>
+      <p:cxnSp>
+        <p:nvCxnSpPr>
+          <p:cNvPr id="86" name="Straight Arrow Connector 85"/>
+          <p:cNvCxnSpPr>
+            <a:cxnSpLocks/>
+          </p:cNvCxnSpPr>
+          <p:nvPr/>
+        </p:nvCxnSpPr>
+        <p:spPr>
+          <a:xfrm flipH="1">
+            <a:off x="2126456" y="1450359"/>
+            <a:ext cx="976878" cy="111741"/>
+          </a:xfrm>
+          <a:prstGeom prst="straightConnector1">
+            <a:avLst/>
+          </a:prstGeom>
+          <a:ln>
+            <a:solidFill>
+              <a:schemeClr val="bg2"/>
+            </a:solidFill>
+            <a:tailEnd type="triangle"/>
+          </a:ln>
+        </p:spPr>
+        <p:style>
+          <a:lnRef idx="1">
+            <a:schemeClr val="accent1"/>
+          </a:lnRef>
+          <a:fillRef idx="0">
+            <a:schemeClr val="accent1"/>
+          </a:fillRef>
+          <a:effectRef idx="0">
+            <a:schemeClr val="accent1"/>
+          </a:effectRef>
+          <a:fontRef idx="minor">
+            <a:schemeClr val="tx1"/>
+          </a:fontRef>
+        </p:style>
+      </p:cxnSp>
+      <p:sp>
+        <p:nvSpPr>
+          <p:cNvPr id="89" name="TextBox 88"/>
+          <p:cNvSpPr txBox="1"/>
+          <p:nvPr/>
+        </p:nvSpPr>
+        <p:spPr>
+          <a:xfrm>
+            <a:off x="9412888" y="2724000"/>
+            <a:ext cx="2040969" cy="715581"/>
+          </a:xfrm>
+          <a:prstGeom prst="rect">
+            <a:avLst/>
+          </a:prstGeom>
+          <a:noFill/>
+        </p:spPr>
+        <p:txBody>
+          <a:bodyPr wrap="square" rtlCol="0">
+            <a:spAutoFit/>
+          </a:bodyPr>
+          <a:lstStyle/>
+          <a:p>
+            <a:pPr>
+              <a:spcAft>
+                <a:spcPts val="100"/>
+              </a:spcAft>
+            </a:pPr>
+            <a:r>
+              <a:rPr lang="en-US" sz="1200" b="1" dirty="0">
+                <a:latin typeface="Century Gothic" panose="020B0502020202020204" pitchFamily="34" charset="0"/>
+                <a:cs typeface="Arial" panose="020B0604020202020204" pitchFamily="34" charset="0"/>
+              </a:rPr>
+              <a:t>Spring Commencement</a:t>
+            </a:r>
+          </a:p>
+          <a:p>
+            <a:pPr>
+              <a:spcAft>
+                <a:spcPts val="200"/>
+              </a:spcAft>
+            </a:pPr>
+            <a:r>
+              <a:rPr lang="en-US" sz="1000" dirty="0">
+                <a:latin typeface="Century Gothic" panose="020B0502020202020204" pitchFamily="34" charset="0"/>
+                <a:cs typeface="Arial" panose="020B0604020202020204" pitchFamily="34" charset="0"/>
+              </a:rPr>
+              <a:t>May 14, 2016</a:t>
+            </a:r>
+          </a:p>
+          <a:p>
+            <a:r>
+              <a:rPr lang="en-US" sz="800" i="1" dirty="0">
+                <a:latin typeface="Century Gothic" panose="020B0502020202020204" pitchFamily="34" charset="0"/>
+                <a:cs typeface="Arial" panose="020B0604020202020204" pitchFamily="34" charset="0"/>
+              </a:rPr>
+              <a:t>The gym becomes an empty wasteland until next year</a:t>
+            </a:r>
+          </a:p>
+        </p:txBody>
+      </p:sp>
+      <p:cxnSp>
+        <p:nvCxnSpPr>
+          <p:cNvPr id="92" name="Straight Arrow Connector 91"/>
+          <p:cNvCxnSpPr>
+            <a:cxnSpLocks/>
+          </p:cNvCxnSpPr>
+          <p:nvPr/>
+        </p:nvCxnSpPr>
+        <p:spPr>
+          <a:xfrm flipH="1">
+            <a:off x="8976220" y="3429000"/>
+            <a:ext cx="510681" cy="773884"/>
+          </a:xfrm>
+          <a:prstGeom prst="straightConnector1">
+            <a:avLst/>
+          </a:prstGeom>
+          <a:ln>
+            <a:tailEnd type="triangle"/>
+          </a:ln>
+        </p:spPr>
+        <p:style>
+          <a:lnRef idx="1">
+            <a:schemeClr val="accent1"/>
+          </a:lnRef>
+          <a:fillRef idx="0">
+            <a:schemeClr val="accent1"/>
+          </a:fillRef>
+          <a:effectRef idx="0">
+            <a:schemeClr val="accent1"/>
+          </a:effectRef>
+          <a:fontRef idx="minor">
+            <a:schemeClr val="tx1"/>
+          </a:fontRef>
+        </p:style>
+      </p:cxnSp>
+    </p:spTree>
+    <p:extLst>
+      <p:ext uri="{BB962C8B-B14F-4D97-AF65-F5344CB8AC3E}">
+        <p14:creationId xmlns:p14="http://schemas.microsoft.com/office/powerpoint/2010/main" val="3988067614"/>
       </p:ext>
     </p:extLst>
   </p:cSld>

--- a/presentation/UC Berkeley Gym Attendance.pptx
+++ b/presentation/UC Berkeley Gym Attendance.pptx
@@ -5,16 +5,18 @@
     <p:sldMasterId id="2147483648" r:id="rId1"/>
   </p:sldMasterIdLst>
   <p:sldIdLst>
-    <p:sldId id="266" r:id="rId2"/>
-    <p:sldId id="265" r:id="rId3"/>
-    <p:sldId id="263" r:id="rId4"/>
-    <p:sldId id="257" r:id="rId5"/>
-    <p:sldId id="258" r:id="rId6"/>
-    <p:sldId id="259" r:id="rId7"/>
-    <p:sldId id="260" r:id="rId8"/>
-    <p:sldId id="261" r:id="rId9"/>
-    <p:sldId id="262" r:id="rId10"/>
-    <p:sldId id="264" r:id="rId11"/>
+    <p:sldId id="268" r:id="rId2"/>
+    <p:sldId id="269" r:id="rId3"/>
+    <p:sldId id="267" r:id="rId4"/>
+    <p:sldId id="265" r:id="rId5"/>
+    <p:sldId id="263" r:id="rId6"/>
+    <p:sldId id="257" r:id="rId7"/>
+    <p:sldId id="258" r:id="rId8"/>
+    <p:sldId id="259" r:id="rId9"/>
+    <p:sldId id="260" r:id="rId10"/>
+    <p:sldId id="261" r:id="rId11"/>
+    <p:sldId id="262" r:id="rId12"/>
+    <p:sldId id="264" r:id="rId13"/>
   </p:sldIdLst>
   <p:sldSz cx="12192000" cy="6858000"/>
   <p:notesSz cx="6858000" cy="9144000"/>
@@ -2957,22 +2959,54 @@
           <a:chExt cx="0" cy="0"/>
         </a:xfrm>
       </p:grpSpPr>
-      <p:sp>
-        <p:nvSpPr>
-          <p:cNvPr id="5" name="Rectangle 4"/>
+      <p:pic>
+        <p:nvPicPr>
+          <p:cNvPr id="9" name="Picture 8"/>
+          <p:cNvPicPr>
+            <a:picLocks noChangeAspect="1"/>
+          </p:cNvPicPr>
+          <p:nvPr/>
+        </p:nvPicPr>
+        <p:blipFill>
+          <a:blip r:embed="rId2">
+            <a:extLst>
+              <a:ext uri="{28A0092B-C50C-407E-A947-70E740481C1C}">
+                <a14:useLocalDpi xmlns:a14="http://schemas.microsoft.com/office/drawing/2010/main" val="0"/>
+              </a:ext>
+            </a:extLst>
+          </a:blip>
+          <a:stretch>
+            <a:fillRect/>
+          </a:stretch>
+        </p:blipFill>
+        <p:spPr>
+          <a:xfrm>
+            <a:off x="-2320464" y="0"/>
+            <a:ext cx="16566229" cy="5425440"/>
+          </a:xfrm>
+          <a:prstGeom prst="rect">
+            <a:avLst/>
+          </a:prstGeom>
+        </p:spPr>
+      </p:pic>
+      <p:sp>
+        <p:nvSpPr>
+          <p:cNvPr id="13" name="Rectangle 12"/>
           <p:cNvSpPr/>
           <p:nvPr/>
         </p:nvSpPr>
         <p:spPr>
           <a:xfrm>
-            <a:off x="0" y="0"/>
-            <a:ext cx="12192000" cy="897622"/>
+            <a:off x="0" y="1699230"/>
+            <a:ext cx="4152900" cy="2209800"/>
           </a:xfrm>
           <a:prstGeom prst="rect">
             <a:avLst/>
           </a:prstGeom>
           <a:solidFill>
-            <a:srgbClr val="003A70"/>
+            <a:srgbClr val="003A70">
+              <a:alpha val="85000"/>
+            </a:srgbClr>
           </a:solidFill>
           <a:ln>
             <a:noFill/>
@@ -2999,20 +3033,20 @@
           <a:lstStyle/>
           <a:p>
             <a:pPr algn="ctr"/>
-            <a:endParaRPr lang="en-US"/>
-          </a:p>
-        </p:txBody>
-      </p:sp>
-      <p:sp>
-        <p:nvSpPr>
-          <p:cNvPr id="4" name="TextBox 3"/>
+            <a:endParaRPr lang="en-US" dirty="0"/>
+          </a:p>
+        </p:txBody>
+      </p:sp>
+      <p:sp>
+        <p:nvSpPr>
+          <p:cNvPr id="14" name="TextBox 13"/>
           <p:cNvSpPr txBox="1"/>
           <p:nvPr/>
         </p:nvSpPr>
         <p:spPr>
           <a:xfrm>
-            <a:off x="351563" y="125645"/>
-            <a:ext cx="7166837" cy="646331"/>
+            <a:off x="590550" y="2019300"/>
+            <a:ext cx="2667000" cy="1569660"/>
           </a:xfrm>
           <a:prstGeom prst="rect">
             <a:avLst/>
@@ -3026,14 +3060,56 @@
           <a:lstStyle/>
           <a:p>
             <a:r>
-              <a:rPr lang="en-US" sz="3600" dirty="0">
+              <a:rPr lang="en-US" sz="3200" dirty="0">
                 <a:solidFill>
-                  <a:schemeClr val="bg1"/>
+                  <a:schemeClr val="bg1">
+                    <a:lumMod val="95000"/>
+                  </a:schemeClr>
                 </a:solidFill>
                 <a:latin typeface="Proxima Nova Lt" panose="02000506030000020004" pitchFamily="50" charset="0"/>
+              </a:rPr>
+              <a:t>How Many People Are in the Gym?</a:t>
+            </a:r>
+          </a:p>
+        </p:txBody>
+      </p:sp>
+      <p:sp>
+        <p:nvSpPr>
+          <p:cNvPr id="18" name="TextBox 17"/>
+          <p:cNvSpPr txBox="1"/>
+          <p:nvPr/>
+        </p:nvSpPr>
+        <p:spPr>
+          <a:xfrm>
+            <a:off x="10439400" y="5772150"/>
+            <a:ext cx="1752600" cy="707886"/>
+          </a:xfrm>
+          <a:prstGeom prst="rect">
+            <a:avLst/>
+          </a:prstGeom>
+          <a:noFill/>
+        </p:spPr>
+        <p:txBody>
+          <a:bodyPr wrap="square" rtlCol="0">
+            <a:spAutoFit/>
+          </a:bodyPr>
+          <a:lstStyle/>
+          <a:p>
+            <a:r>
+              <a:rPr lang="en-US" sz="2000" spc="-50" dirty="0">
+                <a:latin typeface="Karla" pitchFamily="2" charset="0"/>
                 <a:ea typeface="Karla" pitchFamily="2" charset="0"/>
               </a:rPr>
-              <a:t>Why?</a:t>
+              <a:t>Jeff Ernst</a:t>
+            </a:r>
+          </a:p>
+          <a:p>
+            <a:r>
+              <a:rPr lang="en-US" sz="2000" spc="-50" dirty="0">
+                <a:latin typeface="Karla" pitchFamily="2" charset="0"/>
+                <a:ea typeface="Karla" pitchFamily="2" charset="0"/>
+              </a:rPr>
+              <a:t>April 2017</a:t>
             </a:r>
           </a:p>
         </p:txBody>
@@ -3041,7 +3117,7 @@
     </p:spTree>
     <p:extLst>
       <p:ext uri="{BB962C8B-B14F-4D97-AF65-F5344CB8AC3E}">
-        <p14:creationId xmlns:p14="http://schemas.microsoft.com/office/powerpoint/2010/main" val="2262752931"/>
+        <p14:creationId xmlns:p14="http://schemas.microsoft.com/office/powerpoint/2010/main" val="3283723802"/>
       </p:ext>
     </p:extLst>
   </p:cSld>
@@ -3142,6 +3218,1562 @@
           <a:prstGeom prst="rect">
             <a:avLst/>
           </a:prstGeom>
+          <a:ln>
+            <a:noFill/>
+          </a:ln>
+        </p:spPr>
+      </p:pic>
+      <p:sp>
+        <p:nvSpPr>
+          <p:cNvPr id="53" name="TextBox 52"/>
+          <p:cNvSpPr txBox="1"/>
+          <p:nvPr/>
+        </p:nvSpPr>
+        <p:spPr>
+          <a:xfrm>
+            <a:off x="5823050" y="6411684"/>
+            <a:ext cx="647934" cy="276999"/>
+          </a:xfrm>
+          <a:prstGeom prst="rect">
+            <a:avLst/>
+          </a:prstGeom>
+          <a:noFill/>
+        </p:spPr>
+        <p:txBody>
+          <a:bodyPr wrap="none" rtlCol="0">
+            <a:spAutoFit/>
+          </a:bodyPr>
+          <a:lstStyle/>
+          <a:p>
+            <a:r>
+              <a:rPr lang="en-US" sz="1200" b="1" dirty="0">
+                <a:latin typeface="Arial" panose="020B0604020202020204" pitchFamily="34" charset="0"/>
+                <a:cs typeface="Arial" panose="020B0604020202020204" pitchFamily="34" charset="0"/>
+              </a:rPr>
+              <a:t>Month</a:t>
+            </a:r>
+            <a:endParaRPr lang="en-US" sz="1400" b="1" dirty="0">
+              <a:latin typeface="Arial" panose="020B0604020202020204" pitchFamily="34" charset="0"/>
+              <a:cs typeface="Arial" panose="020B0604020202020204" pitchFamily="34" charset="0"/>
+            </a:endParaRPr>
+          </a:p>
+        </p:txBody>
+      </p:sp>
+      <p:sp>
+        <p:nvSpPr>
+          <p:cNvPr id="54" name="TextBox 53"/>
+          <p:cNvSpPr txBox="1"/>
+          <p:nvPr/>
+        </p:nvSpPr>
+        <p:spPr>
+          <a:xfrm>
+            <a:off x="6678270" y="1168985"/>
+            <a:ext cx="1994014" cy="851515"/>
+          </a:xfrm>
+          <a:prstGeom prst="rect">
+            <a:avLst/>
+          </a:prstGeom>
+          <a:noFill/>
+        </p:spPr>
+        <p:txBody>
+          <a:bodyPr wrap="square" rtlCol="0">
+            <a:spAutoFit/>
+          </a:bodyPr>
+          <a:lstStyle/>
+          <a:p>
+            <a:pPr>
+              <a:spcAft>
+                <a:spcPts val="100"/>
+              </a:spcAft>
+            </a:pPr>
+            <a:r>
+              <a:rPr lang="en-US" sz="1200" b="1" dirty="0">
+                <a:solidFill>
+                  <a:schemeClr val="bg2">
+                    <a:lumMod val="90000"/>
+                  </a:schemeClr>
+                </a:solidFill>
+                <a:latin typeface="Century Gothic" panose="020B0502020202020204" pitchFamily="34" charset="0"/>
+                <a:cs typeface="Arial" panose="020B0604020202020204" pitchFamily="34" charset="0"/>
+              </a:rPr>
+              <a:t>New Year’s Gym Rush</a:t>
+            </a:r>
+          </a:p>
+          <a:p>
+            <a:pPr>
+              <a:spcAft>
+                <a:spcPts val="200"/>
+              </a:spcAft>
+            </a:pPr>
+            <a:r>
+              <a:rPr lang="en-US" sz="1000" dirty="0">
+                <a:solidFill>
+                  <a:schemeClr val="bg2">
+                    <a:lumMod val="90000"/>
+                  </a:schemeClr>
+                </a:solidFill>
+                <a:latin typeface="Century Gothic" panose="020B0502020202020204" pitchFamily="34" charset="0"/>
+                <a:cs typeface="Arial" panose="020B0604020202020204" pitchFamily="34" charset="0"/>
+              </a:rPr>
+              <a:t>Jan 20, 2016</a:t>
+            </a:r>
+          </a:p>
+          <a:p>
+            <a:r>
+              <a:rPr lang="en-US" sz="800" i="1" dirty="0">
+                <a:solidFill>
+                  <a:schemeClr val="bg2">
+                    <a:lumMod val="90000"/>
+                  </a:schemeClr>
+                </a:solidFill>
+                <a:latin typeface="Century Gothic" panose="020B0502020202020204" pitchFamily="34" charset="0"/>
+                <a:cs typeface="Arial" panose="020B0604020202020204" pitchFamily="34" charset="0"/>
+              </a:rPr>
+              <a:t>Students flood to the gym in a futile attempt to fulfill their New Year’s goals</a:t>
+            </a:r>
+          </a:p>
+        </p:txBody>
+      </p:sp>
+      <p:cxnSp>
+        <p:nvCxnSpPr>
+          <p:cNvPr id="60" name="Straight Arrow Connector 59"/>
+          <p:cNvCxnSpPr>
+            <a:cxnSpLocks/>
+          </p:cNvCxnSpPr>
+          <p:nvPr/>
+        </p:nvCxnSpPr>
+        <p:spPr>
+          <a:xfrm flipH="1">
+            <a:off x="5741759" y="1433497"/>
+            <a:ext cx="974611" cy="33724"/>
+          </a:xfrm>
+          <a:prstGeom prst="straightConnector1">
+            <a:avLst/>
+          </a:prstGeom>
+          <a:ln>
+            <a:solidFill>
+              <a:schemeClr val="bg2"/>
+            </a:solidFill>
+            <a:tailEnd type="triangle"/>
+          </a:ln>
+        </p:spPr>
+        <p:style>
+          <a:lnRef idx="1">
+            <a:schemeClr val="accent1"/>
+          </a:lnRef>
+          <a:fillRef idx="0">
+            <a:schemeClr val="accent1"/>
+          </a:fillRef>
+          <a:effectRef idx="0">
+            <a:schemeClr val="accent1"/>
+          </a:effectRef>
+          <a:fontRef idx="minor">
+            <a:schemeClr val="tx1"/>
+          </a:fontRef>
+        </p:style>
+      </p:cxnSp>
+      <p:cxnSp>
+        <p:nvCxnSpPr>
+          <p:cNvPr id="61" name="Straight Arrow Connector 60"/>
+          <p:cNvCxnSpPr>
+            <a:cxnSpLocks/>
+          </p:cNvCxnSpPr>
+          <p:nvPr/>
+        </p:nvCxnSpPr>
+        <p:spPr>
+          <a:xfrm flipV="1">
+            <a:off x="4584700" y="4626041"/>
+            <a:ext cx="317272" cy="382366"/>
+          </a:xfrm>
+          <a:prstGeom prst="straightConnector1">
+            <a:avLst/>
+          </a:prstGeom>
+          <a:ln>
+            <a:solidFill>
+              <a:schemeClr val="bg2"/>
+            </a:solidFill>
+            <a:tailEnd type="triangle"/>
+          </a:ln>
+        </p:spPr>
+        <p:style>
+          <a:lnRef idx="1">
+            <a:schemeClr val="accent1"/>
+          </a:lnRef>
+          <a:fillRef idx="0">
+            <a:schemeClr val="accent1"/>
+          </a:fillRef>
+          <a:effectRef idx="0">
+            <a:schemeClr val="accent1"/>
+          </a:effectRef>
+          <a:fontRef idx="minor">
+            <a:schemeClr val="tx1"/>
+          </a:fontRef>
+        </p:style>
+      </p:cxnSp>
+      <p:sp>
+        <p:nvSpPr>
+          <p:cNvPr id="64" name="TextBox 63"/>
+          <p:cNvSpPr txBox="1"/>
+          <p:nvPr/>
+        </p:nvSpPr>
+        <p:spPr>
+          <a:xfrm>
+            <a:off x="968375" y="264531"/>
+            <a:ext cx="5178311" cy="461665"/>
+          </a:xfrm>
+          <a:prstGeom prst="rect">
+            <a:avLst/>
+          </a:prstGeom>
+          <a:noFill/>
+        </p:spPr>
+        <p:txBody>
+          <a:bodyPr wrap="square" rtlCol="0">
+            <a:spAutoFit/>
+          </a:bodyPr>
+          <a:lstStyle/>
+          <a:p>
+            <a:r>
+              <a:rPr lang="en-US" sz="2400" dirty="0">
+                <a:latin typeface="Futura-Normal" pitchFamily="2" charset="0"/>
+              </a:rPr>
+              <a:t>UC Berkeley 2015-16 Gym Attendance</a:t>
+            </a:r>
+          </a:p>
+        </p:txBody>
+      </p:sp>
+      <p:sp>
+        <p:nvSpPr>
+          <p:cNvPr id="65" name="TextBox 64"/>
+          <p:cNvSpPr txBox="1"/>
+          <p:nvPr/>
+        </p:nvSpPr>
+        <p:spPr>
+          <a:xfrm>
+            <a:off x="3539744" y="5008407"/>
+            <a:ext cx="1617448" cy="838691"/>
+          </a:xfrm>
+          <a:prstGeom prst="rect">
+            <a:avLst/>
+          </a:prstGeom>
+          <a:noFill/>
+        </p:spPr>
+        <p:txBody>
+          <a:bodyPr wrap="square" rtlCol="0">
+            <a:spAutoFit/>
+          </a:bodyPr>
+          <a:lstStyle/>
+          <a:p>
+            <a:pPr>
+              <a:spcAft>
+                <a:spcPts val="100"/>
+              </a:spcAft>
+            </a:pPr>
+            <a:r>
+              <a:rPr lang="en-US" sz="1200" b="1" dirty="0">
+                <a:solidFill>
+                  <a:schemeClr val="bg2">
+                    <a:lumMod val="90000"/>
+                  </a:schemeClr>
+                </a:solidFill>
+                <a:latin typeface="Century Gothic" panose="020B0502020202020204" pitchFamily="34" charset="0"/>
+                <a:cs typeface="Arial" panose="020B0604020202020204" pitchFamily="34" charset="0"/>
+              </a:rPr>
+              <a:t>Winter Break</a:t>
+            </a:r>
+          </a:p>
+          <a:p>
+            <a:pPr>
+              <a:spcAft>
+                <a:spcPts val="200"/>
+              </a:spcAft>
+            </a:pPr>
+            <a:r>
+              <a:rPr lang="en-US" sz="1000" dirty="0">
+                <a:solidFill>
+                  <a:schemeClr val="bg2">
+                    <a:lumMod val="90000"/>
+                  </a:schemeClr>
+                </a:solidFill>
+                <a:latin typeface="Century Gothic" panose="020B0502020202020204" pitchFamily="34" charset="0"/>
+                <a:cs typeface="Arial" panose="020B0604020202020204" pitchFamily="34" charset="0"/>
+              </a:rPr>
+              <a:t>Dec 19-Jan 19, 2015</a:t>
+            </a:r>
+          </a:p>
+          <a:p>
+            <a:r>
+              <a:rPr lang="en-US" sz="800" i="1" dirty="0">
+                <a:solidFill>
+                  <a:schemeClr val="bg2">
+                    <a:lumMod val="90000"/>
+                  </a:schemeClr>
+                </a:solidFill>
+                <a:latin typeface="Century Gothic" panose="020B0502020202020204" pitchFamily="34" charset="0"/>
+                <a:cs typeface="Arial" panose="020B0604020202020204" pitchFamily="34" charset="0"/>
+              </a:rPr>
+              <a:t>Most students head home for the winter holidays, like Christmas and Hanukkah</a:t>
+            </a:r>
+          </a:p>
+        </p:txBody>
+      </p:sp>
+      <p:sp>
+        <p:nvSpPr>
+          <p:cNvPr id="66" name="TextBox 65"/>
+          <p:cNvSpPr txBox="1"/>
+          <p:nvPr/>
+        </p:nvSpPr>
+        <p:spPr>
+          <a:xfrm>
+            <a:off x="2023091" y="3516084"/>
+            <a:ext cx="1621523" cy="838691"/>
+          </a:xfrm>
+          <a:prstGeom prst="rect">
+            <a:avLst/>
+          </a:prstGeom>
+          <a:noFill/>
+        </p:spPr>
+        <p:txBody>
+          <a:bodyPr wrap="square" rtlCol="0">
+            <a:spAutoFit/>
+          </a:bodyPr>
+          <a:lstStyle/>
+          <a:p>
+            <a:pPr>
+              <a:spcAft>
+                <a:spcPts val="100"/>
+              </a:spcAft>
+            </a:pPr>
+            <a:r>
+              <a:rPr lang="en-US" sz="1200" b="1" dirty="0">
+                <a:solidFill>
+                  <a:schemeClr val="bg2">
+                    <a:lumMod val="90000"/>
+                  </a:schemeClr>
+                </a:solidFill>
+                <a:latin typeface="Century Gothic" panose="020B0502020202020204" pitchFamily="34" charset="0"/>
+                <a:cs typeface="Arial" panose="020B0604020202020204" pitchFamily="34" charset="0"/>
+              </a:rPr>
+              <a:t>Thanksgiving</a:t>
+            </a:r>
+          </a:p>
+          <a:p>
+            <a:pPr>
+              <a:spcAft>
+                <a:spcPts val="200"/>
+              </a:spcAft>
+            </a:pPr>
+            <a:r>
+              <a:rPr lang="en-US" sz="1000" dirty="0">
+                <a:solidFill>
+                  <a:schemeClr val="bg2">
+                    <a:lumMod val="90000"/>
+                  </a:schemeClr>
+                </a:solidFill>
+                <a:latin typeface="Century Gothic" panose="020B0502020202020204" pitchFamily="34" charset="0"/>
+                <a:cs typeface="Arial" panose="020B0604020202020204" pitchFamily="34" charset="0"/>
+              </a:rPr>
+              <a:t>Nov 26 2015</a:t>
+            </a:r>
+          </a:p>
+          <a:p>
+            <a:r>
+              <a:rPr lang="en-US" sz="800" i="1" dirty="0">
+                <a:solidFill>
+                  <a:schemeClr val="bg2">
+                    <a:lumMod val="90000"/>
+                  </a:schemeClr>
+                </a:solidFill>
+                <a:latin typeface="Century Gothic" panose="020B0502020202020204" pitchFamily="34" charset="0"/>
+                <a:cs typeface="Arial" panose="020B0604020202020204" pitchFamily="34" charset="0"/>
+              </a:rPr>
+              <a:t>Working out is optional when you’re filling up on turkey and mashed potatoes</a:t>
+            </a:r>
+          </a:p>
+        </p:txBody>
+      </p:sp>
+      <p:cxnSp>
+        <p:nvCxnSpPr>
+          <p:cNvPr id="67" name="Straight Arrow Connector 66"/>
+          <p:cNvCxnSpPr>
+            <a:cxnSpLocks/>
+          </p:cNvCxnSpPr>
+          <p:nvPr/>
+        </p:nvCxnSpPr>
+        <p:spPr>
+          <a:xfrm flipV="1">
+            <a:off x="3249384" y="3601809"/>
+            <a:ext cx="926306" cy="219076"/>
+          </a:xfrm>
+          <a:prstGeom prst="straightConnector1">
+            <a:avLst/>
+          </a:prstGeom>
+          <a:ln>
+            <a:solidFill>
+              <a:schemeClr val="bg2"/>
+            </a:solidFill>
+            <a:tailEnd type="triangle"/>
+          </a:ln>
+        </p:spPr>
+        <p:style>
+          <a:lnRef idx="1">
+            <a:schemeClr val="accent1"/>
+          </a:lnRef>
+          <a:fillRef idx="0">
+            <a:schemeClr val="accent1"/>
+          </a:fillRef>
+          <a:effectRef idx="0">
+            <a:schemeClr val="accent1"/>
+          </a:effectRef>
+          <a:fontRef idx="minor">
+            <a:schemeClr val="tx1"/>
+          </a:fontRef>
+        </p:style>
+      </p:cxnSp>
+      <p:sp>
+        <p:nvSpPr>
+          <p:cNvPr id="72" name="TextBox 71"/>
+          <p:cNvSpPr txBox="1"/>
+          <p:nvPr/>
+        </p:nvSpPr>
+        <p:spPr>
+          <a:xfrm>
+            <a:off x="5910722" y="5008407"/>
+            <a:ext cx="1535095" cy="592470"/>
+          </a:xfrm>
+          <a:prstGeom prst="rect">
+            <a:avLst/>
+          </a:prstGeom>
+          <a:noFill/>
+        </p:spPr>
+        <p:txBody>
+          <a:bodyPr wrap="square" rtlCol="0">
+            <a:spAutoFit/>
+          </a:bodyPr>
+          <a:lstStyle/>
+          <a:p>
+            <a:pPr>
+              <a:spcAft>
+                <a:spcPts val="100"/>
+              </a:spcAft>
+            </a:pPr>
+            <a:r>
+              <a:rPr lang="en-US" sz="1200" b="1" dirty="0">
+                <a:latin typeface="Century Gothic" panose="020B0502020202020204" pitchFamily="34" charset="0"/>
+                <a:cs typeface="Arial" panose="020B0604020202020204" pitchFamily="34" charset="0"/>
+              </a:rPr>
+              <a:t>Spring Break</a:t>
+            </a:r>
+          </a:p>
+          <a:p>
+            <a:pPr>
+              <a:spcAft>
+                <a:spcPts val="200"/>
+              </a:spcAft>
+            </a:pPr>
+            <a:r>
+              <a:rPr lang="en-US" sz="1000" dirty="0">
+                <a:latin typeface="Century Gothic" panose="020B0502020202020204" pitchFamily="34" charset="0"/>
+                <a:cs typeface="Arial" panose="020B0604020202020204" pitchFamily="34" charset="0"/>
+              </a:rPr>
+              <a:t>Mar 21-25, 2016</a:t>
+            </a:r>
+          </a:p>
+          <a:p>
+            <a:r>
+              <a:rPr lang="en-US" sz="800" i="1" dirty="0">
+                <a:latin typeface="Century Gothic" panose="020B0502020202020204" pitchFamily="34" charset="0"/>
+                <a:cs typeface="Arial" panose="020B0604020202020204" pitchFamily="34" charset="0"/>
+              </a:rPr>
+              <a:t>Spring break! Party! Woo!</a:t>
+            </a:r>
+          </a:p>
+        </p:txBody>
+      </p:sp>
+      <p:cxnSp>
+        <p:nvCxnSpPr>
+          <p:cNvPr id="80" name="Straight Arrow Connector 79"/>
+          <p:cNvCxnSpPr>
+            <a:cxnSpLocks/>
+          </p:cNvCxnSpPr>
+          <p:nvPr/>
+        </p:nvCxnSpPr>
+        <p:spPr>
+          <a:xfrm flipV="1">
+            <a:off x="6934200" y="4354775"/>
+            <a:ext cx="400050" cy="653632"/>
+          </a:xfrm>
+          <a:prstGeom prst="straightConnector1">
+            <a:avLst/>
+          </a:prstGeom>
+          <a:ln>
+            <a:tailEnd type="triangle"/>
+          </a:ln>
+        </p:spPr>
+        <p:style>
+          <a:lnRef idx="1">
+            <a:schemeClr val="accent1"/>
+          </a:lnRef>
+          <a:fillRef idx="0">
+            <a:schemeClr val="accent1"/>
+          </a:fillRef>
+          <a:effectRef idx="0">
+            <a:schemeClr val="accent1"/>
+          </a:effectRef>
+          <a:fontRef idx="minor">
+            <a:schemeClr val="tx1"/>
+          </a:fontRef>
+        </p:style>
+      </p:cxnSp>
+      <p:sp>
+        <p:nvSpPr>
+          <p:cNvPr id="85" name="TextBox 84"/>
+          <p:cNvSpPr txBox="1"/>
+          <p:nvPr/>
+        </p:nvSpPr>
+        <p:spPr>
+          <a:xfrm>
+            <a:off x="3103334" y="1105594"/>
+            <a:ext cx="1481366" cy="715581"/>
+          </a:xfrm>
+          <a:prstGeom prst="rect">
+            <a:avLst/>
+          </a:prstGeom>
+          <a:noFill/>
+        </p:spPr>
+        <p:txBody>
+          <a:bodyPr wrap="square" rtlCol="0">
+            <a:spAutoFit/>
+          </a:bodyPr>
+          <a:lstStyle/>
+          <a:p>
+            <a:pPr>
+              <a:spcAft>
+                <a:spcPts val="100"/>
+              </a:spcAft>
+            </a:pPr>
+            <a:r>
+              <a:rPr lang="en-US" sz="1200" b="1" dirty="0">
+                <a:solidFill>
+                  <a:schemeClr val="bg2">
+                    <a:lumMod val="90000"/>
+                  </a:schemeClr>
+                </a:solidFill>
+                <a:latin typeface="Century Gothic" panose="020B0502020202020204" pitchFamily="34" charset="0"/>
+                <a:cs typeface="Arial" panose="020B0604020202020204" pitchFamily="34" charset="0"/>
+              </a:rPr>
+              <a:t>School Begins</a:t>
+            </a:r>
+          </a:p>
+          <a:p>
+            <a:pPr>
+              <a:spcAft>
+                <a:spcPts val="200"/>
+              </a:spcAft>
+            </a:pPr>
+            <a:r>
+              <a:rPr lang="en-US" sz="1000" dirty="0">
+                <a:solidFill>
+                  <a:schemeClr val="bg2">
+                    <a:lumMod val="90000"/>
+                  </a:schemeClr>
+                </a:solidFill>
+                <a:latin typeface="Century Gothic" panose="020B0502020202020204" pitchFamily="34" charset="0"/>
+                <a:cs typeface="Arial" panose="020B0604020202020204" pitchFamily="34" charset="0"/>
+              </a:rPr>
+              <a:t>Aug 26, 2016</a:t>
+            </a:r>
+          </a:p>
+          <a:p>
+            <a:r>
+              <a:rPr lang="en-US" sz="800" i="1" dirty="0">
+                <a:solidFill>
+                  <a:schemeClr val="bg2">
+                    <a:lumMod val="90000"/>
+                  </a:schemeClr>
+                </a:solidFill>
+                <a:latin typeface="Century Gothic" panose="020B0502020202020204" pitchFamily="34" charset="0"/>
+                <a:cs typeface="Arial" panose="020B0604020202020204" pitchFamily="34" charset="0"/>
+              </a:rPr>
+              <a:t>Every freshman is in the gym until next week</a:t>
+            </a:r>
+          </a:p>
+        </p:txBody>
+      </p:sp>
+      <p:cxnSp>
+        <p:nvCxnSpPr>
+          <p:cNvPr id="86" name="Straight Arrow Connector 85"/>
+          <p:cNvCxnSpPr>
+            <a:cxnSpLocks/>
+          </p:cNvCxnSpPr>
+          <p:nvPr/>
+        </p:nvCxnSpPr>
+        <p:spPr>
+          <a:xfrm flipH="1">
+            <a:off x="2126456" y="1450359"/>
+            <a:ext cx="976878" cy="111741"/>
+          </a:xfrm>
+          <a:prstGeom prst="straightConnector1">
+            <a:avLst/>
+          </a:prstGeom>
+          <a:ln>
+            <a:solidFill>
+              <a:schemeClr val="bg2"/>
+            </a:solidFill>
+            <a:tailEnd type="triangle"/>
+          </a:ln>
+        </p:spPr>
+        <p:style>
+          <a:lnRef idx="1">
+            <a:schemeClr val="accent1"/>
+          </a:lnRef>
+          <a:fillRef idx="0">
+            <a:schemeClr val="accent1"/>
+          </a:fillRef>
+          <a:effectRef idx="0">
+            <a:schemeClr val="accent1"/>
+          </a:effectRef>
+          <a:fontRef idx="minor">
+            <a:schemeClr val="tx1"/>
+          </a:fontRef>
+        </p:style>
+      </p:cxnSp>
+    </p:spTree>
+    <p:extLst>
+      <p:ext uri="{BB962C8B-B14F-4D97-AF65-F5344CB8AC3E}">
+        <p14:creationId xmlns:p14="http://schemas.microsoft.com/office/powerpoint/2010/main" val="3065806878"/>
+      </p:ext>
+    </p:extLst>
+  </p:cSld>
+  <p:clrMapOvr>
+    <a:masterClrMapping/>
+  </p:clrMapOvr>
+</p:sld>
+</file>
+
+<file path=ppt/slides/slide11.xml><?xml version="1.0" encoding="utf-8"?>
+<p:sld xmlns:a="http://schemas.openxmlformats.org/drawingml/2006/main" xmlns:r="http://schemas.openxmlformats.org/officeDocument/2006/relationships" xmlns:p="http://schemas.openxmlformats.org/presentationml/2006/main">
+  <p:cSld>
+    <p:spTree>
+      <p:nvGrpSpPr>
+        <p:cNvPr id="1" name=""/>
+        <p:cNvGrpSpPr/>
+        <p:nvPr/>
+      </p:nvGrpSpPr>
+      <p:grpSpPr>
+        <a:xfrm>
+          <a:off x="0" y="0"/>
+          <a:ext cx="0" cy="0"/>
+          <a:chOff x="0" y="0"/>
+          <a:chExt cx="0" cy="0"/>
+        </a:xfrm>
+      </p:grpSpPr>
+      <p:sp>
+        <p:nvSpPr>
+          <p:cNvPr id="49" name="TextBox 48"/>
+          <p:cNvSpPr txBox="1"/>
+          <p:nvPr/>
+        </p:nvSpPr>
+        <p:spPr>
+          <a:xfrm>
+            <a:off x="404480" y="2724000"/>
+            <a:ext cx="507831" cy="1410001"/>
+          </a:xfrm>
+          <a:prstGeom prst="rect">
+            <a:avLst/>
+          </a:prstGeom>
+          <a:noFill/>
+        </p:spPr>
+        <p:txBody>
+          <a:bodyPr vert="vert270" wrap="none" rtlCol="0">
+            <a:spAutoFit/>
+          </a:bodyPr>
+          <a:lstStyle/>
+          <a:p>
+            <a:pPr algn="ctr"/>
+            <a:r>
+              <a:rPr lang="en-US" sz="1200" b="1" dirty="0">
+                <a:latin typeface="Arial" panose="020B0604020202020204" pitchFamily="34" charset="0"/>
+                <a:cs typeface="Arial" panose="020B0604020202020204" pitchFamily="34" charset="0"/>
+              </a:rPr>
+              <a:t>Number of People</a:t>
+            </a:r>
+          </a:p>
+          <a:p>
+            <a:pPr algn="ctr"/>
+            <a:r>
+              <a:rPr lang="en-US" sz="900" dirty="0">
+                <a:latin typeface="Arial" panose="020B0604020202020204" pitchFamily="34" charset="0"/>
+                <a:cs typeface="Arial" panose="020B0604020202020204" pitchFamily="34" charset="0"/>
+              </a:rPr>
+              <a:t>(7-day Moving Average)</a:t>
+            </a:r>
+            <a:endParaRPr lang="en-US" sz="1400" dirty="0">
+              <a:latin typeface="Arial" panose="020B0604020202020204" pitchFamily="34" charset="0"/>
+              <a:cs typeface="Arial" panose="020B0604020202020204" pitchFamily="34" charset="0"/>
+            </a:endParaRPr>
+          </a:p>
+        </p:txBody>
+      </p:sp>
+      <p:pic>
+        <p:nvPicPr>
+          <p:cNvPr id="51" name="Picture 50"/>
+          <p:cNvPicPr>
+            <a:picLocks noChangeAspect="1"/>
+          </p:cNvPicPr>
+          <p:nvPr/>
+        </p:nvPicPr>
+        <p:blipFill rotWithShape="1">
+          <a:blip r:embed="rId2">
+            <a:extLst>
+              <a:ext uri="{28A0092B-C50C-407E-A947-70E740481C1C}">
+                <a14:useLocalDpi xmlns:a14="http://schemas.microsoft.com/office/drawing/2010/main" val="0"/>
+              </a:ext>
+            </a:extLst>
+          </a:blip>
+          <a:srcRect l="2222" t="3819" r="2086" b="3567"/>
+          <a:stretch/>
+        </p:blipFill>
+        <p:spPr>
+          <a:xfrm>
+            <a:off x="1055459" y="1072536"/>
+            <a:ext cx="10255250" cy="5293497"/>
+          </a:xfrm>
+          <a:prstGeom prst="rect">
+            <a:avLst/>
+          </a:prstGeom>
+        </p:spPr>
+      </p:pic>
+      <p:sp>
+        <p:nvSpPr>
+          <p:cNvPr id="53" name="TextBox 52"/>
+          <p:cNvSpPr txBox="1"/>
+          <p:nvPr/>
+        </p:nvSpPr>
+        <p:spPr>
+          <a:xfrm>
+            <a:off x="5823050" y="6411684"/>
+            <a:ext cx="647934" cy="276999"/>
+          </a:xfrm>
+          <a:prstGeom prst="rect">
+            <a:avLst/>
+          </a:prstGeom>
+          <a:noFill/>
+        </p:spPr>
+        <p:txBody>
+          <a:bodyPr wrap="none" rtlCol="0">
+            <a:spAutoFit/>
+          </a:bodyPr>
+          <a:lstStyle/>
+          <a:p>
+            <a:r>
+              <a:rPr lang="en-US" sz="1200" b="1" dirty="0">
+                <a:latin typeface="Arial" panose="020B0604020202020204" pitchFamily="34" charset="0"/>
+                <a:cs typeface="Arial" panose="020B0604020202020204" pitchFamily="34" charset="0"/>
+              </a:rPr>
+              <a:t>Month</a:t>
+            </a:r>
+            <a:endParaRPr lang="en-US" sz="1400" b="1" dirty="0">
+              <a:latin typeface="Arial" panose="020B0604020202020204" pitchFamily="34" charset="0"/>
+              <a:cs typeface="Arial" panose="020B0604020202020204" pitchFamily="34" charset="0"/>
+            </a:endParaRPr>
+          </a:p>
+        </p:txBody>
+      </p:sp>
+      <p:sp>
+        <p:nvSpPr>
+          <p:cNvPr id="54" name="TextBox 53"/>
+          <p:cNvSpPr txBox="1"/>
+          <p:nvPr/>
+        </p:nvSpPr>
+        <p:spPr>
+          <a:xfrm>
+            <a:off x="6678270" y="1168985"/>
+            <a:ext cx="1994014" cy="851515"/>
+          </a:xfrm>
+          <a:prstGeom prst="rect">
+            <a:avLst/>
+          </a:prstGeom>
+          <a:noFill/>
+        </p:spPr>
+        <p:txBody>
+          <a:bodyPr wrap="square" rtlCol="0">
+            <a:spAutoFit/>
+          </a:bodyPr>
+          <a:lstStyle/>
+          <a:p>
+            <a:pPr>
+              <a:spcAft>
+                <a:spcPts val="100"/>
+              </a:spcAft>
+            </a:pPr>
+            <a:r>
+              <a:rPr lang="en-US" sz="1200" b="1" dirty="0">
+                <a:solidFill>
+                  <a:schemeClr val="bg2">
+                    <a:lumMod val="90000"/>
+                  </a:schemeClr>
+                </a:solidFill>
+                <a:latin typeface="Century Gothic" panose="020B0502020202020204" pitchFamily="34" charset="0"/>
+                <a:cs typeface="Arial" panose="020B0604020202020204" pitchFamily="34" charset="0"/>
+              </a:rPr>
+              <a:t>New Year’s Gym Rush</a:t>
+            </a:r>
+          </a:p>
+          <a:p>
+            <a:pPr>
+              <a:spcAft>
+                <a:spcPts val="200"/>
+              </a:spcAft>
+            </a:pPr>
+            <a:r>
+              <a:rPr lang="en-US" sz="1000" dirty="0">
+                <a:solidFill>
+                  <a:schemeClr val="bg2">
+                    <a:lumMod val="90000"/>
+                  </a:schemeClr>
+                </a:solidFill>
+                <a:latin typeface="Century Gothic" panose="020B0502020202020204" pitchFamily="34" charset="0"/>
+                <a:cs typeface="Arial" panose="020B0604020202020204" pitchFamily="34" charset="0"/>
+              </a:rPr>
+              <a:t>Jan 20, 2016</a:t>
+            </a:r>
+          </a:p>
+          <a:p>
+            <a:r>
+              <a:rPr lang="en-US" sz="800" i="1" dirty="0">
+                <a:solidFill>
+                  <a:schemeClr val="bg2">
+                    <a:lumMod val="90000"/>
+                  </a:schemeClr>
+                </a:solidFill>
+                <a:latin typeface="Century Gothic" panose="020B0502020202020204" pitchFamily="34" charset="0"/>
+                <a:cs typeface="Arial" panose="020B0604020202020204" pitchFamily="34" charset="0"/>
+              </a:rPr>
+              <a:t>Students flood to the gym in a futile attempt to fulfill their New Year’s goals</a:t>
+            </a:r>
+          </a:p>
+        </p:txBody>
+      </p:sp>
+      <p:cxnSp>
+        <p:nvCxnSpPr>
+          <p:cNvPr id="60" name="Straight Arrow Connector 59"/>
+          <p:cNvCxnSpPr>
+            <a:cxnSpLocks/>
+          </p:cNvCxnSpPr>
+          <p:nvPr/>
+        </p:nvCxnSpPr>
+        <p:spPr>
+          <a:xfrm flipH="1">
+            <a:off x="5741759" y="1433497"/>
+            <a:ext cx="974611" cy="33724"/>
+          </a:xfrm>
+          <a:prstGeom prst="straightConnector1">
+            <a:avLst/>
+          </a:prstGeom>
+          <a:ln>
+            <a:solidFill>
+              <a:schemeClr val="bg2"/>
+            </a:solidFill>
+            <a:tailEnd type="triangle"/>
+          </a:ln>
+        </p:spPr>
+        <p:style>
+          <a:lnRef idx="1">
+            <a:schemeClr val="accent1"/>
+          </a:lnRef>
+          <a:fillRef idx="0">
+            <a:schemeClr val="accent1"/>
+          </a:fillRef>
+          <a:effectRef idx="0">
+            <a:schemeClr val="accent1"/>
+          </a:effectRef>
+          <a:fontRef idx="minor">
+            <a:schemeClr val="tx1"/>
+          </a:fontRef>
+        </p:style>
+      </p:cxnSp>
+      <p:cxnSp>
+        <p:nvCxnSpPr>
+          <p:cNvPr id="61" name="Straight Arrow Connector 60"/>
+          <p:cNvCxnSpPr>
+            <a:cxnSpLocks/>
+          </p:cNvCxnSpPr>
+          <p:nvPr/>
+        </p:nvCxnSpPr>
+        <p:spPr>
+          <a:xfrm flipV="1">
+            <a:off x="4584700" y="4626041"/>
+            <a:ext cx="317272" cy="382366"/>
+          </a:xfrm>
+          <a:prstGeom prst="straightConnector1">
+            <a:avLst/>
+          </a:prstGeom>
+          <a:ln>
+            <a:solidFill>
+              <a:schemeClr val="bg2"/>
+            </a:solidFill>
+            <a:tailEnd type="triangle"/>
+          </a:ln>
+        </p:spPr>
+        <p:style>
+          <a:lnRef idx="1">
+            <a:schemeClr val="accent1"/>
+          </a:lnRef>
+          <a:fillRef idx="0">
+            <a:schemeClr val="accent1"/>
+          </a:fillRef>
+          <a:effectRef idx="0">
+            <a:schemeClr val="accent1"/>
+          </a:effectRef>
+          <a:fontRef idx="minor">
+            <a:schemeClr val="tx1"/>
+          </a:fontRef>
+        </p:style>
+      </p:cxnSp>
+      <p:sp>
+        <p:nvSpPr>
+          <p:cNvPr id="64" name="TextBox 63"/>
+          <p:cNvSpPr txBox="1"/>
+          <p:nvPr/>
+        </p:nvSpPr>
+        <p:spPr>
+          <a:xfrm>
+            <a:off x="968375" y="264531"/>
+            <a:ext cx="5178311" cy="461665"/>
+          </a:xfrm>
+          <a:prstGeom prst="rect">
+            <a:avLst/>
+          </a:prstGeom>
+          <a:noFill/>
+        </p:spPr>
+        <p:txBody>
+          <a:bodyPr wrap="square" rtlCol="0">
+            <a:spAutoFit/>
+          </a:bodyPr>
+          <a:lstStyle/>
+          <a:p>
+            <a:r>
+              <a:rPr lang="en-US" sz="2400" dirty="0">
+                <a:latin typeface="Futura-Normal" pitchFamily="2" charset="0"/>
+              </a:rPr>
+              <a:t>UC Berkeley 2015-16 Gym Attendance</a:t>
+            </a:r>
+          </a:p>
+        </p:txBody>
+      </p:sp>
+      <p:sp>
+        <p:nvSpPr>
+          <p:cNvPr id="65" name="TextBox 64"/>
+          <p:cNvSpPr txBox="1"/>
+          <p:nvPr/>
+        </p:nvSpPr>
+        <p:spPr>
+          <a:xfrm>
+            <a:off x="3539744" y="5008407"/>
+            <a:ext cx="1617448" cy="715581"/>
+          </a:xfrm>
+          <a:prstGeom prst="rect">
+            <a:avLst/>
+          </a:prstGeom>
+          <a:noFill/>
+        </p:spPr>
+        <p:txBody>
+          <a:bodyPr wrap="square" rtlCol="0">
+            <a:spAutoFit/>
+          </a:bodyPr>
+          <a:lstStyle/>
+          <a:p>
+            <a:pPr>
+              <a:spcAft>
+                <a:spcPts val="100"/>
+              </a:spcAft>
+            </a:pPr>
+            <a:r>
+              <a:rPr lang="en-US" sz="1200" b="1" dirty="0">
+                <a:solidFill>
+                  <a:schemeClr val="bg2">
+                    <a:lumMod val="90000"/>
+                  </a:schemeClr>
+                </a:solidFill>
+                <a:latin typeface="Century Gothic" panose="020B0502020202020204" pitchFamily="34" charset="0"/>
+                <a:cs typeface="Arial" panose="020B0604020202020204" pitchFamily="34" charset="0"/>
+              </a:rPr>
+              <a:t>Winter Break</a:t>
+            </a:r>
+          </a:p>
+          <a:p>
+            <a:pPr>
+              <a:spcAft>
+                <a:spcPts val="200"/>
+              </a:spcAft>
+            </a:pPr>
+            <a:r>
+              <a:rPr lang="en-US" sz="1000" dirty="0">
+                <a:solidFill>
+                  <a:schemeClr val="bg2">
+                    <a:lumMod val="90000"/>
+                  </a:schemeClr>
+                </a:solidFill>
+                <a:latin typeface="Century Gothic" panose="020B0502020202020204" pitchFamily="34" charset="0"/>
+                <a:cs typeface="Arial" panose="020B0604020202020204" pitchFamily="34" charset="0"/>
+              </a:rPr>
+              <a:t>Dec 19-Jan 19, 2015</a:t>
+            </a:r>
+          </a:p>
+          <a:p>
+            <a:r>
+              <a:rPr lang="en-US" sz="800" i="1" dirty="0">
+                <a:solidFill>
+                  <a:schemeClr val="bg2">
+                    <a:lumMod val="90000"/>
+                  </a:schemeClr>
+                </a:solidFill>
+                <a:latin typeface="Century Gothic" panose="020B0502020202020204" pitchFamily="34" charset="0"/>
+                <a:cs typeface="Arial" panose="020B0604020202020204" pitchFamily="34" charset="0"/>
+              </a:rPr>
+              <a:t>Most students head home for the winter holidays</a:t>
+            </a:r>
+          </a:p>
+        </p:txBody>
+      </p:sp>
+      <p:sp>
+        <p:nvSpPr>
+          <p:cNvPr id="66" name="TextBox 65"/>
+          <p:cNvSpPr txBox="1"/>
+          <p:nvPr/>
+        </p:nvSpPr>
+        <p:spPr>
+          <a:xfrm>
+            <a:off x="2023091" y="3516084"/>
+            <a:ext cx="1624984" cy="838691"/>
+          </a:xfrm>
+          <a:prstGeom prst="rect">
+            <a:avLst/>
+          </a:prstGeom>
+          <a:noFill/>
+        </p:spPr>
+        <p:txBody>
+          <a:bodyPr wrap="square" rtlCol="0">
+            <a:spAutoFit/>
+          </a:bodyPr>
+          <a:lstStyle/>
+          <a:p>
+            <a:pPr>
+              <a:spcAft>
+                <a:spcPts val="100"/>
+              </a:spcAft>
+            </a:pPr>
+            <a:r>
+              <a:rPr lang="en-US" sz="1200" b="1" dirty="0">
+                <a:solidFill>
+                  <a:schemeClr val="bg2">
+                    <a:lumMod val="90000"/>
+                  </a:schemeClr>
+                </a:solidFill>
+                <a:latin typeface="Century Gothic" panose="020B0502020202020204" pitchFamily="34" charset="0"/>
+                <a:cs typeface="Arial" panose="020B0604020202020204" pitchFamily="34" charset="0"/>
+              </a:rPr>
+              <a:t>Thanksgiving</a:t>
+            </a:r>
+          </a:p>
+          <a:p>
+            <a:pPr>
+              <a:spcAft>
+                <a:spcPts val="200"/>
+              </a:spcAft>
+            </a:pPr>
+            <a:r>
+              <a:rPr lang="en-US" sz="1000" dirty="0">
+                <a:solidFill>
+                  <a:schemeClr val="bg2">
+                    <a:lumMod val="90000"/>
+                  </a:schemeClr>
+                </a:solidFill>
+                <a:latin typeface="Century Gothic" panose="020B0502020202020204" pitchFamily="34" charset="0"/>
+                <a:cs typeface="Arial" panose="020B0604020202020204" pitchFamily="34" charset="0"/>
+              </a:rPr>
+              <a:t>Nov 26 2015</a:t>
+            </a:r>
+          </a:p>
+          <a:p>
+            <a:r>
+              <a:rPr lang="en-US" sz="800" i="1" dirty="0">
+                <a:solidFill>
+                  <a:schemeClr val="bg2">
+                    <a:lumMod val="90000"/>
+                  </a:schemeClr>
+                </a:solidFill>
+                <a:latin typeface="Century Gothic" panose="020B0502020202020204" pitchFamily="34" charset="0"/>
+                <a:cs typeface="Arial" panose="020B0604020202020204" pitchFamily="34" charset="0"/>
+              </a:rPr>
+              <a:t>Working out is optional when you’re filling up on turkey and mashed potatoes</a:t>
+            </a:r>
+          </a:p>
+        </p:txBody>
+      </p:sp>
+      <p:cxnSp>
+        <p:nvCxnSpPr>
+          <p:cNvPr id="67" name="Straight Arrow Connector 66"/>
+          <p:cNvCxnSpPr>
+            <a:cxnSpLocks/>
+          </p:cNvCxnSpPr>
+          <p:nvPr/>
+        </p:nvCxnSpPr>
+        <p:spPr>
+          <a:xfrm flipV="1">
+            <a:off x="3249384" y="3601809"/>
+            <a:ext cx="926306" cy="219076"/>
+          </a:xfrm>
+          <a:prstGeom prst="straightConnector1">
+            <a:avLst/>
+          </a:prstGeom>
+          <a:ln>
+            <a:solidFill>
+              <a:schemeClr val="bg2"/>
+            </a:solidFill>
+            <a:tailEnd type="triangle"/>
+          </a:ln>
+        </p:spPr>
+        <p:style>
+          <a:lnRef idx="1">
+            <a:schemeClr val="accent1"/>
+          </a:lnRef>
+          <a:fillRef idx="0">
+            <a:schemeClr val="accent1"/>
+          </a:fillRef>
+          <a:effectRef idx="0">
+            <a:schemeClr val="accent1"/>
+          </a:effectRef>
+          <a:fontRef idx="minor">
+            <a:schemeClr val="tx1"/>
+          </a:fontRef>
+        </p:style>
+      </p:cxnSp>
+      <p:sp>
+        <p:nvSpPr>
+          <p:cNvPr id="72" name="TextBox 71"/>
+          <p:cNvSpPr txBox="1"/>
+          <p:nvPr/>
+        </p:nvSpPr>
+        <p:spPr>
+          <a:xfrm>
+            <a:off x="5910722" y="5008407"/>
+            <a:ext cx="1535095" cy="592470"/>
+          </a:xfrm>
+          <a:prstGeom prst="rect">
+            <a:avLst/>
+          </a:prstGeom>
+          <a:noFill/>
+        </p:spPr>
+        <p:txBody>
+          <a:bodyPr wrap="square" rtlCol="0">
+            <a:spAutoFit/>
+          </a:bodyPr>
+          <a:lstStyle/>
+          <a:p>
+            <a:pPr>
+              <a:spcAft>
+                <a:spcPts val="100"/>
+              </a:spcAft>
+            </a:pPr>
+            <a:r>
+              <a:rPr lang="en-US" sz="1200" b="1" dirty="0">
+                <a:solidFill>
+                  <a:schemeClr val="bg2">
+                    <a:lumMod val="90000"/>
+                  </a:schemeClr>
+                </a:solidFill>
+                <a:latin typeface="Century Gothic" panose="020B0502020202020204" pitchFamily="34" charset="0"/>
+                <a:cs typeface="Arial" panose="020B0604020202020204" pitchFamily="34" charset="0"/>
+              </a:rPr>
+              <a:t>Spring Break</a:t>
+            </a:r>
+          </a:p>
+          <a:p>
+            <a:pPr>
+              <a:spcAft>
+                <a:spcPts val="200"/>
+              </a:spcAft>
+            </a:pPr>
+            <a:r>
+              <a:rPr lang="en-US" sz="1000" dirty="0">
+                <a:solidFill>
+                  <a:schemeClr val="bg2">
+                    <a:lumMod val="90000"/>
+                  </a:schemeClr>
+                </a:solidFill>
+                <a:latin typeface="Century Gothic" panose="020B0502020202020204" pitchFamily="34" charset="0"/>
+                <a:cs typeface="Arial" panose="020B0604020202020204" pitchFamily="34" charset="0"/>
+              </a:rPr>
+              <a:t>Mar 21-25, 2016</a:t>
+            </a:r>
+          </a:p>
+          <a:p>
+            <a:r>
+              <a:rPr lang="en-US" sz="800" i="1" dirty="0">
+                <a:solidFill>
+                  <a:schemeClr val="bg2">
+                    <a:lumMod val="90000"/>
+                  </a:schemeClr>
+                </a:solidFill>
+                <a:latin typeface="Century Gothic" panose="020B0502020202020204" pitchFamily="34" charset="0"/>
+                <a:cs typeface="Arial" panose="020B0604020202020204" pitchFamily="34" charset="0"/>
+              </a:rPr>
+              <a:t>Spring break! Party! Woo!</a:t>
+            </a:r>
+          </a:p>
+        </p:txBody>
+      </p:sp>
+      <p:cxnSp>
+        <p:nvCxnSpPr>
+          <p:cNvPr id="80" name="Straight Arrow Connector 79"/>
+          <p:cNvCxnSpPr>
+            <a:cxnSpLocks/>
+          </p:cNvCxnSpPr>
+          <p:nvPr/>
+        </p:nvCxnSpPr>
+        <p:spPr>
+          <a:xfrm flipV="1">
+            <a:off x="6934200" y="4354775"/>
+            <a:ext cx="400050" cy="653632"/>
+          </a:xfrm>
+          <a:prstGeom prst="straightConnector1">
+            <a:avLst/>
+          </a:prstGeom>
+          <a:ln>
+            <a:solidFill>
+              <a:schemeClr val="bg2"/>
+            </a:solidFill>
+            <a:tailEnd type="triangle"/>
+          </a:ln>
+        </p:spPr>
+        <p:style>
+          <a:lnRef idx="1">
+            <a:schemeClr val="accent1"/>
+          </a:lnRef>
+          <a:fillRef idx="0">
+            <a:schemeClr val="accent1"/>
+          </a:fillRef>
+          <a:effectRef idx="0">
+            <a:schemeClr val="accent1"/>
+          </a:effectRef>
+          <a:fontRef idx="minor">
+            <a:schemeClr val="tx1"/>
+          </a:fontRef>
+        </p:style>
+      </p:cxnSp>
+      <p:sp>
+        <p:nvSpPr>
+          <p:cNvPr id="85" name="TextBox 84"/>
+          <p:cNvSpPr txBox="1"/>
+          <p:nvPr/>
+        </p:nvSpPr>
+        <p:spPr>
+          <a:xfrm>
+            <a:off x="3103334" y="1105594"/>
+            <a:ext cx="1481366" cy="715581"/>
+          </a:xfrm>
+          <a:prstGeom prst="rect">
+            <a:avLst/>
+          </a:prstGeom>
+          <a:noFill/>
+        </p:spPr>
+        <p:txBody>
+          <a:bodyPr wrap="square" rtlCol="0">
+            <a:spAutoFit/>
+          </a:bodyPr>
+          <a:lstStyle/>
+          <a:p>
+            <a:pPr>
+              <a:spcAft>
+                <a:spcPts val="100"/>
+              </a:spcAft>
+            </a:pPr>
+            <a:r>
+              <a:rPr lang="en-US" sz="1200" b="1" dirty="0">
+                <a:solidFill>
+                  <a:schemeClr val="bg2">
+                    <a:lumMod val="90000"/>
+                  </a:schemeClr>
+                </a:solidFill>
+                <a:latin typeface="Century Gothic" panose="020B0502020202020204" pitchFamily="34" charset="0"/>
+                <a:cs typeface="Arial" panose="020B0604020202020204" pitchFamily="34" charset="0"/>
+              </a:rPr>
+              <a:t>School Begins</a:t>
+            </a:r>
+          </a:p>
+          <a:p>
+            <a:pPr>
+              <a:spcAft>
+                <a:spcPts val="200"/>
+              </a:spcAft>
+            </a:pPr>
+            <a:r>
+              <a:rPr lang="en-US" sz="1000" dirty="0">
+                <a:solidFill>
+                  <a:schemeClr val="bg2">
+                    <a:lumMod val="90000"/>
+                  </a:schemeClr>
+                </a:solidFill>
+                <a:latin typeface="Century Gothic" panose="020B0502020202020204" pitchFamily="34" charset="0"/>
+                <a:cs typeface="Arial" panose="020B0604020202020204" pitchFamily="34" charset="0"/>
+              </a:rPr>
+              <a:t>Aug 26, 2016</a:t>
+            </a:r>
+          </a:p>
+          <a:p>
+            <a:r>
+              <a:rPr lang="en-US" sz="800" i="1" dirty="0">
+                <a:solidFill>
+                  <a:schemeClr val="bg2">
+                    <a:lumMod val="90000"/>
+                  </a:schemeClr>
+                </a:solidFill>
+                <a:latin typeface="Century Gothic" panose="020B0502020202020204" pitchFamily="34" charset="0"/>
+                <a:cs typeface="Arial" panose="020B0604020202020204" pitchFamily="34" charset="0"/>
+              </a:rPr>
+              <a:t>Every freshman is in the gym until next week</a:t>
+            </a:r>
+          </a:p>
+        </p:txBody>
+      </p:sp>
+      <p:cxnSp>
+        <p:nvCxnSpPr>
+          <p:cNvPr id="86" name="Straight Arrow Connector 85"/>
+          <p:cNvCxnSpPr>
+            <a:cxnSpLocks/>
+          </p:cNvCxnSpPr>
+          <p:nvPr/>
+        </p:nvCxnSpPr>
+        <p:spPr>
+          <a:xfrm flipH="1">
+            <a:off x="2126456" y="1450359"/>
+            <a:ext cx="976878" cy="111741"/>
+          </a:xfrm>
+          <a:prstGeom prst="straightConnector1">
+            <a:avLst/>
+          </a:prstGeom>
+          <a:ln>
+            <a:solidFill>
+              <a:schemeClr val="bg2"/>
+            </a:solidFill>
+            <a:tailEnd type="triangle"/>
+          </a:ln>
+        </p:spPr>
+        <p:style>
+          <a:lnRef idx="1">
+            <a:schemeClr val="accent1"/>
+          </a:lnRef>
+          <a:fillRef idx="0">
+            <a:schemeClr val="accent1"/>
+          </a:fillRef>
+          <a:effectRef idx="0">
+            <a:schemeClr val="accent1"/>
+          </a:effectRef>
+          <a:fontRef idx="minor">
+            <a:schemeClr val="tx1"/>
+          </a:fontRef>
+        </p:style>
+      </p:cxnSp>
+      <p:sp>
+        <p:nvSpPr>
+          <p:cNvPr id="89" name="TextBox 88"/>
+          <p:cNvSpPr txBox="1"/>
+          <p:nvPr/>
+        </p:nvSpPr>
+        <p:spPr>
+          <a:xfrm>
+            <a:off x="9412888" y="2724000"/>
+            <a:ext cx="2040969" cy="715581"/>
+          </a:xfrm>
+          <a:prstGeom prst="rect">
+            <a:avLst/>
+          </a:prstGeom>
+          <a:noFill/>
+        </p:spPr>
+        <p:txBody>
+          <a:bodyPr wrap="square" rtlCol="0">
+            <a:spAutoFit/>
+          </a:bodyPr>
+          <a:lstStyle/>
+          <a:p>
+            <a:pPr>
+              <a:spcAft>
+                <a:spcPts val="100"/>
+              </a:spcAft>
+            </a:pPr>
+            <a:r>
+              <a:rPr lang="en-US" sz="1200" b="1" dirty="0">
+                <a:latin typeface="Century Gothic" panose="020B0502020202020204" pitchFamily="34" charset="0"/>
+                <a:cs typeface="Arial" panose="020B0604020202020204" pitchFamily="34" charset="0"/>
+              </a:rPr>
+              <a:t>Spring Commencement</a:t>
+            </a:r>
+          </a:p>
+          <a:p>
+            <a:pPr>
+              <a:spcAft>
+                <a:spcPts val="200"/>
+              </a:spcAft>
+            </a:pPr>
+            <a:r>
+              <a:rPr lang="en-US" sz="1000" dirty="0">
+                <a:latin typeface="Century Gothic" panose="020B0502020202020204" pitchFamily="34" charset="0"/>
+                <a:cs typeface="Arial" panose="020B0604020202020204" pitchFamily="34" charset="0"/>
+              </a:rPr>
+              <a:t>May 14, 2016</a:t>
+            </a:r>
+          </a:p>
+          <a:p>
+            <a:r>
+              <a:rPr lang="en-US" sz="800" i="1" dirty="0">
+                <a:latin typeface="Century Gothic" panose="020B0502020202020204" pitchFamily="34" charset="0"/>
+                <a:cs typeface="Arial" panose="020B0604020202020204" pitchFamily="34" charset="0"/>
+              </a:rPr>
+              <a:t>The gym becomes an empty wasteland until next year</a:t>
+            </a:r>
+          </a:p>
+        </p:txBody>
+      </p:sp>
+      <p:cxnSp>
+        <p:nvCxnSpPr>
+          <p:cNvPr id="92" name="Straight Arrow Connector 91"/>
+          <p:cNvCxnSpPr>
+            <a:cxnSpLocks/>
+          </p:cNvCxnSpPr>
+          <p:nvPr/>
+        </p:nvCxnSpPr>
+        <p:spPr>
+          <a:xfrm flipH="1">
+            <a:off x="8976220" y="3429000"/>
+            <a:ext cx="510681" cy="773884"/>
+          </a:xfrm>
+          <a:prstGeom prst="straightConnector1">
+            <a:avLst/>
+          </a:prstGeom>
+          <a:ln>
+            <a:tailEnd type="triangle"/>
+          </a:ln>
+        </p:spPr>
+        <p:style>
+          <a:lnRef idx="1">
+            <a:schemeClr val="accent1"/>
+          </a:lnRef>
+          <a:fillRef idx="0">
+            <a:schemeClr val="accent1"/>
+          </a:fillRef>
+          <a:effectRef idx="0">
+            <a:schemeClr val="accent1"/>
+          </a:effectRef>
+          <a:fontRef idx="minor">
+            <a:schemeClr val="tx1"/>
+          </a:fontRef>
+        </p:style>
+      </p:cxnSp>
+    </p:spTree>
+    <p:extLst>
+      <p:ext uri="{BB962C8B-B14F-4D97-AF65-F5344CB8AC3E}">
+        <p14:creationId xmlns:p14="http://schemas.microsoft.com/office/powerpoint/2010/main" val="3988067614"/>
+      </p:ext>
+    </p:extLst>
+  </p:cSld>
+  <p:clrMapOvr>
+    <a:masterClrMapping/>
+  </p:clrMapOvr>
+</p:sld>
+</file>
+
+<file path=ppt/slides/slide12.xml><?xml version="1.0" encoding="utf-8"?>
+<p:sld xmlns:a="http://schemas.openxmlformats.org/drawingml/2006/main" xmlns:r="http://schemas.openxmlformats.org/officeDocument/2006/relationships" xmlns:p="http://schemas.openxmlformats.org/presentationml/2006/main">
+  <p:cSld>
+    <p:spTree>
+      <p:nvGrpSpPr>
+        <p:cNvPr id="1" name=""/>
+        <p:cNvGrpSpPr/>
+        <p:nvPr/>
+      </p:nvGrpSpPr>
+      <p:grpSpPr>
+        <a:xfrm>
+          <a:off x="0" y="0"/>
+          <a:ext cx="0" cy="0"/>
+          <a:chOff x="0" y="0"/>
+          <a:chExt cx="0" cy="0"/>
+        </a:xfrm>
+      </p:grpSpPr>
+      <p:sp>
+        <p:nvSpPr>
+          <p:cNvPr id="49" name="TextBox 48"/>
+          <p:cNvSpPr txBox="1"/>
+          <p:nvPr/>
+        </p:nvSpPr>
+        <p:spPr>
+          <a:xfrm>
+            <a:off x="404480" y="2724000"/>
+            <a:ext cx="507831" cy="1410001"/>
+          </a:xfrm>
+          <a:prstGeom prst="rect">
+            <a:avLst/>
+          </a:prstGeom>
+          <a:noFill/>
+        </p:spPr>
+        <p:txBody>
+          <a:bodyPr vert="vert270" wrap="none" rtlCol="0">
+            <a:spAutoFit/>
+          </a:bodyPr>
+          <a:lstStyle/>
+          <a:p>
+            <a:pPr algn="ctr"/>
+            <a:r>
+              <a:rPr lang="en-US" sz="1200" b="1" dirty="0">
+                <a:latin typeface="Arial" panose="020B0604020202020204" pitchFamily="34" charset="0"/>
+                <a:cs typeface="Arial" panose="020B0604020202020204" pitchFamily="34" charset="0"/>
+              </a:rPr>
+              <a:t>Number of People</a:t>
+            </a:r>
+          </a:p>
+          <a:p>
+            <a:pPr algn="ctr"/>
+            <a:r>
+              <a:rPr lang="en-US" sz="900" dirty="0">
+                <a:latin typeface="Arial" panose="020B0604020202020204" pitchFamily="34" charset="0"/>
+                <a:cs typeface="Arial" panose="020B0604020202020204" pitchFamily="34" charset="0"/>
+              </a:rPr>
+              <a:t>(7-day Moving Average)</a:t>
+            </a:r>
+            <a:endParaRPr lang="en-US" sz="1400" dirty="0">
+              <a:latin typeface="Arial" panose="020B0604020202020204" pitchFamily="34" charset="0"/>
+              <a:cs typeface="Arial" panose="020B0604020202020204" pitchFamily="34" charset="0"/>
+            </a:endParaRPr>
+          </a:p>
+        </p:txBody>
+      </p:sp>
+      <p:pic>
+        <p:nvPicPr>
+          <p:cNvPr id="51" name="Picture 50"/>
+          <p:cNvPicPr>
+            <a:picLocks noChangeAspect="1"/>
+          </p:cNvPicPr>
+          <p:nvPr/>
+        </p:nvPicPr>
+        <p:blipFill rotWithShape="1">
+          <a:blip r:embed="rId2">
+            <a:extLst>
+              <a:ext uri="{28A0092B-C50C-407E-A947-70E740481C1C}">
+                <a14:useLocalDpi xmlns:a14="http://schemas.microsoft.com/office/drawing/2010/main" val="0"/>
+              </a:ext>
+            </a:extLst>
+          </a:blip>
+          <a:srcRect l="2222" t="3819" r="2086" b="3567"/>
+          <a:stretch/>
+        </p:blipFill>
+        <p:spPr>
+          <a:xfrm>
+            <a:off x="1055459" y="1072536"/>
+            <a:ext cx="10255250" cy="5293497"/>
+          </a:xfrm>
+          <a:prstGeom prst="rect">
+            <a:avLst/>
+          </a:prstGeom>
         </p:spPr>
       </p:pic>
       <p:sp>
@@ -3795,6 +5427,426 @@
 </file>
 
 <file path=ppt/slides/slide2.xml><?xml version="1.0" encoding="utf-8"?>
+<p:sld xmlns:a="http://schemas.openxmlformats.org/drawingml/2006/main" xmlns:r="http://schemas.openxmlformats.org/officeDocument/2006/relationships" xmlns:p="http://schemas.openxmlformats.org/presentationml/2006/main">
+  <p:cSld>
+    <p:spTree>
+      <p:nvGrpSpPr>
+        <p:cNvPr id="1" name=""/>
+        <p:cNvGrpSpPr/>
+        <p:nvPr/>
+      </p:nvGrpSpPr>
+      <p:grpSpPr>
+        <a:xfrm>
+          <a:off x="0" y="0"/>
+          <a:ext cx="0" cy="0"/>
+          <a:chOff x="0" y="0"/>
+          <a:chExt cx="0" cy="0"/>
+        </a:xfrm>
+      </p:grpSpPr>
+      <p:sp>
+        <p:nvSpPr>
+          <p:cNvPr id="4" name="Rectangle 3"/>
+          <p:cNvSpPr/>
+          <p:nvPr/>
+        </p:nvSpPr>
+        <p:spPr>
+          <a:xfrm>
+            <a:off x="0" y="0"/>
+            <a:ext cx="12192000" cy="404037"/>
+          </a:xfrm>
+          <a:prstGeom prst="rect">
+            <a:avLst/>
+          </a:prstGeom>
+          <a:solidFill>
+            <a:srgbClr val="003A70"/>
+          </a:solidFill>
+          <a:ln>
+            <a:noFill/>
+          </a:ln>
+        </p:spPr>
+        <p:style>
+          <a:lnRef idx="2">
+            <a:schemeClr val="accent1">
+              <a:shade val="50000"/>
+            </a:schemeClr>
+          </a:lnRef>
+          <a:fillRef idx="1">
+            <a:schemeClr val="accent1"/>
+          </a:fillRef>
+          <a:effectRef idx="0">
+            <a:schemeClr val="accent1"/>
+          </a:effectRef>
+          <a:fontRef idx="minor">
+            <a:schemeClr val="lt1"/>
+          </a:fontRef>
+        </p:style>
+        <p:txBody>
+          <a:bodyPr rtlCol="0" anchor="ctr"/>
+          <a:lstStyle/>
+          <a:p>
+            <a:pPr algn="ctr"/>
+            <a:endParaRPr lang="en-US"/>
+          </a:p>
+        </p:txBody>
+      </p:sp>
+      <p:pic>
+        <p:nvPicPr>
+          <p:cNvPr id="6146" name="Picture 2" descr="http://images.performgroup.com/di/library/sporting_news/87/2b/california-logo-ftr_1x0i0rlknnslu169pwm0od9x5l.jpg?t=1984411995"/>
+          <p:cNvPicPr>
+            <a:picLocks noChangeAspect="1" noChangeArrowheads="1"/>
+          </p:cNvPicPr>
+          <p:nvPr/>
+        </p:nvPicPr>
+        <p:blipFill>
+          <a:blip r:embed="rId2">
+            <a:extLst>
+              <a:ext uri="{28A0092B-C50C-407E-A947-70E740481C1C}">
+                <a14:useLocalDpi xmlns:a14="http://schemas.microsoft.com/office/drawing/2010/main" val="0"/>
+              </a:ext>
+            </a:extLst>
+          </a:blip>
+          <a:srcRect/>
+          <a:stretch>
+            <a:fillRect/>
+          </a:stretch>
+        </p:blipFill>
+        <p:spPr bwMode="auto">
+          <a:xfrm>
+            <a:off x="1263340" y="1603670"/>
+            <a:ext cx="4256854" cy="2390592"/>
+          </a:xfrm>
+          <a:prstGeom prst="rect">
+            <a:avLst/>
+          </a:prstGeom>
+          <a:noFill/>
+          <a:extLst>
+            <a:ext uri="{909E8E84-426E-40DD-AFC4-6F175D3DCCD1}">
+              <a14:hiddenFill xmlns:a14="http://schemas.microsoft.com/office/drawing/2010/main">
+                <a:solidFill>
+                  <a:srgbClr val="FFFFFF"/>
+                </a:solidFill>
+              </a14:hiddenFill>
+            </a:ext>
+          </a:extLst>
+        </p:spPr>
+      </p:pic>
+      <p:sp>
+        <p:nvSpPr>
+          <p:cNvPr id="5" name="TextBox 4"/>
+          <p:cNvSpPr txBox="1"/>
+          <p:nvPr/>
+        </p:nvSpPr>
+        <p:spPr>
+          <a:xfrm>
+            <a:off x="5380331" y="1626565"/>
+            <a:ext cx="4742615" cy="1015663"/>
+          </a:xfrm>
+          <a:prstGeom prst="rect">
+            <a:avLst/>
+          </a:prstGeom>
+          <a:noFill/>
+        </p:spPr>
+        <p:txBody>
+          <a:bodyPr wrap="square" rtlCol="0">
+            <a:spAutoFit/>
+          </a:bodyPr>
+          <a:lstStyle/>
+          <a:p>
+            <a:r>
+              <a:rPr lang="en-US" sz="6000" dirty="0">
+                <a:solidFill>
+                  <a:srgbClr val="003A70"/>
+                </a:solidFill>
+                <a:latin typeface="Proxima Nova Lt" panose="02000506030000020004" pitchFamily="50" charset="0"/>
+              </a:rPr>
+              <a:t>UC Berkeley</a:t>
+            </a:r>
+          </a:p>
+        </p:txBody>
+      </p:sp>
+      <p:sp>
+        <p:nvSpPr>
+          <p:cNvPr id="7" name="TextBox 6"/>
+          <p:cNvSpPr txBox="1"/>
+          <p:nvPr/>
+        </p:nvSpPr>
+        <p:spPr>
+          <a:xfrm>
+            <a:off x="5380331" y="2670823"/>
+            <a:ext cx="4366102" cy="1323439"/>
+          </a:xfrm>
+          <a:prstGeom prst="rect">
+            <a:avLst/>
+          </a:prstGeom>
+          <a:noFill/>
+        </p:spPr>
+        <p:txBody>
+          <a:bodyPr wrap="square" rtlCol="0">
+            <a:spAutoFit/>
+          </a:bodyPr>
+          <a:lstStyle/>
+          <a:p>
+            <a:r>
+              <a:rPr lang="en-US" sz="4000" dirty="0">
+                <a:solidFill>
+                  <a:srgbClr val="D19000"/>
+                </a:solidFill>
+                <a:latin typeface="Proxima Nova Lt" panose="02000506030000020004" pitchFamily="50" charset="0"/>
+              </a:rPr>
+              <a:t>Gym Attendance</a:t>
+            </a:r>
+          </a:p>
+          <a:p>
+            <a:r>
+              <a:rPr lang="en-US" sz="4000" dirty="0">
+                <a:solidFill>
+                  <a:srgbClr val="D19000"/>
+                </a:solidFill>
+                <a:latin typeface="Proxima Nova Lt" panose="02000506030000020004" pitchFamily="50" charset="0"/>
+              </a:rPr>
+              <a:t>Analysis</a:t>
+            </a:r>
+          </a:p>
+        </p:txBody>
+      </p:sp>
+      <p:cxnSp>
+        <p:nvCxnSpPr>
+          <p:cNvPr id="8" name="Straight Connector 7"/>
+          <p:cNvCxnSpPr>
+            <a:cxnSpLocks/>
+          </p:cNvCxnSpPr>
+          <p:nvPr/>
+        </p:nvCxnSpPr>
+        <p:spPr>
+          <a:xfrm>
+            <a:off x="1978782" y="4541223"/>
+            <a:ext cx="8234436" cy="0"/>
+          </a:xfrm>
+          <a:prstGeom prst="line">
+            <a:avLst/>
+          </a:prstGeom>
+          <a:ln w="25400">
+            <a:solidFill>
+              <a:srgbClr val="003A70"/>
+            </a:solidFill>
+          </a:ln>
+        </p:spPr>
+        <p:style>
+          <a:lnRef idx="1">
+            <a:schemeClr val="accent1"/>
+          </a:lnRef>
+          <a:fillRef idx="0">
+            <a:schemeClr val="accent1"/>
+          </a:fillRef>
+          <a:effectRef idx="0">
+            <a:schemeClr val="accent1"/>
+          </a:effectRef>
+          <a:fontRef idx="minor">
+            <a:schemeClr val="tx1"/>
+          </a:fontRef>
+        </p:style>
+      </p:cxnSp>
+      <p:sp>
+        <p:nvSpPr>
+          <p:cNvPr id="10" name="TextBox 9"/>
+          <p:cNvSpPr txBox="1"/>
+          <p:nvPr/>
+        </p:nvSpPr>
+        <p:spPr>
+          <a:xfrm>
+            <a:off x="5151120" y="5565052"/>
+            <a:ext cx="1889760" cy="338554"/>
+          </a:xfrm>
+          <a:prstGeom prst="rect">
+            <a:avLst/>
+          </a:prstGeom>
+          <a:noFill/>
+        </p:spPr>
+        <p:txBody>
+          <a:bodyPr wrap="square" rtlCol="0">
+            <a:spAutoFit/>
+          </a:bodyPr>
+          <a:lstStyle/>
+          <a:p>
+            <a:pPr algn="ctr"/>
+            <a:r>
+              <a:rPr lang="en-US" sz="1600" dirty="0">
+                <a:solidFill>
+                  <a:schemeClr val="tx1">
+                    <a:lumMod val="85000"/>
+                    <a:lumOff val="15000"/>
+                  </a:schemeClr>
+                </a:solidFill>
+                <a:latin typeface="Proxima Nova Lt" panose="02000506030000020004" pitchFamily="50" charset="0"/>
+              </a:rPr>
+              <a:t>April 2017</a:t>
+            </a:r>
+          </a:p>
+        </p:txBody>
+      </p:sp>
+      <p:sp>
+        <p:nvSpPr>
+          <p:cNvPr id="12" name="TextBox 11"/>
+          <p:cNvSpPr txBox="1"/>
+          <p:nvPr/>
+        </p:nvSpPr>
+        <p:spPr>
+          <a:xfrm>
+            <a:off x="5227310" y="5103387"/>
+            <a:ext cx="1737381" cy="461665"/>
+          </a:xfrm>
+          <a:prstGeom prst="rect">
+            <a:avLst/>
+          </a:prstGeom>
+          <a:noFill/>
+        </p:spPr>
+        <p:txBody>
+          <a:bodyPr wrap="square" rtlCol="0">
+            <a:spAutoFit/>
+          </a:bodyPr>
+          <a:lstStyle/>
+          <a:p>
+            <a:pPr algn="ctr"/>
+            <a:r>
+              <a:rPr lang="en-US" sz="2400" dirty="0">
+                <a:solidFill>
+                  <a:schemeClr val="tx1">
+                    <a:lumMod val="85000"/>
+                    <a:lumOff val="15000"/>
+                  </a:schemeClr>
+                </a:solidFill>
+                <a:latin typeface="Proxima Nova Lt" panose="02000506030000020004" pitchFamily="50" charset="0"/>
+              </a:rPr>
+              <a:t>Jeff Ernst</a:t>
+            </a:r>
+          </a:p>
+        </p:txBody>
+      </p:sp>
+    </p:spTree>
+    <p:extLst>
+      <p:ext uri="{BB962C8B-B14F-4D97-AF65-F5344CB8AC3E}">
+        <p14:creationId xmlns:p14="http://schemas.microsoft.com/office/powerpoint/2010/main" val="285097410"/>
+      </p:ext>
+    </p:extLst>
+  </p:cSld>
+  <p:clrMapOvr>
+    <a:masterClrMapping/>
+  </p:clrMapOvr>
+</p:sld>
+</file>
+
+<file path=ppt/slides/slide3.xml><?xml version="1.0" encoding="utf-8"?>
+<p:sld xmlns:a="http://schemas.openxmlformats.org/drawingml/2006/main" xmlns:r="http://schemas.openxmlformats.org/officeDocument/2006/relationships" xmlns:p="http://schemas.openxmlformats.org/presentationml/2006/main">
+  <p:cSld>
+    <p:spTree>
+      <p:nvGrpSpPr>
+        <p:cNvPr id="1" name=""/>
+        <p:cNvGrpSpPr/>
+        <p:nvPr/>
+      </p:nvGrpSpPr>
+      <p:grpSpPr>
+        <a:xfrm>
+          <a:off x="0" y="0"/>
+          <a:ext cx="0" cy="0"/>
+          <a:chOff x="0" y="0"/>
+          <a:chExt cx="0" cy="0"/>
+        </a:xfrm>
+      </p:grpSpPr>
+      <p:sp>
+        <p:nvSpPr>
+          <p:cNvPr id="5" name="Rectangle 4"/>
+          <p:cNvSpPr/>
+          <p:nvPr/>
+        </p:nvSpPr>
+        <p:spPr>
+          <a:xfrm>
+            <a:off x="0" y="0"/>
+            <a:ext cx="12192000" cy="897622"/>
+          </a:xfrm>
+          <a:prstGeom prst="rect">
+            <a:avLst/>
+          </a:prstGeom>
+          <a:solidFill>
+            <a:srgbClr val="003A70"/>
+          </a:solidFill>
+          <a:ln>
+            <a:noFill/>
+          </a:ln>
+        </p:spPr>
+        <p:style>
+          <a:lnRef idx="2">
+            <a:schemeClr val="accent1">
+              <a:shade val="50000"/>
+            </a:schemeClr>
+          </a:lnRef>
+          <a:fillRef idx="1">
+            <a:schemeClr val="accent1"/>
+          </a:fillRef>
+          <a:effectRef idx="0">
+            <a:schemeClr val="accent1"/>
+          </a:effectRef>
+          <a:fontRef idx="minor">
+            <a:schemeClr val="lt1"/>
+          </a:fontRef>
+        </p:style>
+        <p:txBody>
+          <a:bodyPr rtlCol="0" anchor="ctr"/>
+          <a:lstStyle/>
+          <a:p>
+            <a:pPr algn="ctr"/>
+            <a:endParaRPr lang="en-US"/>
+          </a:p>
+        </p:txBody>
+      </p:sp>
+      <p:sp>
+        <p:nvSpPr>
+          <p:cNvPr id="4" name="TextBox 3"/>
+          <p:cNvSpPr txBox="1"/>
+          <p:nvPr/>
+        </p:nvSpPr>
+        <p:spPr>
+          <a:xfrm>
+            <a:off x="351563" y="125645"/>
+            <a:ext cx="7166837" cy="646331"/>
+          </a:xfrm>
+          <a:prstGeom prst="rect">
+            <a:avLst/>
+          </a:prstGeom>
+          <a:noFill/>
+        </p:spPr>
+        <p:txBody>
+          <a:bodyPr wrap="square" rtlCol="0">
+            <a:spAutoFit/>
+          </a:bodyPr>
+          <a:lstStyle/>
+          <a:p>
+            <a:r>
+              <a:rPr lang="en-US" sz="3600" dirty="0">
+                <a:solidFill>
+                  <a:schemeClr val="bg1"/>
+                </a:solidFill>
+                <a:latin typeface="Proxima Nova Lt" panose="02000506030000020004" pitchFamily="50" charset="0"/>
+                <a:ea typeface="Karla" pitchFamily="2" charset="0"/>
+              </a:rPr>
+              <a:t>Analysis Goals</a:t>
+            </a:r>
+          </a:p>
+        </p:txBody>
+      </p:sp>
+    </p:spTree>
+    <p:extLst>
+      <p:ext uri="{BB962C8B-B14F-4D97-AF65-F5344CB8AC3E}">
+        <p14:creationId xmlns:p14="http://schemas.microsoft.com/office/powerpoint/2010/main" val="2803589908"/>
+      </p:ext>
+    </p:extLst>
+  </p:cSld>
+  <p:clrMapOvr>
+    <a:masterClrMapping/>
+  </p:clrMapOvr>
+</p:sld>
+</file>
+
+<file path=ppt/slides/slide4.xml><?xml version="1.0" encoding="utf-8"?>
 <p:sld xmlns:a="http://schemas.openxmlformats.org/drawingml/2006/main" xmlns:r="http://schemas.openxmlformats.org/officeDocument/2006/relationships" xmlns:p="http://schemas.openxmlformats.org/presentationml/2006/main">
   <p:cSld>
     <p:spTree>
@@ -6554,7 +8606,7 @@
 </p:sld>
 </file>
 
-<file path=ppt/slides/slide3.xml><?xml version="1.0" encoding="utf-8"?>
+<file path=ppt/slides/slide5.xml><?xml version="1.0" encoding="utf-8"?>
 <p:sld xmlns:a="http://schemas.openxmlformats.org/drawingml/2006/main" xmlns:r="http://schemas.openxmlformats.org/officeDocument/2006/relationships" xmlns:p="http://schemas.openxmlformats.org/presentationml/2006/main">
   <p:cSld>
     <p:spTree>
@@ -6727,7 +8779,7 @@
 </p:sld>
 </file>
 
-<file path=ppt/slides/slide4.xml><?xml version="1.0" encoding="utf-8"?>
+<file path=ppt/slides/slide6.xml><?xml version="1.0" encoding="utf-8"?>
 <p:sld xmlns:a="http://schemas.openxmlformats.org/drawingml/2006/main" xmlns:r="http://schemas.openxmlformats.org/officeDocument/2006/relationships" xmlns:p="http://schemas.openxmlformats.org/presentationml/2006/main">
   <p:cSld>
     <p:bg>
@@ -7005,884 +9057,6 @@
 </p:sld>
 </file>
 
-<file path=ppt/slides/slide5.xml><?xml version="1.0" encoding="utf-8"?>
-<p:sld xmlns:a="http://schemas.openxmlformats.org/drawingml/2006/main" xmlns:r="http://schemas.openxmlformats.org/officeDocument/2006/relationships" xmlns:p="http://schemas.openxmlformats.org/presentationml/2006/main">
-  <p:cSld>
-    <p:spTree>
-      <p:nvGrpSpPr>
-        <p:cNvPr id="1" name=""/>
-        <p:cNvGrpSpPr/>
-        <p:nvPr/>
-      </p:nvGrpSpPr>
-      <p:grpSpPr>
-        <a:xfrm>
-          <a:off x="0" y="0"/>
-          <a:ext cx="0" cy="0"/>
-          <a:chOff x="0" y="0"/>
-          <a:chExt cx="0" cy="0"/>
-        </a:xfrm>
-      </p:grpSpPr>
-      <p:sp>
-        <p:nvSpPr>
-          <p:cNvPr id="49" name="TextBox 48"/>
-          <p:cNvSpPr txBox="1"/>
-          <p:nvPr/>
-        </p:nvSpPr>
-        <p:spPr>
-          <a:xfrm>
-            <a:off x="404480" y="2724000"/>
-            <a:ext cx="507831" cy="1410001"/>
-          </a:xfrm>
-          <a:prstGeom prst="rect">
-            <a:avLst/>
-          </a:prstGeom>
-          <a:noFill/>
-        </p:spPr>
-        <p:txBody>
-          <a:bodyPr vert="vert270" wrap="none" rtlCol="0">
-            <a:spAutoFit/>
-          </a:bodyPr>
-          <a:lstStyle/>
-          <a:p>
-            <a:pPr algn="ctr"/>
-            <a:r>
-              <a:rPr lang="en-US" sz="1200" b="1" dirty="0">
-                <a:latin typeface="Arial" panose="020B0604020202020204" pitchFamily="34" charset="0"/>
-                <a:cs typeface="Arial" panose="020B0604020202020204" pitchFamily="34" charset="0"/>
-              </a:rPr>
-              <a:t>Number of People</a:t>
-            </a:r>
-          </a:p>
-          <a:p>
-            <a:pPr algn="ctr"/>
-            <a:r>
-              <a:rPr lang="en-US" sz="900" dirty="0">
-                <a:latin typeface="Arial" panose="020B0604020202020204" pitchFamily="34" charset="0"/>
-                <a:cs typeface="Arial" panose="020B0604020202020204" pitchFamily="34" charset="0"/>
-              </a:rPr>
-              <a:t>(7-day Moving Average)</a:t>
-            </a:r>
-            <a:endParaRPr lang="en-US" sz="1400" dirty="0">
-              <a:latin typeface="Arial" panose="020B0604020202020204" pitchFamily="34" charset="0"/>
-              <a:cs typeface="Arial" panose="020B0604020202020204" pitchFamily="34" charset="0"/>
-            </a:endParaRPr>
-          </a:p>
-        </p:txBody>
-      </p:sp>
-      <p:pic>
-        <p:nvPicPr>
-          <p:cNvPr id="51" name="Picture 50"/>
-          <p:cNvPicPr>
-            <a:picLocks noChangeAspect="1"/>
-          </p:cNvPicPr>
-          <p:nvPr/>
-        </p:nvPicPr>
-        <p:blipFill rotWithShape="1">
-          <a:blip r:embed="rId2">
-            <a:extLst>
-              <a:ext uri="{28A0092B-C50C-407E-A947-70E740481C1C}">
-                <a14:useLocalDpi xmlns:a14="http://schemas.microsoft.com/office/drawing/2010/main" val="0"/>
-              </a:ext>
-            </a:extLst>
-          </a:blip>
-          <a:srcRect l="2222" t="3819" r="2086" b="3567"/>
-          <a:stretch/>
-        </p:blipFill>
-        <p:spPr>
-          <a:xfrm>
-            <a:off x="1055459" y="1072536"/>
-            <a:ext cx="10255250" cy="5293497"/>
-          </a:xfrm>
-          <a:prstGeom prst="rect">
-            <a:avLst/>
-          </a:prstGeom>
-        </p:spPr>
-      </p:pic>
-      <p:sp>
-        <p:nvSpPr>
-          <p:cNvPr id="53" name="TextBox 52"/>
-          <p:cNvSpPr txBox="1"/>
-          <p:nvPr/>
-        </p:nvSpPr>
-        <p:spPr>
-          <a:xfrm>
-            <a:off x="5823050" y="6411684"/>
-            <a:ext cx="647934" cy="276999"/>
-          </a:xfrm>
-          <a:prstGeom prst="rect">
-            <a:avLst/>
-          </a:prstGeom>
-          <a:noFill/>
-        </p:spPr>
-        <p:txBody>
-          <a:bodyPr wrap="none" rtlCol="0">
-            <a:spAutoFit/>
-          </a:bodyPr>
-          <a:lstStyle/>
-          <a:p>
-            <a:r>
-              <a:rPr lang="en-US" sz="1200" b="1" dirty="0">
-                <a:latin typeface="Arial" panose="020B0604020202020204" pitchFamily="34" charset="0"/>
-                <a:cs typeface="Arial" panose="020B0604020202020204" pitchFamily="34" charset="0"/>
-              </a:rPr>
-              <a:t>Month</a:t>
-            </a:r>
-            <a:endParaRPr lang="en-US" sz="1400" b="1" dirty="0">
-              <a:latin typeface="Arial" panose="020B0604020202020204" pitchFamily="34" charset="0"/>
-              <a:cs typeface="Arial" panose="020B0604020202020204" pitchFamily="34" charset="0"/>
-            </a:endParaRPr>
-          </a:p>
-        </p:txBody>
-      </p:sp>
-      <p:sp>
-        <p:nvSpPr>
-          <p:cNvPr id="64" name="TextBox 63"/>
-          <p:cNvSpPr txBox="1"/>
-          <p:nvPr/>
-        </p:nvSpPr>
-        <p:spPr>
-          <a:xfrm>
-            <a:off x="968375" y="264531"/>
-            <a:ext cx="5178311" cy="461665"/>
-          </a:xfrm>
-          <a:prstGeom prst="rect">
-            <a:avLst/>
-          </a:prstGeom>
-          <a:noFill/>
-        </p:spPr>
-        <p:txBody>
-          <a:bodyPr wrap="square" rtlCol="0">
-            <a:spAutoFit/>
-          </a:bodyPr>
-          <a:lstStyle/>
-          <a:p>
-            <a:r>
-              <a:rPr lang="en-US" sz="2400" dirty="0">
-                <a:latin typeface="Futura-Normal" pitchFamily="2" charset="0"/>
-              </a:rPr>
-              <a:t>UC Berkeley 2015-16 Gym Attendance</a:t>
-            </a:r>
-          </a:p>
-        </p:txBody>
-      </p:sp>
-      <p:sp>
-        <p:nvSpPr>
-          <p:cNvPr id="66" name="TextBox 65"/>
-          <p:cNvSpPr txBox="1"/>
-          <p:nvPr/>
-        </p:nvSpPr>
-        <p:spPr>
-          <a:xfrm>
-            <a:off x="2023091" y="3516084"/>
-            <a:ext cx="1621523" cy="838691"/>
-          </a:xfrm>
-          <a:prstGeom prst="rect">
-            <a:avLst/>
-          </a:prstGeom>
-          <a:noFill/>
-        </p:spPr>
-        <p:txBody>
-          <a:bodyPr wrap="square" rtlCol="0">
-            <a:spAutoFit/>
-          </a:bodyPr>
-          <a:lstStyle/>
-          <a:p>
-            <a:pPr>
-              <a:spcAft>
-                <a:spcPts val="100"/>
-              </a:spcAft>
-            </a:pPr>
-            <a:r>
-              <a:rPr lang="en-US" sz="1200" b="1" dirty="0">
-                <a:latin typeface="Century Gothic" panose="020B0502020202020204" pitchFamily="34" charset="0"/>
-                <a:cs typeface="Arial" panose="020B0604020202020204" pitchFamily="34" charset="0"/>
-              </a:rPr>
-              <a:t>Thanksgiving</a:t>
-            </a:r>
-          </a:p>
-          <a:p>
-            <a:pPr>
-              <a:spcAft>
-                <a:spcPts val="200"/>
-              </a:spcAft>
-            </a:pPr>
-            <a:r>
-              <a:rPr lang="en-US" sz="1000" dirty="0">
-                <a:latin typeface="Century Gothic" panose="020B0502020202020204" pitchFamily="34" charset="0"/>
-                <a:cs typeface="Arial" panose="020B0604020202020204" pitchFamily="34" charset="0"/>
-              </a:rPr>
-              <a:t>Nov 26 2015</a:t>
-            </a:r>
-          </a:p>
-          <a:p>
-            <a:r>
-              <a:rPr lang="en-US" sz="800" i="1" dirty="0">
-                <a:latin typeface="Century Gothic" panose="020B0502020202020204" pitchFamily="34" charset="0"/>
-                <a:cs typeface="Arial" panose="020B0604020202020204" pitchFamily="34" charset="0"/>
-              </a:rPr>
-              <a:t>Working out is optional when you’re filling up on turkey and mashed potatoes</a:t>
-            </a:r>
-          </a:p>
-        </p:txBody>
-      </p:sp>
-      <p:cxnSp>
-        <p:nvCxnSpPr>
-          <p:cNvPr id="67" name="Straight Arrow Connector 66"/>
-          <p:cNvCxnSpPr>
-            <a:cxnSpLocks/>
-          </p:cNvCxnSpPr>
-          <p:nvPr/>
-        </p:nvCxnSpPr>
-        <p:spPr>
-          <a:xfrm flipV="1">
-            <a:off x="3249384" y="3601809"/>
-            <a:ext cx="926306" cy="219076"/>
-          </a:xfrm>
-          <a:prstGeom prst="straightConnector1">
-            <a:avLst/>
-          </a:prstGeom>
-          <a:ln>
-            <a:tailEnd type="triangle"/>
-          </a:ln>
-        </p:spPr>
-        <p:style>
-          <a:lnRef idx="1">
-            <a:schemeClr val="accent1"/>
-          </a:lnRef>
-          <a:fillRef idx="0">
-            <a:schemeClr val="accent1"/>
-          </a:fillRef>
-          <a:effectRef idx="0">
-            <a:schemeClr val="accent1"/>
-          </a:effectRef>
-          <a:fontRef idx="minor">
-            <a:schemeClr val="tx1"/>
-          </a:fontRef>
-        </p:style>
-      </p:cxnSp>
-      <p:sp>
-        <p:nvSpPr>
-          <p:cNvPr id="85" name="TextBox 84"/>
-          <p:cNvSpPr txBox="1"/>
-          <p:nvPr/>
-        </p:nvSpPr>
-        <p:spPr>
-          <a:xfrm>
-            <a:off x="3103334" y="1105594"/>
-            <a:ext cx="1481366" cy="715581"/>
-          </a:xfrm>
-          <a:prstGeom prst="rect">
-            <a:avLst/>
-          </a:prstGeom>
-          <a:noFill/>
-          <a:ln>
-            <a:noFill/>
-          </a:ln>
-        </p:spPr>
-        <p:txBody>
-          <a:bodyPr wrap="square" rtlCol="0">
-            <a:spAutoFit/>
-          </a:bodyPr>
-          <a:lstStyle/>
-          <a:p>
-            <a:pPr>
-              <a:spcAft>
-                <a:spcPts val="100"/>
-              </a:spcAft>
-            </a:pPr>
-            <a:r>
-              <a:rPr lang="en-US" sz="1200" b="1" dirty="0">
-                <a:solidFill>
-                  <a:schemeClr val="bg2">
-                    <a:lumMod val="90000"/>
-                  </a:schemeClr>
-                </a:solidFill>
-                <a:latin typeface="Century Gothic" panose="020B0502020202020204" pitchFamily="34" charset="0"/>
-                <a:cs typeface="Arial" panose="020B0604020202020204" pitchFamily="34" charset="0"/>
-              </a:rPr>
-              <a:t>School Begins</a:t>
-            </a:r>
-          </a:p>
-          <a:p>
-            <a:pPr>
-              <a:spcAft>
-                <a:spcPts val="200"/>
-              </a:spcAft>
-            </a:pPr>
-            <a:r>
-              <a:rPr lang="en-US" sz="1000" dirty="0">
-                <a:solidFill>
-                  <a:schemeClr val="bg2">
-                    <a:lumMod val="90000"/>
-                  </a:schemeClr>
-                </a:solidFill>
-                <a:latin typeface="Century Gothic" panose="020B0502020202020204" pitchFamily="34" charset="0"/>
-                <a:cs typeface="Arial" panose="020B0604020202020204" pitchFamily="34" charset="0"/>
-              </a:rPr>
-              <a:t>Aug 26, 2016</a:t>
-            </a:r>
-          </a:p>
-          <a:p>
-            <a:r>
-              <a:rPr lang="en-US" sz="800" i="1" dirty="0">
-                <a:solidFill>
-                  <a:schemeClr val="bg2">
-                    <a:lumMod val="90000"/>
-                  </a:schemeClr>
-                </a:solidFill>
-                <a:latin typeface="Century Gothic" panose="020B0502020202020204" pitchFamily="34" charset="0"/>
-                <a:cs typeface="Arial" panose="020B0604020202020204" pitchFamily="34" charset="0"/>
-              </a:rPr>
-              <a:t>Every freshman is in the gym until next week</a:t>
-            </a:r>
-          </a:p>
-        </p:txBody>
-      </p:sp>
-      <p:cxnSp>
-        <p:nvCxnSpPr>
-          <p:cNvPr id="86" name="Straight Arrow Connector 85"/>
-          <p:cNvCxnSpPr>
-            <a:cxnSpLocks/>
-          </p:cNvCxnSpPr>
-          <p:nvPr/>
-        </p:nvCxnSpPr>
-        <p:spPr>
-          <a:xfrm flipH="1">
-            <a:off x="2126456" y="1450359"/>
-            <a:ext cx="976878" cy="111741"/>
-          </a:xfrm>
-          <a:prstGeom prst="straightConnector1">
-            <a:avLst/>
-          </a:prstGeom>
-          <a:ln>
-            <a:solidFill>
-              <a:schemeClr val="bg2"/>
-            </a:solidFill>
-            <a:tailEnd type="triangle"/>
-          </a:ln>
-        </p:spPr>
-        <p:style>
-          <a:lnRef idx="1">
-            <a:schemeClr val="accent1"/>
-          </a:lnRef>
-          <a:fillRef idx="0">
-            <a:schemeClr val="accent1"/>
-          </a:fillRef>
-          <a:effectRef idx="0">
-            <a:schemeClr val="accent1"/>
-          </a:effectRef>
-          <a:fontRef idx="minor">
-            <a:schemeClr val="tx1"/>
-          </a:fontRef>
-        </p:style>
-      </p:cxnSp>
-    </p:spTree>
-    <p:extLst>
-      <p:ext uri="{BB962C8B-B14F-4D97-AF65-F5344CB8AC3E}">
-        <p14:creationId xmlns:p14="http://schemas.microsoft.com/office/powerpoint/2010/main" val="1840922421"/>
-      </p:ext>
-    </p:extLst>
-  </p:cSld>
-  <p:clrMapOvr>
-    <a:masterClrMapping/>
-  </p:clrMapOvr>
-</p:sld>
-</file>
-
-<file path=ppt/slides/slide6.xml><?xml version="1.0" encoding="utf-8"?>
-<p:sld xmlns:a="http://schemas.openxmlformats.org/drawingml/2006/main" xmlns:r="http://schemas.openxmlformats.org/officeDocument/2006/relationships" xmlns:p="http://schemas.openxmlformats.org/presentationml/2006/main">
-  <p:cSld>
-    <p:spTree>
-      <p:nvGrpSpPr>
-        <p:cNvPr id="1" name=""/>
-        <p:cNvGrpSpPr/>
-        <p:nvPr/>
-      </p:nvGrpSpPr>
-      <p:grpSpPr>
-        <a:xfrm>
-          <a:off x="0" y="0"/>
-          <a:ext cx="0" cy="0"/>
-          <a:chOff x="0" y="0"/>
-          <a:chExt cx="0" cy="0"/>
-        </a:xfrm>
-      </p:grpSpPr>
-      <p:sp>
-        <p:nvSpPr>
-          <p:cNvPr id="49" name="TextBox 48"/>
-          <p:cNvSpPr txBox="1"/>
-          <p:nvPr/>
-        </p:nvSpPr>
-        <p:spPr>
-          <a:xfrm>
-            <a:off x="404480" y="2724000"/>
-            <a:ext cx="507831" cy="1410001"/>
-          </a:xfrm>
-          <a:prstGeom prst="rect">
-            <a:avLst/>
-          </a:prstGeom>
-          <a:noFill/>
-        </p:spPr>
-        <p:txBody>
-          <a:bodyPr vert="vert270" wrap="none" rtlCol="0">
-            <a:spAutoFit/>
-          </a:bodyPr>
-          <a:lstStyle/>
-          <a:p>
-            <a:pPr algn="ctr"/>
-            <a:r>
-              <a:rPr lang="en-US" sz="1200" b="1" dirty="0">
-                <a:latin typeface="Arial" panose="020B0604020202020204" pitchFamily="34" charset="0"/>
-                <a:cs typeface="Arial" panose="020B0604020202020204" pitchFamily="34" charset="0"/>
-              </a:rPr>
-              <a:t>Number of People</a:t>
-            </a:r>
-          </a:p>
-          <a:p>
-            <a:pPr algn="ctr"/>
-            <a:r>
-              <a:rPr lang="en-US" sz="900" dirty="0">
-                <a:latin typeface="Arial" panose="020B0604020202020204" pitchFamily="34" charset="0"/>
-                <a:cs typeface="Arial" panose="020B0604020202020204" pitchFamily="34" charset="0"/>
-              </a:rPr>
-              <a:t>(7-day Moving Average)</a:t>
-            </a:r>
-            <a:endParaRPr lang="en-US" sz="1400" dirty="0">
-              <a:latin typeface="Arial" panose="020B0604020202020204" pitchFamily="34" charset="0"/>
-              <a:cs typeface="Arial" panose="020B0604020202020204" pitchFamily="34" charset="0"/>
-            </a:endParaRPr>
-          </a:p>
-        </p:txBody>
-      </p:sp>
-      <p:pic>
-        <p:nvPicPr>
-          <p:cNvPr id="51" name="Picture 50"/>
-          <p:cNvPicPr>
-            <a:picLocks noChangeAspect="1"/>
-          </p:cNvPicPr>
-          <p:nvPr/>
-        </p:nvPicPr>
-        <p:blipFill rotWithShape="1">
-          <a:blip r:embed="rId2">
-            <a:extLst>
-              <a:ext uri="{28A0092B-C50C-407E-A947-70E740481C1C}">
-                <a14:useLocalDpi xmlns:a14="http://schemas.microsoft.com/office/drawing/2010/main" val="0"/>
-              </a:ext>
-            </a:extLst>
-          </a:blip>
-          <a:srcRect l="2222" t="3819" r="2086" b="3567"/>
-          <a:stretch/>
-        </p:blipFill>
-        <p:spPr>
-          <a:xfrm>
-            <a:off x="1055459" y="1072536"/>
-            <a:ext cx="10255250" cy="5293497"/>
-          </a:xfrm>
-          <a:prstGeom prst="rect">
-            <a:avLst/>
-          </a:prstGeom>
-        </p:spPr>
-      </p:pic>
-      <p:sp>
-        <p:nvSpPr>
-          <p:cNvPr id="53" name="TextBox 52"/>
-          <p:cNvSpPr txBox="1"/>
-          <p:nvPr/>
-        </p:nvSpPr>
-        <p:spPr>
-          <a:xfrm>
-            <a:off x="5823050" y="6411684"/>
-            <a:ext cx="647934" cy="276999"/>
-          </a:xfrm>
-          <a:prstGeom prst="rect">
-            <a:avLst/>
-          </a:prstGeom>
-          <a:noFill/>
-        </p:spPr>
-        <p:txBody>
-          <a:bodyPr wrap="none" rtlCol="0">
-            <a:spAutoFit/>
-          </a:bodyPr>
-          <a:lstStyle/>
-          <a:p>
-            <a:r>
-              <a:rPr lang="en-US" sz="1200" b="1" dirty="0">
-                <a:latin typeface="Arial" panose="020B0604020202020204" pitchFamily="34" charset="0"/>
-                <a:cs typeface="Arial" panose="020B0604020202020204" pitchFamily="34" charset="0"/>
-              </a:rPr>
-              <a:t>Month</a:t>
-            </a:r>
-            <a:endParaRPr lang="en-US" sz="1400" b="1" dirty="0">
-              <a:latin typeface="Arial" panose="020B0604020202020204" pitchFamily="34" charset="0"/>
-              <a:cs typeface="Arial" panose="020B0604020202020204" pitchFamily="34" charset="0"/>
-            </a:endParaRPr>
-          </a:p>
-        </p:txBody>
-      </p:sp>
-      <p:cxnSp>
-        <p:nvCxnSpPr>
-          <p:cNvPr id="61" name="Straight Arrow Connector 60"/>
-          <p:cNvCxnSpPr>
-            <a:cxnSpLocks/>
-          </p:cNvCxnSpPr>
-          <p:nvPr/>
-        </p:nvCxnSpPr>
-        <p:spPr>
-          <a:xfrm flipV="1">
-            <a:off x="4584700" y="4626041"/>
-            <a:ext cx="317272" cy="382366"/>
-          </a:xfrm>
-          <a:prstGeom prst="straightConnector1">
-            <a:avLst/>
-          </a:prstGeom>
-          <a:ln>
-            <a:tailEnd type="triangle"/>
-          </a:ln>
-        </p:spPr>
-        <p:style>
-          <a:lnRef idx="1">
-            <a:schemeClr val="accent1"/>
-          </a:lnRef>
-          <a:fillRef idx="0">
-            <a:schemeClr val="accent1"/>
-          </a:fillRef>
-          <a:effectRef idx="0">
-            <a:schemeClr val="accent1"/>
-          </a:effectRef>
-          <a:fontRef idx="minor">
-            <a:schemeClr val="tx1"/>
-          </a:fontRef>
-        </p:style>
-      </p:cxnSp>
-      <p:sp>
-        <p:nvSpPr>
-          <p:cNvPr id="64" name="TextBox 63"/>
-          <p:cNvSpPr txBox="1"/>
-          <p:nvPr/>
-        </p:nvSpPr>
-        <p:spPr>
-          <a:xfrm>
-            <a:off x="968375" y="264531"/>
-            <a:ext cx="5178311" cy="461665"/>
-          </a:xfrm>
-          <a:prstGeom prst="rect">
-            <a:avLst/>
-          </a:prstGeom>
-          <a:noFill/>
-        </p:spPr>
-        <p:txBody>
-          <a:bodyPr wrap="square" rtlCol="0">
-            <a:spAutoFit/>
-          </a:bodyPr>
-          <a:lstStyle/>
-          <a:p>
-            <a:r>
-              <a:rPr lang="en-US" sz="2400" dirty="0">
-                <a:latin typeface="Futura-Normal" pitchFamily="2" charset="0"/>
-              </a:rPr>
-              <a:t>UC Berkeley 2015-16 Gym Attendance</a:t>
-            </a:r>
-          </a:p>
-        </p:txBody>
-      </p:sp>
-      <p:sp>
-        <p:nvSpPr>
-          <p:cNvPr id="65" name="TextBox 64"/>
-          <p:cNvSpPr txBox="1"/>
-          <p:nvPr/>
-        </p:nvSpPr>
-        <p:spPr>
-          <a:xfrm>
-            <a:off x="3539744" y="5008407"/>
-            <a:ext cx="1617448" cy="838691"/>
-          </a:xfrm>
-          <a:prstGeom prst="rect">
-            <a:avLst/>
-          </a:prstGeom>
-          <a:noFill/>
-        </p:spPr>
-        <p:txBody>
-          <a:bodyPr wrap="square" rtlCol="0">
-            <a:spAutoFit/>
-          </a:bodyPr>
-          <a:lstStyle/>
-          <a:p>
-            <a:pPr>
-              <a:spcAft>
-                <a:spcPts val="100"/>
-              </a:spcAft>
-            </a:pPr>
-            <a:r>
-              <a:rPr lang="en-US" sz="1200" b="1" dirty="0">
-                <a:latin typeface="Century Gothic" panose="020B0502020202020204" pitchFamily="34" charset="0"/>
-                <a:cs typeface="Arial" panose="020B0604020202020204" pitchFamily="34" charset="0"/>
-              </a:rPr>
-              <a:t>Winter Break</a:t>
-            </a:r>
-          </a:p>
-          <a:p>
-            <a:pPr>
-              <a:spcAft>
-                <a:spcPts val="200"/>
-              </a:spcAft>
-            </a:pPr>
-            <a:r>
-              <a:rPr lang="en-US" sz="1000" dirty="0">
-                <a:latin typeface="Century Gothic" panose="020B0502020202020204" pitchFamily="34" charset="0"/>
-                <a:cs typeface="Arial" panose="020B0604020202020204" pitchFamily="34" charset="0"/>
-              </a:rPr>
-              <a:t>Dec 19-Jan 19, 2015</a:t>
-            </a:r>
-          </a:p>
-          <a:p>
-            <a:r>
-              <a:rPr lang="en-US" sz="800" i="1" dirty="0">
-                <a:latin typeface="Century Gothic" panose="020B0502020202020204" pitchFamily="34" charset="0"/>
-                <a:cs typeface="Arial" panose="020B0604020202020204" pitchFamily="34" charset="0"/>
-              </a:rPr>
-              <a:t>Most students head home for the winter holidays, like Christmas and Hanukkah</a:t>
-            </a:r>
-          </a:p>
-        </p:txBody>
-      </p:sp>
-      <p:sp>
-        <p:nvSpPr>
-          <p:cNvPr id="66" name="TextBox 65"/>
-          <p:cNvSpPr txBox="1"/>
-          <p:nvPr/>
-        </p:nvSpPr>
-        <p:spPr>
-          <a:xfrm>
-            <a:off x="2023091" y="3516084"/>
-            <a:ext cx="1621523" cy="838691"/>
-          </a:xfrm>
-          <a:prstGeom prst="rect">
-            <a:avLst/>
-          </a:prstGeom>
-          <a:noFill/>
-        </p:spPr>
-        <p:txBody>
-          <a:bodyPr wrap="square" rtlCol="0">
-            <a:spAutoFit/>
-          </a:bodyPr>
-          <a:lstStyle/>
-          <a:p>
-            <a:pPr>
-              <a:spcAft>
-                <a:spcPts val="100"/>
-              </a:spcAft>
-            </a:pPr>
-            <a:r>
-              <a:rPr lang="en-US" sz="1200" b="1" dirty="0">
-                <a:solidFill>
-                  <a:schemeClr val="bg2">
-                    <a:lumMod val="90000"/>
-                  </a:schemeClr>
-                </a:solidFill>
-                <a:latin typeface="Century Gothic" panose="020B0502020202020204" pitchFamily="34" charset="0"/>
-                <a:cs typeface="Arial" panose="020B0604020202020204" pitchFamily="34" charset="0"/>
-              </a:rPr>
-              <a:t>Thanksgiving</a:t>
-            </a:r>
-          </a:p>
-          <a:p>
-            <a:pPr>
-              <a:spcAft>
-                <a:spcPts val="200"/>
-              </a:spcAft>
-            </a:pPr>
-            <a:r>
-              <a:rPr lang="en-US" sz="1000" dirty="0">
-                <a:solidFill>
-                  <a:schemeClr val="bg2">
-                    <a:lumMod val="90000"/>
-                  </a:schemeClr>
-                </a:solidFill>
-                <a:latin typeface="Century Gothic" panose="020B0502020202020204" pitchFamily="34" charset="0"/>
-                <a:cs typeface="Arial" panose="020B0604020202020204" pitchFamily="34" charset="0"/>
-              </a:rPr>
-              <a:t>Nov 26 2015</a:t>
-            </a:r>
-          </a:p>
-          <a:p>
-            <a:r>
-              <a:rPr lang="en-US" sz="800" i="1" dirty="0">
-                <a:solidFill>
-                  <a:schemeClr val="bg2">
-                    <a:lumMod val="90000"/>
-                  </a:schemeClr>
-                </a:solidFill>
-                <a:latin typeface="Century Gothic" panose="020B0502020202020204" pitchFamily="34" charset="0"/>
-                <a:cs typeface="Arial" panose="020B0604020202020204" pitchFamily="34" charset="0"/>
-              </a:rPr>
-              <a:t>Working out is optional when you’re filling up on turkey and mashed potatoes</a:t>
-            </a:r>
-          </a:p>
-        </p:txBody>
-      </p:sp>
-      <p:cxnSp>
-        <p:nvCxnSpPr>
-          <p:cNvPr id="67" name="Straight Arrow Connector 66"/>
-          <p:cNvCxnSpPr>
-            <a:cxnSpLocks/>
-          </p:cNvCxnSpPr>
-          <p:nvPr/>
-        </p:nvCxnSpPr>
-        <p:spPr>
-          <a:xfrm flipV="1">
-            <a:off x="3249384" y="3601809"/>
-            <a:ext cx="926306" cy="219076"/>
-          </a:xfrm>
-          <a:prstGeom prst="straightConnector1">
-            <a:avLst/>
-          </a:prstGeom>
-          <a:ln>
-            <a:solidFill>
-              <a:schemeClr val="bg2"/>
-            </a:solidFill>
-            <a:tailEnd type="triangle"/>
-          </a:ln>
-        </p:spPr>
-        <p:style>
-          <a:lnRef idx="1">
-            <a:schemeClr val="accent1"/>
-          </a:lnRef>
-          <a:fillRef idx="0">
-            <a:schemeClr val="accent1"/>
-          </a:fillRef>
-          <a:effectRef idx="0">
-            <a:schemeClr val="accent1"/>
-          </a:effectRef>
-          <a:fontRef idx="minor">
-            <a:schemeClr val="tx1"/>
-          </a:fontRef>
-        </p:style>
-      </p:cxnSp>
-      <p:sp>
-        <p:nvSpPr>
-          <p:cNvPr id="85" name="TextBox 84"/>
-          <p:cNvSpPr txBox="1"/>
-          <p:nvPr/>
-        </p:nvSpPr>
-        <p:spPr>
-          <a:xfrm>
-            <a:off x="3103334" y="1105594"/>
-            <a:ext cx="1481366" cy="715581"/>
-          </a:xfrm>
-          <a:prstGeom prst="rect">
-            <a:avLst/>
-          </a:prstGeom>
-          <a:noFill/>
-        </p:spPr>
-        <p:txBody>
-          <a:bodyPr wrap="square" rtlCol="0">
-            <a:spAutoFit/>
-          </a:bodyPr>
-          <a:lstStyle/>
-          <a:p>
-            <a:pPr>
-              <a:spcAft>
-                <a:spcPts val="100"/>
-              </a:spcAft>
-            </a:pPr>
-            <a:r>
-              <a:rPr lang="en-US" sz="1200" b="1" dirty="0">
-                <a:solidFill>
-                  <a:schemeClr val="bg2">
-                    <a:lumMod val="90000"/>
-                  </a:schemeClr>
-                </a:solidFill>
-                <a:latin typeface="Century Gothic" panose="020B0502020202020204" pitchFamily="34" charset="0"/>
-                <a:cs typeface="Arial" panose="020B0604020202020204" pitchFamily="34" charset="0"/>
-              </a:rPr>
-              <a:t>School Begins</a:t>
-            </a:r>
-          </a:p>
-          <a:p>
-            <a:pPr>
-              <a:spcAft>
-                <a:spcPts val="200"/>
-              </a:spcAft>
-            </a:pPr>
-            <a:r>
-              <a:rPr lang="en-US" sz="1000" dirty="0">
-                <a:solidFill>
-                  <a:schemeClr val="bg2">
-                    <a:lumMod val="90000"/>
-                  </a:schemeClr>
-                </a:solidFill>
-                <a:latin typeface="Century Gothic" panose="020B0502020202020204" pitchFamily="34" charset="0"/>
-                <a:cs typeface="Arial" panose="020B0604020202020204" pitchFamily="34" charset="0"/>
-              </a:rPr>
-              <a:t>Aug 26, 2016</a:t>
-            </a:r>
-          </a:p>
-          <a:p>
-            <a:r>
-              <a:rPr lang="en-US" sz="800" i="1" dirty="0">
-                <a:solidFill>
-                  <a:schemeClr val="bg2">
-                    <a:lumMod val="90000"/>
-                  </a:schemeClr>
-                </a:solidFill>
-                <a:latin typeface="Century Gothic" panose="020B0502020202020204" pitchFamily="34" charset="0"/>
-                <a:cs typeface="Arial" panose="020B0604020202020204" pitchFamily="34" charset="0"/>
-              </a:rPr>
-              <a:t>Every freshman is in the gym until next week</a:t>
-            </a:r>
-          </a:p>
-        </p:txBody>
-      </p:sp>
-      <p:cxnSp>
-        <p:nvCxnSpPr>
-          <p:cNvPr id="86" name="Straight Arrow Connector 85"/>
-          <p:cNvCxnSpPr>
-            <a:cxnSpLocks/>
-          </p:cNvCxnSpPr>
-          <p:nvPr/>
-        </p:nvCxnSpPr>
-        <p:spPr>
-          <a:xfrm flipH="1">
-            <a:off x="2126456" y="1450359"/>
-            <a:ext cx="976878" cy="111741"/>
-          </a:xfrm>
-          <a:prstGeom prst="straightConnector1">
-            <a:avLst/>
-          </a:prstGeom>
-          <a:ln>
-            <a:solidFill>
-              <a:schemeClr val="bg2"/>
-            </a:solidFill>
-            <a:tailEnd type="triangle"/>
-          </a:ln>
-        </p:spPr>
-        <p:style>
-          <a:lnRef idx="1">
-            <a:schemeClr val="accent1"/>
-          </a:lnRef>
-          <a:fillRef idx="0">
-            <a:schemeClr val="accent1"/>
-          </a:fillRef>
-          <a:effectRef idx="0">
-            <a:schemeClr val="accent1"/>
-          </a:effectRef>
-          <a:fontRef idx="minor">
-            <a:schemeClr val="tx1"/>
-          </a:fontRef>
-        </p:style>
-      </p:cxnSp>
-    </p:spTree>
-    <p:extLst>
-      <p:ext uri="{BB962C8B-B14F-4D97-AF65-F5344CB8AC3E}">
-        <p14:creationId xmlns:p14="http://schemas.microsoft.com/office/powerpoint/2010/main" val="2914679269"/>
-      </p:ext>
-    </p:extLst>
-  </p:cSld>
-  <p:clrMapOvr>
-    <a:masterClrMapping/>
-  </p:clrMapOvr>
-</p:sld>
-</file>
-
 <file path=ppt/slides/slide7.xml><?xml version="1.0" encoding="utf-8"?>
 <p:sld xmlns:a="http://schemas.openxmlformats.org/drawingml/2006/main" xmlns:r="http://schemas.openxmlformats.org/officeDocument/2006/relationships" xmlns:p="http://schemas.openxmlformats.org/presentationml/2006/main">
   <p:cSld>
@@ -8014,14 +9188,45 @@
       </p:sp>
       <p:sp>
         <p:nvSpPr>
-          <p:cNvPr id="54" name="TextBox 53"/>
+          <p:cNvPr id="64" name="TextBox 63"/>
           <p:cNvSpPr txBox="1"/>
           <p:nvPr/>
         </p:nvSpPr>
         <p:spPr>
           <a:xfrm>
-            <a:off x="6678270" y="1168985"/>
-            <a:ext cx="1994014" cy="851515"/>
+            <a:off x="968375" y="264531"/>
+            <a:ext cx="5178311" cy="461665"/>
+          </a:xfrm>
+          <a:prstGeom prst="rect">
+            <a:avLst/>
+          </a:prstGeom>
+          <a:noFill/>
+        </p:spPr>
+        <p:txBody>
+          <a:bodyPr wrap="square" rtlCol="0">
+            <a:spAutoFit/>
+          </a:bodyPr>
+          <a:lstStyle/>
+          <a:p>
+            <a:r>
+              <a:rPr lang="en-US" sz="2400" dirty="0">
+                <a:latin typeface="Futura-Normal" pitchFamily="2" charset="0"/>
+              </a:rPr>
+              <a:t>UC Berkeley 2015-16 Gym Attendance</a:t>
+            </a:r>
+          </a:p>
+        </p:txBody>
+      </p:sp>
+      <p:sp>
+        <p:nvSpPr>
+          <p:cNvPr id="66" name="TextBox 65"/>
+          <p:cNvSpPr txBox="1"/>
+          <p:nvPr/>
+        </p:nvSpPr>
+        <p:spPr>
+          <a:xfrm>
+            <a:off x="2023091" y="3516084"/>
+            <a:ext cx="1621523" cy="838691"/>
           </a:xfrm>
           <a:prstGeom prst="rect">
             <a:avLst/>
@@ -8044,7 +9249,7 @@
                 <a:latin typeface="Century Gothic" panose="020B0502020202020204" pitchFamily="34" charset="0"/>
                 <a:cs typeface="Arial" panose="020B0604020202020204" pitchFamily="34" charset="0"/>
               </a:rPr>
-              <a:t>New Year’s Gym Rush</a:t>
+              <a:t>Thanksgiving</a:t>
             </a:r>
           </a:p>
           <a:p>
@@ -8058,7 +9263,7 @@
                 <a:latin typeface="Century Gothic" panose="020B0502020202020204" pitchFamily="34" charset="0"/>
                 <a:cs typeface="Arial" panose="020B0604020202020204" pitchFamily="34" charset="0"/>
               </a:rPr>
-              <a:t>Jan 20, 2016</a:t>
+              <a:t>Nov 26 2015</a:t>
             </a:r>
           </a:p>
           <a:p>
@@ -8067,23 +9272,23 @@
                 <a:latin typeface="Century Gothic" panose="020B0502020202020204" pitchFamily="34" charset="0"/>
                 <a:cs typeface="Arial" panose="020B0604020202020204" pitchFamily="34" charset="0"/>
               </a:rPr>
-              <a:t>Students flood to the gym in a futile attempt to fulfill their New Year’s goals</a:t>
+              <a:t>Working out is optional when you’re filling up on turkey and mashed potatoes</a:t>
             </a:r>
           </a:p>
         </p:txBody>
       </p:sp>
       <p:cxnSp>
         <p:nvCxnSpPr>
-          <p:cNvPr id="60" name="Straight Arrow Connector 59"/>
+          <p:cNvPr id="67" name="Straight Arrow Connector 66"/>
           <p:cNvCxnSpPr>
             <a:cxnSpLocks/>
           </p:cNvCxnSpPr>
           <p:nvPr/>
         </p:nvCxnSpPr>
         <p:spPr>
-          <a:xfrm flipH="1">
-            <a:off x="5741759" y="1433497"/>
-            <a:ext cx="974611" cy="33724"/>
+          <a:xfrm flipV="1">
+            <a:off x="3249384" y="3601809"/>
+            <a:ext cx="926306" cy="219076"/>
           </a:xfrm>
           <a:prstGeom prst="straightConnector1">
             <a:avLst/>
@@ -8107,85 +9312,16 @@
           </a:fontRef>
         </p:style>
       </p:cxnSp>
-      <p:cxnSp>
-        <p:nvCxnSpPr>
-          <p:cNvPr id="61" name="Straight Arrow Connector 60"/>
-          <p:cNvCxnSpPr>
-            <a:cxnSpLocks/>
-          </p:cNvCxnSpPr>
-          <p:nvPr/>
-        </p:nvCxnSpPr>
-        <p:spPr>
-          <a:xfrm flipV="1">
-            <a:off x="4584700" y="4626041"/>
-            <a:ext cx="317272" cy="382366"/>
-          </a:xfrm>
-          <a:prstGeom prst="straightConnector1">
-            <a:avLst/>
-          </a:prstGeom>
-          <a:ln>
-            <a:solidFill>
-              <a:schemeClr val="bg2"/>
-            </a:solidFill>
-            <a:tailEnd type="triangle"/>
-          </a:ln>
-        </p:spPr>
-        <p:style>
-          <a:lnRef idx="1">
-            <a:schemeClr val="accent1"/>
-          </a:lnRef>
-          <a:fillRef idx="0">
-            <a:schemeClr val="accent1"/>
-          </a:fillRef>
-          <a:effectRef idx="0">
-            <a:schemeClr val="accent1"/>
-          </a:effectRef>
-          <a:fontRef idx="minor">
-            <a:schemeClr val="tx1"/>
-          </a:fontRef>
-        </p:style>
-      </p:cxnSp>
-      <p:sp>
-        <p:nvSpPr>
-          <p:cNvPr id="64" name="TextBox 63"/>
+      <p:sp>
+        <p:nvSpPr>
+          <p:cNvPr id="85" name="TextBox 84"/>
           <p:cNvSpPr txBox="1"/>
           <p:nvPr/>
         </p:nvSpPr>
         <p:spPr>
           <a:xfrm>
-            <a:off x="968375" y="264531"/>
-            <a:ext cx="5178311" cy="461665"/>
-          </a:xfrm>
-          <a:prstGeom prst="rect">
-            <a:avLst/>
-          </a:prstGeom>
-          <a:noFill/>
-        </p:spPr>
-        <p:txBody>
-          <a:bodyPr wrap="square" rtlCol="0">
-            <a:spAutoFit/>
-          </a:bodyPr>
-          <a:lstStyle/>
-          <a:p>
-            <a:r>
-              <a:rPr lang="en-US" sz="2400" dirty="0">
-                <a:latin typeface="Futura-Normal" pitchFamily="2" charset="0"/>
-              </a:rPr>
-              <a:t>UC Berkeley 2015-16 Gym Attendance</a:t>
-            </a:r>
-          </a:p>
-        </p:txBody>
-      </p:sp>
-      <p:sp>
-        <p:nvSpPr>
-          <p:cNvPr id="65" name="TextBox 64"/>
-          <p:cNvSpPr txBox="1"/>
-          <p:nvPr/>
-        </p:nvSpPr>
-        <p:spPr>
-          <a:xfrm>
-            <a:off x="3539744" y="5008407"/>
-            <a:ext cx="1617448" cy="838691"/>
+            <a:off x="3103334" y="1105594"/>
+            <a:ext cx="1481366" cy="715581"/>
           </a:xfrm>
           <a:prstGeom prst="rect">
             <a:avLst/>
@@ -8194,194 +9330,6 @@
           <a:ln>
             <a:noFill/>
           </a:ln>
-        </p:spPr>
-        <p:txBody>
-          <a:bodyPr wrap="square" rtlCol="0">
-            <a:spAutoFit/>
-          </a:bodyPr>
-          <a:lstStyle/>
-          <a:p>
-            <a:pPr>
-              <a:spcAft>
-                <a:spcPts val="100"/>
-              </a:spcAft>
-            </a:pPr>
-            <a:r>
-              <a:rPr lang="en-US" sz="1200" b="1" dirty="0">
-                <a:solidFill>
-                  <a:schemeClr val="bg2">
-                    <a:lumMod val="90000"/>
-                  </a:schemeClr>
-                </a:solidFill>
-                <a:latin typeface="Century Gothic" panose="020B0502020202020204" pitchFamily="34" charset="0"/>
-                <a:cs typeface="Arial" panose="020B0604020202020204" pitchFamily="34" charset="0"/>
-              </a:rPr>
-              <a:t>Winter Break</a:t>
-            </a:r>
-          </a:p>
-          <a:p>
-            <a:pPr>
-              <a:spcAft>
-                <a:spcPts val="200"/>
-              </a:spcAft>
-            </a:pPr>
-            <a:r>
-              <a:rPr lang="en-US" sz="1000" dirty="0">
-                <a:solidFill>
-                  <a:schemeClr val="bg2">
-                    <a:lumMod val="90000"/>
-                  </a:schemeClr>
-                </a:solidFill>
-                <a:latin typeface="Century Gothic" panose="020B0502020202020204" pitchFamily="34" charset="0"/>
-                <a:cs typeface="Arial" panose="020B0604020202020204" pitchFamily="34" charset="0"/>
-              </a:rPr>
-              <a:t>Dec 19-Jan 19, 2015</a:t>
-            </a:r>
-          </a:p>
-          <a:p>
-            <a:r>
-              <a:rPr lang="en-US" sz="800" i="1" dirty="0">
-                <a:solidFill>
-                  <a:schemeClr val="bg2">
-                    <a:lumMod val="90000"/>
-                  </a:schemeClr>
-                </a:solidFill>
-                <a:latin typeface="Century Gothic" panose="020B0502020202020204" pitchFamily="34" charset="0"/>
-                <a:cs typeface="Arial" panose="020B0604020202020204" pitchFamily="34" charset="0"/>
-              </a:rPr>
-              <a:t>Most students head home for the winter holidays, like Christmas and Hanukkah</a:t>
-            </a:r>
-          </a:p>
-        </p:txBody>
-      </p:sp>
-      <p:sp>
-        <p:nvSpPr>
-          <p:cNvPr id="66" name="TextBox 65"/>
-          <p:cNvSpPr txBox="1"/>
-          <p:nvPr/>
-        </p:nvSpPr>
-        <p:spPr>
-          <a:xfrm>
-            <a:off x="2023091" y="3516084"/>
-            <a:ext cx="1621523" cy="838691"/>
-          </a:xfrm>
-          <a:prstGeom prst="rect">
-            <a:avLst/>
-          </a:prstGeom>
-          <a:noFill/>
-        </p:spPr>
-        <p:txBody>
-          <a:bodyPr wrap="square" rtlCol="0">
-            <a:spAutoFit/>
-          </a:bodyPr>
-          <a:lstStyle/>
-          <a:p>
-            <a:pPr>
-              <a:spcAft>
-                <a:spcPts val="100"/>
-              </a:spcAft>
-            </a:pPr>
-            <a:r>
-              <a:rPr lang="en-US" sz="1200" b="1" dirty="0">
-                <a:solidFill>
-                  <a:schemeClr val="bg2">
-                    <a:lumMod val="90000"/>
-                  </a:schemeClr>
-                </a:solidFill>
-                <a:latin typeface="Century Gothic" panose="020B0502020202020204" pitchFamily="34" charset="0"/>
-                <a:cs typeface="Arial" panose="020B0604020202020204" pitchFamily="34" charset="0"/>
-              </a:rPr>
-              <a:t>Thanksgiving</a:t>
-            </a:r>
-          </a:p>
-          <a:p>
-            <a:pPr>
-              <a:spcAft>
-                <a:spcPts val="200"/>
-              </a:spcAft>
-            </a:pPr>
-            <a:r>
-              <a:rPr lang="en-US" sz="1000" dirty="0">
-                <a:solidFill>
-                  <a:schemeClr val="bg2">
-                    <a:lumMod val="90000"/>
-                  </a:schemeClr>
-                </a:solidFill>
-                <a:latin typeface="Century Gothic" panose="020B0502020202020204" pitchFamily="34" charset="0"/>
-                <a:cs typeface="Arial" panose="020B0604020202020204" pitchFamily="34" charset="0"/>
-              </a:rPr>
-              <a:t>Nov 26 2015</a:t>
-            </a:r>
-          </a:p>
-          <a:p>
-            <a:r>
-              <a:rPr lang="en-US" sz="800" i="1" dirty="0">
-                <a:solidFill>
-                  <a:schemeClr val="bg2">
-                    <a:lumMod val="90000"/>
-                  </a:schemeClr>
-                </a:solidFill>
-                <a:latin typeface="Century Gothic" panose="020B0502020202020204" pitchFamily="34" charset="0"/>
-                <a:cs typeface="Arial" panose="020B0604020202020204" pitchFamily="34" charset="0"/>
-              </a:rPr>
-              <a:t>Working out is optional when you’re filling up on turkey and mashed potatoes</a:t>
-            </a:r>
-          </a:p>
-        </p:txBody>
-      </p:sp>
-      <p:cxnSp>
-        <p:nvCxnSpPr>
-          <p:cNvPr id="67" name="Straight Arrow Connector 66"/>
-          <p:cNvCxnSpPr>
-            <a:cxnSpLocks/>
-          </p:cNvCxnSpPr>
-          <p:nvPr/>
-        </p:nvCxnSpPr>
-        <p:spPr>
-          <a:xfrm flipV="1">
-            <a:off x="3249384" y="3601809"/>
-            <a:ext cx="926306" cy="219076"/>
-          </a:xfrm>
-          <a:prstGeom prst="straightConnector1">
-            <a:avLst/>
-          </a:prstGeom>
-          <a:ln>
-            <a:solidFill>
-              <a:schemeClr val="bg2"/>
-            </a:solidFill>
-            <a:tailEnd type="triangle"/>
-          </a:ln>
-        </p:spPr>
-        <p:style>
-          <a:lnRef idx="1">
-            <a:schemeClr val="accent1"/>
-          </a:lnRef>
-          <a:fillRef idx="0">
-            <a:schemeClr val="accent1"/>
-          </a:fillRef>
-          <a:effectRef idx="0">
-            <a:schemeClr val="accent1"/>
-          </a:effectRef>
-          <a:fontRef idx="minor">
-            <a:schemeClr val="tx1"/>
-          </a:fontRef>
-        </p:style>
-      </p:cxnSp>
-      <p:sp>
-        <p:nvSpPr>
-          <p:cNvPr id="85" name="TextBox 84"/>
-          <p:cNvSpPr txBox="1"/>
-          <p:nvPr/>
-        </p:nvSpPr>
-        <p:spPr>
-          <a:xfrm>
-            <a:off x="3103334" y="1105594"/>
-            <a:ext cx="1481366" cy="715581"/>
-          </a:xfrm>
-          <a:prstGeom prst="rect">
-            <a:avLst/>
-          </a:prstGeom>
-          <a:noFill/>
         </p:spPr>
         <p:txBody>
           <a:bodyPr wrap="square" rtlCol="0">
@@ -8483,7 +9431,7 @@
     </p:spTree>
     <p:extLst>
       <p:ext uri="{BB962C8B-B14F-4D97-AF65-F5344CB8AC3E}">
-        <p14:creationId xmlns:p14="http://schemas.microsoft.com/office/powerpoint/2010/main" val="587154643"/>
+        <p14:creationId xmlns:p14="http://schemas.microsoft.com/office/powerpoint/2010/main" val="1840922421"/>
       </p:ext>
     </p:extLst>
   </p:cSld>
@@ -8584,9 +9532,6 @@
           <a:prstGeom prst="rect">
             <a:avLst/>
           </a:prstGeom>
-          <a:ln>
-            <a:noFill/>
-          </a:ln>
         </p:spPr>
       </p:pic>
       <p:sp>
@@ -8625,16 +9570,142 @@
           </a:p>
         </p:txBody>
       </p:sp>
-      <p:sp>
-        <p:nvSpPr>
-          <p:cNvPr id="54" name="TextBox 53"/>
+      <p:cxnSp>
+        <p:nvCxnSpPr>
+          <p:cNvPr id="61" name="Straight Arrow Connector 60"/>
+          <p:cNvCxnSpPr>
+            <a:cxnSpLocks/>
+          </p:cNvCxnSpPr>
+          <p:nvPr/>
+        </p:nvCxnSpPr>
+        <p:spPr>
+          <a:xfrm flipV="1">
+            <a:off x="4584700" y="4626041"/>
+            <a:ext cx="317272" cy="382366"/>
+          </a:xfrm>
+          <a:prstGeom prst="straightConnector1">
+            <a:avLst/>
+          </a:prstGeom>
+          <a:ln>
+            <a:tailEnd type="triangle"/>
+          </a:ln>
+        </p:spPr>
+        <p:style>
+          <a:lnRef idx="1">
+            <a:schemeClr val="accent1"/>
+          </a:lnRef>
+          <a:fillRef idx="0">
+            <a:schemeClr val="accent1"/>
+          </a:fillRef>
+          <a:effectRef idx="0">
+            <a:schemeClr val="accent1"/>
+          </a:effectRef>
+          <a:fontRef idx="minor">
+            <a:schemeClr val="tx1"/>
+          </a:fontRef>
+        </p:style>
+      </p:cxnSp>
+      <p:sp>
+        <p:nvSpPr>
+          <p:cNvPr id="64" name="TextBox 63"/>
           <p:cNvSpPr txBox="1"/>
           <p:nvPr/>
         </p:nvSpPr>
         <p:spPr>
           <a:xfrm>
-            <a:off x="6678270" y="1168985"/>
-            <a:ext cx="1994014" cy="851515"/>
+            <a:off x="968375" y="264531"/>
+            <a:ext cx="5178311" cy="461665"/>
+          </a:xfrm>
+          <a:prstGeom prst="rect">
+            <a:avLst/>
+          </a:prstGeom>
+          <a:noFill/>
+        </p:spPr>
+        <p:txBody>
+          <a:bodyPr wrap="square" rtlCol="0">
+            <a:spAutoFit/>
+          </a:bodyPr>
+          <a:lstStyle/>
+          <a:p>
+            <a:r>
+              <a:rPr lang="en-US" sz="2400" dirty="0">
+                <a:latin typeface="Futura-Normal" pitchFamily="2" charset="0"/>
+              </a:rPr>
+              <a:t>UC Berkeley 2015-16 Gym Attendance</a:t>
+            </a:r>
+          </a:p>
+        </p:txBody>
+      </p:sp>
+      <p:sp>
+        <p:nvSpPr>
+          <p:cNvPr id="65" name="TextBox 64"/>
+          <p:cNvSpPr txBox="1"/>
+          <p:nvPr/>
+        </p:nvSpPr>
+        <p:spPr>
+          <a:xfrm>
+            <a:off x="3539744" y="5008407"/>
+            <a:ext cx="1617448" cy="838691"/>
+          </a:xfrm>
+          <a:prstGeom prst="rect">
+            <a:avLst/>
+          </a:prstGeom>
+          <a:noFill/>
+        </p:spPr>
+        <p:txBody>
+          <a:bodyPr wrap="square" rtlCol="0">
+            <a:spAutoFit/>
+          </a:bodyPr>
+          <a:lstStyle/>
+          <a:p>
+            <a:pPr>
+              <a:spcAft>
+                <a:spcPts val="100"/>
+              </a:spcAft>
+            </a:pPr>
+            <a:r>
+              <a:rPr lang="en-US" sz="1200" b="1" dirty="0">
+                <a:latin typeface="Century Gothic" panose="020B0502020202020204" pitchFamily="34" charset="0"/>
+                <a:cs typeface="Arial" panose="020B0604020202020204" pitchFamily="34" charset="0"/>
+              </a:rPr>
+              <a:t>Winter Break</a:t>
+            </a:r>
+          </a:p>
+          <a:p>
+            <a:pPr>
+              <a:spcAft>
+                <a:spcPts val="200"/>
+              </a:spcAft>
+            </a:pPr>
+            <a:r>
+              <a:rPr lang="en-US" sz="1000" dirty="0">
+                <a:latin typeface="Century Gothic" panose="020B0502020202020204" pitchFamily="34" charset="0"/>
+                <a:cs typeface="Arial" panose="020B0604020202020204" pitchFamily="34" charset="0"/>
+              </a:rPr>
+              <a:t>Dec 19-Jan 19, 2015</a:t>
+            </a:r>
+          </a:p>
+          <a:p>
+            <a:r>
+              <a:rPr lang="en-US" sz="800" i="1" dirty="0">
+                <a:latin typeface="Century Gothic" panose="020B0502020202020204" pitchFamily="34" charset="0"/>
+                <a:cs typeface="Arial" panose="020B0604020202020204" pitchFamily="34" charset="0"/>
+              </a:rPr>
+              <a:t>Most students head home for the winter holidays, like Christmas and Hanukkah</a:t>
+            </a:r>
+          </a:p>
+        </p:txBody>
+      </p:sp>
+      <p:sp>
+        <p:nvSpPr>
+          <p:cNvPr id="66" name="TextBox 65"/>
+          <p:cNvSpPr txBox="1"/>
+          <p:nvPr/>
+        </p:nvSpPr>
+        <p:spPr>
+          <a:xfrm>
+            <a:off x="2023091" y="3516084"/>
+            <a:ext cx="1621523" cy="838691"/>
           </a:xfrm>
           <a:prstGeom prst="rect">
             <a:avLst/>
@@ -8662,7 +9733,7 @@
                 <a:latin typeface="Century Gothic" panose="020B0502020202020204" pitchFamily="34" charset="0"/>
                 <a:cs typeface="Arial" panose="020B0604020202020204" pitchFamily="34" charset="0"/>
               </a:rPr>
-              <a:t>New Year’s Gym Rush</a:t>
+              <a:t>Thanksgiving</a:t>
             </a:r>
           </a:p>
           <a:p>
@@ -8681,7 +9752,7 @@
                 <a:latin typeface="Century Gothic" panose="020B0502020202020204" pitchFamily="34" charset="0"/>
                 <a:cs typeface="Arial" panose="020B0604020202020204" pitchFamily="34" charset="0"/>
               </a:rPr>
-              <a:t>Jan 20, 2016</a:t>
+              <a:t>Nov 26 2015</a:t>
             </a:r>
           </a:p>
           <a:p>
@@ -8695,263 +9766,6 @@
                 <a:latin typeface="Century Gothic" panose="020B0502020202020204" pitchFamily="34" charset="0"/>
                 <a:cs typeface="Arial" panose="020B0604020202020204" pitchFamily="34" charset="0"/>
               </a:rPr>
-              <a:t>Students flood to the gym in a futile attempt to fulfill their New Year’s goals</a:t>
-            </a:r>
-          </a:p>
-        </p:txBody>
-      </p:sp>
-      <p:cxnSp>
-        <p:nvCxnSpPr>
-          <p:cNvPr id="60" name="Straight Arrow Connector 59"/>
-          <p:cNvCxnSpPr>
-            <a:cxnSpLocks/>
-          </p:cNvCxnSpPr>
-          <p:nvPr/>
-        </p:nvCxnSpPr>
-        <p:spPr>
-          <a:xfrm flipH="1">
-            <a:off x="5741759" y="1433497"/>
-            <a:ext cx="974611" cy="33724"/>
-          </a:xfrm>
-          <a:prstGeom prst="straightConnector1">
-            <a:avLst/>
-          </a:prstGeom>
-          <a:ln>
-            <a:solidFill>
-              <a:schemeClr val="bg2"/>
-            </a:solidFill>
-            <a:tailEnd type="triangle"/>
-          </a:ln>
-        </p:spPr>
-        <p:style>
-          <a:lnRef idx="1">
-            <a:schemeClr val="accent1"/>
-          </a:lnRef>
-          <a:fillRef idx="0">
-            <a:schemeClr val="accent1"/>
-          </a:fillRef>
-          <a:effectRef idx="0">
-            <a:schemeClr val="accent1"/>
-          </a:effectRef>
-          <a:fontRef idx="minor">
-            <a:schemeClr val="tx1"/>
-          </a:fontRef>
-        </p:style>
-      </p:cxnSp>
-      <p:cxnSp>
-        <p:nvCxnSpPr>
-          <p:cNvPr id="61" name="Straight Arrow Connector 60"/>
-          <p:cNvCxnSpPr>
-            <a:cxnSpLocks/>
-          </p:cNvCxnSpPr>
-          <p:nvPr/>
-        </p:nvCxnSpPr>
-        <p:spPr>
-          <a:xfrm flipV="1">
-            <a:off x="4584700" y="4626041"/>
-            <a:ext cx="317272" cy="382366"/>
-          </a:xfrm>
-          <a:prstGeom prst="straightConnector1">
-            <a:avLst/>
-          </a:prstGeom>
-          <a:ln>
-            <a:solidFill>
-              <a:schemeClr val="bg2"/>
-            </a:solidFill>
-            <a:tailEnd type="triangle"/>
-          </a:ln>
-        </p:spPr>
-        <p:style>
-          <a:lnRef idx="1">
-            <a:schemeClr val="accent1"/>
-          </a:lnRef>
-          <a:fillRef idx="0">
-            <a:schemeClr val="accent1"/>
-          </a:fillRef>
-          <a:effectRef idx="0">
-            <a:schemeClr val="accent1"/>
-          </a:effectRef>
-          <a:fontRef idx="minor">
-            <a:schemeClr val="tx1"/>
-          </a:fontRef>
-        </p:style>
-      </p:cxnSp>
-      <p:sp>
-        <p:nvSpPr>
-          <p:cNvPr id="64" name="TextBox 63"/>
-          <p:cNvSpPr txBox="1"/>
-          <p:nvPr/>
-        </p:nvSpPr>
-        <p:spPr>
-          <a:xfrm>
-            <a:off x="968375" y="264531"/>
-            <a:ext cx="5178311" cy="461665"/>
-          </a:xfrm>
-          <a:prstGeom prst="rect">
-            <a:avLst/>
-          </a:prstGeom>
-          <a:noFill/>
-        </p:spPr>
-        <p:txBody>
-          <a:bodyPr wrap="square" rtlCol="0">
-            <a:spAutoFit/>
-          </a:bodyPr>
-          <a:lstStyle/>
-          <a:p>
-            <a:r>
-              <a:rPr lang="en-US" sz="2400" dirty="0">
-                <a:latin typeface="Futura-Normal" pitchFamily="2" charset="0"/>
-              </a:rPr>
-              <a:t>UC Berkeley 2015-16 Gym Attendance</a:t>
-            </a:r>
-          </a:p>
-        </p:txBody>
-      </p:sp>
-      <p:sp>
-        <p:nvSpPr>
-          <p:cNvPr id="65" name="TextBox 64"/>
-          <p:cNvSpPr txBox="1"/>
-          <p:nvPr/>
-        </p:nvSpPr>
-        <p:spPr>
-          <a:xfrm>
-            <a:off x="3539744" y="5008407"/>
-            <a:ext cx="1617448" cy="838691"/>
-          </a:xfrm>
-          <a:prstGeom prst="rect">
-            <a:avLst/>
-          </a:prstGeom>
-          <a:noFill/>
-        </p:spPr>
-        <p:txBody>
-          <a:bodyPr wrap="square" rtlCol="0">
-            <a:spAutoFit/>
-          </a:bodyPr>
-          <a:lstStyle/>
-          <a:p>
-            <a:pPr>
-              <a:spcAft>
-                <a:spcPts val="100"/>
-              </a:spcAft>
-            </a:pPr>
-            <a:r>
-              <a:rPr lang="en-US" sz="1200" b="1" dirty="0">
-                <a:solidFill>
-                  <a:schemeClr val="bg2">
-                    <a:lumMod val="90000"/>
-                  </a:schemeClr>
-                </a:solidFill>
-                <a:latin typeface="Century Gothic" panose="020B0502020202020204" pitchFamily="34" charset="0"/>
-                <a:cs typeface="Arial" panose="020B0604020202020204" pitchFamily="34" charset="0"/>
-              </a:rPr>
-              <a:t>Winter Break</a:t>
-            </a:r>
-          </a:p>
-          <a:p>
-            <a:pPr>
-              <a:spcAft>
-                <a:spcPts val="200"/>
-              </a:spcAft>
-            </a:pPr>
-            <a:r>
-              <a:rPr lang="en-US" sz="1000" dirty="0">
-                <a:solidFill>
-                  <a:schemeClr val="bg2">
-                    <a:lumMod val="90000"/>
-                  </a:schemeClr>
-                </a:solidFill>
-                <a:latin typeface="Century Gothic" panose="020B0502020202020204" pitchFamily="34" charset="0"/>
-                <a:cs typeface="Arial" panose="020B0604020202020204" pitchFamily="34" charset="0"/>
-              </a:rPr>
-              <a:t>Dec 19-Jan 19, 2015</a:t>
-            </a:r>
-          </a:p>
-          <a:p>
-            <a:r>
-              <a:rPr lang="en-US" sz="800" i="1" dirty="0">
-                <a:solidFill>
-                  <a:schemeClr val="bg2">
-                    <a:lumMod val="90000"/>
-                  </a:schemeClr>
-                </a:solidFill>
-                <a:latin typeface="Century Gothic" panose="020B0502020202020204" pitchFamily="34" charset="0"/>
-                <a:cs typeface="Arial" panose="020B0604020202020204" pitchFamily="34" charset="0"/>
-              </a:rPr>
-              <a:t>Most students head home for the winter holidays, like Christmas and Hanukkah</a:t>
-            </a:r>
-          </a:p>
-        </p:txBody>
-      </p:sp>
-      <p:sp>
-        <p:nvSpPr>
-          <p:cNvPr id="66" name="TextBox 65"/>
-          <p:cNvSpPr txBox="1"/>
-          <p:nvPr/>
-        </p:nvSpPr>
-        <p:spPr>
-          <a:xfrm>
-            <a:off x="2023091" y="3516084"/>
-            <a:ext cx="1621523" cy="838691"/>
-          </a:xfrm>
-          <a:prstGeom prst="rect">
-            <a:avLst/>
-          </a:prstGeom>
-          <a:noFill/>
-        </p:spPr>
-        <p:txBody>
-          <a:bodyPr wrap="square" rtlCol="0">
-            <a:spAutoFit/>
-          </a:bodyPr>
-          <a:lstStyle/>
-          <a:p>
-            <a:pPr>
-              <a:spcAft>
-                <a:spcPts val="100"/>
-              </a:spcAft>
-            </a:pPr>
-            <a:r>
-              <a:rPr lang="en-US" sz="1200" b="1" dirty="0">
-                <a:solidFill>
-                  <a:schemeClr val="bg2">
-                    <a:lumMod val="90000"/>
-                  </a:schemeClr>
-                </a:solidFill>
-                <a:latin typeface="Century Gothic" panose="020B0502020202020204" pitchFamily="34" charset="0"/>
-                <a:cs typeface="Arial" panose="020B0604020202020204" pitchFamily="34" charset="0"/>
-              </a:rPr>
-              <a:t>Thanksgiving</a:t>
-            </a:r>
-          </a:p>
-          <a:p>
-            <a:pPr>
-              <a:spcAft>
-                <a:spcPts val="200"/>
-              </a:spcAft>
-            </a:pPr>
-            <a:r>
-              <a:rPr lang="en-US" sz="1000" dirty="0">
-                <a:solidFill>
-                  <a:schemeClr val="bg2">
-                    <a:lumMod val="90000"/>
-                  </a:schemeClr>
-                </a:solidFill>
-                <a:latin typeface="Century Gothic" panose="020B0502020202020204" pitchFamily="34" charset="0"/>
-                <a:cs typeface="Arial" panose="020B0604020202020204" pitchFamily="34" charset="0"/>
-              </a:rPr>
-              <a:t>Nov 26 2015</a:t>
-            </a:r>
-          </a:p>
-          <a:p>
-            <a:r>
-              <a:rPr lang="en-US" sz="800" i="1" dirty="0">
-                <a:solidFill>
-                  <a:schemeClr val="bg2">
-                    <a:lumMod val="90000"/>
-                  </a:schemeClr>
-                </a:solidFill>
-                <a:latin typeface="Century Gothic" panose="020B0502020202020204" pitchFamily="34" charset="0"/>
-                <a:cs typeface="Arial" panose="020B0604020202020204" pitchFamily="34" charset="0"/>
-              </a:rPr>
               <a:t>Working out is optional when you’re filling up on turkey and mashed potatoes</a:t>
             </a:r>
           </a:p>
@@ -8977,101 +9791,6 @@
             <a:solidFill>
               <a:schemeClr val="bg2"/>
             </a:solidFill>
-            <a:tailEnd type="triangle"/>
-          </a:ln>
-        </p:spPr>
-        <p:style>
-          <a:lnRef idx="1">
-            <a:schemeClr val="accent1"/>
-          </a:lnRef>
-          <a:fillRef idx="0">
-            <a:schemeClr val="accent1"/>
-          </a:fillRef>
-          <a:effectRef idx="0">
-            <a:schemeClr val="accent1"/>
-          </a:effectRef>
-          <a:fontRef idx="minor">
-            <a:schemeClr val="tx1"/>
-          </a:fontRef>
-        </p:style>
-      </p:cxnSp>
-      <p:sp>
-        <p:nvSpPr>
-          <p:cNvPr id="72" name="TextBox 71"/>
-          <p:cNvSpPr txBox="1"/>
-          <p:nvPr/>
-        </p:nvSpPr>
-        <p:spPr>
-          <a:xfrm>
-            <a:off x="5910722" y="5008407"/>
-            <a:ext cx="1535095" cy="592470"/>
-          </a:xfrm>
-          <a:prstGeom prst="rect">
-            <a:avLst/>
-          </a:prstGeom>
-          <a:noFill/>
-        </p:spPr>
-        <p:txBody>
-          <a:bodyPr wrap="square" rtlCol="0">
-            <a:spAutoFit/>
-          </a:bodyPr>
-          <a:lstStyle/>
-          <a:p>
-            <a:pPr>
-              <a:spcAft>
-                <a:spcPts val="100"/>
-              </a:spcAft>
-            </a:pPr>
-            <a:r>
-              <a:rPr lang="en-US" sz="1200" b="1" dirty="0">
-                <a:latin typeface="Century Gothic" panose="020B0502020202020204" pitchFamily="34" charset="0"/>
-                <a:cs typeface="Arial" panose="020B0604020202020204" pitchFamily="34" charset="0"/>
-              </a:rPr>
-              <a:t>Spring Break</a:t>
-            </a:r>
-          </a:p>
-          <a:p>
-            <a:pPr>
-              <a:spcAft>
-                <a:spcPts val="200"/>
-              </a:spcAft>
-            </a:pPr>
-            <a:r>
-              <a:rPr lang="en-US" sz="1000" dirty="0">
-                <a:latin typeface="Century Gothic" panose="020B0502020202020204" pitchFamily="34" charset="0"/>
-                <a:cs typeface="Arial" panose="020B0604020202020204" pitchFamily="34" charset="0"/>
-              </a:rPr>
-              <a:t>Mar 21-25, 2016</a:t>
-            </a:r>
-          </a:p>
-          <a:p>
-            <a:r>
-              <a:rPr lang="en-US" sz="800" i="1" dirty="0">
-                <a:latin typeface="Century Gothic" panose="020B0502020202020204" pitchFamily="34" charset="0"/>
-                <a:cs typeface="Arial" panose="020B0604020202020204" pitchFamily="34" charset="0"/>
-              </a:rPr>
-              <a:t>Spring break! Party! Woo!</a:t>
-            </a:r>
-          </a:p>
-        </p:txBody>
-      </p:sp>
-      <p:cxnSp>
-        <p:nvCxnSpPr>
-          <p:cNvPr id="80" name="Straight Arrow Connector 79"/>
-          <p:cNvCxnSpPr>
-            <a:cxnSpLocks/>
-          </p:cNvCxnSpPr>
-          <p:nvPr/>
-        </p:nvCxnSpPr>
-        <p:spPr>
-          <a:xfrm flipV="1">
-            <a:off x="6934200" y="4354775"/>
-            <a:ext cx="400050" cy="653632"/>
-          </a:xfrm>
-          <a:prstGeom prst="straightConnector1">
-            <a:avLst/>
-          </a:prstGeom>
-          <a:ln>
             <a:tailEnd type="triangle"/>
           </a:ln>
         </p:spPr>
@@ -9206,7 +9925,7 @@
     </p:spTree>
     <p:extLst>
       <p:ext uri="{BB962C8B-B14F-4D97-AF65-F5344CB8AC3E}">
-        <p14:creationId xmlns:p14="http://schemas.microsoft.com/office/powerpoint/2010/main" val="3065806878"/>
+        <p14:creationId xmlns:p14="http://schemas.microsoft.com/office/powerpoint/2010/main" val="2914679269"/>
       </p:ext>
     </p:extLst>
   </p:cSld>
@@ -9374,11 +10093,6 @@
             </a:pPr>
             <a:r>
               <a:rPr lang="en-US" sz="1200" b="1" dirty="0">
-                <a:solidFill>
-                  <a:schemeClr val="bg2">
-                    <a:lumMod val="90000"/>
-                  </a:schemeClr>
-                </a:solidFill>
                 <a:latin typeface="Century Gothic" panose="020B0502020202020204" pitchFamily="34" charset="0"/>
                 <a:cs typeface="Arial" panose="020B0604020202020204" pitchFamily="34" charset="0"/>
               </a:rPr>
@@ -9393,11 +10107,6 @@
             </a:pPr>
             <a:r>
               <a:rPr lang="en-US" sz="1000" dirty="0">
-                <a:solidFill>
-                  <a:schemeClr val="bg2">
-                    <a:lumMod val="90000"/>
-                  </a:schemeClr>
-                </a:solidFill>
                 <a:latin typeface="Century Gothic" panose="020B0502020202020204" pitchFamily="34" charset="0"/>
                 <a:cs typeface="Arial" panose="020B0604020202020204" pitchFamily="34" charset="0"/>
               </a:rPr>
@@ -9407,11 +10116,6 @@
           <a:p>
             <a:r>
               <a:rPr lang="en-US" sz="800" i="1" dirty="0">
-                <a:solidFill>
-                  <a:schemeClr val="bg2">
-                    <a:lumMod val="90000"/>
-                  </a:schemeClr>
-                </a:solidFill>
                 <a:latin typeface="Century Gothic" panose="020B0502020202020204" pitchFamily="34" charset="0"/>
                 <a:cs typeface="Arial" panose="020B0604020202020204" pitchFamily="34" charset="0"/>
               </a:rPr>
@@ -9437,9 +10141,6 @@
             <a:avLst/>
           </a:prstGeom>
           <a:ln>
-            <a:solidFill>
-              <a:schemeClr val="bg2"/>
-            </a:solidFill>
             <a:tailEnd type="triangle"/>
           </a:ln>
         </p:spPr>
@@ -9536,12 +10237,15 @@
         <p:spPr>
           <a:xfrm>
             <a:off x="3539744" y="5008407"/>
-            <a:ext cx="1617448" cy="715581"/>
+            <a:ext cx="1617448" cy="838691"/>
           </a:xfrm>
           <a:prstGeom prst="rect">
             <a:avLst/>
           </a:prstGeom>
           <a:noFill/>
+          <a:ln>
+            <a:noFill/>
+          </a:ln>
         </p:spPr>
         <p:txBody>
           <a:bodyPr wrap="square" rtlCol="0">
@@ -9597,7 +10301,7 @@
                 <a:latin typeface="Century Gothic" panose="020B0502020202020204" pitchFamily="34" charset="0"/>
                 <a:cs typeface="Arial" panose="020B0604020202020204" pitchFamily="34" charset="0"/>
               </a:rPr>
-              <a:t>Most students head home for the winter holidays</a:t>
+              <a:t>Most students head home for the winter holidays, like Christmas and Hanukkah</a:t>
             </a:r>
           </a:p>
         </p:txBody>
@@ -9611,7 +10315,7 @@
         <p:spPr>
           <a:xfrm>
             <a:off x="2023091" y="3516084"/>
-            <a:ext cx="1624984" cy="838691"/>
+            <a:ext cx="1621523" cy="838691"/>
           </a:xfrm>
           <a:prstGeom prst="rect">
             <a:avLst/>
@@ -9717,14 +10421,14 @@
       </p:cxnSp>
       <p:sp>
         <p:nvSpPr>
-          <p:cNvPr id="72" name="TextBox 71"/>
+          <p:cNvPr id="85" name="TextBox 84"/>
           <p:cNvSpPr txBox="1"/>
           <p:nvPr/>
         </p:nvSpPr>
         <p:spPr>
           <a:xfrm>
-            <a:off x="5910722" y="5008407"/>
-            <a:ext cx="1535095" cy="592470"/>
+            <a:off x="3103334" y="1105594"/>
+            <a:ext cx="1481366" cy="715581"/>
           </a:xfrm>
           <a:prstGeom prst="rect">
             <a:avLst/>
@@ -9752,7 +10456,7 @@
                 <a:latin typeface="Century Gothic" panose="020B0502020202020204" pitchFamily="34" charset="0"/>
                 <a:cs typeface="Arial" panose="020B0604020202020204" pitchFamily="34" charset="0"/>
               </a:rPr>
-              <a:t>Spring Break</a:t>
+              <a:t>School Begins</a:t>
             </a:r>
           </a:p>
           <a:p>
@@ -9771,7 +10475,7 @@
                 <a:latin typeface="Century Gothic" panose="020B0502020202020204" pitchFamily="34" charset="0"/>
                 <a:cs typeface="Arial" panose="020B0604020202020204" pitchFamily="34" charset="0"/>
               </a:rPr>
-              <a:t>Mar 21-25, 2016</a:t>
+              <a:t>Aug 26, 2016</a:t>
             </a:r>
           </a:p>
           <a:p>
@@ -9785,119 +10489,6 @@
                 <a:latin typeface="Century Gothic" panose="020B0502020202020204" pitchFamily="34" charset="0"/>
                 <a:cs typeface="Arial" panose="020B0604020202020204" pitchFamily="34" charset="0"/>
               </a:rPr>
-              <a:t>Spring break! Party! Woo!</a:t>
-            </a:r>
-          </a:p>
-        </p:txBody>
-      </p:sp>
-      <p:cxnSp>
-        <p:nvCxnSpPr>
-          <p:cNvPr id="80" name="Straight Arrow Connector 79"/>
-          <p:cNvCxnSpPr>
-            <a:cxnSpLocks/>
-          </p:cNvCxnSpPr>
-          <p:nvPr/>
-        </p:nvCxnSpPr>
-        <p:spPr>
-          <a:xfrm flipV="1">
-            <a:off x="6934200" y="4354775"/>
-            <a:ext cx="400050" cy="653632"/>
-          </a:xfrm>
-          <a:prstGeom prst="straightConnector1">
-            <a:avLst/>
-          </a:prstGeom>
-          <a:ln>
-            <a:solidFill>
-              <a:schemeClr val="bg2"/>
-            </a:solidFill>
-            <a:tailEnd type="triangle"/>
-          </a:ln>
-        </p:spPr>
-        <p:style>
-          <a:lnRef idx="1">
-            <a:schemeClr val="accent1"/>
-          </a:lnRef>
-          <a:fillRef idx="0">
-            <a:schemeClr val="accent1"/>
-          </a:fillRef>
-          <a:effectRef idx="0">
-            <a:schemeClr val="accent1"/>
-          </a:effectRef>
-          <a:fontRef idx="minor">
-            <a:schemeClr val="tx1"/>
-          </a:fontRef>
-        </p:style>
-      </p:cxnSp>
-      <p:sp>
-        <p:nvSpPr>
-          <p:cNvPr id="85" name="TextBox 84"/>
-          <p:cNvSpPr txBox="1"/>
-          <p:nvPr/>
-        </p:nvSpPr>
-        <p:spPr>
-          <a:xfrm>
-            <a:off x="3103334" y="1105594"/>
-            <a:ext cx="1481366" cy="715581"/>
-          </a:xfrm>
-          <a:prstGeom prst="rect">
-            <a:avLst/>
-          </a:prstGeom>
-          <a:noFill/>
-        </p:spPr>
-        <p:txBody>
-          <a:bodyPr wrap="square" rtlCol="0">
-            <a:spAutoFit/>
-          </a:bodyPr>
-          <a:lstStyle/>
-          <a:p>
-            <a:pPr>
-              <a:spcAft>
-                <a:spcPts val="100"/>
-              </a:spcAft>
-            </a:pPr>
-            <a:r>
-              <a:rPr lang="en-US" sz="1200" b="1" dirty="0">
-                <a:solidFill>
-                  <a:schemeClr val="bg2">
-                    <a:lumMod val="90000"/>
-                  </a:schemeClr>
-                </a:solidFill>
-                <a:latin typeface="Century Gothic" panose="020B0502020202020204" pitchFamily="34" charset="0"/>
-                <a:cs typeface="Arial" panose="020B0604020202020204" pitchFamily="34" charset="0"/>
-              </a:rPr>
-              <a:t>School Begins</a:t>
-            </a:r>
-          </a:p>
-          <a:p>
-            <a:pPr>
-              <a:spcAft>
-                <a:spcPts val="200"/>
-              </a:spcAft>
-            </a:pPr>
-            <a:r>
-              <a:rPr lang="en-US" sz="1000" dirty="0">
-                <a:solidFill>
-                  <a:schemeClr val="bg2">
-                    <a:lumMod val="90000"/>
-                  </a:schemeClr>
-                </a:solidFill>
-                <a:latin typeface="Century Gothic" panose="020B0502020202020204" pitchFamily="34" charset="0"/>
-                <a:cs typeface="Arial" panose="020B0604020202020204" pitchFamily="34" charset="0"/>
-              </a:rPr>
-              <a:t>Aug 26, 2016</a:t>
-            </a:r>
-          </a:p>
-          <a:p>
-            <a:r>
-              <a:rPr lang="en-US" sz="800" i="1" dirty="0">
-                <a:solidFill>
-                  <a:schemeClr val="bg2">
-                    <a:lumMod val="90000"/>
-                  </a:schemeClr>
-                </a:solidFill>
-                <a:latin typeface="Century Gothic" panose="020B0502020202020204" pitchFamily="34" charset="0"/>
-                <a:cs typeface="Arial" panose="020B0604020202020204" pitchFamily="34" charset="0"/>
-              </a:rPr>
               <a:t>Every freshman is in the gym until next week</a:t>
             </a:r>
           </a:p>
@@ -9923,101 +10514,6 @@
             <a:solidFill>
               <a:schemeClr val="bg2"/>
             </a:solidFill>
-            <a:tailEnd type="triangle"/>
-          </a:ln>
-        </p:spPr>
-        <p:style>
-          <a:lnRef idx="1">
-            <a:schemeClr val="accent1"/>
-          </a:lnRef>
-          <a:fillRef idx="0">
-            <a:schemeClr val="accent1"/>
-          </a:fillRef>
-          <a:effectRef idx="0">
-            <a:schemeClr val="accent1"/>
-          </a:effectRef>
-          <a:fontRef idx="minor">
-            <a:schemeClr val="tx1"/>
-          </a:fontRef>
-        </p:style>
-      </p:cxnSp>
-      <p:sp>
-        <p:nvSpPr>
-          <p:cNvPr id="89" name="TextBox 88"/>
-          <p:cNvSpPr txBox="1"/>
-          <p:nvPr/>
-        </p:nvSpPr>
-        <p:spPr>
-          <a:xfrm>
-            <a:off x="9412888" y="2724000"/>
-            <a:ext cx="2040969" cy="715581"/>
-          </a:xfrm>
-          <a:prstGeom prst="rect">
-            <a:avLst/>
-          </a:prstGeom>
-          <a:noFill/>
-        </p:spPr>
-        <p:txBody>
-          <a:bodyPr wrap="square" rtlCol="0">
-            <a:spAutoFit/>
-          </a:bodyPr>
-          <a:lstStyle/>
-          <a:p>
-            <a:pPr>
-              <a:spcAft>
-                <a:spcPts val="100"/>
-              </a:spcAft>
-            </a:pPr>
-            <a:r>
-              <a:rPr lang="en-US" sz="1200" b="1" dirty="0">
-                <a:latin typeface="Century Gothic" panose="020B0502020202020204" pitchFamily="34" charset="0"/>
-                <a:cs typeface="Arial" panose="020B0604020202020204" pitchFamily="34" charset="0"/>
-              </a:rPr>
-              <a:t>Spring Commencement</a:t>
-            </a:r>
-          </a:p>
-          <a:p>
-            <a:pPr>
-              <a:spcAft>
-                <a:spcPts val="200"/>
-              </a:spcAft>
-            </a:pPr>
-            <a:r>
-              <a:rPr lang="en-US" sz="1000" dirty="0">
-                <a:latin typeface="Century Gothic" panose="020B0502020202020204" pitchFamily="34" charset="0"/>
-                <a:cs typeface="Arial" panose="020B0604020202020204" pitchFamily="34" charset="0"/>
-              </a:rPr>
-              <a:t>May 14, 2016</a:t>
-            </a:r>
-          </a:p>
-          <a:p>
-            <a:r>
-              <a:rPr lang="en-US" sz="800" i="1" dirty="0">
-                <a:latin typeface="Century Gothic" panose="020B0502020202020204" pitchFamily="34" charset="0"/>
-                <a:cs typeface="Arial" panose="020B0604020202020204" pitchFamily="34" charset="0"/>
-              </a:rPr>
-              <a:t>The gym becomes an empty wasteland until next year</a:t>
-            </a:r>
-          </a:p>
-        </p:txBody>
-      </p:sp>
-      <p:cxnSp>
-        <p:nvCxnSpPr>
-          <p:cNvPr id="92" name="Straight Arrow Connector 91"/>
-          <p:cNvCxnSpPr>
-            <a:cxnSpLocks/>
-          </p:cNvCxnSpPr>
-          <p:nvPr/>
-        </p:nvCxnSpPr>
-        <p:spPr>
-          <a:xfrm flipH="1">
-            <a:off x="8976220" y="3429000"/>
-            <a:ext cx="510681" cy="773884"/>
-          </a:xfrm>
-          <a:prstGeom prst="straightConnector1">
-            <a:avLst/>
-          </a:prstGeom>
-          <a:ln>
             <a:tailEnd type="triangle"/>
           </a:ln>
         </p:spPr>
@@ -10039,7 +10535,7 @@
     </p:spTree>
     <p:extLst>
       <p:ext uri="{BB962C8B-B14F-4D97-AF65-F5344CB8AC3E}">
-        <p14:creationId xmlns:p14="http://schemas.microsoft.com/office/powerpoint/2010/main" val="3988067614"/>
+        <p14:creationId xmlns:p14="http://schemas.microsoft.com/office/powerpoint/2010/main" val="587154643"/>
       </p:ext>
     </p:extLst>
   </p:cSld>

--- a/presentation/UC Berkeley Gym Attendance.pptx
+++ b/presentation/UC Berkeley Gym Attendance.pptx
@@ -4,19 +4,23 @@
   <p:sldMasterIdLst>
     <p:sldMasterId id="2147483648" r:id="rId1"/>
   </p:sldMasterIdLst>
+  <p:notesMasterIdLst>
+    <p:notesMasterId r:id="rId15"/>
+  </p:notesMasterIdLst>
   <p:sldIdLst>
-    <p:sldId id="268" r:id="rId2"/>
-    <p:sldId id="269" r:id="rId3"/>
-    <p:sldId id="267" r:id="rId4"/>
-    <p:sldId id="265" r:id="rId5"/>
-    <p:sldId id="263" r:id="rId6"/>
-    <p:sldId id="257" r:id="rId7"/>
-    <p:sldId id="258" r:id="rId8"/>
-    <p:sldId id="259" r:id="rId9"/>
-    <p:sldId id="260" r:id="rId10"/>
-    <p:sldId id="261" r:id="rId11"/>
-    <p:sldId id="262" r:id="rId12"/>
-    <p:sldId id="264" r:id="rId13"/>
+    <p:sldId id="269" r:id="rId2"/>
+    <p:sldId id="267" r:id="rId3"/>
+    <p:sldId id="265" r:id="rId4"/>
+    <p:sldId id="263" r:id="rId5"/>
+    <p:sldId id="257" r:id="rId6"/>
+    <p:sldId id="258" r:id="rId7"/>
+    <p:sldId id="259" r:id="rId8"/>
+    <p:sldId id="260" r:id="rId9"/>
+    <p:sldId id="261" r:id="rId10"/>
+    <p:sldId id="262" r:id="rId11"/>
+    <p:sldId id="264" r:id="rId12"/>
+    <p:sldId id="270" r:id="rId13"/>
+    <p:sldId id="271" r:id="rId14"/>
   </p:sldIdLst>
   <p:sldSz cx="12192000" cy="6858000"/>
   <p:notesSz cx="6858000" cy="9144000"/>
@@ -123,6 +127,356 @@
 </p:presentation>
 </file>
 
+<file path=ppt/notesMasters/notesMaster1.xml><?xml version="1.0" encoding="utf-8"?>
+<p:notesMaster xmlns:a="http://schemas.openxmlformats.org/drawingml/2006/main" xmlns:r="http://schemas.openxmlformats.org/officeDocument/2006/relationships" xmlns:p="http://schemas.openxmlformats.org/presentationml/2006/main">
+  <p:cSld>
+    <p:bg>
+      <p:bgRef idx="1001">
+        <a:schemeClr val="bg1"/>
+      </p:bgRef>
+    </p:bg>
+    <p:spTree>
+      <p:nvGrpSpPr>
+        <p:cNvPr id="1" name=""/>
+        <p:cNvGrpSpPr/>
+        <p:nvPr/>
+      </p:nvGrpSpPr>
+      <p:grpSpPr>
+        <a:xfrm>
+          <a:off x="0" y="0"/>
+          <a:ext cx="0" cy="0"/>
+          <a:chOff x="0" y="0"/>
+          <a:chExt cx="0" cy="0"/>
+        </a:xfrm>
+      </p:grpSpPr>
+      <p:sp>
+        <p:nvSpPr>
+          <p:cNvPr id="2" name="Header Placeholder 1"/>
+          <p:cNvSpPr>
+            <a:spLocks noGrp="1"/>
+          </p:cNvSpPr>
+          <p:nvPr>
+            <p:ph type="hdr" sz="quarter"/>
+          </p:nvPr>
+        </p:nvSpPr>
+        <p:spPr>
+          <a:xfrm>
+            <a:off x="0" y="0"/>
+            <a:ext cx="2971800" cy="458788"/>
+          </a:xfrm>
+          <a:prstGeom prst="rect">
+            <a:avLst/>
+          </a:prstGeom>
+        </p:spPr>
+        <p:txBody>
+          <a:bodyPr vert="horz" lIns="91440" tIns="45720" rIns="91440" bIns="45720" rtlCol="0"/>
+          <a:lstStyle>
+            <a:lvl1pPr algn="l">
+              <a:defRPr sz="1200"/>
+            </a:lvl1pPr>
+          </a:lstStyle>
+          <a:p>
+            <a:endParaRPr lang="en-US"/>
+          </a:p>
+        </p:txBody>
+      </p:sp>
+      <p:sp>
+        <p:nvSpPr>
+          <p:cNvPr id="3" name="Date Placeholder 2"/>
+          <p:cNvSpPr>
+            <a:spLocks noGrp="1"/>
+          </p:cNvSpPr>
+          <p:nvPr>
+            <p:ph type="dt" idx="1"/>
+          </p:nvPr>
+        </p:nvSpPr>
+        <p:spPr>
+          <a:xfrm>
+            <a:off x="3884613" y="0"/>
+            <a:ext cx="2971800" cy="458788"/>
+          </a:xfrm>
+          <a:prstGeom prst="rect">
+            <a:avLst/>
+          </a:prstGeom>
+        </p:spPr>
+        <p:txBody>
+          <a:bodyPr vert="horz" lIns="91440" tIns="45720" rIns="91440" bIns="45720" rtlCol="0"/>
+          <a:lstStyle>
+            <a:lvl1pPr algn="r">
+              <a:defRPr sz="1200"/>
+            </a:lvl1pPr>
+          </a:lstStyle>
+          <a:p>
+            <a:fld id="{F995ACDD-3F21-4EED-9D85-37A70E6BD839}" type="datetimeFigureOut">
+              <a:rPr lang="en-US" smtClean="0"/>
+              <a:t>4/2/2017</a:t>
+            </a:fld>
+            <a:endParaRPr lang="en-US"/>
+          </a:p>
+        </p:txBody>
+      </p:sp>
+      <p:sp>
+        <p:nvSpPr>
+          <p:cNvPr id="4" name="Slide Image Placeholder 3"/>
+          <p:cNvSpPr>
+            <a:spLocks noGrp="1" noRot="1" noChangeAspect="1"/>
+          </p:cNvSpPr>
+          <p:nvPr>
+            <p:ph type="sldImg" idx="2"/>
+          </p:nvPr>
+        </p:nvSpPr>
+        <p:spPr>
+          <a:xfrm>
+            <a:off x="685800" y="1143000"/>
+            <a:ext cx="5486400" cy="3086100"/>
+          </a:xfrm>
+          <a:prstGeom prst="rect">
+            <a:avLst/>
+          </a:prstGeom>
+          <a:noFill/>
+          <a:ln w="12700">
+            <a:solidFill>
+              <a:prstClr val="black"/>
+            </a:solidFill>
+          </a:ln>
+        </p:spPr>
+        <p:txBody>
+          <a:bodyPr vert="horz" lIns="91440" tIns="45720" rIns="91440" bIns="45720" rtlCol="0" anchor="ctr"/>
+          <a:lstStyle/>
+          <a:p>
+            <a:endParaRPr lang="en-US"/>
+          </a:p>
+        </p:txBody>
+      </p:sp>
+      <p:sp>
+        <p:nvSpPr>
+          <p:cNvPr id="5" name="Notes Placeholder 4"/>
+          <p:cNvSpPr>
+            <a:spLocks noGrp="1"/>
+          </p:cNvSpPr>
+          <p:nvPr>
+            <p:ph type="body" sz="quarter" idx="3"/>
+          </p:nvPr>
+        </p:nvSpPr>
+        <p:spPr>
+          <a:xfrm>
+            <a:off x="685800" y="4400550"/>
+            <a:ext cx="5486400" cy="3600450"/>
+          </a:xfrm>
+          <a:prstGeom prst="rect">
+            <a:avLst/>
+          </a:prstGeom>
+        </p:spPr>
+        <p:txBody>
+          <a:bodyPr vert="horz" lIns="91440" tIns="45720" rIns="91440" bIns="45720" rtlCol="0"/>
+          <a:lstStyle/>
+          <a:p>
+            <a:pPr lvl="0"/>
+            <a:r>
+              <a:rPr lang="en-US"/>
+              <a:t>Edit Master text styles</a:t>
+            </a:r>
+          </a:p>
+          <a:p>
+            <a:pPr lvl="1"/>
+            <a:r>
+              <a:rPr lang="en-US"/>
+              <a:t>Second level</a:t>
+            </a:r>
+          </a:p>
+          <a:p>
+            <a:pPr lvl="2"/>
+            <a:r>
+              <a:rPr lang="en-US"/>
+              <a:t>Third level</a:t>
+            </a:r>
+          </a:p>
+          <a:p>
+            <a:pPr lvl="3"/>
+            <a:r>
+              <a:rPr lang="en-US"/>
+              <a:t>Fourth level</a:t>
+            </a:r>
+          </a:p>
+          <a:p>
+            <a:pPr lvl="4"/>
+            <a:r>
+              <a:rPr lang="en-US"/>
+              <a:t>Fifth level</a:t>
+            </a:r>
+            <a:endParaRPr lang="en-US"/>
+          </a:p>
+        </p:txBody>
+      </p:sp>
+      <p:sp>
+        <p:nvSpPr>
+          <p:cNvPr id="6" name="Footer Placeholder 5"/>
+          <p:cNvSpPr>
+            <a:spLocks noGrp="1"/>
+          </p:cNvSpPr>
+          <p:nvPr>
+            <p:ph type="ftr" sz="quarter" idx="4"/>
+          </p:nvPr>
+        </p:nvSpPr>
+        <p:spPr>
+          <a:xfrm>
+            <a:off x="0" y="8685213"/>
+            <a:ext cx="2971800" cy="458787"/>
+          </a:xfrm>
+          <a:prstGeom prst="rect">
+            <a:avLst/>
+          </a:prstGeom>
+        </p:spPr>
+        <p:txBody>
+          <a:bodyPr vert="horz" lIns="91440" tIns="45720" rIns="91440" bIns="45720" rtlCol="0" anchor="b"/>
+          <a:lstStyle>
+            <a:lvl1pPr algn="l">
+              <a:defRPr sz="1200"/>
+            </a:lvl1pPr>
+          </a:lstStyle>
+          <a:p>
+            <a:endParaRPr lang="en-US"/>
+          </a:p>
+        </p:txBody>
+      </p:sp>
+      <p:sp>
+        <p:nvSpPr>
+          <p:cNvPr id="7" name="Slide Number Placeholder 6"/>
+          <p:cNvSpPr>
+            <a:spLocks noGrp="1"/>
+          </p:cNvSpPr>
+          <p:nvPr>
+            <p:ph type="sldNum" sz="quarter" idx="5"/>
+          </p:nvPr>
+        </p:nvSpPr>
+        <p:spPr>
+          <a:xfrm>
+            <a:off x="3884613" y="8685213"/>
+            <a:ext cx="2971800" cy="458787"/>
+          </a:xfrm>
+          <a:prstGeom prst="rect">
+            <a:avLst/>
+          </a:prstGeom>
+        </p:spPr>
+        <p:txBody>
+          <a:bodyPr vert="horz" lIns="91440" tIns="45720" rIns="91440" bIns="45720" rtlCol="0" anchor="b"/>
+          <a:lstStyle>
+            <a:lvl1pPr algn="r">
+              <a:defRPr sz="1200"/>
+            </a:lvl1pPr>
+          </a:lstStyle>
+          <a:p>
+            <a:fld id="{6AB2D3BD-D8B6-4C37-8692-5B29A05F07A3}" type="slidenum">
+              <a:rPr lang="en-US" smtClean="0"/>
+              <a:t>‹#›</a:t>
+            </a:fld>
+            <a:endParaRPr lang="en-US"/>
+          </a:p>
+        </p:txBody>
+      </p:sp>
+    </p:spTree>
+    <p:extLst>
+      <p:ext uri="{BB962C8B-B14F-4D97-AF65-F5344CB8AC3E}">
+        <p14:creationId xmlns:p14="http://schemas.microsoft.com/office/powerpoint/2010/main" val="3616435029"/>
+      </p:ext>
+    </p:extLst>
+  </p:cSld>
+  <p:clrMap bg1="lt1" tx1="dk1" bg2="lt2" tx2="dk2" accent1="accent1" accent2="accent2" accent3="accent3" accent4="accent4" accent5="accent5" accent6="accent6" hlink="hlink" folHlink="folHlink"/>
+  <p:notesStyle>
+    <a:lvl1pPr marL="0" algn="l" defTabSz="914400" rtl="0" eaLnBrk="1" latinLnBrk="0" hangingPunct="1">
+      <a:defRPr sz="1200" kern="1200">
+        <a:solidFill>
+          <a:schemeClr val="tx1"/>
+        </a:solidFill>
+        <a:latin typeface="+mn-lt"/>
+        <a:ea typeface="+mn-ea"/>
+        <a:cs typeface="+mn-cs"/>
+      </a:defRPr>
+    </a:lvl1pPr>
+    <a:lvl2pPr marL="457200" algn="l" defTabSz="914400" rtl="0" eaLnBrk="1" latinLnBrk="0" hangingPunct="1">
+      <a:defRPr sz="1200" kern="1200">
+        <a:solidFill>
+          <a:schemeClr val="tx1"/>
+        </a:solidFill>
+        <a:latin typeface="+mn-lt"/>
+        <a:ea typeface="+mn-ea"/>
+        <a:cs typeface="+mn-cs"/>
+      </a:defRPr>
+    </a:lvl2pPr>
+    <a:lvl3pPr marL="914400" algn="l" defTabSz="914400" rtl="0" eaLnBrk="1" latinLnBrk="0" hangingPunct="1">
+      <a:defRPr sz="1200" kern="1200">
+        <a:solidFill>
+          <a:schemeClr val="tx1"/>
+        </a:solidFill>
+        <a:latin typeface="+mn-lt"/>
+        <a:ea typeface="+mn-ea"/>
+        <a:cs typeface="+mn-cs"/>
+      </a:defRPr>
+    </a:lvl3pPr>
+    <a:lvl4pPr marL="1371600" algn="l" defTabSz="914400" rtl="0" eaLnBrk="1" latinLnBrk="0" hangingPunct="1">
+      <a:defRPr sz="1200" kern="1200">
+        <a:solidFill>
+          <a:schemeClr val="tx1"/>
+        </a:solidFill>
+        <a:latin typeface="+mn-lt"/>
+        <a:ea typeface="+mn-ea"/>
+        <a:cs typeface="+mn-cs"/>
+      </a:defRPr>
+    </a:lvl4pPr>
+    <a:lvl5pPr marL="1828800" algn="l" defTabSz="914400" rtl="0" eaLnBrk="1" latinLnBrk="0" hangingPunct="1">
+      <a:defRPr sz="1200" kern="1200">
+        <a:solidFill>
+          <a:schemeClr val="tx1"/>
+        </a:solidFill>
+        <a:latin typeface="+mn-lt"/>
+        <a:ea typeface="+mn-ea"/>
+        <a:cs typeface="+mn-cs"/>
+      </a:defRPr>
+    </a:lvl5pPr>
+    <a:lvl6pPr marL="2286000" algn="l" defTabSz="914400" rtl="0" eaLnBrk="1" latinLnBrk="0" hangingPunct="1">
+      <a:defRPr sz="1200" kern="1200">
+        <a:solidFill>
+          <a:schemeClr val="tx1"/>
+        </a:solidFill>
+        <a:latin typeface="+mn-lt"/>
+        <a:ea typeface="+mn-ea"/>
+        <a:cs typeface="+mn-cs"/>
+      </a:defRPr>
+    </a:lvl6pPr>
+    <a:lvl7pPr marL="2743200" algn="l" defTabSz="914400" rtl="0" eaLnBrk="1" latinLnBrk="0" hangingPunct="1">
+      <a:defRPr sz="1200" kern="1200">
+        <a:solidFill>
+          <a:schemeClr val="tx1"/>
+        </a:solidFill>
+        <a:latin typeface="+mn-lt"/>
+        <a:ea typeface="+mn-ea"/>
+        <a:cs typeface="+mn-cs"/>
+      </a:defRPr>
+    </a:lvl7pPr>
+    <a:lvl8pPr marL="3200400" algn="l" defTabSz="914400" rtl="0" eaLnBrk="1" latinLnBrk="0" hangingPunct="1">
+      <a:defRPr sz="1200" kern="1200">
+        <a:solidFill>
+          <a:schemeClr val="tx1"/>
+        </a:solidFill>
+        <a:latin typeface="+mn-lt"/>
+        <a:ea typeface="+mn-ea"/>
+        <a:cs typeface="+mn-cs"/>
+      </a:defRPr>
+    </a:lvl8pPr>
+    <a:lvl9pPr marL="3657600" algn="l" defTabSz="914400" rtl="0" eaLnBrk="1" latinLnBrk="0" hangingPunct="1">
+      <a:defRPr sz="1200" kern="1200">
+        <a:solidFill>
+          <a:schemeClr val="tx1"/>
+        </a:solidFill>
+        <a:latin typeface="+mn-lt"/>
+        <a:ea typeface="+mn-ea"/>
+        <a:cs typeface="+mn-cs"/>
+      </a:defRPr>
+    </a:lvl9pPr>
+  </p:notesStyle>
+</p:notesMaster>
+</file>
+
 <file path=ppt/slideLayouts/slideLayout1.xml><?xml version="1.0" encoding="utf-8"?>
 <p:sldLayout xmlns:a="http://schemas.openxmlformats.org/drawingml/2006/main" xmlns:r="http://schemas.openxmlformats.org/officeDocument/2006/relationships" xmlns:p="http://schemas.openxmlformats.org/presentationml/2006/main" type="title" preserve="1">
   <p:cSld name="Title Slide">
@@ -252,7 +606,7 @@
           <a:p>
             <a:fld id="{261AE865-0BAD-4428-8396-EB69E173C912}" type="datetimeFigureOut">
               <a:rPr lang="en-US" smtClean="0"/>
-              <a:t>3/31/2017</a:t>
+              <a:t>4/2/2017</a:t>
             </a:fld>
             <a:endParaRPr lang="en-US"/>
           </a:p>
@@ -420,7 +774,7 @@
           <a:p>
             <a:fld id="{261AE865-0BAD-4428-8396-EB69E173C912}" type="datetimeFigureOut">
               <a:rPr lang="en-US" smtClean="0"/>
-              <a:t>3/31/2017</a:t>
+              <a:t>4/2/2017</a:t>
             </a:fld>
             <a:endParaRPr lang="en-US"/>
           </a:p>
@@ -598,7 +952,7 @@
           <a:p>
             <a:fld id="{261AE865-0BAD-4428-8396-EB69E173C912}" type="datetimeFigureOut">
               <a:rPr lang="en-US" smtClean="0"/>
-              <a:t>3/31/2017</a:t>
+              <a:t>4/2/2017</a:t>
             </a:fld>
             <a:endParaRPr lang="en-US"/>
           </a:p>
@@ -766,7 +1120,7 @@
           <a:p>
             <a:fld id="{261AE865-0BAD-4428-8396-EB69E173C912}" type="datetimeFigureOut">
               <a:rPr lang="en-US" smtClean="0"/>
-              <a:t>3/31/2017</a:t>
+              <a:t>4/2/2017</a:t>
             </a:fld>
             <a:endParaRPr lang="en-US"/>
           </a:p>
@@ -1011,7 +1365,7 @@
           <a:p>
             <a:fld id="{261AE865-0BAD-4428-8396-EB69E173C912}" type="datetimeFigureOut">
               <a:rPr lang="en-US" smtClean="0"/>
-              <a:t>3/31/2017</a:t>
+              <a:t>4/2/2017</a:t>
             </a:fld>
             <a:endParaRPr lang="en-US"/>
           </a:p>
@@ -1240,7 +1594,7 @@
           <a:p>
             <a:fld id="{261AE865-0BAD-4428-8396-EB69E173C912}" type="datetimeFigureOut">
               <a:rPr lang="en-US" smtClean="0"/>
-              <a:t>3/31/2017</a:t>
+              <a:t>4/2/2017</a:t>
             </a:fld>
             <a:endParaRPr lang="en-US"/>
           </a:p>
@@ -1604,7 +1958,7 @@
           <a:p>
             <a:fld id="{261AE865-0BAD-4428-8396-EB69E173C912}" type="datetimeFigureOut">
               <a:rPr lang="en-US" smtClean="0"/>
-              <a:t>3/31/2017</a:t>
+              <a:t>4/2/2017</a:t>
             </a:fld>
             <a:endParaRPr lang="en-US"/>
           </a:p>
@@ -1721,7 +2075,7 @@
           <a:p>
             <a:fld id="{261AE865-0BAD-4428-8396-EB69E173C912}" type="datetimeFigureOut">
               <a:rPr lang="en-US" smtClean="0"/>
-              <a:t>3/31/2017</a:t>
+              <a:t>4/2/2017</a:t>
             </a:fld>
             <a:endParaRPr lang="en-US"/>
           </a:p>
@@ -1816,7 +2170,7 @@
           <a:p>
             <a:fld id="{261AE865-0BAD-4428-8396-EB69E173C912}" type="datetimeFigureOut">
               <a:rPr lang="en-US" smtClean="0"/>
-              <a:t>3/31/2017</a:t>
+              <a:t>4/2/2017</a:t>
             </a:fld>
             <a:endParaRPr lang="en-US"/>
           </a:p>
@@ -2091,7 +2445,7 @@
           <a:p>
             <a:fld id="{261AE865-0BAD-4428-8396-EB69E173C912}" type="datetimeFigureOut">
               <a:rPr lang="en-US" smtClean="0"/>
-              <a:t>3/31/2017</a:t>
+              <a:t>4/2/2017</a:t>
             </a:fld>
             <a:endParaRPr lang="en-US"/>
           </a:p>
@@ -2343,7 +2697,7 @@
           <a:p>
             <a:fld id="{261AE865-0BAD-4428-8396-EB69E173C912}" type="datetimeFigureOut">
               <a:rPr lang="en-US" smtClean="0"/>
-              <a:t>3/31/2017</a:t>
+              <a:t>4/2/2017</a:t>
             </a:fld>
             <a:endParaRPr lang="en-US"/>
           </a:p>
@@ -2554,7 +2908,7 @@
           <a:p>
             <a:fld id="{261AE865-0BAD-4428-8396-EB69E173C912}" type="datetimeFigureOut">
               <a:rPr lang="en-US" smtClean="0"/>
-              <a:t>3/31/2017</a:t>
+              <a:t>4/2/2017</a:t>
             </a:fld>
             <a:endParaRPr lang="en-US"/>
           </a:p>
@@ -2959,54 +3313,22 @@
           <a:chExt cx="0" cy="0"/>
         </a:xfrm>
       </p:grpSpPr>
-      <p:pic>
-        <p:nvPicPr>
-          <p:cNvPr id="9" name="Picture 8"/>
-          <p:cNvPicPr>
-            <a:picLocks noChangeAspect="1"/>
-          </p:cNvPicPr>
-          <p:nvPr/>
-        </p:nvPicPr>
-        <p:blipFill>
-          <a:blip r:embed="rId2">
-            <a:extLst>
-              <a:ext uri="{28A0092B-C50C-407E-A947-70E740481C1C}">
-                <a14:useLocalDpi xmlns:a14="http://schemas.microsoft.com/office/drawing/2010/main" val="0"/>
-              </a:ext>
-            </a:extLst>
-          </a:blip>
-          <a:stretch>
-            <a:fillRect/>
-          </a:stretch>
-        </p:blipFill>
+      <p:sp>
+        <p:nvSpPr>
+          <p:cNvPr id="4" name="Rectangle 3"/>
+          <p:cNvSpPr/>
+          <p:nvPr/>
+        </p:nvSpPr>
         <p:spPr>
           <a:xfrm>
-            <a:off x="-2320464" y="0"/>
-            <a:ext cx="16566229" cy="5425440"/>
+            <a:off x="0" y="0"/>
+            <a:ext cx="12192000" cy="404037"/>
           </a:xfrm>
           <a:prstGeom prst="rect">
             <a:avLst/>
           </a:prstGeom>
-        </p:spPr>
-      </p:pic>
-      <p:sp>
-        <p:nvSpPr>
-          <p:cNvPr id="13" name="Rectangle 12"/>
-          <p:cNvSpPr/>
-          <p:nvPr/>
-        </p:nvSpPr>
-        <p:spPr>
-          <a:xfrm>
-            <a:off x="0" y="1699230"/>
-            <a:ext cx="4152900" cy="2209800"/>
-          </a:xfrm>
-          <a:prstGeom prst="rect">
-            <a:avLst/>
-          </a:prstGeom>
           <a:solidFill>
-            <a:srgbClr val="003A70">
-              <a:alpha val="85000"/>
-            </a:srgbClr>
+            <a:srgbClr val="003A70"/>
           </a:solidFill>
           <a:ln>
             <a:noFill/>
@@ -3033,173 +3355,19 @@
           <a:lstStyle/>
           <a:p>
             <a:pPr algn="ctr"/>
-            <a:endParaRPr lang="en-US" dirty="0"/>
-          </a:p>
-        </p:txBody>
-      </p:sp>
-      <p:sp>
-        <p:nvSpPr>
-          <p:cNvPr id="14" name="TextBox 13"/>
-          <p:cNvSpPr txBox="1"/>
-          <p:nvPr/>
-        </p:nvSpPr>
-        <p:spPr>
-          <a:xfrm>
-            <a:off x="590550" y="2019300"/>
-            <a:ext cx="2667000" cy="1569660"/>
-          </a:xfrm>
-          <a:prstGeom prst="rect">
-            <a:avLst/>
-          </a:prstGeom>
-          <a:noFill/>
-        </p:spPr>
-        <p:txBody>
-          <a:bodyPr wrap="square" rtlCol="0">
-            <a:spAutoFit/>
-          </a:bodyPr>
-          <a:lstStyle/>
-          <a:p>
-            <a:r>
-              <a:rPr lang="en-US" sz="3200" dirty="0">
-                <a:solidFill>
-                  <a:schemeClr val="bg1">
-                    <a:lumMod val="95000"/>
-                  </a:schemeClr>
-                </a:solidFill>
-                <a:latin typeface="Proxima Nova Lt" panose="02000506030000020004" pitchFamily="50" charset="0"/>
-              </a:rPr>
-              <a:t>How Many People Are in the Gym?</a:t>
-            </a:r>
-          </a:p>
-        </p:txBody>
-      </p:sp>
-      <p:sp>
-        <p:nvSpPr>
-          <p:cNvPr id="18" name="TextBox 17"/>
-          <p:cNvSpPr txBox="1"/>
-          <p:nvPr/>
-        </p:nvSpPr>
-        <p:spPr>
-          <a:xfrm>
-            <a:off x="10439400" y="5772150"/>
-            <a:ext cx="1752600" cy="707886"/>
-          </a:xfrm>
-          <a:prstGeom prst="rect">
-            <a:avLst/>
-          </a:prstGeom>
-          <a:noFill/>
-        </p:spPr>
-        <p:txBody>
-          <a:bodyPr wrap="square" rtlCol="0">
-            <a:spAutoFit/>
-          </a:bodyPr>
-          <a:lstStyle/>
-          <a:p>
-            <a:r>
-              <a:rPr lang="en-US" sz="2000" spc="-50" dirty="0">
-                <a:latin typeface="Karla" pitchFamily="2" charset="0"/>
-                <a:ea typeface="Karla" pitchFamily="2" charset="0"/>
-              </a:rPr>
-              <a:t>Jeff Ernst</a:t>
-            </a:r>
-          </a:p>
-          <a:p>
-            <a:r>
-              <a:rPr lang="en-US" sz="2000" spc="-50" dirty="0">
-                <a:latin typeface="Karla" pitchFamily="2" charset="0"/>
-                <a:ea typeface="Karla" pitchFamily="2" charset="0"/>
-              </a:rPr>
-              <a:t>April 2017</a:t>
-            </a:r>
-          </a:p>
-        </p:txBody>
-      </p:sp>
-    </p:spTree>
-    <p:extLst>
-      <p:ext uri="{BB962C8B-B14F-4D97-AF65-F5344CB8AC3E}">
-        <p14:creationId xmlns:p14="http://schemas.microsoft.com/office/powerpoint/2010/main" val="3283723802"/>
-      </p:ext>
-    </p:extLst>
-  </p:cSld>
-  <p:clrMapOvr>
-    <a:masterClrMapping/>
-  </p:clrMapOvr>
-</p:sld>
-</file>
-
-<file path=ppt/slides/slide10.xml><?xml version="1.0" encoding="utf-8"?>
-<p:sld xmlns:a="http://schemas.openxmlformats.org/drawingml/2006/main" xmlns:r="http://schemas.openxmlformats.org/officeDocument/2006/relationships" xmlns:p="http://schemas.openxmlformats.org/presentationml/2006/main">
-  <p:cSld>
-    <p:spTree>
-      <p:nvGrpSpPr>
-        <p:cNvPr id="1" name=""/>
-        <p:cNvGrpSpPr/>
-        <p:nvPr/>
-      </p:nvGrpSpPr>
-      <p:grpSpPr>
-        <a:xfrm>
-          <a:off x="0" y="0"/>
-          <a:ext cx="0" cy="0"/>
-          <a:chOff x="0" y="0"/>
-          <a:chExt cx="0" cy="0"/>
-        </a:xfrm>
-      </p:grpSpPr>
-      <p:sp>
-        <p:nvSpPr>
-          <p:cNvPr id="49" name="TextBox 48"/>
-          <p:cNvSpPr txBox="1"/>
-          <p:nvPr/>
-        </p:nvSpPr>
-        <p:spPr>
-          <a:xfrm>
-            <a:off x="404480" y="2724000"/>
-            <a:ext cx="507831" cy="1410001"/>
-          </a:xfrm>
-          <a:prstGeom prst="rect">
-            <a:avLst/>
-          </a:prstGeom>
-          <a:noFill/>
-        </p:spPr>
-        <p:txBody>
-          <a:bodyPr vert="vert270" wrap="none" rtlCol="0">
-            <a:spAutoFit/>
-          </a:bodyPr>
-          <a:lstStyle/>
-          <a:p>
-            <a:pPr algn="ctr"/>
-            <a:r>
-              <a:rPr lang="en-US" sz="1200" b="1" dirty="0">
-                <a:latin typeface="Arial" panose="020B0604020202020204" pitchFamily="34" charset="0"/>
-                <a:cs typeface="Arial" panose="020B0604020202020204" pitchFamily="34" charset="0"/>
-              </a:rPr>
-              <a:t>Number of People</a:t>
-            </a:r>
-          </a:p>
-          <a:p>
-            <a:pPr algn="ctr"/>
-            <a:r>
-              <a:rPr lang="en-US" sz="900" dirty="0">
-                <a:latin typeface="Arial" panose="020B0604020202020204" pitchFamily="34" charset="0"/>
-                <a:cs typeface="Arial" panose="020B0604020202020204" pitchFamily="34" charset="0"/>
-              </a:rPr>
-              <a:t>(7-day Moving Average)</a:t>
-            </a:r>
-            <a:endParaRPr lang="en-US" sz="1400" dirty="0">
-              <a:latin typeface="Arial" panose="020B0604020202020204" pitchFamily="34" charset="0"/>
-              <a:cs typeface="Arial" panose="020B0604020202020204" pitchFamily="34" charset="0"/>
-            </a:endParaRPr>
+            <a:endParaRPr lang="en-US"/>
           </a:p>
         </p:txBody>
       </p:sp>
       <p:pic>
         <p:nvPicPr>
-          <p:cNvPr id="51" name="Picture 50"/>
+          <p:cNvPr id="6146" name="Picture 2" descr="http://images.performgroup.com/di/library/sporting_news/87/2b/california-logo-ftr_1x0i0rlknnslu169pwm0od9x5l.jpg?t=1984411995"/>
           <p:cNvPicPr>
-            <a:picLocks noChangeAspect="1"/>
+            <a:picLocks noChangeAspect="1" noChangeArrowheads="1"/>
           </p:cNvPicPr>
           <p:nvPr/>
         </p:nvPicPr>
-        <p:blipFill rotWithShape="1">
+        <p:blipFill>
           <a:blip r:embed="rId2">
             <a:extLst>
               <a:ext uri="{28A0092B-C50C-407E-A947-70E740481C1C}">
@@ -3207,68 +3375,41 @@
               </a:ext>
             </a:extLst>
           </a:blip>
-          <a:srcRect l="2222" t="3819" r="2086" b="3567"/>
-          <a:stretch/>
+          <a:srcRect/>
+          <a:stretch>
+            <a:fillRect/>
+          </a:stretch>
         </p:blipFill>
-        <p:spPr>
+        <p:spPr bwMode="auto">
           <a:xfrm>
-            <a:off x="1055459" y="1072536"/>
-            <a:ext cx="10255250" cy="5293497"/>
+            <a:off x="1598900" y="1603670"/>
+            <a:ext cx="4256854" cy="2390592"/>
           </a:xfrm>
           <a:prstGeom prst="rect">
             <a:avLst/>
           </a:prstGeom>
-          <a:ln>
-            <a:noFill/>
-          </a:ln>
+          <a:noFill/>
+          <a:extLst>
+            <a:ext uri="{909E8E84-426E-40DD-AFC4-6F175D3DCCD1}">
+              <a14:hiddenFill xmlns:a14="http://schemas.microsoft.com/office/drawing/2010/main">
+                <a:solidFill>
+                  <a:srgbClr val="FFFFFF"/>
+                </a:solidFill>
+              </a14:hiddenFill>
+            </a:ext>
+          </a:extLst>
         </p:spPr>
       </p:pic>
       <p:sp>
         <p:nvSpPr>
-          <p:cNvPr id="53" name="TextBox 52"/>
+          <p:cNvPr id="5" name="TextBox 4"/>
           <p:cNvSpPr txBox="1"/>
           <p:nvPr/>
         </p:nvSpPr>
         <p:spPr>
           <a:xfrm>
-            <a:off x="5823050" y="6411684"/>
-            <a:ext cx="647934" cy="276999"/>
-          </a:xfrm>
-          <a:prstGeom prst="rect">
-            <a:avLst/>
-          </a:prstGeom>
-          <a:noFill/>
-        </p:spPr>
-        <p:txBody>
-          <a:bodyPr wrap="none" rtlCol="0">
-            <a:spAutoFit/>
-          </a:bodyPr>
-          <a:lstStyle/>
-          <a:p>
-            <a:r>
-              <a:rPr lang="en-US" sz="1200" b="1" dirty="0">
-                <a:latin typeface="Arial" panose="020B0604020202020204" pitchFamily="34" charset="0"/>
-                <a:cs typeface="Arial" panose="020B0604020202020204" pitchFamily="34" charset="0"/>
-              </a:rPr>
-              <a:t>Month</a:t>
-            </a:r>
-            <a:endParaRPr lang="en-US" sz="1400" b="1" dirty="0">
-              <a:latin typeface="Arial" panose="020B0604020202020204" pitchFamily="34" charset="0"/>
-              <a:cs typeface="Arial" panose="020B0604020202020204" pitchFamily="34" charset="0"/>
-            </a:endParaRPr>
-          </a:p>
-        </p:txBody>
-      </p:sp>
-      <p:sp>
-        <p:nvSpPr>
-          <p:cNvPr id="54" name="TextBox 53"/>
-          <p:cNvSpPr txBox="1"/>
-          <p:nvPr/>
-        </p:nvSpPr>
-        <p:spPr>
-          <a:xfrm>
-            <a:off x="6678270" y="1168985"/>
-            <a:ext cx="1994014" cy="851515"/>
+            <a:off x="5497777" y="1626565"/>
+            <a:ext cx="4742615" cy="1015663"/>
           </a:xfrm>
           <a:prstGeom prst="rect">
             <a:avLst/>
@@ -3281,80 +3422,83 @@
           </a:bodyPr>
           <a:lstStyle/>
           <a:p>
-            <a:pPr>
-              <a:spcAft>
-                <a:spcPts val="100"/>
-              </a:spcAft>
-            </a:pPr>
-            <a:r>
-              <a:rPr lang="en-US" sz="1200" b="1" dirty="0">
+            <a:r>
+              <a:rPr lang="en-US" sz="6000" dirty="0">
                 <a:solidFill>
-                  <a:schemeClr val="bg2">
-                    <a:lumMod val="90000"/>
-                  </a:schemeClr>
+                  <a:srgbClr val="003A70"/>
                 </a:solidFill>
-                <a:latin typeface="Century Gothic" panose="020B0502020202020204" pitchFamily="34" charset="0"/>
-                <a:cs typeface="Arial" panose="020B0604020202020204" pitchFamily="34" charset="0"/>
-              </a:rPr>
-              <a:t>New Year’s Gym Rush</a:t>
-            </a:r>
-          </a:p>
-          <a:p>
-            <a:pPr>
-              <a:spcAft>
-                <a:spcPts val="200"/>
-              </a:spcAft>
-            </a:pPr>
-            <a:r>
-              <a:rPr lang="en-US" sz="1000" dirty="0">
+                <a:latin typeface="Proxima Nova Lt" panose="02000506030000020004" pitchFamily="50" charset="0"/>
+              </a:rPr>
+              <a:t>UC Berkeley</a:t>
+            </a:r>
+          </a:p>
+        </p:txBody>
+      </p:sp>
+      <p:sp>
+        <p:nvSpPr>
+          <p:cNvPr id="7" name="TextBox 6"/>
+          <p:cNvSpPr txBox="1"/>
+          <p:nvPr/>
+        </p:nvSpPr>
+        <p:spPr>
+          <a:xfrm>
+            <a:off x="5497777" y="2670823"/>
+            <a:ext cx="4366102" cy="1323439"/>
+          </a:xfrm>
+          <a:prstGeom prst="rect">
+            <a:avLst/>
+          </a:prstGeom>
+          <a:noFill/>
+        </p:spPr>
+        <p:txBody>
+          <a:bodyPr wrap="square" rtlCol="0">
+            <a:spAutoFit/>
+          </a:bodyPr>
+          <a:lstStyle/>
+          <a:p>
+            <a:r>
+              <a:rPr lang="en-US" sz="4000" dirty="0">
                 <a:solidFill>
-                  <a:schemeClr val="bg2">
-                    <a:lumMod val="90000"/>
-                  </a:schemeClr>
+                  <a:srgbClr val="D19000"/>
                 </a:solidFill>
-                <a:latin typeface="Century Gothic" panose="020B0502020202020204" pitchFamily="34" charset="0"/>
-                <a:cs typeface="Arial" panose="020B0604020202020204" pitchFamily="34" charset="0"/>
-              </a:rPr>
-              <a:t>Jan 20, 2016</a:t>
-            </a:r>
-          </a:p>
-          <a:p>
-            <a:r>
-              <a:rPr lang="en-US" sz="800" i="1" dirty="0">
+                <a:latin typeface="Proxima Nova Lt" panose="02000506030000020004" pitchFamily="50" charset="0"/>
+              </a:rPr>
+              <a:t>Gym Attendance</a:t>
+            </a:r>
+          </a:p>
+          <a:p>
+            <a:r>
+              <a:rPr lang="en-US" sz="4000" dirty="0">
                 <a:solidFill>
-                  <a:schemeClr val="bg2">
-                    <a:lumMod val="90000"/>
-                  </a:schemeClr>
+                  <a:srgbClr val="D19000"/>
                 </a:solidFill>
-                <a:latin typeface="Century Gothic" panose="020B0502020202020204" pitchFamily="34" charset="0"/>
-                <a:cs typeface="Arial" panose="020B0604020202020204" pitchFamily="34" charset="0"/>
-              </a:rPr>
-              <a:t>Students flood to the gym in a futile attempt to fulfill their New Year’s goals</a:t>
+                <a:latin typeface="Proxima Nova Lt" panose="02000506030000020004" pitchFamily="50" charset="0"/>
+              </a:rPr>
+              <a:t>Analysis</a:t>
             </a:r>
           </a:p>
         </p:txBody>
       </p:sp>
       <p:cxnSp>
         <p:nvCxnSpPr>
-          <p:cNvPr id="60" name="Straight Arrow Connector 59"/>
+          <p:cNvPr id="8" name="Straight Connector 7"/>
           <p:cNvCxnSpPr>
             <a:cxnSpLocks/>
           </p:cNvCxnSpPr>
           <p:nvPr/>
         </p:nvCxnSpPr>
         <p:spPr>
-          <a:xfrm flipH="1">
-            <a:off x="5741759" y="1433497"/>
-            <a:ext cx="974611" cy="33724"/>
-          </a:xfrm>
-          <a:prstGeom prst="straightConnector1">
-            <a:avLst/>
-          </a:prstGeom>
-          <a:ln>
+          <a:xfrm>
+            <a:off x="1978782" y="4541223"/>
+            <a:ext cx="8234436" cy="0"/>
+          </a:xfrm>
+          <a:prstGeom prst="line">
+            <a:avLst/>
+          </a:prstGeom>
+          <a:ln w="25400">
             <a:solidFill>
-              <a:schemeClr val="bg2"/>
+              <a:srgbClr val="003A70"/>
             </a:solidFill>
-            <a:tailEnd type="triangle"/>
           </a:ln>
         </p:spPr>
         <p:style>
@@ -3372,54 +3516,16 @@
           </a:fontRef>
         </p:style>
       </p:cxnSp>
-      <p:cxnSp>
-        <p:nvCxnSpPr>
-          <p:cNvPr id="61" name="Straight Arrow Connector 60"/>
-          <p:cNvCxnSpPr>
-            <a:cxnSpLocks/>
-          </p:cNvCxnSpPr>
-          <p:nvPr/>
-        </p:nvCxnSpPr>
-        <p:spPr>
-          <a:xfrm flipV="1">
-            <a:off x="4584700" y="4626041"/>
-            <a:ext cx="317272" cy="382366"/>
-          </a:xfrm>
-          <a:prstGeom prst="straightConnector1">
-            <a:avLst/>
-          </a:prstGeom>
-          <a:ln>
-            <a:solidFill>
-              <a:schemeClr val="bg2"/>
-            </a:solidFill>
-            <a:tailEnd type="triangle"/>
-          </a:ln>
-        </p:spPr>
-        <p:style>
-          <a:lnRef idx="1">
-            <a:schemeClr val="accent1"/>
-          </a:lnRef>
-          <a:fillRef idx="0">
-            <a:schemeClr val="accent1"/>
-          </a:fillRef>
-          <a:effectRef idx="0">
-            <a:schemeClr val="accent1"/>
-          </a:effectRef>
-          <a:fontRef idx="minor">
-            <a:schemeClr val="tx1"/>
-          </a:fontRef>
-        </p:style>
-      </p:cxnSp>
-      <p:sp>
-        <p:nvSpPr>
-          <p:cNvPr id="64" name="TextBox 63"/>
+      <p:sp>
+        <p:nvSpPr>
+          <p:cNvPr id="10" name="TextBox 9"/>
           <p:cNvSpPr txBox="1"/>
           <p:nvPr/>
         </p:nvSpPr>
         <p:spPr>
           <a:xfrm>
-            <a:off x="968375" y="264531"/>
-            <a:ext cx="5178311" cy="461665"/>
+            <a:off x="5151120" y="5565052"/>
+            <a:ext cx="1889760" cy="338554"/>
           </a:xfrm>
           <a:prstGeom prst="rect">
             <a:avLst/>
@@ -3432,25 +3538,32 @@
           </a:bodyPr>
           <a:lstStyle/>
           <a:p>
-            <a:r>
-              <a:rPr lang="en-US" sz="2400" dirty="0">
-                <a:latin typeface="Futura-Normal" pitchFamily="2" charset="0"/>
-              </a:rPr>
-              <a:t>UC Berkeley 2015-16 Gym Attendance</a:t>
-            </a:r>
-          </a:p>
-        </p:txBody>
-      </p:sp>
-      <p:sp>
-        <p:nvSpPr>
-          <p:cNvPr id="65" name="TextBox 64"/>
+            <a:pPr algn="ctr"/>
+            <a:r>
+              <a:rPr lang="en-US" sz="1600" dirty="0">
+                <a:solidFill>
+                  <a:schemeClr val="tx1">
+                    <a:lumMod val="85000"/>
+                    <a:lumOff val="15000"/>
+                  </a:schemeClr>
+                </a:solidFill>
+                <a:latin typeface="Proxima Nova Lt" panose="02000506030000020004" pitchFamily="50" charset="0"/>
+              </a:rPr>
+              <a:t>April 2017</a:t>
+            </a:r>
+          </a:p>
+        </p:txBody>
+      </p:sp>
+      <p:sp>
+        <p:nvSpPr>
+          <p:cNvPr id="12" name="TextBox 11"/>
           <p:cNvSpPr txBox="1"/>
           <p:nvPr/>
         </p:nvSpPr>
         <p:spPr>
           <a:xfrm>
-            <a:off x="3539744" y="5008407"/>
-            <a:ext cx="1617448" cy="838691"/>
+            <a:off x="5227310" y="5103387"/>
+            <a:ext cx="1737381" cy="461665"/>
           </a:xfrm>
           <a:prstGeom prst="rect">
             <a:avLst/>
@@ -3463,384 +3576,26 @@
           </a:bodyPr>
           <a:lstStyle/>
           <a:p>
-            <a:pPr>
-              <a:spcAft>
-                <a:spcPts val="100"/>
-              </a:spcAft>
-            </a:pPr>
-            <a:r>
-              <a:rPr lang="en-US" sz="1200" b="1" dirty="0">
+            <a:pPr algn="ctr"/>
+            <a:r>
+              <a:rPr lang="en-US" sz="2400" dirty="0">
                 <a:solidFill>
-                  <a:schemeClr val="bg2">
-                    <a:lumMod val="90000"/>
+                  <a:schemeClr val="tx1">
+                    <a:lumMod val="85000"/>
+                    <a:lumOff val="15000"/>
                   </a:schemeClr>
                 </a:solidFill>
-                <a:latin typeface="Century Gothic" panose="020B0502020202020204" pitchFamily="34" charset="0"/>
-                <a:cs typeface="Arial" panose="020B0604020202020204" pitchFamily="34" charset="0"/>
-              </a:rPr>
-              <a:t>Winter Break</a:t>
-            </a:r>
-          </a:p>
-          <a:p>
-            <a:pPr>
-              <a:spcAft>
-                <a:spcPts val="200"/>
-              </a:spcAft>
-            </a:pPr>
-            <a:r>
-              <a:rPr lang="en-US" sz="1000" dirty="0">
-                <a:solidFill>
-                  <a:schemeClr val="bg2">
-                    <a:lumMod val="90000"/>
-                  </a:schemeClr>
-                </a:solidFill>
-                <a:latin typeface="Century Gothic" panose="020B0502020202020204" pitchFamily="34" charset="0"/>
-                <a:cs typeface="Arial" panose="020B0604020202020204" pitchFamily="34" charset="0"/>
-              </a:rPr>
-              <a:t>Dec 19-Jan 19, 2015</a:t>
-            </a:r>
-          </a:p>
-          <a:p>
-            <a:r>
-              <a:rPr lang="en-US" sz="800" i="1" dirty="0">
-                <a:solidFill>
-                  <a:schemeClr val="bg2">
-                    <a:lumMod val="90000"/>
-                  </a:schemeClr>
-                </a:solidFill>
-                <a:latin typeface="Century Gothic" panose="020B0502020202020204" pitchFamily="34" charset="0"/>
-                <a:cs typeface="Arial" panose="020B0604020202020204" pitchFamily="34" charset="0"/>
-              </a:rPr>
-              <a:t>Most students head home for the winter holidays, like Christmas and Hanukkah</a:t>
-            </a:r>
-          </a:p>
-        </p:txBody>
-      </p:sp>
-      <p:sp>
-        <p:nvSpPr>
-          <p:cNvPr id="66" name="TextBox 65"/>
-          <p:cNvSpPr txBox="1"/>
-          <p:nvPr/>
-        </p:nvSpPr>
-        <p:spPr>
-          <a:xfrm>
-            <a:off x="2023091" y="3516084"/>
-            <a:ext cx="1621523" cy="838691"/>
-          </a:xfrm>
-          <a:prstGeom prst="rect">
-            <a:avLst/>
-          </a:prstGeom>
-          <a:noFill/>
-        </p:spPr>
-        <p:txBody>
-          <a:bodyPr wrap="square" rtlCol="0">
-            <a:spAutoFit/>
-          </a:bodyPr>
-          <a:lstStyle/>
-          <a:p>
-            <a:pPr>
-              <a:spcAft>
-                <a:spcPts val="100"/>
-              </a:spcAft>
-            </a:pPr>
-            <a:r>
-              <a:rPr lang="en-US" sz="1200" b="1" dirty="0">
-                <a:solidFill>
-                  <a:schemeClr val="bg2">
-                    <a:lumMod val="90000"/>
-                  </a:schemeClr>
-                </a:solidFill>
-                <a:latin typeface="Century Gothic" panose="020B0502020202020204" pitchFamily="34" charset="0"/>
-                <a:cs typeface="Arial" panose="020B0604020202020204" pitchFamily="34" charset="0"/>
-              </a:rPr>
-              <a:t>Thanksgiving</a:t>
-            </a:r>
-          </a:p>
-          <a:p>
-            <a:pPr>
-              <a:spcAft>
-                <a:spcPts val="200"/>
-              </a:spcAft>
-            </a:pPr>
-            <a:r>
-              <a:rPr lang="en-US" sz="1000" dirty="0">
-                <a:solidFill>
-                  <a:schemeClr val="bg2">
-                    <a:lumMod val="90000"/>
-                  </a:schemeClr>
-                </a:solidFill>
-                <a:latin typeface="Century Gothic" panose="020B0502020202020204" pitchFamily="34" charset="0"/>
-                <a:cs typeface="Arial" panose="020B0604020202020204" pitchFamily="34" charset="0"/>
-              </a:rPr>
-              <a:t>Nov 26 2015</a:t>
-            </a:r>
-          </a:p>
-          <a:p>
-            <a:r>
-              <a:rPr lang="en-US" sz="800" i="1" dirty="0">
-                <a:solidFill>
-                  <a:schemeClr val="bg2">
-                    <a:lumMod val="90000"/>
-                  </a:schemeClr>
-                </a:solidFill>
-                <a:latin typeface="Century Gothic" panose="020B0502020202020204" pitchFamily="34" charset="0"/>
-                <a:cs typeface="Arial" panose="020B0604020202020204" pitchFamily="34" charset="0"/>
-              </a:rPr>
-              <a:t>Working out is optional when you’re filling up on turkey and mashed potatoes</a:t>
-            </a:r>
-          </a:p>
-        </p:txBody>
-      </p:sp>
-      <p:cxnSp>
-        <p:nvCxnSpPr>
-          <p:cNvPr id="67" name="Straight Arrow Connector 66"/>
-          <p:cNvCxnSpPr>
-            <a:cxnSpLocks/>
-          </p:cNvCxnSpPr>
-          <p:nvPr/>
-        </p:nvCxnSpPr>
-        <p:spPr>
-          <a:xfrm flipV="1">
-            <a:off x="3249384" y="3601809"/>
-            <a:ext cx="926306" cy="219076"/>
-          </a:xfrm>
-          <a:prstGeom prst="straightConnector1">
-            <a:avLst/>
-          </a:prstGeom>
-          <a:ln>
-            <a:solidFill>
-              <a:schemeClr val="bg2"/>
-            </a:solidFill>
-            <a:tailEnd type="triangle"/>
-          </a:ln>
-        </p:spPr>
-        <p:style>
-          <a:lnRef idx="1">
-            <a:schemeClr val="accent1"/>
-          </a:lnRef>
-          <a:fillRef idx="0">
-            <a:schemeClr val="accent1"/>
-          </a:fillRef>
-          <a:effectRef idx="0">
-            <a:schemeClr val="accent1"/>
-          </a:effectRef>
-          <a:fontRef idx="minor">
-            <a:schemeClr val="tx1"/>
-          </a:fontRef>
-        </p:style>
-      </p:cxnSp>
-      <p:sp>
-        <p:nvSpPr>
-          <p:cNvPr id="72" name="TextBox 71"/>
-          <p:cNvSpPr txBox="1"/>
-          <p:nvPr/>
-        </p:nvSpPr>
-        <p:spPr>
-          <a:xfrm>
-            <a:off x="5910722" y="5008407"/>
-            <a:ext cx="1535095" cy="592470"/>
-          </a:xfrm>
-          <a:prstGeom prst="rect">
-            <a:avLst/>
-          </a:prstGeom>
-          <a:noFill/>
-        </p:spPr>
-        <p:txBody>
-          <a:bodyPr wrap="square" rtlCol="0">
-            <a:spAutoFit/>
-          </a:bodyPr>
-          <a:lstStyle/>
-          <a:p>
-            <a:pPr>
-              <a:spcAft>
-                <a:spcPts val="100"/>
-              </a:spcAft>
-            </a:pPr>
-            <a:r>
-              <a:rPr lang="en-US" sz="1200" b="1" dirty="0">
-                <a:latin typeface="Century Gothic" panose="020B0502020202020204" pitchFamily="34" charset="0"/>
-                <a:cs typeface="Arial" panose="020B0604020202020204" pitchFamily="34" charset="0"/>
-              </a:rPr>
-              <a:t>Spring Break</a:t>
-            </a:r>
-          </a:p>
-          <a:p>
-            <a:pPr>
-              <a:spcAft>
-                <a:spcPts val="200"/>
-              </a:spcAft>
-            </a:pPr>
-            <a:r>
-              <a:rPr lang="en-US" sz="1000" dirty="0">
-                <a:latin typeface="Century Gothic" panose="020B0502020202020204" pitchFamily="34" charset="0"/>
-                <a:cs typeface="Arial" panose="020B0604020202020204" pitchFamily="34" charset="0"/>
-              </a:rPr>
-              <a:t>Mar 21-25, 2016</a:t>
-            </a:r>
-          </a:p>
-          <a:p>
-            <a:r>
-              <a:rPr lang="en-US" sz="800" i="1" dirty="0">
-                <a:latin typeface="Century Gothic" panose="020B0502020202020204" pitchFamily="34" charset="0"/>
-                <a:cs typeface="Arial" panose="020B0604020202020204" pitchFamily="34" charset="0"/>
-              </a:rPr>
-              <a:t>Spring break! Party! Woo!</a:t>
-            </a:r>
-          </a:p>
-        </p:txBody>
-      </p:sp>
-      <p:cxnSp>
-        <p:nvCxnSpPr>
-          <p:cNvPr id="80" name="Straight Arrow Connector 79"/>
-          <p:cNvCxnSpPr>
-            <a:cxnSpLocks/>
-          </p:cNvCxnSpPr>
-          <p:nvPr/>
-        </p:nvCxnSpPr>
-        <p:spPr>
-          <a:xfrm flipV="1">
-            <a:off x="6934200" y="4354775"/>
-            <a:ext cx="400050" cy="653632"/>
-          </a:xfrm>
-          <a:prstGeom prst="straightConnector1">
-            <a:avLst/>
-          </a:prstGeom>
-          <a:ln>
-            <a:tailEnd type="triangle"/>
-          </a:ln>
-        </p:spPr>
-        <p:style>
-          <a:lnRef idx="1">
-            <a:schemeClr val="accent1"/>
-          </a:lnRef>
-          <a:fillRef idx="0">
-            <a:schemeClr val="accent1"/>
-          </a:fillRef>
-          <a:effectRef idx="0">
-            <a:schemeClr val="accent1"/>
-          </a:effectRef>
-          <a:fontRef idx="minor">
-            <a:schemeClr val="tx1"/>
-          </a:fontRef>
-        </p:style>
-      </p:cxnSp>
-      <p:sp>
-        <p:nvSpPr>
-          <p:cNvPr id="85" name="TextBox 84"/>
-          <p:cNvSpPr txBox="1"/>
-          <p:nvPr/>
-        </p:nvSpPr>
-        <p:spPr>
-          <a:xfrm>
-            <a:off x="3103334" y="1105594"/>
-            <a:ext cx="1481366" cy="715581"/>
-          </a:xfrm>
-          <a:prstGeom prst="rect">
-            <a:avLst/>
-          </a:prstGeom>
-          <a:noFill/>
-        </p:spPr>
-        <p:txBody>
-          <a:bodyPr wrap="square" rtlCol="0">
-            <a:spAutoFit/>
-          </a:bodyPr>
-          <a:lstStyle/>
-          <a:p>
-            <a:pPr>
-              <a:spcAft>
-                <a:spcPts val="100"/>
-              </a:spcAft>
-            </a:pPr>
-            <a:r>
-              <a:rPr lang="en-US" sz="1200" b="1" dirty="0">
-                <a:solidFill>
-                  <a:schemeClr val="bg2">
-                    <a:lumMod val="90000"/>
-                  </a:schemeClr>
-                </a:solidFill>
-                <a:latin typeface="Century Gothic" panose="020B0502020202020204" pitchFamily="34" charset="0"/>
-                <a:cs typeface="Arial" panose="020B0604020202020204" pitchFamily="34" charset="0"/>
-              </a:rPr>
-              <a:t>School Begins</a:t>
-            </a:r>
-          </a:p>
-          <a:p>
-            <a:pPr>
-              <a:spcAft>
-                <a:spcPts val="200"/>
-              </a:spcAft>
-            </a:pPr>
-            <a:r>
-              <a:rPr lang="en-US" sz="1000" dirty="0">
-                <a:solidFill>
-                  <a:schemeClr val="bg2">
-                    <a:lumMod val="90000"/>
-                  </a:schemeClr>
-                </a:solidFill>
-                <a:latin typeface="Century Gothic" panose="020B0502020202020204" pitchFamily="34" charset="0"/>
-                <a:cs typeface="Arial" panose="020B0604020202020204" pitchFamily="34" charset="0"/>
-              </a:rPr>
-              <a:t>Aug 26, 2016</a:t>
-            </a:r>
-          </a:p>
-          <a:p>
-            <a:r>
-              <a:rPr lang="en-US" sz="800" i="1" dirty="0">
-                <a:solidFill>
-                  <a:schemeClr val="bg2">
-                    <a:lumMod val="90000"/>
-                  </a:schemeClr>
-                </a:solidFill>
-                <a:latin typeface="Century Gothic" panose="020B0502020202020204" pitchFamily="34" charset="0"/>
-                <a:cs typeface="Arial" panose="020B0604020202020204" pitchFamily="34" charset="0"/>
-              </a:rPr>
-              <a:t>Every freshman is in the gym until next week</a:t>
-            </a:r>
-          </a:p>
-        </p:txBody>
-      </p:sp>
-      <p:cxnSp>
-        <p:nvCxnSpPr>
-          <p:cNvPr id="86" name="Straight Arrow Connector 85"/>
-          <p:cNvCxnSpPr>
-            <a:cxnSpLocks/>
-          </p:cNvCxnSpPr>
-          <p:nvPr/>
-        </p:nvCxnSpPr>
-        <p:spPr>
-          <a:xfrm flipH="1">
-            <a:off x="2126456" y="1450359"/>
-            <a:ext cx="976878" cy="111741"/>
-          </a:xfrm>
-          <a:prstGeom prst="straightConnector1">
-            <a:avLst/>
-          </a:prstGeom>
-          <a:ln>
-            <a:solidFill>
-              <a:schemeClr val="bg2"/>
-            </a:solidFill>
-            <a:tailEnd type="triangle"/>
-          </a:ln>
-        </p:spPr>
-        <p:style>
-          <a:lnRef idx="1">
-            <a:schemeClr val="accent1"/>
-          </a:lnRef>
-          <a:fillRef idx="0">
-            <a:schemeClr val="accent1"/>
-          </a:fillRef>
-          <a:effectRef idx="0">
-            <a:schemeClr val="accent1"/>
-          </a:effectRef>
-          <a:fontRef idx="minor">
-            <a:schemeClr val="tx1"/>
-          </a:fontRef>
-        </p:style>
-      </p:cxnSp>
+                <a:latin typeface="Proxima Nova Lt" panose="02000506030000020004" pitchFamily="50" charset="0"/>
+              </a:rPr>
+              <a:t>Jeff Ernst</a:t>
+            </a:r>
+          </a:p>
+        </p:txBody>
+      </p:sp>
     </p:spTree>
     <p:extLst>
       <p:ext uri="{BB962C8B-B14F-4D97-AF65-F5344CB8AC3E}">
-        <p14:creationId xmlns:p14="http://schemas.microsoft.com/office/powerpoint/2010/main" val="3065806878"/>
+        <p14:creationId xmlns:p14="http://schemas.microsoft.com/office/powerpoint/2010/main" val="285097410"/>
       </p:ext>
     </p:extLst>
   </p:cSld>
@@ -3850,7 +3605,7 @@
 </p:sld>
 </file>
 
-<file path=ppt/slides/slide11.xml><?xml version="1.0" encoding="utf-8"?>
+<file path=ppt/slides/slide10.xml><?xml version="1.0" encoding="utf-8"?>
 <p:sld xmlns:a="http://schemas.openxmlformats.org/drawingml/2006/main" xmlns:r="http://schemas.openxmlformats.org/officeDocument/2006/relationships" xmlns:p="http://schemas.openxmlformats.org/presentationml/2006/main">
   <p:cSld>
     <p:spTree>
@@ -4683,7 +4438,7 @@
 </p:sld>
 </file>
 
-<file path=ppt/slides/slide12.xml><?xml version="1.0" encoding="utf-8"?>
+<file path=ppt/slides/slide11.xml><?xml version="1.0" encoding="utf-8"?>
 <p:sld xmlns:a="http://schemas.openxmlformats.org/drawingml/2006/main" xmlns:r="http://schemas.openxmlformats.org/officeDocument/2006/relationships" xmlns:p="http://schemas.openxmlformats.org/presentationml/2006/main">
   <p:cSld>
     <p:spTree>
@@ -5426,6 +5181,2158 @@
 </p:sld>
 </file>
 
+<file path=ppt/slides/slide12.xml><?xml version="1.0" encoding="utf-8"?>
+<p:sld xmlns:a="http://schemas.openxmlformats.org/drawingml/2006/main" xmlns:r="http://schemas.openxmlformats.org/officeDocument/2006/relationships" xmlns:p="http://schemas.openxmlformats.org/presentationml/2006/main">
+  <p:cSld>
+    <p:spTree>
+      <p:nvGrpSpPr>
+        <p:cNvPr id="1" name=""/>
+        <p:cNvGrpSpPr/>
+        <p:nvPr/>
+      </p:nvGrpSpPr>
+      <p:grpSpPr>
+        <a:xfrm>
+          <a:off x="0" y="0"/>
+          <a:ext cx="0" cy="0"/>
+          <a:chOff x="0" y="0"/>
+          <a:chExt cx="0" cy="0"/>
+        </a:xfrm>
+      </p:grpSpPr>
+      <p:sp>
+        <p:nvSpPr>
+          <p:cNvPr id="53" name="Rectangle 52"/>
+          <p:cNvSpPr/>
+          <p:nvPr/>
+        </p:nvSpPr>
+        <p:spPr>
+          <a:xfrm>
+            <a:off x="0" y="0"/>
+            <a:ext cx="12192000" cy="897622"/>
+          </a:xfrm>
+          <a:prstGeom prst="rect">
+            <a:avLst/>
+          </a:prstGeom>
+          <a:solidFill>
+            <a:srgbClr val="003A70"/>
+          </a:solidFill>
+          <a:ln>
+            <a:noFill/>
+          </a:ln>
+        </p:spPr>
+        <p:style>
+          <a:lnRef idx="2">
+            <a:schemeClr val="accent1">
+              <a:shade val="50000"/>
+            </a:schemeClr>
+          </a:lnRef>
+          <a:fillRef idx="1">
+            <a:schemeClr val="accent1"/>
+          </a:fillRef>
+          <a:effectRef idx="0">
+            <a:schemeClr val="accent1"/>
+          </a:effectRef>
+          <a:fontRef idx="minor">
+            <a:schemeClr val="lt1"/>
+          </a:fontRef>
+        </p:style>
+        <p:txBody>
+          <a:bodyPr rtlCol="0" anchor="ctr"/>
+          <a:lstStyle/>
+          <a:p>
+            <a:pPr algn="ctr"/>
+            <a:endParaRPr lang="en-US"/>
+          </a:p>
+        </p:txBody>
+      </p:sp>
+      <p:sp>
+        <p:nvSpPr>
+          <p:cNvPr id="54" name="TextBox 53"/>
+          <p:cNvSpPr txBox="1"/>
+          <p:nvPr/>
+        </p:nvSpPr>
+        <p:spPr>
+          <a:xfrm>
+            <a:off x="351563" y="125645"/>
+            <a:ext cx="5863905" cy="646331"/>
+          </a:xfrm>
+          <a:prstGeom prst="rect">
+            <a:avLst/>
+          </a:prstGeom>
+          <a:noFill/>
+        </p:spPr>
+        <p:txBody>
+          <a:bodyPr wrap="square" rtlCol="0">
+            <a:spAutoFit/>
+          </a:bodyPr>
+          <a:lstStyle/>
+          <a:p>
+            <a:r>
+              <a:rPr lang="en-US" sz="3600" dirty="0">
+                <a:solidFill>
+                  <a:schemeClr val="bg1"/>
+                </a:solidFill>
+                <a:latin typeface="Proxima Nova Lt" panose="02000506030000020004" pitchFamily="50" charset="0"/>
+                <a:ea typeface="Karla" pitchFamily="2" charset="0"/>
+              </a:rPr>
+              <a:t>Analysis </a:t>
+            </a:r>
+            <a:r>
+              <a:rPr lang="en-US" sz="3600" dirty="0">
+                <a:solidFill>
+                  <a:srgbClr val="F2A900"/>
+                </a:solidFill>
+                <a:latin typeface="Proxima Nova Lt" panose="02000506030000020004" pitchFamily="50" charset="0"/>
+                <a:ea typeface="Karla" pitchFamily="2" charset="0"/>
+              </a:rPr>
+              <a:t>Goals</a:t>
+            </a:r>
+          </a:p>
+        </p:txBody>
+      </p:sp>
+      <p:grpSp>
+        <p:nvGrpSpPr>
+          <p:cNvPr id="114" name="Group 113"/>
+          <p:cNvGrpSpPr/>
+          <p:nvPr/>
+        </p:nvGrpSpPr>
+        <p:grpSpPr>
+          <a:xfrm>
+            <a:off x="1027547" y="2061031"/>
+            <a:ext cx="10454834" cy="2380343"/>
+            <a:chOff x="1828800" y="2628899"/>
+            <a:chExt cx="8534400" cy="1943101"/>
+          </a:xfrm>
+        </p:grpSpPr>
+        <p:grpSp>
+          <p:nvGrpSpPr>
+            <p:cNvPr id="97" name="Group 96"/>
+            <p:cNvGrpSpPr/>
+            <p:nvPr/>
+          </p:nvGrpSpPr>
+          <p:grpSpPr>
+            <a:xfrm>
+              <a:off x="1828800" y="2628899"/>
+              <a:ext cx="8534400" cy="1943101"/>
+              <a:chOff x="1219200" y="2628899"/>
+              <a:chExt cx="8534400" cy="1943101"/>
+            </a:xfrm>
+          </p:grpSpPr>
+          <p:sp>
+            <p:nvSpPr>
+              <p:cNvPr id="93" name="Arrow: Chevron 92"/>
+              <p:cNvSpPr/>
+              <p:nvPr/>
+            </p:nvSpPr>
+            <p:spPr>
+              <a:xfrm>
+                <a:off x="1219200" y="2628900"/>
+                <a:ext cx="2133600" cy="1943100"/>
+              </a:xfrm>
+              <a:prstGeom prst="chevron">
+                <a:avLst>
+                  <a:gd name="adj" fmla="val 14892"/>
+                </a:avLst>
+              </a:prstGeom>
+              <a:solidFill>
+                <a:srgbClr val="003A70"/>
+              </a:solidFill>
+              <a:ln>
+                <a:noFill/>
+              </a:ln>
+            </p:spPr>
+            <p:style>
+              <a:lnRef idx="2">
+                <a:schemeClr val="accent1">
+                  <a:shade val="50000"/>
+                </a:schemeClr>
+              </a:lnRef>
+              <a:fillRef idx="1">
+                <a:schemeClr val="accent1"/>
+              </a:fillRef>
+              <a:effectRef idx="0">
+                <a:schemeClr val="accent1"/>
+              </a:effectRef>
+              <a:fontRef idx="minor">
+                <a:schemeClr val="lt1"/>
+              </a:fontRef>
+            </p:style>
+            <p:txBody>
+              <a:bodyPr rtlCol="0" anchor="ctr"/>
+              <a:lstStyle/>
+              <a:p>
+                <a:pPr algn="ctr"/>
+                <a:endParaRPr lang="en-US">
+                  <a:solidFill>
+                    <a:schemeClr val="tx1"/>
+                  </a:solidFill>
+                </a:endParaRPr>
+              </a:p>
+            </p:txBody>
+          </p:sp>
+          <p:sp>
+            <p:nvSpPr>
+              <p:cNvPr id="94" name="Arrow: Chevron 93"/>
+              <p:cNvSpPr/>
+              <p:nvPr/>
+            </p:nvSpPr>
+            <p:spPr>
+              <a:xfrm>
+                <a:off x="3352800" y="2628900"/>
+                <a:ext cx="2133600" cy="1943100"/>
+              </a:xfrm>
+              <a:prstGeom prst="chevron">
+                <a:avLst>
+                  <a:gd name="adj" fmla="val 12651"/>
+                </a:avLst>
+              </a:prstGeom>
+              <a:solidFill>
+                <a:schemeClr val="bg1">
+                  <a:lumMod val="50000"/>
+                </a:schemeClr>
+              </a:solidFill>
+              <a:ln>
+                <a:noFill/>
+              </a:ln>
+            </p:spPr>
+            <p:style>
+              <a:lnRef idx="2">
+                <a:schemeClr val="accent1">
+                  <a:shade val="50000"/>
+                </a:schemeClr>
+              </a:lnRef>
+              <a:fillRef idx="1">
+                <a:schemeClr val="accent1"/>
+              </a:fillRef>
+              <a:effectRef idx="0">
+                <a:schemeClr val="accent1"/>
+              </a:effectRef>
+              <a:fontRef idx="minor">
+                <a:schemeClr val="lt1"/>
+              </a:fontRef>
+            </p:style>
+            <p:txBody>
+              <a:bodyPr rtlCol="0" anchor="ctr"/>
+              <a:lstStyle/>
+              <a:p>
+                <a:pPr algn="ctr"/>
+                <a:endParaRPr lang="en-US">
+                  <a:solidFill>
+                    <a:schemeClr val="tx1"/>
+                  </a:solidFill>
+                </a:endParaRPr>
+              </a:p>
+            </p:txBody>
+          </p:sp>
+          <p:sp>
+            <p:nvSpPr>
+              <p:cNvPr id="95" name="Arrow: Chevron 94"/>
+              <p:cNvSpPr/>
+              <p:nvPr/>
+            </p:nvSpPr>
+            <p:spPr>
+              <a:xfrm>
+                <a:off x="5486400" y="2628900"/>
+                <a:ext cx="2133600" cy="1943100"/>
+              </a:xfrm>
+              <a:prstGeom prst="chevron">
+                <a:avLst>
+                  <a:gd name="adj" fmla="val 11904"/>
+                </a:avLst>
+              </a:prstGeom>
+              <a:solidFill>
+                <a:schemeClr val="bg1">
+                  <a:lumMod val="50000"/>
+                </a:schemeClr>
+              </a:solidFill>
+              <a:ln>
+                <a:noFill/>
+              </a:ln>
+            </p:spPr>
+            <p:style>
+              <a:lnRef idx="2">
+                <a:schemeClr val="accent1">
+                  <a:shade val="50000"/>
+                </a:schemeClr>
+              </a:lnRef>
+              <a:fillRef idx="1">
+                <a:schemeClr val="accent1"/>
+              </a:fillRef>
+              <a:effectRef idx="0">
+                <a:schemeClr val="accent1"/>
+              </a:effectRef>
+              <a:fontRef idx="minor">
+                <a:schemeClr val="lt1"/>
+              </a:fontRef>
+            </p:style>
+            <p:txBody>
+              <a:bodyPr rtlCol="0" anchor="ctr"/>
+              <a:lstStyle/>
+              <a:p>
+                <a:pPr algn="ctr"/>
+                <a:endParaRPr lang="en-US">
+                  <a:solidFill>
+                    <a:schemeClr val="tx1"/>
+                  </a:solidFill>
+                </a:endParaRPr>
+              </a:p>
+            </p:txBody>
+          </p:sp>
+          <p:sp>
+            <p:nvSpPr>
+              <p:cNvPr id="96" name="Arrow: Chevron 95"/>
+              <p:cNvSpPr/>
+              <p:nvPr/>
+            </p:nvSpPr>
+            <p:spPr>
+              <a:xfrm>
+                <a:off x="7620000" y="2628899"/>
+                <a:ext cx="2133600" cy="1943100"/>
+              </a:xfrm>
+              <a:prstGeom prst="chevron">
+                <a:avLst>
+                  <a:gd name="adj" fmla="val 11904"/>
+                </a:avLst>
+              </a:prstGeom>
+              <a:solidFill>
+                <a:schemeClr val="bg1">
+                  <a:lumMod val="50000"/>
+                </a:schemeClr>
+              </a:solidFill>
+              <a:ln>
+                <a:noFill/>
+              </a:ln>
+            </p:spPr>
+            <p:style>
+              <a:lnRef idx="2">
+                <a:schemeClr val="accent1">
+                  <a:shade val="50000"/>
+                </a:schemeClr>
+              </a:lnRef>
+              <a:fillRef idx="1">
+                <a:schemeClr val="accent1"/>
+              </a:fillRef>
+              <a:effectRef idx="0">
+                <a:schemeClr val="accent1"/>
+              </a:effectRef>
+              <a:fontRef idx="minor">
+                <a:schemeClr val="lt1"/>
+              </a:fontRef>
+            </p:style>
+            <p:txBody>
+              <a:bodyPr rtlCol="0" anchor="ctr"/>
+              <a:lstStyle/>
+              <a:p>
+                <a:pPr algn="ctr"/>
+                <a:endParaRPr lang="en-US">
+                  <a:solidFill>
+                    <a:schemeClr val="tx1"/>
+                  </a:solidFill>
+                </a:endParaRPr>
+              </a:p>
+            </p:txBody>
+          </p:sp>
+        </p:grpSp>
+        <p:sp>
+          <p:nvSpPr>
+            <p:cNvPr id="98" name="Oval 97"/>
+            <p:cNvSpPr/>
+            <p:nvPr/>
+          </p:nvSpPr>
+          <p:spPr>
+            <a:xfrm>
+              <a:off x="3730171" y="3285651"/>
+              <a:ext cx="629597" cy="629597"/>
+            </a:xfrm>
+            <a:prstGeom prst="ellipse">
+              <a:avLst/>
+            </a:prstGeom>
+            <a:solidFill>
+              <a:schemeClr val="bg1"/>
+            </a:solidFill>
+            <a:ln>
+              <a:noFill/>
+            </a:ln>
+          </p:spPr>
+          <p:style>
+            <a:lnRef idx="2">
+              <a:schemeClr val="accent1">
+                <a:shade val="50000"/>
+              </a:schemeClr>
+            </a:lnRef>
+            <a:fillRef idx="1">
+              <a:schemeClr val="accent1"/>
+            </a:fillRef>
+            <a:effectRef idx="0">
+              <a:schemeClr val="accent1"/>
+            </a:effectRef>
+            <a:fontRef idx="minor">
+              <a:schemeClr val="lt1"/>
+            </a:fontRef>
+          </p:style>
+          <p:txBody>
+            <a:bodyPr rtlCol="0" anchor="ctr"/>
+            <a:lstStyle/>
+            <a:p>
+              <a:pPr algn="ctr"/>
+              <a:endParaRPr lang="en-US"/>
+            </a:p>
+          </p:txBody>
+        </p:sp>
+        <p:sp>
+          <p:nvSpPr>
+            <p:cNvPr id="100" name="Isosceles Triangle 99"/>
+            <p:cNvSpPr/>
+            <p:nvPr/>
+          </p:nvSpPr>
+          <p:spPr>
+            <a:xfrm rot="5400000">
+              <a:off x="3890696" y="3464279"/>
+              <a:ext cx="349075" cy="272342"/>
+            </a:xfrm>
+            <a:prstGeom prst="triangle">
+              <a:avLst/>
+            </a:prstGeom>
+            <a:solidFill>
+              <a:schemeClr val="tx1">
+                <a:lumMod val="75000"/>
+                <a:lumOff val="25000"/>
+              </a:schemeClr>
+            </a:solidFill>
+            <a:ln>
+              <a:noFill/>
+            </a:ln>
+          </p:spPr>
+          <p:style>
+            <a:lnRef idx="2">
+              <a:schemeClr val="accent1">
+                <a:shade val="50000"/>
+              </a:schemeClr>
+            </a:lnRef>
+            <a:fillRef idx="1">
+              <a:schemeClr val="accent1"/>
+            </a:fillRef>
+            <a:effectRef idx="0">
+              <a:schemeClr val="accent1"/>
+            </a:effectRef>
+            <a:fontRef idx="minor">
+              <a:schemeClr val="lt1"/>
+            </a:fontRef>
+          </p:style>
+          <p:txBody>
+            <a:bodyPr rtlCol="0" anchor="ctr"/>
+            <a:lstStyle/>
+            <a:p>
+              <a:pPr algn="ctr"/>
+              <a:endParaRPr lang="en-US"/>
+            </a:p>
+          </p:txBody>
+        </p:sp>
+        <p:sp>
+          <p:nvSpPr>
+            <p:cNvPr id="101" name="Oval 100"/>
+            <p:cNvSpPr/>
+            <p:nvPr/>
+          </p:nvSpPr>
+          <p:spPr>
+            <a:xfrm>
+              <a:off x="5863771" y="3285651"/>
+              <a:ext cx="629597" cy="629597"/>
+            </a:xfrm>
+            <a:prstGeom prst="ellipse">
+              <a:avLst/>
+            </a:prstGeom>
+            <a:solidFill>
+              <a:schemeClr val="bg1"/>
+            </a:solidFill>
+            <a:ln>
+              <a:noFill/>
+            </a:ln>
+          </p:spPr>
+          <p:style>
+            <a:lnRef idx="2">
+              <a:schemeClr val="accent1">
+                <a:shade val="50000"/>
+              </a:schemeClr>
+            </a:lnRef>
+            <a:fillRef idx="1">
+              <a:schemeClr val="accent1"/>
+            </a:fillRef>
+            <a:effectRef idx="0">
+              <a:schemeClr val="accent1"/>
+            </a:effectRef>
+            <a:fontRef idx="minor">
+              <a:schemeClr val="lt1"/>
+            </a:fontRef>
+          </p:style>
+          <p:txBody>
+            <a:bodyPr rtlCol="0" anchor="ctr"/>
+            <a:lstStyle/>
+            <a:p>
+              <a:pPr algn="ctr"/>
+              <a:endParaRPr lang="en-US"/>
+            </a:p>
+          </p:txBody>
+        </p:sp>
+        <p:sp>
+          <p:nvSpPr>
+            <p:cNvPr id="102" name="Isosceles Triangle 101"/>
+            <p:cNvSpPr/>
+            <p:nvPr/>
+          </p:nvSpPr>
+          <p:spPr>
+            <a:xfrm rot="5400000">
+              <a:off x="6024296" y="3464279"/>
+              <a:ext cx="349075" cy="272342"/>
+            </a:xfrm>
+            <a:prstGeom prst="triangle">
+              <a:avLst/>
+            </a:prstGeom>
+            <a:solidFill>
+              <a:schemeClr val="tx1">
+                <a:lumMod val="75000"/>
+                <a:lumOff val="25000"/>
+              </a:schemeClr>
+            </a:solidFill>
+            <a:ln>
+              <a:noFill/>
+            </a:ln>
+          </p:spPr>
+          <p:style>
+            <a:lnRef idx="2">
+              <a:schemeClr val="accent1">
+                <a:shade val="50000"/>
+              </a:schemeClr>
+            </a:lnRef>
+            <a:fillRef idx="1">
+              <a:schemeClr val="accent1"/>
+            </a:fillRef>
+            <a:effectRef idx="0">
+              <a:schemeClr val="accent1"/>
+            </a:effectRef>
+            <a:fontRef idx="minor">
+              <a:schemeClr val="lt1"/>
+            </a:fontRef>
+          </p:style>
+          <p:txBody>
+            <a:bodyPr rtlCol="0" anchor="ctr"/>
+            <a:lstStyle/>
+            <a:p>
+              <a:pPr algn="ctr"/>
+              <a:endParaRPr lang="en-US"/>
+            </a:p>
+          </p:txBody>
+        </p:sp>
+        <p:sp>
+          <p:nvSpPr>
+            <p:cNvPr id="103" name="Oval 102"/>
+            <p:cNvSpPr/>
+            <p:nvPr/>
+          </p:nvSpPr>
+          <p:spPr>
+            <a:xfrm>
+              <a:off x="7997371" y="3285651"/>
+              <a:ext cx="629597" cy="629597"/>
+            </a:xfrm>
+            <a:prstGeom prst="ellipse">
+              <a:avLst/>
+            </a:prstGeom>
+            <a:solidFill>
+              <a:schemeClr val="bg1"/>
+            </a:solidFill>
+            <a:ln>
+              <a:noFill/>
+            </a:ln>
+          </p:spPr>
+          <p:style>
+            <a:lnRef idx="2">
+              <a:schemeClr val="accent1">
+                <a:shade val="50000"/>
+              </a:schemeClr>
+            </a:lnRef>
+            <a:fillRef idx="1">
+              <a:schemeClr val="accent1"/>
+            </a:fillRef>
+            <a:effectRef idx="0">
+              <a:schemeClr val="accent1"/>
+            </a:effectRef>
+            <a:fontRef idx="minor">
+              <a:schemeClr val="lt1"/>
+            </a:fontRef>
+          </p:style>
+          <p:txBody>
+            <a:bodyPr rtlCol="0" anchor="ctr"/>
+            <a:lstStyle/>
+            <a:p>
+              <a:pPr algn="ctr"/>
+              <a:endParaRPr lang="en-US"/>
+            </a:p>
+          </p:txBody>
+        </p:sp>
+        <p:sp>
+          <p:nvSpPr>
+            <p:cNvPr id="104" name="Isosceles Triangle 103"/>
+            <p:cNvSpPr/>
+            <p:nvPr/>
+          </p:nvSpPr>
+          <p:spPr>
+            <a:xfrm rot="5400000">
+              <a:off x="8157896" y="3464279"/>
+              <a:ext cx="349075" cy="272342"/>
+            </a:xfrm>
+            <a:prstGeom prst="triangle">
+              <a:avLst/>
+            </a:prstGeom>
+            <a:solidFill>
+              <a:schemeClr val="tx1">
+                <a:lumMod val="75000"/>
+                <a:lumOff val="25000"/>
+              </a:schemeClr>
+            </a:solidFill>
+            <a:ln>
+              <a:noFill/>
+            </a:ln>
+          </p:spPr>
+          <p:style>
+            <a:lnRef idx="2">
+              <a:schemeClr val="accent1">
+                <a:shade val="50000"/>
+              </a:schemeClr>
+            </a:lnRef>
+            <a:fillRef idx="1">
+              <a:schemeClr val="accent1"/>
+            </a:fillRef>
+            <a:effectRef idx="0">
+              <a:schemeClr val="accent1"/>
+            </a:effectRef>
+            <a:fontRef idx="minor">
+              <a:schemeClr val="lt1"/>
+            </a:fontRef>
+          </p:style>
+          <p:txBody>
+            <a:bodyPr rtlCol="0" anchor="ctr"/>
+            <a:lstStyle/>
+            <a:p>
+              <a:pPr algn="ctr"/>
+              <a:endParaRPr lang="en-US"/>
+            </a:p>
+          </p:txBody>
+        </p:sp>
+        <p:pic>
+          <p:nvPicPr>
+            <p:cNvPr id="105" name="Picture 104"/>
+            <p:cNvPicPr>
+              <a:picLocks noChangeAspect="1"/>
+            </p:cNvPicPr>
+            <p:nvPr/>
+          </p:nvPicPr>
+          <p:blipFill>
+            <a:blip r:embed="rId2">
+              <a:biLevel thresh="25000"/>
+              <a:extLst>
+                <a:ext uri="{28A0092B-C50C-407E-A947-70E740481C1C}">
+                  <a14:useLocalDpi xmlns:a14="http://schemas.microsoft.com/office/drawing/2010/main" val="0"/>
+                </a:ext>
+              </a:extLst>
+            </a:blip>
+            <a:stretch>
+              <a:fillRect/>
+            </a:stretch>
+          </p:blipFill>
+          <p:spPr>
+            <a:xfrm>
+              <a:off x="2473461" y="2834451"/>
+              <a:ext cx="897765" cy="897765"/>
+            </a:xfrm>
+            <a:prstGeom prst="rect">
+              <a:avLst/>
+            </a:prstGeom>
+          </p:spPr>
+        </p:pic>
+        <p:sp>
+          <p:nvSpPr>
+            <p:cNvPr id="106" name="TextBox 105"/>
+            <p:cNvSpPr txBox="1"/>
+            <p:nvPr/>
+          </p:nvSpPr>
+          <p:spPr>
+            <a:xfrm>
+              <a:off x="2186150" y="3774988"/>
+              <a:ext cx="1444576" cy="678352"/>
+            </a:xfrm>
+            <a:prstGeom prst="rect">
+              <a:avLst/>
+            </a:prstGeom>
+            <a:noFill/>
+          </p:spPr>
+          <p:txBody>
+            <a:bodyPr wrap="square" rtlCol="0">
+              <a:spAutoFit/>
+            </a:bodyPr>
+            <a:lstStyle/>
+            <a:p>
+              <a:pPr algn="ctr"/>
+              <a:r>
+                <a:rPr lang="en-US" sz="2400" dirty="0">
+                  <a:solidFill>
+                    <a:schemeClr val="bg1"/>
+                  </a:solidFill>
+                  <a:latin typeface="Proxima Nova Lt" panose="02000506030000020004" pitchFamily="50" charset="0"/>
+                </a:rPr>
+                <a:t>Explore Trends</a:t>
+              </a:r>
+            </a:p>
+          </p:txBody>
+        </p:sp>
+        <p:pic>
+          <p:nvPicPr>
+            <p:cNvPr id="108" name="Picture 107"/>
+            <p:cNvPicPr>
+              <a:picLocks noChangeAspect="1"/>
+            </p:cNvPicPr>
+            <p:nvPr/>
+          </p:nvPicPr>
+          <p:blipFill>
+            <a:blip r:embed="rId2">
+              <a:biLevel thresh="25000"/>
+              <a:extLst>
+                <a:ext uri="{28A0092B-C50C-407E-A947-70E740481C1C}">
+                  <a14:useLocalDpi xmlns:a14="http://schemas.microsoft.com/office/drawing/2010/main" val="0"/>
+                </a:ext>
+              </a:extLst>
+            </a:blip>
+            <a:stretch>
+              <a:fillRect/>
+            </a:stretch>
+          </p:blipFill>
+          <p:spPr>
+            <a:xfrm>
+              <a:off x="4636477" y="2798606"/>
+              <a:ext cx="897765" cy="897765"/>
+            </a:xfrm>
+            <a:prstGeom prst="rect">
+              <a:avLst/>
+            </a:prstGeom>
+          </p:spPr>
+        </p:pic>
+        <p:sp>
+          <p:nvSpPr>
+            <p:cNvPr id="109" name="TextBox 108"/>
+            <p:cNvSpPr txBox="1"/>
+            <p:nvPr/>
+          </p:nvSpPr>
+          <p:spPr>
+            <a:xfrm>
+              <a:off x="4349166" y="3786535"/>
+              <a:ext cx="1444576" cy="678352"/>
+            </a:xfrm>
+            <a:prstGeom prst="rect">
+              <a:avLst/>
+            </a:prstGeom>
+            <a:noFill/>
+          </p:spPr>
+          <p:txBody>
+            <a:bodyPr wrap="square" rtlCol="0">
+              <a:spAutoFit/>
+            </a:bodyPr>
+            <a:lstStyle/>
+            <a:p>
+              <a:pPr algn="ctr"/>
+              <a:r>
+                <a:rPr lang="en-US" sz="2400" dirty="0">
+                  <a:solidFill>
+                    <a:schemeClr val="bg1"/>
+                  </a:solidFill>
+                  <a:latin typeface="Proxima Nova Lt" panose="02000506030000020004" pitchFamily="50" charset="0"/>
+                </a:rPr>
+                <a:t>Explore Trends</a:t>
+              </a:r>
+            </a:p>
+          </p:txBody>
+        </p:sp>
+        <p:pic>
+          <p:nvPicPr>
+            <p:cNvPr id="110" name="Picture 109"/>
+            <p:cNvPicPr>
+              <a:picLocks noChangeAspect="1"/>
+            </p:cNvPicPr>
+            <p:nvPr/>
+          </p:nvPicPr>
+          <p:blipFill>
+            <a:blip r:embed="rId2">
+              <a:biLevel thresh="25000"/>
+              <a:extLst>
+                <a:ext uri="{28A0092B-C50C-407E-A947-70E740481C1C}">
+                  <a14:useLocalDpi xmlns:a14="http://schemas.microsoft.com/office/drawing/2010/main" val="0"/>
+                </a:ext>
+              </a:extLst>
+            </a:blip>
+            <a:stretch>
+              <a:fillRect/>
+            </a:stretch>
+          </p:blipFill>
+          <p:spPr>
+            <a:xfrm>
+              <a:off x="6772231" y="2834451"/>
+              <a:ext cx="897765" cy="897765"/>
+            </a:xfrm>
+            <a:prstGeom prst="rect">
+              <a:avLst/>
+            </a:prstGeom>
+          </p:spPr>
+        </p:pic>
+        <p:sp>
+          <p:nvSpPr>
+            <p:cNvPr id="111" name="TextBox 110"/>
+            <p:cNvSpPr txBox="1"/>
+            <p:nvPr/>
+          </p:nvSpPr>
+          <p:spPr>
+            <a:xfrm>
+              <a:off x="6484920" y="3822380"/>
+              <a:ext cx="1444576" cy="678352"/>
+            </a:xfrm>
+            <a:prstGeom prst="rect">
+              <a:avLst/>
+            </a:prstGeom>
+            <a:noFill/>
+          </p:spPr>
+          <p:txBody>
+            <a:bodyPr wrap="square" rtlCol="0">
+              <a:spAutoFit/>
+            </a:bodyPr>
+            <a:lstStyle/>
+            <a:p>
+              <a:pPr algn="ctr"/>
+              <a:r>
+                <a:rPr lang="en-US" sz="2400" dirty="0">
+                  <a:solidFill>
+                    <a:schemeClr val="bg1"/>
+                  </a:solidFill>
+                  <a:latin typeface="Proxima Nova Lt" panose="02000506030000020004" pitchFamily="50" charset="0"/>
+                </a:rPr>
+                <a:t>Explore Trends</a:t>
+              </a:r>
+            </a:p>
+          </p:txBody>
+        </p:sp>
+        <p:pic>
+          <p:nvPicPr>
+            <p:cNvPr id="112" name="Picture 111"/>
+            <p:cNvPicPr>
+              <a:picLocks noChangeAspect="1"/>
+            </p:cNvPicPr>
+            <p:nvPr/>
+          </p:nvPicPr>
+          <p:blipFill>
+            <a:blip r:embed="rId2">
+              <a:biLevel thresh="25000"/>
+              <a:extLst>
+                <a:ext uri="{28A0092B-C50C-407E-A947-70E740481C1C}">
+                  <a14:useLocalDpi xmlns:a14="http://schemas.microsoft.com/office/drawing/2010/main" val="0"/>
+                </a:ext>
+              </a:extLst>
+            </a:blip>
+            <a:stretch>
+              <a:fillRect/>
+            </a:stretch>
+          </p:blipFill>
+          <p:spPr>
+            <a:xfrm>
+              <a:off x="8909743" y="2797860"/>
+              <a:ext cx="897765" cy="897765"/>
+            </a:xfrm>
+            <a:prstGeom prst="rect">
+              <a:avLst/>
+            </a:prstGeom>
+          </p:spPr>
+        </p:pic>
+        <p:sp>
+          <p:nvSpPr>
+            <p:cNvPr id="113" name="TextBox 112"/>
+            <p:cNvSpPr txBox="1"/>
+            <p:nvPr/>
+          </p:nvSpPr>
+          <p:spPr>
+            <a:xfrm>
+              <a:off x="8622432" y="3785789"/>
+              <a:ext cx="1444576" cy="678352"/>
+            </a:xfrm>
+            <a:prstGeom prst="rect">
+              <a:avLst/>
+            </a:prstGeom>
+            <a:noFill/>
+          </p:spPr>
+          <p:txBody>
+            <a:bodyPr wrap="square" rtlCol="0">
+              <a:spAutoFit/>
+            </a:bodyPr>
+            <a:lstStyle/>
+            <a:p>
+              <a:pPr algn="ctr"/>
+              <a:r>
+                <a:rPr lang="en-US" sz="2400" dirty="0">
+                  <a:solidFill>
+                    <a:schemeClr val="bg1"/>
+                  </a:solidFill>
+                  <a:latin typeface="Proxima Nova Lt" panose="02000506030000020004" pitchFamily="50" charset="0"/>
+                </a:rPr>
+                <a:t>Explore Trends</a:t>
+              </a:r>
+            </a:p>
+          </p:txBody>
+        </p:sp>
+      </p:grpSp>
+      <p:sp>
+        <p:nvSpPr>
+          <p:cNvPr id="115" name="TextBox 114"/>
+          <p:cNvSpPr txBox="1"/>
+          <p:nvPr/>
+        </p:nvSpPr>
+        <p:spPr>
+          <a:xfrm>
+            <a:off x="1204369" y="5357305"/>
+            <a:ext cx="9783262" cy="461665"/>
+          </a:xfrm>
+          <a:prstGeom prst="rect">
+            <a:avLst/>
+          </a:prstGeom>
+          <a:noFill/>
+        </p:spPr>
+        <p:txBody>
+          <a:bodyPr wrap="square" rtlCol="0">
+            <a:spAutoFit/>
+          </a:bodyPr>
+          <a:lstStyle/>
+          <a:p>
+            <a:r>
+              <a:rPr lang="en-US" sz="2400" dirty="0">
+                <a:latin typeface="Proxima Nova Lt" panose="02000506030000020004" pitchFamily="50" charset="0"/>
+              </a:rPr>
+              <a:t>Explanation</a:t>
+            </a:r>
+          </a:p>
+        </p:txBody>
+      </p:sp>
+      <p:sp>
+        <p:nvSpPr>
+          <p:cNvPr id="116" name="TextBox 115"/>
+          <p:cNvSpPr txBox="1"/>
+          <p:nvPr/>
+        </p:nvSpPr>
+        <p:spPr>
+          <a:xfrm>
+            <a:off x="11431582" y="6368142"/>
+            <a:ext cx="404818" cy="338554"/>
+          </a:xfrm>
+          <a:prstGeom prst="rect">
+            <a:avLst/>
+          </a:prstGeom>
+          <a:noFill/>
+        </p:spPr>
+        <p:txBody>
+          <a:bodyPr wrap="square" rtlCol="0">
+            <a:spAutoFit/>
+          </a:bodyPr>
+          <a:lstStyle/>
+          <a:p>
+            <a:pPr algn="ctr"/>
+            <a:fld id="{E47AB02F-42F0-43F1-8AB7-1BD7BE096ADC}" type="slidenum">
+              <a:rPr lang="en-US" sz="1600" smtClean="0">
+                <a:solidFill>
+                  <a:schemeClr val="tx1">
+                    <a:lumMod val="85000"/>
+                    <a:lumOff val="15000"/>
+                  </a:schemeClr>
+                </a:solidFill>
+                <a:latin typeface="Proxima Nova Lt" panose="02000506030000020004" pitchFamily="50" charset="0"/>
+              </a:rPr>
+              <a:pPr algn="ctr"/>
+              <a:t>12</a:t>
+            </a:fld>
+            <a:endParaRPr lang="en-US" sz="1600" dirty="0">
+              <a:solidFill>
+                <a:schemeClr val="tx1">
+                  <a:lumMod val="85000"/>
+                  <a:lumOff val="15000"/>
+                </a:schemeClr>
+              </a:solidFill>
+              <a:latin typeface="Proxima Nova Lt" panose="02000506030000020004" pitchFamily="50" charset="0"/>
+            </a:endParaRPr>
+          </a:p>
+        </p:txBody>
+      </p:sp>
+      <p:sp>
+        <p:nvSpPr>
+          <p:cNvPr id="118" name="TextBox 117"/>
+          <p:cNvSpPr txBox="1"/>
+          <p:nvPr/>
+        </p:nvSpPr>
+        <p:spPr>
+          <a:xfrm>
+            <a:off x="8100785" y="6379933"/>
+            <a:ext cx="3432397" cy="307777"/>
+          </a:xfrm>
+          <a:prstGeom prst="rect">
+            <a:avLst/>
+          </a:prstGeom>
+          <a:noFill/>
+        </p:spPr>
+        <p:txBody>
+          <a:bodyPr wrap="square" rtlCol="0">
+            <a:spAutoFit/>
+          </a:bodyPr>
+          <a:lstStyle/>
+          <a:p>
+            <a:r>
+              <a:rPr lang="en-US" sz="1400" dirty="0">
+                <a:solidFill>
+                  <a:srgbClr val="003A70"/>
+                </a:solidFill>
+                <a:latin typeface="Proxima Nova Lt" panose="02000506030000020004" pitchFamily="50" charset="0"/>
+              </a:rPr>
+              <a:t>UC Berkeley Gym </a:t>
+            </a:r>
+            <a:r>
+              <a:rPr lang="en-US" sz="1400" dirty="0">
+                <a:solidFill>
+                  <a:srgbClr val="F2A900"/>
+                </a:solidFill>
+                <a:latin typeface="Proxima Nova Lt" panose="02000506030000020004" pitchFamily="50" charset="0"/>
+              </a:rPr>
+              <a:t>Attendance Analysis</a:t>
+            </a:r>
+          </a:p>
+        </p:txBody>
+      </p:sp>
+      <p:cxnSp>
+        <p:nvCxnSpPr>
+          <p:cNvPr id="120" name="Straight Connector 119"/>
+          <p:cNvCxnSpPr>
+            <a:cxnSpLocks/>
+          </p:cNvCxnSpPr>
+          <p:nvPr/>
+        </p:nvCxnSpPr>
+        <p:spPr>
+          <a:xfrm>
+            <a:off x="11409810" y="6379933"/>
+            <a:ext cx="0" cy="332141"/>
+          </a:xfrm>
+          <a:prstGeom prst="line">
+            <a:avLst/>
+          </a:prstGeom>
+          <a:ln>
+            <a:solidFill>
+              <a:schemeClr val="tx1">
+                <a:lumMod val="85000"/>
+                <a:lumOff val="15000"/>
+              </a:schemeClr>
+            </a:solidFill>
+          </a:ln>
+        </p:spPr>
+        <p:style>
+          <a:lnRef idx="1">
+            <a:schemeClr val="accent1"/>
+          </a:lnRef>
+          <a:fillRef idx="0">
+            <a:schemeClr val="accent1"/>
+          </a:fillRef>
+          <a:effectRef idx="0">
+            <a:schemeClr val="accent1"/>
+          </a:effectRef>
+          <a:fontRef idx="minor">
+            <a:schemeClr val="tx1"/>
+          </a:fontRef>
+        </p:style>
+      </p:cxnSp>
+    </p:spTree>
+    <p:extLst>
+      <p:ext uri="{BB962C8B-B14F-4D97-AF65-F5344CB8AC3E}">
+        <p14:creationId xmlns:p14="http://schemas.microsoft.com/office/powerpoint/2010/main" val="777683759"/>
+      </p:ext>
+    </p:extLst>
+  </p:cSld>
+  <p:clrMapOvr>
+    <a:masterClrMapping/>
+  </p:clrMapOvr>
+</p:sld>
+</file>
+
+<file path=ppt/slides/slide13.xml><?xml version="1.0" encoding="utf-8"?>
+<p:sld xmlns:a="http://schemas.openxmlformats.org/drawingml/2006/main" xmlns:r="http://schemas.openxmlformats.org/officeDocument/2006/relationships" xmlns:p="http://schemas.openxmlformats.org/presentationml/2006/main">
+  <p:cSld>
+    <p:spTree>
+      <p:nvGrpSpPr>
+        <p:cNvPr id="1" name=""/>
+        <p:cNvGrpSpPr/>
+        <p:nvPr/>
+      </p:nvGrpSpPr>
+      <p:grpSpPr>
+        <a:xfrm>
+          <a:off x="0" y="0"/>
+          <a:ext cx="0" cy="0"/>
+          <a:chOff x="0" y="0"/>
+          <a:chExt cx="0" cy="0"/>
+        </a:xfrm>
+      </p:grpSpPr>
+      <p:sp>
+        <p:nvSpPr>
+          <p:cNvPr id="53" name="Rectangle 52"/>
+          <p:cNvSpPr/>
+          <p:nvPr/>
+        </p:nvSpPr>
+        <p:spPr>
+          <a:xfrm>
+            <a:off x="0" y="0"/>
+            <a:ext cx="12192000" cy="897622"/>
+          </a:xfrm>
+          <a:prstGeom prst="rect">
+            <a:avLst/>
+          </a:prstGeom>
+          <a:solidFill>
+            <a:srgbClr val="003A70"/>
+          </a:solidFill>
+          <a:ln>
+            <a:noFill/>
+          </a:ln>
+        </p:spPr>
+        <p:style>
+          <a:lnRef idx="2">
+            <a:schemeClr val="accent1">
+              <a:shade val="50000"/>
+            </a:schemeClr>
+          </a:lnRef>
+          <a:fillRef idx="1">
+            <a:schemeClr val="accent1"/>
+          </a:fillRef>
+          <a:effectRef idx="0">
+            <a:schemeClr val="accent1"/>
+          </a:effectRef>
+          <a:fontRef idx="minor">
+            <a:schemeClr val="lt1"/>
+          </a:fontRef>
+        </p:style>
+        <p:txBody>
+          <a:bodyPr rtlCol="0" anchor="ctr"/>
+          <a:lstStyle/>
+          <a:p>
+            <a:pPr algn="ctr"/>
+            <a:endParaRPr lang="en-US"/>
+          </a:p>
+        </p:txBody>
+      </p:sp>
+      <p:sp>
+        <p:nvSpPr>
+          <p:cNvPr id="54" name="TextBox 53"/>
+          <p:cNvSpPr txBox="1"/>
+          <p:nvPr/>
+        </p:nvSpPr>
+        <p:spPr>
+          <a:xfrm>
+            <a:off x="351563" y="125645"/>
+            <a:ext cx="5863905" cy="646331"/>
+          </a:xfrm>
+          <a:prstGeom prst="rect">
+            <a:avLst/>
+          </a:prstGeom>
+          <a:noFill/>
+        </p:spPr>
+        <p:txBody>
+          <a:bodyPr wrap="square" rtlCol="0">
+            <a:spAutoFit/>
+          </a:bodyPr>
+          <a:lstStyle/>
+          <a:p>
+            <a:r>
+              <a:rPr lang="en-US" sz="3600" dirty="0">
+                <a:solidFill>
+                  <a:schemeClr val="bg1"/>
+                </a:solidFill>
+                <a:latin typeface="Proxima Nova Lt" panose="02000506030000020004" pitchFamily="50" charset="0"/>
+                <a:ea typeface="Karla" pitchFamily="2" charset="0"/>
+              </a:rPr>
+              <a:t>Analysis </a:t>
+            </a:r>
+            <a:r>
+              <a:rPr lang="en-US" sz="3600" dirty="0">
+                <a:solidFill>
+                  <a:srgbClr val="F2A900"/>
+                </a:solidFill>
+                <a:latin typeface="Proxima Nova Lt" panose="02000506030000020004" pitchFamily="50" charset="0"/>
+                <a:ea typeface="Karla" pitchFamily="2" charset="0"/>
+              </a:rPr>
+              <a:t>Goals</a:t>
+            </a:r>
+          </a:p>
+        </p:txBody>
+      </p:sp>
+      <p:grpSp>
+        <p:nvGrpSpPr>
+          <p:cNvPr id="114" name="Group 113"/>
+          <p:cNvGrpSpPr/>
+          <p:nvPr/>
+        </p:nvGrpSpPr>
+        <p:grpSpPr>
+          <a:xfrm>
+            <a:off x="1027547" y="2061031"/>
+            <a:ext cx="10454834" cy="2380343"/>
+            <a:chOff x="1828800" y="2628899"/>
+            <a:chExt cx="8534400" cy="1943101"/>
+          </a:xfrm>
+        </p:grpSpPr>
+        <p:grpSp>
+          <p:nvGrpSpPr>
+            <p:cNvPr id="97" name="Group 96"/>
+            <p:cNvGrpSpPr/>
+            <p:nvPr/>
+          </p:nvGrpSpPr>
+          <p:grpSpPr>
+            <a:xfrm>
+              <a:off x="1828800" y="2628899"/>
+              <a:ext cx="8534400" cy="1943101"/>
+              <a:chOff x="1219200" y="2628899"/>
+              <a:chExt cx="8534400" cy="1943101"/>
+            </a:xfrm>
+          </p:grpSpPr>
+          <p:sp>
+            <p:nvSpPr>
+              <p:cNvPr id="93" name="Arrow: Chevron 92"/>
+              <p:cNvSpPr/>
+              <p:nvPr/>
+            </p:nvSpPr>
+            <p:spPr>
+              <a:xfrm>
+                <a:off x="1219200" y="2628900"/>
+                <a:ext cx="2133600" cy="1943100"/>
+              </a:xfrm>
+              <a:prstGeom prst="chevron">
+                <a:avLst>
+                  <a:gd name="adj" fmla="val 14892"/>
+                </a:avLst>
+              </a:prstGeom>
+              <a:solidFill>
+                <a:schemeClr val="bg1">
+                  <a:lumMod val="50000"/>
+                </a:schemeClr>
+              </a:solidFill>
+              <a:ln>
+                <a:noFill/>
+              </a:ln>
+            </p:spPr>
+            <p:style>
+              <a:lnRef idx="2">
+                <a:schemeClr val="accent1">
+                  <a:shade val="50000"/>
+                </a:schemeClr>
+              </a:lnRef>
+              <a:fillRef idx="1">
+                <a:schemeClr val="accent1"/>
+              </a:fillRef>
+              <a:effectRef idx="0">
+                <a:schemeClr val="accent1"/>
+              </a:effectRef>
+              <a:fontRef idx="minor">
+                <a:schemeClr val="lt1"/>
+              </a:fontRef>
+            </p:style>
+            <p:txBody>
+              <a:bodyPr rtlCol="0" anchor="ctr"/>
+              <a:lstStyle/>
+              <a:p>
+                <a:pPr algn="ctr"/>
+                <a:endParaRPr lang="en-US">
+                  <a:solidFill>
+                    <a:schemeClr val="tx1"/>
+                  </a:solidFill>
+                </a:endParaRPr>
+              </a:p>
+            </p:txBody>
+          </p:sp>
+          <p:sp>
+            <p:nvSpPr>
+              <p:cNvPr id="94" name="Arrow: Chevron 93"/>
+              <p:cNvSpPr/>
+              <p:nvPr/>
+            </p:nvSpPr>
+            <p:spPr>
+              <a:xfrm>
+                <a:off x="3352800" y="2628900"/>
+                <a:ext cx="2133600" cy="1943100"/>
+              </a:xfrm>
+              <a:prstGeom prst="chevron">
+                <a:avLst>
+                  <a:gd name="adj" fmla="val 12651"/>
+                </a:avLst>
+              </a:prstGeom>
+              <a:solidFill>
+                <a:srgbClr val="003A70"/>
+              </a:solidFill>
+              <a:ln>
+                <a:noFill/>
+              </a:ln>
+            </p:spPr>
+            <p:style>
+              <a:lnRef idx="2">
+                <a:schemeClr val="accent1">
+                  <a:shade val="50000"/>
+                </a:schemeClr>
+              </a:lnRef>
+              <a:fillRef idx="1">
+                <a:schemeClr val="accent1"/>
+              </a:fillRef>
+              <a:effectRef idx="0">
+                <a:schemeClr val="accent1"/>
+              </a:effectRef>
+              <a:fontRef idx="minor">
+                <a:schemeClr val="lt1"/>
+              </a:fontRef>
+            </p:style>
+            <p:txBody>
+              <a:bodyPr rtlCol="0" anchor="ctr"/>
+              <a:lstStyle/>
+              <a:p>
+                <a:pPr algn="ctr"/>
+                <a:endParaRPr lang="en-US">
+                  <a:solidFill>
+                    <a:schemeClr val="tx1"/>
+                  </a:solidFill>
+                </a:endParaRPr>
+              </a:p>
+            </p:txBody>
+          </p:sp>
+          <p:sp>
+            <p:nvSpPr>
+              <p:cNvPr id="95" name="Arrow: Chevron 94"/>
+              <p:cNvSpPr/>
+              <p:nvPr/>
+            </p:nvSpPr>
+            <p:spPr>
+              <a:xfrm>
+                <a:off x="5486400" y="2628900"/>
+                <a:ext cx="2133600" cy="1943100"/>
+              </a:xfrm>
+              <a:prstGeom prst="chevron">
+                <a:avLst>
+                  <a:gd name="adj" fmla="val 11904"/>
+                </a:avLst>
+              </a:prstGeom>
+              <a:solidFill>
+                <a:schemeClr val="bg1">
+                  <a:lumMod val="50000"/>
+                </a:schemeClr>
+              </a:solidFill>
+              <a:ln>
+                <a:noFill/>
+              </a:ln>
+            </p:spPr>
+            <p:style>
+              <a:lnRef idx="2">
+                <a:schemeClr val="accent1">
+                  <a:shade val="50000"/>
+                </a:schemeClr>
+              </a:lnRef>
+              <a:fillRef idx="1">
+                <a:schemeClr val="accent1"/>
+              </a:fillRef>
+              <a:effectRef idx="0">
+                <a:schemeClr val="accent1"/>
+              </a:effectRef>
+              <a:fontRef idx="minor">
+                <a:schemeClr val="lt1"/>
+              </a:fontRef>
+            </p:style>
+            <p:txBody>
+              <a:bodyPr rtlCol="0" anchor="ctr"/>
+              <a:lstStyle/>
+              <a:p>
+                <a:pPr algn="ctr"/>
+                <a:endParaRPr lang="en-US">
+                  <a:solidFill>
+                    <a:schemeClr val="tx1"/>
+                  </a:solidFill>
+                </a:endParaRPr>
+              </a:p>
+            </p:txBody>
+          </p:sp>
+          <p:sp>
+            <p:nvSpPr>
+              <p:cNvPr id="96" name="Arrow: Chevron 95"/>
+              <p:cNvSpPr/>
+              <p:nvPr/>
+            </p:nvSpPr>
+            <p:spPr>
+              <a:xfrm>
+                <a:off x="7620000" y="2628899"/>
+                <a:ext cx="2133600" cy="1943100"/>
+              </a:xfrm>
+              <a:prstGeom prst="chevron">
+                <a:avLst>
+                  <a:gd name="adj" fmla="val 11904"/>
+                </a:avLst>
+              </a:prstGeom>
+              <a:solidFill>
+                <a:schemeClr val="bg1">
+                  <a:lumMod val="50000"/>
+                </a:schemeClr>
+              </a:solidFill>
+              <a:ln>
+                <a:noFill/>
+              </a:ln>
+            </p:spPr>
+            <p:style>
+              <a:lnRef idx="2">
+                <a:schemeClr val="accent1">
+                  <a:shade val="50000"/>
+                </a:schemeClr>
+              </a:lnRef>
+              <a:fillRef idx="1">
+                <a:schemeClr val="accent1"/>
+              </a:fillRef>
+              <a:effectRef idx="0">
+                <a:schemeClr val="accent1"/>
+              </a:effectRef>
+              <a:fontRef idx="minor">
+                <a:schemeClr val="lt1"/>
+              </a:fontRef>
+            </p:style>
+            <p:txBody>
+              <a:bodyPr rtlCol="0" anchor="ctr"/>
+              <a:lstStyle/>
+              <a:p>
+                <a:pPr algn="ctr"/>
+                <a:endParaRPr lang="en-US">
+                  <a:solidFill>
+                    <a:schemeClr val="tx1"/>
+                  </a:solidFill>
+                </a:endParaRPr>
+              </a:p>
+            </p:txBody>
+          </p:sp>
+        </p:grpSp>
+        <p:sp>
+          <p:nvSpPr>
+            <p:cNvPr id="98" name="Oval 97"/>
+            <p:cNvSpPr/>
+            <p:nvPr/>
+          </p:nvSpPr>
+          <p:spPr>
+            <a:xfrm>
+              <a:off x="3730171" y="3285651"/>
+              <a:ext cx="629597" cy="629597"/>
+            </a:xfrm>
+            <a:prstGeom prst="ellipse">
+              <a:avLst/>
+            </a:prstGeom>
+            <a:solidFill>
+              <a:schemeClr val="bg1"/>
+            </a:solidFill>
+            <a:ln>
+              <a:noFill/>
+            </a:ln>
+          </p:spPr>
+          <p:style>
+            <a:lnRef idx="2">
+              <a:schemeClr val="accent1">
+                <a:shade val="50000"/>
+              </a:schemeClr>
+            </a:lnRef>
+            <a:fillRef idx="1">
+              <a:schemeClr val="accent1"/>
+            </a:fillRef>
+            <a:effectRef idx="0">
+              <a:schemeClr val="accent1"/>
+            </a:effectRef>
+            <a:fontRef idx="minor">
+              <a:schemeClr val="lt1"/>
+            </a:fontRef>
+          </p:style>
+          <p:txBody>
+            <a:bodyPr rtlCol="0" anchor="ctr"/>
+            <a:lstStyle/>
+            <a:p>
+              <a:pPr algn="ctr"/>
+              <a:endParaRPr lang="en-US"/>
+            </a:p>
+          </p:txBody>
+        </p:sp>
+        <p:sp>
+          <p:nvSpPr>
+            <p:cNvPr id="100" name="Isosceles Triangle 99"/>
+            <p:cNvSpPr/>
+            <p:nvPr/>
+          </p:nvSpPr>
+          <p:spPr>
+            <a:xfrm rot="5400000">
+              <a:off x="3890696" y="3464279"/>
+              <a:ext cx="349075" cy="272342"/>
+            </a:xfrm>
+            <a:prstGeom prst="triangle">
+              <a:avLst/>
+            </a:prstGeom>
+            <a:solidFill>
+              <a:schemeClr val="tx1">
+                <a:lumMod val="75000"/>
+                <a:lumOff val="25000"/>
+              </a:schemeClr>
+            </a:solidFill>
+            <a:ln>
+              <a:noFill/>
+            </a:ln>
+          </p:spPr>
+          <p:style>
+            <a:lnRef idx="2">
+              <a:schemeClr val="accent1">
+                <a:shade val="50000"/>
+              </a:schemeClr>
+            </a:lnRef>
+            <a:fillRef idx="1">
+              <a:schemeClr val="accent1"/>
+            </a:fillRef>
+            <a:effectRef idx="0">
+              <a:schemeClr val="accent1"/>
+            </a:effectRef>
+            <a:fontRef idx="minor">
+              <a:schemeClr val="lt1"/>
+            </a:fontRef>
+          </p:style>
+          <p:txBody>
+            <a:bodyPr rtlCol="0" anchor="ctr"/>
+            <a:lstStyle/>
+            <a:p>
+              <a:pPr algn="ctr"/>
+              <a:endParaRPr lang="en-US"/>
+            </a:p>
+          </p:txBody>
+        </p:sp>
+        <p:sp>
+          <p:nvSpPr>
+            <p:cNvPr id="101" name="Oval 100"/>
+            <p:cNvSpPr/>
+            <p:nvPr/>
+          </p:nvSpPr>
+          <p:spPr>
+            <a:xfrm>
+              <a:off x="5863771" y="3285651"/>
+              <a:ext cx="629597" cy="629597"/>
+            </a:xfrm>
+            <a:prstGeom prst="ellipse">
+              <a:avLst/>
+            </a:prstGeom>
+            <a:solidFill>
+              <a:schemeClr val="bg1"/>
+            </a:solidFill>
+            <a:ln>
+              <a:noFill/>
+            </a:ln>
+          </p:spPr>
+          <p:style>
+            <a:lnRef idx="2">
+              <a:schemeClr val="accent1">
+                <a:shade val="50000"/>
+              </a:schemeClr>
+            </a:lnRef>
+            <a:fillRef idx="1">
+              <a:schemeClr val="accent1"/>
+            </a:fillRef>
+            <a:effectRef idx="0">
+              <a:schemeClr val="accent1"/>
+            </a:effectRef>
+            <a:fontRef idx="minor">
+              <a:schemeClr val="lt1"/>
+            </a:fontRef>
+          </p:style>
+          <p:txBody>
+            <a:bodyPr rtlCol="0" anchor="ctr"/>
+            <a:lstStyle/>
+            <a:p>
+              <a:pPr algn="ctr"/>
+              <a:endParaRPr lang="en-US"/>
+            </a:p>
+          </p:txBody>
+        </p:sp>
+        <p:sp>
+          <p:nvSpPr>
+            <p:cNvPr id="102" name="Isosceles Triangle 101"/>
+            <p:cNvSpPr/>
+            <p:nvPr/>
+          </p:nvSpPr>
+          <p:spPr>
+            <a:xfrm rot="5400000">
+              <a:off x="6024296" y="3464279"/>
+              <a:ext cx="349075" cy="272342"/>
+            </a:xfrm>
+            <a:prstGeom prst="triangle">
+              <a:avLst/>
+            </a:prstGeom>
+            <a:solidFill>
+              <a:schemeClr val="tx1">
+                <a:lumMod val="75000"/>
+                <a:lumOff val="25000"/>
+              </a:schemeClr>
+            </a:solidFill>
+            <a:ln>
+              <a:noFill/>
+            </a:ln>
+          </p:spPr>
+          <p:style>
+            <a:lnRef idx="2">
+              <a:schemeClr val="accent1">
+                <a:shade val="50000"/>
+              </a:schemeClr>
+            </a:lnRef>
+            <a:fillRef idx="1">
+              <a:schemeClr val="accent1"/>
+            </a:fillRef>
+            <a:effectRef idx="0">
+              <a:schemeClr val="accent1"/>
+            </a:effectRef>
+            <a:fontRef idx="minor">
+              <a:schemeClr val="lt1"/>
+            </a:fontRef>
+          </p:style>
+          <p:txBody>
+            <a:bodyPr rtlCol="0" anchor="ctr"/>
+            <a:lstStyle/>
+            <a:p>
+              <a:pPr algn="ctr"/>
+              <a:endParaRPr lang="en-US"/>
+            </a:p>
+          </p:txBody>
+        </p:sp>
+        <p:sp>
+          <p:nvSpPr>
+            <p:cNvPr id="103" name="Oval 102"/>
+            <p:cNvSpPr/>
+            <p:nvPr/>
+          </p:nvSpPr>
+          <p:spPr>
+            <a:xfrm>
+              <a:off x="7997371" y="3285651"/>
+              <a:ext cx="629597" cy="629597"/>
+            </a:xfrm>
+            <a:prstGeom prst="ellipse">
+              <a:avLst/>
+            </a:prstGeom>
+            <a:solidFill>
+              <a:schemeClr val="bg1"/>
+            </a:solidFill>
+            <a:ln>
+              <a:noFill/>
+            </a:ln>
+          </p:spPr>
+          <p:style>
+            <a:lnRef idx="2">
+              <a:schemeClr val="accent1">
+                <a:shade val="50000"/>
+              </a:schemeClr>
+            </a:lnRef>
+            <a:fillRef idx="1">
+              <a:schemeClr val="accent1"/>
+            </a:fillRef>
+            <a:effectRef idx="0">
+              <a:schemeClr val="accent1"/>
+            </a:effectRef>
+            <a:fontRef idx="minor">
+              <a:schemeClr val="lt1"/>
+            </a:fontRef>
+          </p:style>
+          <p:txBody>
+            <a:bodyPr rtlCol="0" anchor="ctr"/>
+            <a:lstStyle/>
+            <a:p>
+              <a:pPr algn="ctr"/>
+              <a:endParaRPr lang="en-US"/>
+            </a:p>
+          </p:txBody>
+        </p:sp>
+        <p:sp>
+          <p:nvSpPr>
+            <p:cNvPr id="104" name="Isosceles Triangle 103"/>
+            <p:cNvSpPr/>
+            <p:nvPr/>
+          </p:nvSpPr>
+          <p:spPr>
+            <a:xfrm rot="5400000">
+              <a:off x="8157896" y="3464279"/>
+              <a:ext cx="349075" cy="272342"/>
+            </a:xfrm>
+            <a:prstGeom prst="triangle">
+              <a:avLst/>
+            </a:prstGeom>
+            <a:solidFill>
+              <a:schemeClr val="tx1">
+                <a:lumMod val="75000"/>
+                <a:lumOff val="25000"/>
+              </a:schemeClr>
+            </a:solidFill>
+            <a:ln>
+              <a:noFill/>
+            </a:ln>
+          </p:spPr>
+          <p:style>
+            <a:lnRef idx="2">
+              <a:schemeClr val="accent1">
+                <a:shade val="50000"/>
+              </a:schemeClr>
+            </a:lnRef>
+            <a:fillRef idx="1">
+              <a:schemeClr val="accent1"/>
+            </a:fillRef>
+            <a:effectRef idx="0">
+              <a:schemeClr val="accent1"/>
+            </a:effectRef>
+            <a:fontRef idx="minor">
+              <a:schemeClr val="lt1"/>
+            </a:fontRef>
+          </p:style>
+          <p:txBody>
+            <a:bodyPr rtlCol="0" anchor="ctr"/>
+            <a:lstStyle/>
+            <a:p>
+              <a:pPr algn="ctr"/>
+              <a:endParaRPr lang="en-US"/>
+            </a:p>
+          </p:txBody>
+        </p:sp>
+        <p:pic>
+          <p:nvPicPr>
+            <p:cNvPr id="105" name="Picture 104"/>
+            <p:cNvPicPr>
+              <a:picLocks noChangeAspect="1"/>
+            </p:cNvPicPr>
+            <p:nvPr/>
+          </p:nvPicPr>
+          <p:blipFill>
+            <a:blip r:embed="rId2">
+              <a:biLevel thresh="25000"/>
+              <a:extLst>
+                <a:ext uri="{28A0092B-C50C-407E-A947-70E740481C1C}">
+                  <a14:useLocalDpi xmlns:a14="http://schemas.microsoft.com/office/drawing/2010/main" val="0"/>
+                </a:ext>
+              </a:extLst>
+            </a:blip>
+            <a:stretch>
+              <a:fillRect/>
+            </a:stretch>
+          </p:blipFill>
+          <p:spPr>
+            <a:xfrm>
+              <a:off x="2473461" y="2834451"/>
+              <a:ext cx="897765" cy="897765"/>
+            </a:xfrm>
+            <a:prstGeom prst="rect">
+              <a:avLst/>
+            </a:prstGeom>
+          </p:spPr>
+        </p:pic>
+        <p:sp>
+          <p:nvSpPr>
+            <p:cNvPr id="106" name="TextBox 105"/>
+            <p:cNvSpPr txBox="1"/>
+            <p:nvPr/>
+          </p:nvSpPr>
+          <p:spPr>
+            <a:xfrm>
+              <a:off x="2186150" y="3774988"/>
+              <a:ext cx="1444576" cy="678352"/>
+            </a:xfrm>
+            <a:prstGeom prst="rect">
+              <a:avLst/>
+            </a:prstGeom>
+            <a:noFill/>
+          </p:spPr>
+          <p:txBody>
+            <a:bodyPr wrap="square" rtlCol="0">
+              <a:spAutoFit/>
+            </a:bodyPr>
+            <a:lstStyle/>
+            <a:p>
+              <a:pPr algn="ctr"/>
+              <a:r>
+                <a:rPr lang="en-US" sz="2400" dirty="0">
+                  <a:solidFill>
+                    <a:schemeClr val="bg1"/>
+                  </a:solidFill>
+                  <a:latin typeface="Proxima Nova Lt" panose="02000506030000020004" pitchFamily="50" charset="0"/>
+                </a:rPr>
+                <a:t>Explore Trends</a:t>
+              </a:r>
+            </a:p>
+          </p:txBody>
+        </p:sp>
+        <p:sp>
+          <p:nvSpPr>
+            <p:cNvPr id="109" name="TextBox 108"/>
+            <p:cNvSpPr txBox="1"/>
+            <p:nvPr/>
+          </p:nvSpPr>
+          <p:spPr>
+            <a:xfrm>
+              <a:off x="4349166" y="3786535"/>
+              <a:ext cx="1444576" cy="678352"/>
+            </a:xfrm>
+            <a:prstGeom prst="rect">
+              <a:avLst/>
+            </a:prstGeom>
+            <a:noFill/>
+          </p:spPr>
+          <p:txBody>
+            <a:bodyPr wrap="square" rtlCol="0">
+              <a:spAutoFit/>
+            </a:bodyPr>
+            <a:lstStyle/>
+            <a:p>
+              <a:pPr algn="ctr"/>
+              <a:r>
+                <a:rPr lang="en-US" sz="2400" dirty="0">
+                  <a:solidFill>
+                    <a:schemeClr val="bg1"/>
+                  </a:solidFill>
+                  <a:latin typeface="Proxima Nova Lt" panose="02000506030000020004" pitchFamily="50" charset="0"/>
+                </a:rPr>
+                <a:t>Predict Attendance</a:t>
+              </a:r>
+            </a:p>
+          </p:txBody>
+        </p:sp>
+        <p:pic>
+          <p:nvPicPr>
+            <p:cNvPr id="110" name="Picture 109"/>
+            <p:cNvPicPr>
+              <a:picLocks noChangeAspect="1"/>
+            </p:cNvPicPr>
+            <p:nvPr/>
+          </p:nvPicPr>
+          <p:blipFill>
+            <a:blip r:embed="rId2">
+              <a:biLevel thresh="25000"/>
+              <a:extLst>
+                <a:ext uri="{28A0092B-C50C-407E-A947-70E740481C1C}">
+                  <a14:useLocalDpi xmlns:a14="http://schemas.microsoft.com/office/drawing/2010/main" val="0"/>
+                </a:ext>
+              </a:extLst>
+            </a:blip>
+            <a:stretch>
+              <a:fillRect/>
+            </a:stretch>
+          </p:blipFill>
+          <p:spPr>
+            <a:xfrm>
+              <a:off x="6772231" y="2834451"/>
+              <a:ext cx="897765" cy="897765"/>
+            </a:xfrm>
+            <a:prstGeom prst="rect">
+              <a:avLst/>
+            </a:prstGeom>
+          </p:spPr>
+        </p:pic>
+        <p:sp>
+          <p:nvSpPr>
+            <p:cNvPr id="111" name="TextBox 110"/>
+            <p:cNvSpPr txBox="1"/>
+            <p:nvPr/>
+          </p:nvSpPr>
+          <p:spPr>
+            <a:xfrm>
+              <a:off x="6484920" y="3822380"/>
+              <a:ext cx="1444576" cy="678352"/>
+            </a:xfrm>
+            <a:prstGeom prst="rect">
+              <a:avLst/>
+            </a:prstGeom>
+            <a:noFill/>
+          </p:spPr>
+          <p:txBody>
+            <a:bodyPr wrap="square" rtlCol="0">
+              <a:spAutoFit/>
+            </a:bodyPr>
+            <a:lstStyle/>
+            <a:p>
+              <a:pPr algn="ctr"/>
+              <a:r>
+                <a:rPr lang="en-US" sz="2400" dirty="0">
+                  <a:solidFill>
+                    <a:schemeClr val="bg1"/>
+                  </a:solidFill>
+                  <a:latin typeface="Proxima Nova Lt" panose="02000506030000020004" pitchFamily="50" charset="0"/>
+                </a:rPr>
+                <a:t>Explore Trends</a:t>
+              </a:r>
+            </a:p>
+          </p:txBody>
+        </p:sp>
+        <p:pic>
+          <p:nvPicPr>
+            <p:cNvPr id="112" name="Picture 111"/>
+            <p:cNvPicPr>
+              <a:picLocks noChangeAspect="1"/>
+            </p:cNvPicPr>
+            <p:nvPr/>
+          </p:nvPicPr>
+          <p:blipFill>
+            <a:blip r:embed="rId2">
+              <a:biLevel thresh="25000"/>
+              <a:extLst>
+                <a:ext uri="{28A0092B-C50C-407E-A947-70E740481C1C}">
+                  <a14:useLocalDpi xmlns:a14="http://schemas.microsoft.com/office/drawing/2010/main" val="0"/>
+                </a:ext>
+              </a:extLst>
+            </a:blip>
+            <a:stretch>
+              <a:fillRect/>
+            </a:stretch>
+          </p:blipFill>
+          <p:spPr>
+            <a:xfrm>
+              <a:off x="8909743" y="2797860"/>
+              <a:ext cx="897765" cy="897765"/>
+            </a:xfrm>
+            <a:prstGeom prst="rect">
+              <a:avLst/>
+            </a:prstGeom>
+          </p:spPr>
+        </p:pic>
+        <p:sp>
+          <p:nvSpPr>
+            <p:cNvPr id="113" name="TextBox 112"/>
+            <p:cNvSpPr txBox="1"/>
+            <p:nvPr/>
+          </p:nvSpPr>
+          <p:spPr>
+            <a:xfrm>
+              <a:off x="8622432" y="3785789"/>
+              <a:ext cx="1444576" cy="678352"/>
+            </a:xfrm>
+            <a:prstGeom prst="rect">
+              <a:avLst/>
+            </a:prstGeom>
+            <a:noFill/>
+          </p:spPr>
+          <p:txBody>
+            <a:bodyPr wrap="square" rtlCol="0">
+              <a:spAutoFit/>
+            </a:bodyPr>
+            <a:lstStyle/>
+            <a:p>
+              <a:pPr algn="ctr"/>
+              <a:r>
+                <a:rPr lang="en-US" sz="2400" dirty="0">
+                  <a:solidFill>
+                    <a:schemeClr val="bg1"/>
+                  </a:solidFill>
+                  <a:latin typeface="Proxima Nova Lt" panose="02000506030000020004" pitchFamily="50" charset="0"/>
+                </a:rPr>
+                <a:t>Explore Trends</a:t>
+              </a:r>
+            </a:p>
+          </p:txBody>
+        </p:sp>
+      </p:grpSp>
+      <p:sp>
+        <p:nvSpPr>
+          <p:cNvPr id="115" name="TextBox 114"/>
+          <p:cNvSpPr txBox="1"/>
+          <p:nvPr/>
+        </p:nvSpPr>
+        <p:spPr>
+          <a:xfrm>
+            <a:off x="1204369" y="5357305"/>
+            <a:ext cx="9783262" cy="461665"/>
+          </a:xfrm>
+          <a:prstGeom prst="rect">
+            <a:avLst/>
+          </a:prstGeom>
+          <a:noFill/>
+        </p:spPr>
+        <p:txBody>
+          <a:bodyPr wrap="square" rtlCol="0">
+            <a:spAutoFit/>
+          </a:bodyPr>
+          <a:lstStyle/>
+          <a:p>
+            <a:r>
+              <a:rPr lang="en-US" sz="2400" dirty="0">
+                <a:latin typeface="Proxima Nova Lt" panose="02000506030000020004" pitchFamily="50" charset="0"/>
+              </a:rPr>
+              <a:t>Explanation</a:t>
+            </a:r>
+          </a:p>
+        </p:txBody>
+      </p:sp>
+      <p:sp>
+        <p:nvSpPr>
+          <p:cNvPr id="116" name="TextBox 115"/>
+          <p:cNvSpPr txBox="1"/>
+          <p:nvPr/>
+        </p:nvSpPr>
+        <p:spPr>
+          <a:xfrm>
+            <a:off x="11431582" y="6368142"/>
+            <a:ext cx="404818" cy="338554"/>
+          </a:xfrm>
+          <a:prstGeom prst="rect">
+            <a:avLst/>
+          </a:prstGeom>
+          <a:noFill/>
+        </p:spPr>
+        <p:txBody>
+          <a:bodyPr wrap="square" rtlCol="0">
+            <a:spAutoFit/>
+          </a:bodyPr>
+          <a:lstStyle/>
+          <a:p>
+            <a:pPr algn="ctr"/>
+            <a:fld id="{E47AB02F-42F0-43F1-8AB7-1BD7BE096ADC}" type="slidenum">
+              <a:rPr lang="en-US" sz="1600" smtClean="0">
+                <a:solidFill>
+                  <a:schemeClr val="tx1">
+                    <a:lumMod val="85000"/>
+                    <a:lumOff val="15000"/>
+                  </a:schemeClr>
+                </a:solidFill>
+                <a:latin typeface="Proxima Nova Lt" panose="02000506030000020004" pitchFamily="50" charset="0"/>
+              </a:rPr>
+              <a:pPr algn="ctr"/>
+              <a:t>13</a:t>
+            </a:fld>
+            <a:endParaRPr lang="en-US" sz="1600" dirty="0">
+              <a:solidFill>
+                <a:schemeClr val="tx1">
+                  <a:lumMod val="85000"/>
+                  <a:lumOff val="15000"/>
+                </a:schemeClr>
+              </a:solidFill>
+              <a:latin typeface="Proxima Nova Lt" panose="02000506030000020004" pitchFamily="50" charset="0"/>
+            </a:endParaRPr>
+          </a:p>
+        </p:txBody>
+      </p:sp>
+      <p:sp>
+        <p:nvSpPr>
+          <p:cNvPr id="118" name="TextBox 117"/>
+          <p:cNvSpPr txBox="1"/>
+          <p:nvPr/>
+        </p:nvSpPr>
+        <p:spPr>
+          <a:xfrm>
+            <a:off x="8100785" y="6379933"/>
+            <a:ext cx="3432397" cy="307777"/>
+          </a:xfrm>
+          <a:prstGeom prst="rect">
+            <a:avLst/>
+          </a:prstGeom>
+          <a:noFill/>
+        </p:spPr>
+        <p:txBody>
+          <a:bodyPr wrap="square" rtlCol="0">
+            <a:spAutoFit/>
+          </a:bodyPr>
+          <a:lstStyle/>
+          <a:p>
+            <a:r>
+              <a:rPr lang="en-US" sz="1400" dirty="0">
+                <a:solidFill>
+                  <a:srgbClr val="003A70"/>
+                </a:solidFill>
+                <a:latin typeface="Proxima Nova Lt" panose="02000506030000020004" pitchFamily="50" charset="0"/>
+              </a:rPr>
+              <a:t>UC Berkeley Gym </a:t>
+            </a:r>
+            <a:r>
+              <a:rPr lang="en-US" sz="1400" dirty="0">
+                <a:solidFill>
+                  <a:srgbClr val="F2A900"/>
+                </a:solidFill>
+                <a:latin typeface="Proxima Nova Lt" panose="02000506030000020004" pitchFamily="50" charset="0"/>
+              </a:rPr>
+              <a:t>Attendance Analysis</a:t>
+            </a:r>
+          </a:p>
+        </p:txBody>
+      </p:sp>
+      <p:cxnSp>
+        <p:nvCxnSpPr>
+          <p:cNvPr id="120" name="Straight Connector 119"/>
+          <p:cNvCxnSpPr>
+            <a:cxnSpLocks/>
+          </p:cNvCxnSpPr>
+          <p:nvPr/>
+        </p:nvCxnSpPr>
+        <p:spPr>
+          <a:xfrm>
+            <a:off x="11409810" y="6379933"/>
+            <a:ext cx="0" cy="332141"/>
+          </a:xfrm>
+          <a:prstGeom prst="line">
+            <a:avLst/>
+          </a:prstGeom>
+          <a:ln>
+            <a:solidFill>
+              <a:schemeClr val="tx1">
+                <a:lumMod val="85000"/>
+                <a:lumOff val="15000"/>
+              </a:schemeClr>
+            </a:solidFill>
+          </a:ln>
+        </p:spPr>
+        <p:style>
+          <a:lnRef idx="1">
+            <a:schemeClr val="accent1"/>
+          </a:lnRef>
+          <a:fillRef idx="0">
+            <a:schemeClr val="accent1"/>
+          </a:fillRef>
+          <a:effectRef idx="0">
+            <a:schemeClr val="accent1"/>
+          </a:effectRef>
+          <a:fontRef idx="minor">
+            <a:schemeClr val="tx1"/>
+          </a:fontRef>
+        </p:style>
+      </p:cxnSp>
+      <p:pic>
+        <p:nvPicPr>
+          <p:cNvPr id="28" name="Picture 27"/>
+          <p:cNvPicPr>
+            <a:picLocks noChangeAspect="1"/>
+          </p:cNvPicPr>
+          <p:nvPr/>
+        </p:nvPicPr>
+        <p:blipFill>
+          <a:blip r:embed="rId3">
+            <a:biLevel thresh="25000"/>
+            <a:extLst>
+              <a:ext uri="{28A0092B-C50C-407E-A947-70E740481C1C}">
+                <a14:useLocalDpi xmlns:a14="http://schemas.microsoft.com/office/drawing/2010/main" val="0"/>
+              </a:ext>
+            </a:extLst>
+          </a:blip>
+          <a:stretch>
+            <a:fillRect/>
+          </a:stretch>
+        </p:blipFill>
+        <p:spPr>
+          <a:xfrm>
+            <a:off x="4217199" y="2099783"/>
+            <a:ext cx="1517322" cy="1517322"/>
+          </a:xfrm>
+          <a:prstGeom prst="rect">
+            <a:avLst/>
+          </a:prstGeom>
+        </p:spPr>
+      </p:pic>
+    </p:spTree>
+    <p:extLst>
+      <p:ext uri="{BB962C8B-B14F-4D97-AF65-F5344CB8AC3E}">
+        <p14:creationId xmlns:p14="http://schemas.microsoft.com/office/powerpoint/2010/main" val="14227134"/>
+      </p:ext>
+    </p:extLst>
+  </p:cSld>
+  <p:clrMapOvr>
+    <a:masterClrMapping/>
+  </p:clrMapOvr>
+</p:sld>
+</file>
+
 <file path=ppt/slides/slide2.xml><?xml version="1.0" encoding="utf-8"?>
 <p:sld xmlns:a="http://schemas.openxmlformats.org/drawingml/2006/main" xmlns:r="http://schemas.openxmlformats.org/officeDocument/2006/relationships" xmlns:p="http://schemas.openxmlformats.org/presentationml/2006/main">
   <p:cSld>
@@ -5445,14 +7352,14 @@
       </p:grpSpPr>
       <p:sp>
         <p:nvSpPr>
-          <p:cNvPr id="4" name="Rectangle 3"/>
+          <p:cNvPr id="5" name="Rectangle 4"/>
           <p:cNvSpPr/>
           <p:nvPr/>
         </p:nvSpPr>
         <p:spPr>
           <a:xfrm>
             <a:off x="0" y="0"/>
-            <a:ext cx="12192000" cy="404037"/>
+            <a:ext cx="12192000" cy="897622"/>
           </a:xfrm>
           <a:prstGeom prst="rect">
             <a:avLst/>
@@ -5489,173 +7396,244 @@
           </a:p>
         </p:txBody>
       </p:sp>
+      <p:sp>
+        <p:nvSpPr>
+          <p:cNvPr id="4" name="TextBox 3"/>
+          <p:cNvSpPr txBox="1"/>
+          <p:nvPr/>
+        </p:nvSpPr>
+        <p:spPr>
+          <a:xfrm>
+            <a:off x="351563" y="125645"/>
+            <a:ext cx="7166837" cy="646331"/>
+          </a:xfrm>
+          <a:prstGeom prst="rect">
+            <a:avLst/>
+          </a:prstGeom>
+          <a:noFill/>
+        </p:spPr>
+        <p:txBody>
+          <a:bodyPr wrap="square" rtlCol="0">
+            <a:spAutoFit/>
+          </a:bodyPr>
+          <a:lstStyle/>
+          <a:p>
+            <a:r>
+              <a:rPr lang="en-US" sz="3600" dirty="0">
+                <a:solidFill>
+                  <a:schemeClr val="bg1"/>
+                </a:solidFill>
+                <a:latin typeface="Proxima Nova Lt" panose="02000506030000020004" pitchFamily="50" charset="0"/>
+                <a:ea typeface="Karla" pitchFamily="2" charset="0"/>
+              </a:rPr>
+              <a:t>Analysis </a:t>
+            </a:r>
+            <a:r>
+              <a:rPr lang="en-US" sz="3600" dirty="0">
+                <a:solidFill>
+                  <a:srgbClr val="F2A900"/>
+                </a:solidFill>
+                <a:latin typeface="Proxima Nova Lt" panose="02000506030000020004" pitchFamily="50" charset="0"/>
+                <a:ea typeface="Karla" pitchFamily="2" charset="0"/>
+              </a:rPr>
+              <a:t>Goals</a:t>
+            </a:r>
+          </a:p>
+        </p:txBody>
+      </p:sp>
+      <p:sp>
+        <p:nvSpPr>
+          <p:cNvPr id="8" name="Flowchart: Alternate Process 7"/>
+          <p:cNvSpPr/>
+          <p:nvPr/>
+        </p:nvSpPr>
+        <p:spPr>
+          <a:xfrm>
+            <a:off x="673703" y="2102338"/>
+            <a:ext cx="2645751" cy="2299003"/>
+          </a:xfrm>
+          <a:prstGeom prst="flowChartAlternateProcess">
+            <a:avLst/>
+          </a:prstGeom>
+          <a:solidFill>
+            <a:srgbClr val="003A70"/>
+          </a:solidFill>
+        </p:spPr>
+        <p:style>
+          <a:lnRef idx="2">
+            <a:schemeClr val="accent1">
+              <a:shade val="50000"/>
+            </a:schemeClr>
+          </a:lnRef>
+          <a:fillRef idx="1">
+            <a:schemeClr val="accent1"/>
+          </a:fillRef>
+          <a:effectRef idx="0">
+            <a:schemeClr val="accent1"/>
+          </a:effectRef>
+          <a:fontRef idx="minor">
+            <a:schemeClr val="lt1"/>
+          </a:fontRef>
+        </p:style>
+        <p:txBody>
+          <a:bodyPr rtlCol="0" anchor="ctr"/>
+          <a:lstStyle/>
+          <a:p>
+            <a:pPr algn="ctr"/>
+            <a:endParaRPr lang="en-US"/>
+          </a:p>
+        </p:txBody>
+      </p:sp>
+      <p:sp>
+        <p:nvSpPr>
+          <p:cNvPr id="9" name="TextBox 8"/>
+          <p:cNvSpPr txBox="1"/>
+          <p:nvPr/>
+        </p:nvSpPr>
+        <p:spPr>
+          <a:xfrm>
+            <a:off x="673703" y="2195448"/>
+            <a:ext cx="2607899" cy="461665"/>
+          </a:xfrm>
+          <a:prstGeom prst="rect">
+            <a:avLst/>
+          </a:prstGeom>
+          <a:noFill/>
+        </p:spPr>
+        <p:txBody>
+          <a:bodyPr wrap="square" rtlCol="0">
+            <a:spAutoFit/>
+          </a:bodyPr>
+          <a:lstStyle/>
+          <a:p>
+            <a:pPr algn="ctr"/>
+            <a:r>
+              <a:rPr lang="en-US" sz="2400" dirty="0">
+                <a:solidFill>
+                  <a:schemeClr val="bg1"/>
+                </a:solidFill>
+                <a:latin typeface="Proxima Nova Lt" panose="02000506030000020004" pitchFamily="50" charset="0"/>
+              </a:rPr>
+              <a:t>Explore Trends</a:t>
+            </a:r>
+          </a:p>
+        </p:txBody>
+      </p:sp>
       <p:pic>
         <p:nvPicPr>
-          <p:cNvPr id="6146" name="Picture 2" descr="http://images.performgroup.com/di/library/sporting_news/87/2b/california-logo-ftr_1x0i0rlknnslu169pwm0od9x5l.jpg?t=1984411995"/>
+          <p:cNvPr id="13" name="Picture 12"/>
           <p:cNvPicPr>
-            <a:picLocks noChangeAspect="1" noChangeArrowheads="1"/>
+            <a:picLocks noChangeAspect="1"/>
           </p:cNvPicPr>
           <p:nvPr/>
         </p:nvPicPr>
         <p:blipFill>
           <a:blip r:embed="rId2">
+            <a:biLevel thresh="25000"/>
             <a:extLst>
               <a:ext uri="{28A0092B-C50C-407E-A947-70E740481C1C}">
                 <a14:useLocalDpi xmlns:a14="http://schemas.microsoft.com/office/drawing/2010/main" val="0"/>
               </a:ext>
             </a:extLst>
           </a:blip>
-          <a:srcRect/>
           <a:stretch>
             <a:fillRect/>
           </a:stretch>
         </p:blipFill>
-        <p:spPr bwMode="auto">
+        <p:spPr>
           <a:xfrm>
-            <a:off x="1263340" y="1603670"/>
-            <a:ext cx="4256854" cy="2390592"/>
+            <a:off x="1308527" y="2877223"/>
+            <a:ext cx="1376101" cy="1376101"/>
           </a:xfrm>
           <a:prstGeom prst="rect">
             <a:avLst/>
           </a:prstGeom>
-          <a:noFill/>
-          <a:extLst>
-            <a:ext uri="{909E8E84-426E-40DD-AFC4-6F175D3DCCD1}">
-              <a14:hiddenFill xmlns:a14="http://schemas.microsoft.com/office/drawing/2010/main">
-                <a:solidFill>
-                  <a:srgbClr val="FFFFFF"/>
-                </a:solidFill>
-              </a14:hiddenFill>
-            </a:ext>
-          </a:extLst>
         </p:spPr>
       </p:pic>
       <p:sp>
         <p:nvSpPr>
-          <p:cNvPr id="5" name="TextBox 4"/>
-          <p:cNvSpPr txBox="1"/>
+          <p:cNvPr id="15" name="Flowchart: Alternate Process 14"/>
+          <p:cNvSpPr/>
           <p:nvPr/>
         </p:nvSpPr>
         <p:spPr>
           <a:xfrm>
-            <a:off x="5380331" y="1626565"/>
-            <a:ext cx="4742615" cy="1015663"/>
-          </a:xfrm>
-          <a:prstGeom prst="rect">
-            <a:avLst/>
-          </a:prstGeom>
-          <a:noFill/>
-        </p:spPr>
-        <p:txBody>
-          <a:bodyPr wrap="square" rtlCol="0">
-            <a:spAutoFit/>
-          </a:bodyPr>
-          <a:lstStyle/>
-          <a:p>
-            <a:r>
-              <a:rPr lang="en-US" sz="6000" dirty="0">
-                <a:solidFill>
-                  <a:srgbClr val="003A70"/>
-                </a:solidFill>
-                <a:latin typeface="Proxima Nova Lt" panose="02000506030000020004" pitchFamily="50" charset="0"/>
-              </a:rPr>
-              <a:t>UC Berkeley</a:t>
-            </a:r>
-          </a:p>
-        </p:txBody>
-      </p:sp>
-      <p:sp>
-        <p:nvSpPr>
-          <p:cNvPr id="7" name="TextBox 6"/>
-          <p:cNvSpPr txBox="1"/>
-          <p:nvPr/>
-        </p:nvSpPr>
-        <p:spPr>
-          <a:xfrm>
-            <a:off x="5380331" y="2670823"/>
-            <a:ext cx="4366102" cy="1323439"/>
-          </a:xfrm>
-          <a:prstGeom prst="rect">
-            <a:avLst/>
-          </a:prstGeom>
-          <a:noFill/>
-        </p:spPr>
-        <p:txBody>
-          <a:bodyPr wrap="square" rtlCol="0">
-            <a:spAutoFit/>
-          </a:bodyPr>
-          <a:lstStyle/>
-          <a:p>
-            <a:r>
-              <a:rPr lang="en-US" sz="4000" dirty="0">
-                <a:solidFill>
-                  <a:srgbClr val="D19000"/>
-                </a:solidFill>
-                <a:latin typeface="Proxima Nova Lt" panose="02000506030000020004" pitchFamily="50" charset="0"/>
-              </a:rPr>
-              <a:t>Gym Attendance</a:t>
-            </a:r>
-          </a:p>
-          <a:p>
-            <a:r>
-              <a:rPr lang="en-US" sz="4000" dirty="0">
-                <a:solidFill>
-                  <a:srgbClr val="D19000"/>
-                </a:solidFill>
-                <a:latin typeface="Proxima Nova Lt" panose="02000506030000020004" pitchFamily="50" charset="0"/>
-              </a:rPr>
-              <a:t>Analysis</a:t>
-            </a:r>
-          </a:p>
-        </p:txBody>
-      </p:sp>
-      <p:cxnSp>
-        <p:nvCxnSpPr>
-          <p:cNvPr id="8" name="Straight Connector 7"/>
-          <p:cNvCxnSpPr>
-            <a:cxnSpLocks/>
-          </p:cNvCxnSpPr>
-          <p:nvPr/>
-        </p:nvCxnSpPr>
-        <p:spPr>
-          <a:xfrm>
-            <a:off x="1978782" y="4541223"/>
-            <a:ext cx="8234436" cy="0"/>
-          </a:xfrm>
-          <a:prstGeom prst="line">
-            <a:avLst/>
-          </a:prstGeom>
-          <a:ln w="25400">
-            <a:solidFill>
-              <a:srgbClr val="003A70"/>
-            </a:solidFill>
-          </a:ln>
+            <a:off x="4560553" y="1984614"/>
+            <a:ext cx="2412753" cy="2624690"/>
+          </a:xfrm>
+          <a:prstGeom prst="flowChartAlternateProcess">
+            <a:avLst/>
+          </a:prstGeom>
+          <a:solidFill>
+            <a:srgbClr val="003A70"/>
+          </a:solidFill>
         </p:spPr>
         <p:style>
-          <a:lnRef idx="1">
-            <a:schemeClr val="accent1"/>
+          <a:lnRef idx="2">
+            <a:schemeClr val="accent1">
+              <a:shade val="50000"/>
+            </a:schemeClr>
           </a:lnRef>
-          <a:fillRef idx="0">
+          <a:fillRef idx="1">
             <a:schemeClr val="accent1"/>
           </a:fillRef>
           <a:effectRef idx="0">
             <a:schemeClr val="accent1"/>
           </a:effectRef>
           <a:fontRef idx="minor">
-            <a:schemeClr val="tx1"/>
+            <a:schemeClr val="lt1"/>
           </a:fontRef>
         </p:style>
-      </p:cxnSp>
-      <p:sp>
-        <p:nvSpPr>
-          <p:cNvPr id="10" name="TextBox 9"/>
+        <p:txBody>
+          <a:bodyPr rtlCol="0" anchor="ctr"/>
+          <a:lstStyle/>
+          <a:p>
+            <a:pPr algn="ctr"/>
+            <a:endParaRPr lang="en-US"/>
+          </a:p>
+        </p:txBody>
+      </p:sp>
+      <p:pic>
+        <p:nvPicPr>
+          <p:cNvPr id="3" name="Picture 2"/>
+          <p:cNvPicPr>
+            <a:picLocks noChangeAspect="1"/>
+          </p:cNvPicPr>
+          <p:nvPr/>
+        </p:nvPicPr>
+        <p:blipFill>
+          <a:blip r:embed="rId3">
+            <a:biLevel thresh="25000"/>
+            <a:extLst>
+              <a:ext uri="{28A0092B-C50C-407E-A947-70E740481C1C}">
+                <a14:useLocalDpi xmlns:a14="http://schemas.microsoft.com/office/drawing/2010/main" val="0"/>
+              </a:ext>
+            </a:extLst>
+          </a:blip>
+          <a:stretch>
+            <a:fillRect/>
+          </a:stretch>
+        </p:blipFill>
+        <p:spPr>
+          <a:xfrm>
+            <a:off x="4981603" y="2810662"/>
+            <a:ext cx="1744051" cy="1744051"/>
+          </a:xfrm>
+          <a:prstGeom prst="rect">
+            <a:avLst/>
+          </a:prstGeom>
+        </p:spPr>
+      </p:pic>
+      <p:sp>
+        <p:nvSpPr>
+          <p:cNvPr id="16" name="TextBox 15"/>
           <p:cNvSpPr txBox="1"/>
           <p:nvPr/>
         </p:nvSpPr>
         <p:spPr>
           <a:xfrm>
-            <a:off x="5151120" y="5565052"/>
-            <a:ext cx="1889760" cy="338554"/>
+            <a:off x="4462979" y="2102760"/>
+            <a:ext cx="2607899" cy="830997"/>
           </a:xfrm>
           <a:prstGeom prst="rect">
             <a:avLst/>
@@ -5670,30 +7648,798 @@
           <a:p>
             <a:pPr algn="ctr"/>
             <a:r>
-              <a:rPr lang="en-US" sz="1600" dirty="0">
+              <a:rPr lang="en-US" sz="2400" dirty="0">
                 <a:solidFill>
-                  <a:schemeClr val="tx1">
-                    <a:lumMod val="85000"/>
-                    <a:lumOff val="15000"/>
-                  </a:schemeClr>
+                  <a:schemeClr val="bg1"/>
                 </a:solidFill>
                 <a:latin typeface="Proxima Nova Lt" panose="02000506030000020004" pitchFamily="50" charset="0"/>
               </a:rPr>
-              <a:t>April 2017</a:t>
-            </a:r>
-          </a:p>
-        </p:txBody>
-      </p:sp>
-      <p:sp>
-        <p:nvSpPr>
-          <p:cNvPr id="12" name="TextBox 11"/>
+              <a:t>Predict Gym Attendance</a:t>
+            </a:r>
+          </a:p>
+        </p:txBody>
+      </p:sp>
+      <p:sp>
+        <p:nvSpPr>
+          <p:cNvPr id="23" name="Arrow: Pentagon 22"/>
+          <p:cNvSpPr/>
+          <p:nvPr/>
+        </p:nvSpPr>
+        <p:spPr>
+          <a:xfrm flipH="1">
+            <a:off x="10772770" y="6316980"/>
+            <a:ext cx="1419223" cy="541019"/>
+          </a:xfrm>
+          <a:prstGeom prst="homePlate">
+            <a:avLst/>
+          </a:prstGeom>
+          <a:solidFill>
+            <a:srgbClr val="929292"/>
+          </a:solidFill>
+          <a:ln>
+            <a:solidFill>
+              <a:schemeClr val="bg1"/>
+            </a:solidFill>
+          </a:ln>
+        </p:spPr>
+        <p:style>
+          <a:lnRef idx="2">
+            <a:schemeClr val="accent1">
+              <a:shade val="50000"/>
+            </a:schemeClr>
+          </a:lnRef>
+          <a:fillRef idx="1">
+            <a:schemeClr val="accent1"/>
+          </a:fillRef>
+          <a:effectRef idx="0">
+            <a:schemeClr val="accent1"/>
+          </a:effectRef>
+          <a:fontRef idx="minor">
+            <a:schemeClr val="lt1"/>
+          </a:fontRef>
+        </p:style>
+        <p:txBody>
+          <a:bodyPr lIns="457200" rIns="0" rtlCol="0" anchor="ctr"/>
+          <a:lstStyle/>
+          <a:p>
+            <a:pPr algn="ctr"/>
+            <a:fld id="{12820A9B-FD09-4E62-A5A0-C9E59AE630FD}" type="slidenum">
+              <a:rPr lang="en-US" sz="1400" smtClean="0">
+                <a:solidFill>
+                  <a:schemeClr val="bg1"/>
+                </a:solidFill>
+              </a:rPr>
+              <a:pPr algn="ctr"/>
+              <a:t>2</a:t>
+            </a:fld>
+            <a:endParaRPr lang="en-US" sz="1400" dirty="0">
+              <a:solidFill>
+                <a:schemeClr val="bg1"/>
+              </a:solidFill>
+            </a:endParaRPr>
+          </a:p>
+        </p:txBody>
+      </p:sp>
+      <p:grpSp>
+        <p:nvGrpSpPr>
+          <p:cNvPr id="24" name="Group 23"/>
+          <p:cNvGrpSpPr/>
+          <p:nvPr/>
+        </p:nvGrpSpPr>
+        <p:grpSpPr>
+          <a:xfrm>
+            <a:off x="-6276" y="6316980"/>
+            <a:ext cx="11422765" cy="541263"/>
+            <a:chOff x="-5991" y="6226969"/>
+            <a:chExt cx="12196500" cy="631275"/>
+          </a:xfrm>
+          <a:solidFill>
+            <a:srgbClr val="003A70"/>
+          </a:solidFill>
+        </p:grpSpPr>
+        <p:sp>
+          <p:nvSpPr>
+            <p:cNvPr id="25" name="Freeform: Shape 24"/>
+            <p:cNvSpPr/>
+            <p:nvPr/>
+          </p:nvSpPr>
+          <p:spPr>
+            <a:xfrm>
+              <a:off x="-5991" y="6226969"/>
+              <a:ext cx="2903928" cy="631275"/>
+            </a:xfrm>
+            <a:custGeom>
+              <a:avLst/>
+              <a:gdLst>
+                <a:gd name="connsiteX0" fmla="*/ 0 w 2903928"/>
+                <a:gd name="connsiteY0" fmla="*/ 0 h 631275"/>
+                <a:gd name="connsiteX1" fmla="*/ 2588291 w 2903928"/>
+                <a:gd name="connsiteY1" fmla="*/ 0 h 631275"/>
+                <a:gd name="connsiteX2" fmla="*/ 2903928 w 2903928"/>
+                <a:gd name="connsiteY2" fmla="*/ 315638 h 631275"/>
+                <a:gd name="connsiteX3" fmla="*/ 2588291 w 2903928"/>
+                <a:gd name="connsiteY3" fmla="*/ 631275 h 631275"/>
+                <a:gd name="connsiteX4" fmla="*/ 0 w 2903928"/>
+                <a:gd name="connsiteY4" fmla="*/ 631275 h 631275"/>
+                <a:gd name="connsiteX5" fmla="*/ 0 w 2903928"/>
+                <a:gd name="connsiteY5" fmla="*/ 0 h 631275"/>
+              </a:gdLst>
+              <a:ahLst/>
+              <a:cxnLst>
+                <a:cxn ang="0">
+                  <a:pos x="connsiteX0" y="connsiteY0"/>
+                </a:cxn>
+                <a:cxn ang="0">
+                  <a:pos x="connsiteX1" y="connsiteY1"/>
+                </a:cxn>
+                <a:cxn ang="0">
+                  <a:pos x="connsiteX2" y="connsiteY2"/>
+                </a:cxn>
+                <a:cxn ang="0">
+                  <a:pos x="connsiteX3" y="connsiteY3"/>
+                </a:cxn>
+                <a:cxn ang="0">
+                  <a:pos x="connsiteX4" y="connsiteY4"/>
+                </a:cxn>
+                <a:cxn ang="0">
+                  <a:pos x="connsiteX5" y="connsiteY5"/>
+                </a:cxn>
+              </a:cxnLst>
+              <a:rect l="l" t="t" r="r" b="b"/>
+              <a:pathLst>
+                <a:path w="2903928" h="631275">
+                  <a:moveTo>
+                    <a:pt x="0" y="0"/>
+                  </a:moveTo>
+                  <a:lnTo>
+                    <a:pt x="2588291" y="0"/>
+                  </a:lnTo>
+                  <a:lnTo>
+                    <a:pt x="2903928" y="315638"/>
+                  </a:lnTo>
+                  <a:lnTo>
+                    <a:pt x="2588291" y="631275"/>
+                  </a:lnTo>
+                  <a:lnTo>
+                    <a:pt x="0" y="631275"/>
+                  </a:lnTo>
+                  <a:lnTo>
+                    <a:pt x="0" y="0"/>
+                  </a:lnTo>
+                  <a:close/>
+                </a:path>
+              </a:pathLst>
+            </a:custGeom>
+            <a:solidFill>
+              <a:srgbClr val="003A70"/>
+            </a:solidFill>
+          </p:spPr>
+          <p:style>
+            <a:lnRef idx="2">
+              <a:schemeClr val="lt1">
+                <a:hueOff val="0"/>
+                <a:satOff val="0"/>
+                <a:lumOff val="0"/>
+                <a:alphaOff val="0"/>
+              </a:schemeClr>
+            </a:lnRef>
+            <a:fillRef idx="1">
+              <a:scrgbClr r="0" g="0" b="0"/>
+            </a:fillRef>
+            <a:effectRef idx="0">
+              <a:schemeClr val="accent1">
+                <a:hueOff val="0"/>
+                <a:satOff val="0"/>
+                <a:lumOff val="0"/>
+                <a:alphaOff val="0"/>
+              </a:schemeClr>
+            </a:effectRef>
+            <a:fontRef idx="minor">
+              <a:schemeClr val="lt1"/>
+            </a:fontRef>
+          </p:style>
+          <p:txBody>
+            <a:bodyPr spcFirstLastPara="0" vert="horz" wrap="square" lIns="0" tIns="48006" rIns="181822" bIns="48006" numCol="1" spcCol="1270" anchor="ctr" anchorCtr="0">
+              <a:noAutofit/>
+            </a:bodyPr>
+            <a:lstStyle/>
+            <a:p>
+              <a:pPr marL="0" lvl="0" indent="0" algn="ctr" defTabSz="800100">
+                <a:lnSpc>
+                  <a:spcPct val="90000"/>
+                </a:lnSpc>
+                <a:spcBef>
+                  <a:spcPct val="0"/>
+                </a:spcBef>
+                <a:buNone/>
+              </a:pPr>
+              <a:r>
+                <a:rPr lang="en-US" sz="1400" kern="1200" dirty="0">
+                  <a:solidFill>
+                    <a:schemeClr val="bg1"/>
+                  </a:solidFill>
+                  <a:latin typeface="Proxima Nova Lt" panose="02000506030000020004" pitchFamily="50" charset="0"/>
+                </a:rPr>
+                <a:t>Analysis Goals</a:t>
+              </a:r>
+            </a:p>
+          </p:txBody>
+        </p:sp>
+        <p:sp>
+          <p:nvSpPr>
+            <p:cNvPr id="26" name="Freeform: Shape 25"/>
+            <p:cNvSpPr/>
+            <p:nvPr/>
+          </p:nvSpPr>
+          <p:spPr>
+            <a:xfrm>
+              <a:off x="2317152" y="6226969"/>
+              <a:ext cx="2903928" cy="631275"/>
+            </a:xfrm>
+            <a:custGeom>
+              <a:avLst/>
+              <a:gdLst>
+                <a:gd name="connsiteX0" fmla="*/ 0 w 2903928"/>
+                <a:gd name="connsiteY0" fmla="*/ 0 h 631275"/>
+                <a:gd name="connsiteX1" fmla="*/ 2588291 w 2903928"/>
+                <a:gd name="connsiteY1" fmla="*/ 0 h 631275"/>
+                <a:gd name="connsiteX2" fmla="*/ 2903928 w 2903928"/>
+                <a:gd name="connsiteY2" fmla="*/ 315638 h 631275"/>
+                <a:gd name="connsiteX3" fmla="*/ 2588291 w 2903928"/>
+                <a:gd name="connsiteY3" fmla="*/ 631275 h 631275"/>
+                <a:gd name="connsiteX4" fmla="*/ 0 w 2903928"/>
+                <a:gd name="connsiteY4" fmla="*/ 631275 h 631275"/>
+                <a:gd name="connsiteX5" fmla="*/ 315638 w 2903928"/>
+                <a:gd name="connsiteY5" fmla="*/ 315638 h 631275"/>
+                <a:gd name="connsiteX6" fmla="*/ 0 w 2903928"/>
+                <a:gd name="connsiteY6" fmla="*/ 0 h 631275"/>
+              </a:gdLst>
+              <a:ahLst/>
+              <a:cxnLst>
+                <a:cxn ang="0">
+                  <a:pos x="connsiteX0" y="connsiteY0"/>
+                </a:cxn>
+                <a:cxn ang="0">
+                  <a:pos x="connsiteX1" y="connsiteY1"/>
+                </a:cxn>
+                <a:cxn ang="0">
+                  <a:pos x="connsiteX2" y="connsiteY2"/>
+                </a:cxn>
+                <a:cxn ang="0">
+                  <a:pos x="connsiteX3" y="connsiteY3"/>
+                </a:cxn>
+                <a:cxn ang="0">
+                  <a:pos x="connsiteX4" y="connsiteY4"/>
+                </a:cxn>
+                <a:cxn ang="0">
+                  <a:pos x="connsiteX5" y="connsiteY5"/>
+                </a:cxn>
+                <a:cxn ang="0">
+                  <a:pos x="connsiteX6" y="connsiteY6"/>
+                </a:cxn>
+              </a:cxnLst>
+              <a:rect l="l" t="t" r="r" b="b"/>
+              <a:pathLst>
+                <a:path w="2903928" h="631275">
+                  <a:moveTo>
+                    <a:pt x="0" y="0"/>
+                  </a:moveTo>
+                  <a:lnTo>
+                    <a:pt x="2588291" y="0"/>
+                  </a:lnTo>
+                  <a:lnTo>
+                    <a:pt x="2903928" y="315638"/>
+                  </a:lnTo>
+                  <a:lnTo>
+                    <a:pt x="2588291" y="631275"/>
+                  </a:lnTo>
+                  <a:lnTo>
+                    <a:pt x="0" y="631275"/>
+                  </a:lnTo>
+                  <a:lnTo>
+                    <a:pt x="315638" y="315638"/>
+                  </a:lnTo>
+                  <a:lnTo>
+                    <a:pt x="0" y="0"/>
+                  </a:lnTo>
+                  <a:close/>
+                </a:path>
+              </a:pathLst>
+            </a:custGeom>
+            <a:solidFill>
+              <a:srgbClr val="929292"/>
+            </a:solidFill>
+          </p:spPr>
+          <p:style>
+            <a:lnRef idx="2">
+              <a:schemeClr val="lt1">
+                <a:hueOff val="0"/>
+                <a:satOff val="0"/>
+                <a:lumOff val="0"/>
+                <a:alphaOff val="0"/>
+              </a:schemeClr>
+            </a:lnRef>
+            <a:fillRef idx="1">
+              <a:scrgbClr r="0" g="0" b="0"/>
+            </a:fillRef>
+            <a:effectRef idx="0">
+              <a:schemeClr val="accent1">
+                <a:hueOff val="0"/>
+                <a:satOff val="0"/>
+                <a:lumOff val="0"/>
+                <a:alphaOff val="0"/>
+              </a:schemeClr>
+            </a:effectRef>
+            <a:fontRef idx="minor">
+              <a:schemeClr val="lt1"/>
+            </a:fontRef>
+          </p:style>
+          <p:txBody>
+            <a:bodyPr spcFirstLastPara="0" vert="horz" wrap="square" lIns="0" tIns="48006" rIns="182880" bIns="48006" numCol="1" spcCol="1270" anchor="ctr" anchorCtr="0">
+              <a:noAutofit/>
+            </a:bodyPr>
+            <a:lstStyle/>
+            <a:p>
+              <a:pPr marL="0" lvl="0" indent="0" algn="ctr" defTabSz="800100">
+                <a:lnSpc>
+                  <a:spcPct val="90000"/>
+                </a:lnSpc>
+                <a:spcBef>
+                  <a:spcPct val="0"/>
+                </a:spcBef>
+                <a:buNone/>
+              </a:pPr>
+              <a:r>
+                <a:rPr lang="en-US" sz="1400" kern="1200" dirty="0">
+                  <a:solidFill>
+                    <a:schemeClr val="bg1"/>
+                  </a:solidFill>
+                  <a:latin typeface="Proxima Nova Lt" panose="02000506030000020004" pitchFamily="50" charset="0"/>
+                </a:rPr>
+                <a:t>Data Overview</a:t>
+              </a:r>
+            </a:p>
+          </p:txBody>
+        </p:sp>
+        <p:sp>
+          <p:nvSpPr>
+            <p:cNvPr id="27" name="Freeform: Shape 26"/>
+            <p:cNvSpPr/>
+            <p:nvPr/>
+          </p:nvSpPr>
+          <p:spPr>
+            <a:xfrm>
+              <a:off x="4640295" y="6226969"/>
+              <a:ext cx="2903928" cy="631275"/>
+            </a:xfrm>
+            <a:custGeom>
+              <a:avLst/>
+              <a:gdLst>
+                <a:gd name="connsiteX0" fmla="*/ 0 w 2903928"/>
+                <a:gd name="connsiteY0" fmla="*/ 0 h 631275"/>
+                <a:gd name="connsiteX1" fmla="*/ 2588291 w 2903928"/>
+                <a:gd name="connsiteY1" fmla="*/ 0 h 631275"/>
+                <a:gd name="connsiteX2" fmla="*/ 2903928 w 2903928"/>
+                <a:gd name="connsiteY2" fmla="*/ 315638 h 631275"/>
+                <a:gd name="connsiteX3" fmla="*/ 2588291 w 2903928"/>
+                <a:gd name="connsiteY3" fmla="*/ 631275 h 631275"/>
+                <a:gd name="connsiteX4" fmla="*/ 0 w 2903928"/>
+                <a:gd name="connsiteY4" fmla="*/ 631275 h 631275"/>
+                <a:gd name="connsiteX5" fmla="*/ 315638 w 2903928"/>
+                <a:gd name="connsiteY5" fmla="*/ 315638 h 631275"/>
+                <a:gd name="connsiteX6" fmla="*/ 0 w 2903928"/>
+                <a:gd name="connsiteY6" fmla="*/ 0 h 631275"/>
+              </a:gdLst>
+              <a:ahLst/>
+              <a:cxnLst>
+                <a:cxn ang="0">
+                  <a:pos x="connsiteX0" y="connsiteY0"/>
+                </a:cxn>
+                <a:cxn ang="0">
+                  <a:pos x="connsiteX1" y="connsiteY1"/>
+                </a:cxn>
+                <a:cxn ang="0">
+                  <a:pos x="connsiteX2" y="connsiteY2"/>
+                </a:cxn>
+                <a:cxn ang="0">
+                  <a:pos x="connsiteX3" y="connsiteY3"/>
+                </a:cxn>
+                <a:cxn ang="0">
+                  <a:pos x="connsiteX4" y="connsiteY4"/>
+                </a:cxn>
+                <a:cxn ang="0">
+                  <a:pos x="connsiteX5" y="connsiteY5"/>
+                </a:cxn>
+                <a:cxn ang="0">
+                  <a:pos x="connsiteX6" y="connsiteY6"/>
+                </a:cxn>
+              </a:cxnLst>
+              <a:rect l="l" t="t" r="r" b="b"/>
+              <a:pathLst>
+                <a:path w="2903928" h="631275">
+                  <a:moveTo>
+                    <a:pt x="0" y="0"/>
+                  </a:moveTo>
+                  <a:lnTo>
+                    <a:pt x="2588291" y="0"/>
+                  </a:lnTo>
+                  <a:lnTo>
+                    <a:pt x="2903928" y="315638"/>
+                  </a:lnTo>
+                  <a:lnTo>
+                    <a:pt x="2588291" y="631275"/>
+                  </a:lnTo>
+                  <a:lnTo>
+                    <a:pt x="0" y="631275"/>
+                  </a:lnTo>
+                  <a:lnTo>
+                    <a:pt x="315638" y="315638"/>
+                  </a:lnTo>
+                  <a:lnTo>
+                    <a:pt x="0" y="0"/>
+                  </a:lnTo>
+                  <a:close/>
+                </a:path>
+              </a:pathLst>
+            </a:custGeom>
+            <a:solidFill>
+              <a:srgbClr val="929292"/>
+            </a:solidFill>
+          </p:spPr>
+          <p:style>
+            <a:lnRef idx="2">
+              <a:schemeClr val="lt1">
+                <a:hueOff val="0"/>
+                <a:satOff val="0"/>
+                <a:lumOff val="0"/>
+                <a:alphaOff val="0"/>
+              </a:schemeClr>
+            </a:lnRef>
+            <a:fillRef idx="1">
+              <a:scrgbClr r="0" g="0" b="0"/>
+            </a:fillRef>
+            <a:effectRef idx="0">
+              <a:schemeClr val="accent1">
+                <a:hueOff val="0"/>
+                <a:satOff val="0"/>
+                <a:lumOff val="0"/>
+                <a:alphaOff val="0"/>
+              </a:schemeClr>
+            </a:effectRef>
+            <a:fontRef idx="minor">
+              <a:schemeClr val="lt1"/>
+            </a:fontRef>
+          </p:style>
+          <p:txBody>
+            <a:bodyPr spcFirstLastPara="0" vert="horz" wrap="square" lIns="0" tIns="48006" rIns="182880" bIns="48006" numCol="1" spcCol="1270" anchor="ctr" anchorCtr="0">
+              <a:noAutofit/>
+            </a:bodyPr>
+            <a:lstStyle/>
+            <a:p>
+              <a:pPr marL="0" lvl="0" indent="0" algn="ctr" defTabSz="800100">
+                <a:lnSpc>
+                  <a:spcPct val="85000"/>
+                </a:lnSpc>
+                <a:spcBef>
+                  <a:spcPct val="0"/>
+                </a:spcBef>
+                <a:buNone/>
+              </a:pPr>
+              <a:r>
+                <a:rPr lang="en-US" sz="1400" kern="1200" dirty="0">
+                  <a:solidFill>
+                    <a:schemeClr val="bg1"/>
+                  </a:solidFill>
+                  <a:latin typeface="Proxima Nova Lt" panose="02000506030000020004" pitchFamily="50" charset="0"/>
+                </a:rPr>
+                <a:t>Variable</a:t>
+              </a:r>
+            </a:p>
+            <a:p>
+              <a:pPr marL="0" lvl="0" indent="0" algn="ctr" defTabSz="800100">
+                <a:lnSpc>
+                  <a:spcPct val="85000"/>
+                </a:lnSpc>
+                <a:spcBef>
+                  <a:spcPct val="0"/>
+                </a:spcBef>
+                <a:buNone/>
+              </a:pPr>
+              <a:r>
+                <a:rPr lang="en-US" sz="1400" kern="1200" dirty="0">
+                  <a:solidFill>
+                    <a:schemeClr val="bg1"/>
+                  </a:solidFill>
+                  <a:latin typeface="Proxima Nova Lt" panose="02000506030000020004" pitchFamily="50" charset="0"/>
+                </a:rPr>
+                <a:t>Relationships</a:t>
+              </a:r>
+            </a:p>
+          </p:txBody>
+        </p:sp>
+        <p:sp>
+          <p:nvSpPr>
+            <p:cNvPr id="28" name="Freeform: Shape 27"/>
+            <p:cNvSpPr/>
+            <p:nvPr/>
+          </p:nvSpPr>
+          <p:spPr>
+            <a:xfrm>
+              <a:off x="6963438" y="6226969"/>
+              <a:ext cx="2903928" cy="631275"/>
+            </a:xfrm>
+            <a:custGeom>
+              <a:avLst/>
+              <a:gdLst>
+                <a:gd name="connsiteX0" fmla="*/ 0 w 2903928"/>
+                <a:gd name="connsiteY0" fmla="*/ 0 h 631275"/>
+                <a:gd name="connsiteX1" fmla="*/ 2588291 w 2903928"/>
+                <a:gd name="connsiteY1" fmla="*/ 0 h 631275"/>
+                <a:gd name="connsiteX2" fmla="*/ 2903928 w 2903928"/>
+                <a:gd name="connsiteY2" fmla="*/ 315638 h 631275"/>
+                <a:gd name="connsiteX3" fmla="*/ 2588291 w 2903928"/>
+                <a:gd name="connsiteY3" fmla="*/ 631275 h 631275"/>
+                <a:gd name="connsiteX4" fmla="*/ 0 w 2903928"/>
+                <a:gd name="connsiteY4" fmla="*/ 631275 h 631275"/>
+                <a:gd name="connsiteX5" fmla="*/ 315638 w 2903928"/>
+                <a:gd name="connsiteY5" fmla="*/ 315638 h 631275"/>
+                <a:gd name="connsiteX6" fmla="*/ 0 w 2903928"/>
+                <a:gd name="connsiteY6" fmla="*/ 0 h 631275"/>
+              </a:gdLst>
+              <a:ahLst/>
+              <a:cxnLst>
+                <a:cxn ang="0">
+                  <a:pos x="connsiteX0" y="connsiteY0"/>
+                </a:cxn>
+                <a:cxn ang="0">
+                  <a:pos x="connsiteX1" y="connsiteY1"/>
+                </a:cxn>
+                <a:cxn ang="0">
+                  <a:pos x="connsiteX2" y="connsiteY2"/>
+                </a:cxn>
+                <a:cxn ang="0">
+                  <a:pos x="connsiteX3" y="connsiteY3"/>
+                </a:cxn>
+                <a:cxn ang="0">
+                  <a:pos x="connsiteX4" y="connsiteY4"/>
+                </a:cxn>
+                <a:cxn ang="0">
+                  <a:pos x="connsiteX5" y="connsiteY5"/>
+                </a:cxn>
+                <a:cxn ang="0">
+                  <a:pos x="connsiteX6" y="connsiteY6"/>
+                </a:cxn>
+              </a:cxnLst>
+              <a:rect l="l" t="t" r="r" b="b"/>
+              <a:pathLst>
+                <a:path w="2903928" h="631275">
+                  <a:moveTo>
+                    <a:pt x="0" y="0"/>
+                  </a:moveTo>
+                  <a:lnTo>
+                    <a:pt x="2588291" y="0"/>
+                  </a:lnTo>
+                  <a:lnTo>
+                    <a:pt x="2903928" y="315638"/>
+                  </a:lnTo>
+                  <a:lnTo>
+                    <a:pt x="2588291" y="631275"/>
+                  </a:lnTo>
+                  <a:lnTo>
+                    <a:pt x="0" y="631275"/>
+                  </a:lnTo>
+                  <a:lnTo>
+                    <a:pt x="315638" y="315638"/>
+                  </a:lnTo>
+                  <a:lnTo>
+                    <a:pt x="0" y="0"/>
+                  </a:lnTo>
+                  <a:close/>
+                </a:path>
+              </a:pathLst>
+            </a:custGeom>
+            <a:solidFill>
+              <a:srgbClr val="929292"/>
+            </a:solidFill>
+          </p:spPr>
+          <p:style>
+            <a:lnRef idx="2">
+              <a:schemeClr val="lt1">
+                <a:hueOff val="0"/>
+                <a:satOff val="0"/>
+                <a:lumOff val="0"/>
+                <a:alphaOff val="0"/>
+              </a:schemeClr>
+            </a:lnRef>
+            <a:fillRef idx="1">
+              <a:scrgbClr r="0" g="0" b="0"/>
+            </a:fillRef>
+            <a:effectRef idx="0">
+              <a:schemeClr val="accent1">
+                <a:hueOff val="0"/>
+                <a:satOff val="0"/>
+                <a:lumOff val="0"/>
+                <a:alphaOff val="0"/>
+              </a:schemeClr>
+            </a:effectRef>
+            <a:fontRef idx="minor">
+              <a:schemeClr val="lt1"/>
+            </a:fontRef>
+          </p:style>
+          <p:txBody>
+            <a:bodyPr spcFirstLastPara="0" vert="horz" wrap="square" lIns="0" tIns="48006" rIns="182880" bIns="48006" numCol="1" spcCol="1270" anchor="ctr" anchorCtr="0">
+              <a:noAutofit/>
+            </a:bodyPr>
+            <a:lstStyle/>
+            <a:p>
+              <a:pPr marL="0" lvl="0" indent="0" algn="ctr" defTabSz="800100">
+                <a:lnSpc>
+                  <a:spcPct val="90000"/>
+                </a:lnSpc>
+                <a:spcBef>
+                  <a:spcPct val="0"/>
+                </a:spcBef>
+                <a:buNone/>
+              </a:pPr>
+              <a:r>
+                <a:rPr lang="en-US" sz="1400" kern="1200" dirty="0">
+                  <a:solidFill>
+                    <a:schemeClr val="bg1"/>
+                  </a:solidFill>
+                  <a:latin typeface="Proxima Nova Lt" panose="02000506030000020004" pitchFamily="50" charset="0"/>
+                </a:rPr>
+                <a:t>Model</a:t>
+              </a:r>
+            </a:p>
+          </p:txBody>
+        </p:sp>
+        <p:sp>
+          <p:nvSpPr>
+            <p:cNvPr id="29" name="Freeform: Shape 28"/>
+            <p:cNvSpPr/>
+            <p:nvPr/>
+          </p:nvSpPr>
+          <p:spPr>
+            <a:xfrm>
+              <a:off x="9286581" y="6226969"/>
+              <a:ext cx="2903928" cy="631275"/>
+            </a:xfrm>
+            <a:custGeom>
+              <a:avLst/>
+              <a:gdLst>
+                <a:gd name="connsiteX0" fmla="*/ 0 w 2903928"/>
+                <a:gd name="connsiteY0" fmla="*/ 0 h 631275"/>
+                <a:gd name="connsiteX1" fmla="*/ 2588291 w 2903928"/>
+                <a:gd name="connsiteY1" fmla="*/ 0 h 631275"/>
+                <a:gd name="connsiteX2" fmla="*/ 2903928 w 2903928"/>
+                <a:gd name="connsiteY2" fmla="*/ 315638 h 631275"/>
+                <a:gd name="connsiteX3" fmla="*/ 2588291 w 2903928"/>
+                <a:gd name="connsiteY3" fmla="*/ 631275 h 631275"/>
+                <a:gd name="connsiteX4" fmla="*/ 0 w 2903928"/>
+                <a:gd name="connsiteY4" fmla="*/ 631275 h 631275"/>
+                <a:gd name="connsiteX5" fmla="*/ 315638 w 2903928"/>
+                <a:gd name="connsiteY5" fmla="*/ 315638 h 631275"/>
+                <a:gd name="connsiteX6" fmla="*/ 0 w 2903928"/>
+                <a:gd name="connsiteY6" fmla="*/ 0 h 631275"/>
+              </a:gdLst>
+              <a:ahLst/>
+              <a:cxnLst>
+                <a:cxn ang="0">
+                  <a:pos x="connsiteX0" y="connsiteY0"/>
+                </a:cxn>
+                <a:cxn ang="0">
+                  <a:pos x="connsiteX1" y="connsiteY1"/>
+                </a:cxn>
+                <a:cxn ang="0">
+                  <a:pos x="connsiteX2" y="connsiteY2"/>
+                </a:cxn>
+                <a:cxn ang="0">
+                  <a:pos x="connsiteX3" y="connsiteY3"/>
+                </a:cxn>
+                <a:cxn ang="0">
+                  <a:pos x="connsiteX4" y="connsiteY4"/>
+                </a:cxn>
+                <a:cxn ang="0">
+                  <a:pos x="connsiteX5" y="connsiteY5"/>
+                </a:cxn>
+                <a:cxn ang="0">
+                  <a:pos x="connsiteX6" y="connsiteY6"/>
+                </a:cxn>
+              </a:cxnLst>
+              <a:rect l="l" t="t" r="r" b="b"/>
+              <a:pathLst>
+                <a:path w="2903928" h="631275">
+                  <a:moveTo>
+                    <a:pt x="0" y="0"/>
+                  </a:moveTo>
+                  <a:lnTo>
+                    <a:pt x="2588291" y="0"/>
+                  </a:lnTo>
+                  <a:lnTo>
+                    <a:pt x="2903928" y="315638"/>
+                  </a:lnTo>
+                  <a:lnTo>
+                    <a:pt x="2588291" y="631275"/>
+                  </a:lnTo>
+                  <a:lnTo>
+                    <a:pt x="0" y="631275"/>
+                  </a:lnTo>
+                  <a:lnTo>
+                    <a:pt x="315638" y="315638"/>
+                  </a:lnTo>
+                  <a:lnTo>
+                    <a:pt x="0" y="0"/>
+                  </a:lnTo>
+                  <a:close/>
+                </a:path>
+              </a:pathLst>
+            </a:custGeom>
+            <a:solidFill>
+              <a:srgbClr val="929292"/>
+            </a:solidFill>
+          </p:spPr>
+          <p:style>
+            <a:lnRef idx="2">
+              <a:schemeClr val="lt1">
+                <a:hueOff val="0"/>
+                <a:satOff val="0"/>
+                <a:lumOff val="0"/>
+                <a:alphaOff val="0"/>
+              </a:schemeClr>
+            </a:lnRef>
+            <a:fillRef idx="1">
+              <a:scrgbClr r="0" g="0" b="0"/>
+            </a:fillRef>
+            <a:effectRef idx="0">
+              <a:schemeClr val="accent1">
+                <a:hueOff val="0"/>
+                <a:satOff val="0"/>
+                <a:lumOff val="0"/>
+                <a:alphaOff val="0"/>
+              </a:schemeClr>
+            </a:effectRef>
+            <a:fontRef idx="minor">
+              <a:schemeClr val="lt1"/>
+            </a:fontRef>
+          </p:style>
+          <p:txBody>
+            <a:bodyPr spcFirstLastPara="0" vert="horz" wrap="square" lIns="0" tIns="48006" rIns="182880" bIns="48006" numCol="1" spcCol="1270" anchor="ctr" anchorCtr="0">
+              <a:noAutofit/>
+            </a:bodyPr>
+            <a:lstStyle/>
+            <a:p>
+              <a:pPr marL="0" lvl="0" indent="0" algn="ctr" defTabSz="800100">
+                <a:lnSpc>
+                  <a:spcPct val="90000"/>
+                </a:lnSpc>
+                <a:spcBef>
+                  <a:spcPct val="0"/>
+                </a:spcBef>
+                <a:buNone/>
+              </a:pPr>
+              <a:r>
+                <a:rPr lang="en-US" sz="1400" kern="1200" dirty="0">
+                  <a:solidFill>
+                    <a:schemeClr val="bg1"/>
+                  </a:solidFill>
+                  <a:latin typeface="Proxima Nova Lt" panose="02000506030000020004" pitchFamily="50" charset="0"/>
+                </a:rPr>
+                <a:t>Results</a:t>
+              </a:r>
+            </a:p>
+          </p:txBody>
+        </p:sp>
+      </p:grpSp>
+      <p:sp>
+        <p:nvSpPr>
+          <p:cNvPr id="31" name="TextBox 30"/>
           <p:cNvSpPr txBox="1"/>
           <p:nvPr/>
         </p:nvSpPr>
         <p:spPr>
           <a:xfrm>
-            <a:off x="5227310" y="5103387"/>
-            <a:ext cx="1737381" cy="461665"/>
+            <a:off x="673703" y="4541591"/>
+            <a:ext cx="2645751" cy="646331"/>
           </a:xfrm>
           <a:prstGeom prst="rect">
             <a:avLst/>
@@ -5706,26 +8452,69 @@
           </a:bodyPr>
           <a:lstStyle/>
           <a:p>
+            <a:r>
+              <a:rPr lang="en-US" dirty="0">
+                <a:latin typeface="Proxima Nova Lt" panose="02000506030000020004" pitchFamily="50" charset="0"/>
+              </a:rPr>
+              <a:t>Explore Variable Relationships through ...</a:t>
+            </a:r>
+          </a:p>
+        </p:txBody>
+      </p:sp>
+      <p:sp>
+        <p:nvSpPr>
+          <p:cNvPr id="1024" name="Arrow: Chevron 1023"/>
+          <p:cNvSpPr/>
+          <p:nvPr/>
+        </p:nvSpPr>
+        <p:spPr>
+          <a:xfrm>
+            <a:off x="3749937" y="2756539"/>
+            <a:ext cx="515948" cy="990600"/>
+          </a:xfrm>
+          <a:prstGeom prst="chevron">
+            <a:avLst/>
+          </a:prstGeom>
+          <a:solidFill>
+            <a:srgbClr val="F2A900"/>
+          </a:solidFill>
+          <a:ln>
+            <a:noFill/>
+          </a:ln>
+        </p:spPr>
+        <p:style>
+          <a:lnRef idx="2">
+            <a:schemeClr val="accent1">
+              <a:shade val="50000"/>
+            </a:schemeClr>
+          </a:lnRef>
+          <a:fillRef idx="1">
+            <a:schemeClr val="accent1"/>
+          </a:fillRef>
+          <a:effectRef idx="0">
+            <a:schemeClr val="accent1"/>
+          </a:effectRef>
+          <a:fontRef idx="minor">
+            <a:schemeClr val="lt1"/>
+          </a:fontRef>
+        </p:style>
+        <p:txBody>
+          <a:bodyPr rtlCol="0" anchor="ctr"/>
+          <a:lstStyle/>
+          <a:p>
             <a:pPr algn="ctr"/>
-            <a:r>
-              <a:rPr lang="en-US" sz="2400" dirty="0">
-                <a:solidFill>
-                  <a:schemeClr val="tx1">
-                    <a:lumMod val="85000"/>
-                    <a:lumOff val="15000"/>
-                  </a:schemeClr>
-                </a:solidFill>
-                <a:latin typeface="Proxima Nova Lt" panose="02000506030000020004" pitchFamily="50" charset="0"/>
-              </a:rPr>
-              <a:t>Jeff Ernst</a:t>
-            </a:r>
+            <a:endParaRPr lang="en-US">
+              <a:solidFill>
+                <a:schemeClr val="tx1"/>
+              </a:solidFill>
+            </a:endParaRPr>
           </a:p>
         </p:txBody>
       </p:sp>
     </p:spTree>
     <p:extLst>
       <p:ext uri="{BB962C8B-B14F-4D97-AF65-F5344CB8AC3E}">
-        <p14:creationId xmlns:p14="http://schemas.microsoft.com/office/powerpoint/2010/main" val="285097410"/>
+        <p14:creationId xmlns:p14="http://schemas.microsoft.com/office/powerpoint/2010/main" val="2803589908"/>
       </p:ext>
     </p:extLst>
   </p:cSld>
@@ -5754,14 +8543,14 @@
       </p:grpSpPr>
       <p:sp>
         <p:nvSpPr>
-          <p:cNvPr id="5" name="Rectangle 4"/>
+          <p:cNvPr id="76" name="Rectangle 75"/>
           <p:cNvSpPr/>
           <p:nvPr/>
         </p:nvSpPr>
         <p:spPr>
           <a:xfrm>
-            <a:off x="0" y="0"/>
-            <a:ext cx="12192000" cy="897622"/>
+            <a:off x="2725048" y="1950475"/>
+            <a:ext cx="1628442" cy="1536755"/>
           </a:xfrm>
           <a:prstGeom prst="rect">
             <a:avLst/>
@@ -5800,78 +8589,13 @@
       </p:sp>
       <p:sp>
         <p:nvSpPr>
-          <p:cNvPr id="4" name="TextBox 3"/>
-          <p:cNvSpPr txBox="1"/>
+          <p:cNvPr id="11" name="Rectangle 10"/>
+          <p:cNvSpPr/>
           <p:nvPr/>
         </p:nvSpPr>
         <p:spPr>
           <a:xfrm>
-            <a:off x="351563" y="125645"/>
-            <a:ext cx="7166837" cy="646331"/>
-          </a:xfrm>
-          <a:prstGeom prst="rect">
-            <a:avLst/>
-          </a:prstGeom>
-          <a:noFill/>
-        </p:spPr>
-        <p:txBody>
-          <a:bodyPr wrap="square" rtlCol="0">
-            <a:spAutoFit/>
-          </a:bodyPr>
-          <a:lstStyle/>
-          <a:p>
-            <a:r>
-              <a:rPr lang="en-US" sz="3600" dirty="0">
-                <a:solidFill>
-                  <a:schemeClr val="bg1"/>
-                </a:solidFill>
-                <a:latin typeface="Proxima Nova Lt" panose="02000506030000020004" pitchFamily="50" charset="0"/>
-                <a:ea typeface="Karla" pitchFamily="2" charset="0"/>
-              </a:rPr>
-              <a:t>Analysis Goals</a:t>
-            </a:r>
-          </a:p>
-        </p:txBody>
-      </p:sp>
-    </p:spTree>
-    <p:extLst>
-      <p:ext uri="{BB962C8B-B14F-4D97-AF65-F5344CB8AC3E}">
-        <p14:creationId xmlns:p14="http://schemas.microsoft.com/office/powerpoint/2010/main" val="2803589908"/>
-      </p:ext>
-    </p:extLst>
-  </p:cSld>
-  <p:clrMapOvr>
-    <a:masterClrMapping/>
-  </p:clrMapOvr>
-</p:sld>
-</file>
-
-<file path=ppt/slides/slide4.xml><?xml version="1.0" encoding="utf-8"?>
-<p:sld xmlns:a="http://schemas.openxmlformats.org/drawingml/2006/main" xmlns:r="http://schemas.openxmlformats.org/officeDocument/2006/relationships" xmlns:p="http://schemas.openxmlformats.org/presentationml/2006/main">
-  <p:cSld>
-    <p:spTree>
-      <p:nvGrpSpPr>
-        <p:cNvPr id="1" name=""/>
-        <p:cNvGrpSpPr/>
-        <p:nvPr/>
-      </p:nvGrpSpPr>
-      <p:grpSpPr>
-        <a:xfrm>
-          <a:off x="0" y="0"/>
-          <a:ext cx="0" cy="0"/>
-          <a:chOff x="0" y="0"/>
-          <a:chExt cx="0" cy="0"/>
-        </a:xfrm>
-      </p:grpSpPr>
-      <p:sp>
-        <p:nvSpPr>
-          <p:cNvPr id="76" name="Rectangle 75"/>
-          <p:cNvSpPr/>
-          <p:nvPr/>
-        </p:nvSpPr>
-        <p:spPr>
-          <a:xfrm>
-            <a:off x="2725048" y="1747275"/>
+            <a:off x="676062" y="1950585"/>
             <a:ext cx="1628442" cy="1536755"/>
           </a:xfrm>
           <a:prstGeom prst="rect">
@@ -5905,20 +8629,27 @@
           <a:lstStyle/>
           <a:p>
             <a:pPr algn="ctr"/>
-            <a:endParaRPr lang="en-US"/>
-          </a:p>
-        </p:txBody>
-      </p:sp>
-      <p:sp>
-        <p:nvSpPr>
-          <p:cNvPr id="11" name="Rectangle 10"/>
+            <a:endParaRPr lang="en-US">
+              <a:solidFill>
+                <a:schemeClr val="tx1">
+                  <a:lumMod val="65000"/>
+                  <a:lumOff val="35000"/>
+                </a:schemeClr>
+              </a:solidFill>
+            </a:endParaRPr>
+          </a:p>
+        </p:txBody>
+      </p:sp>
+      <p:sp>
+        <p:nvSpPr>
+          <p:cNvPr id="5" name="Rectangle 4"/>
           <p:cNvSpPr/>
           <p:nvPr/>
         </p:nvSpPr>
         <p:spPr>
           <a:xfrm>
-            <a:off x="676062" y="1747385"/>
-            <a:ext cx="1628442" cy="1536755"/>
+            <a:off x="0" y="0"/>
+            <a:ext cx="12192000" cy="897622"/>
           </a:xfrm>
           <a:prstGeom prst="rect">
             <a:avLst/>
@@ -5951,27 +8682,132 @@
           <a:lstStyle/>
           <a:p>
             <a:pPr algn="ctr"/>
-            <a:endParaRPr lang="en-US">
-              <a:solidFill>
-                <a:schemeClr val="tx1">
-                  <a:lumMod val="65000"/>
-                  <a:lumOff val="35000"/>
-                </a:schemeClr>
-              </a:solidFill>
-            </a:endParaRPr>
-          </a:p>
-        </p:txBody>
-      </p:sp>
-      <p:sp>
-        <p:nvSpPr>
-          <p:cNvPr id="5" name="Rectangle 4"/>
+            <a:endParaRPr lang="en-US"/>
+          </a:p>
+        </p:txBody>
+      </p:sp>
+      <p:sp>
+        <p:nvSpPr>
+          <p:cNvPr id="4" name="TextBox 3"/>
+          <p:cNvSpPr txBox="1"/>
+          <p:nvPr/>
+        </p:nvSpPr>
+        <p:spPr>
+          <a:xfrm>
+            <a:off x="351563" y="125645"/>
+            <a:ext cx="5863905" cy="646331"/>
+          </a:xfrm>
+          <a:prstGeom prst="rect">
+            <a:avLst/>
+          </a:prstGeom>
+          <a:noFill/>
+        </p:spPr>
+        <p:txBody>
+          <a:bodyPr wrap="square" rtlCol="0">
+            <a:spAutoFit/>
+          </a:bodyPr>
+          <a:lstStyle/>
+          <a:p>
+            <a:r>
+              <a:rPr lang="en-US" sz="3600" dirty="0">
+                <a:solidFill>
+                  <a:schemeClr val="bg1"/>
+                </a:solidFill>
+                <a:latin typeface="Proxima Nova Lt" panose="02000506030000020004" pitchFamily="50" charset="0"/>
+                <a:ea typeface="Karla" pitchFamily="2" charset="0"/>
+              </a:rPr>
+              <a:t>Data </a:t>
+            </a:r>
+            <a:r>
+              <a:rPr lang="en-US" sz="3600" dirty="0">
+                <a:solidFill>
+                  <a:srgbClr val="F2A900"/>
+                </a:solidFill>
+                <a:latin typeface="Proxima Nova Lt" panose="02000506030000020004" pitchFamily="50" charset="0"/>
+                <a:ea typeface="Karla" pitchFamily="2" charset="0"/>
+              </a:rPr>
+              <a:t>Overview</a:t>
+            </a:r>
+          </a:p>
+        </p:txBody>
+      </p:sp>
+      <p:sp>
+        <p:nvSpPr>
+          <p:cNvPr id="7" name="TextBox 6"/>
+          <p:cNvSpPr txBox="1"/>
+          <p:nvPr/>
+        </p:nvSpPr>
+        <p:spPr>
+          <a:xfrm>
+            <a:off x="740474" y="2015071"/>
+            <a:ext cx="1499618" cy="338554"/>
+          </a:xfrm>
+          <a:prstGeom prst="rect">
+            <a:avLst/>
+          </a:prstGeom>
+          <a:noFill/>
+        </p:spPr>
+        <p:txBody>
+          <a:bodyPr wrap="square" rtlCol="0">
+            <a:spAutoFit/>
+          </a:bodyPr>
+          <a:lstStyle/>
+          <a:p>
+            <a:pPr algn="ctr"/>
+            <a:r>
+              <a:rPr lang="en-US" sz="1600" dirty="0">
+                <a:solidFill>
+                  <a:schemeClr val="bg1"/>
+                </a:solidFill>
+                <a:latin typeface="Proxima Nova Lt" panose="02000506030000020004" pitchFamily="50" charset="0"/>
+                <a:ea typeface="Karla" pitchFamily="2" charset="0"/>
+              </a:rPr>
+              <a:t>School</a:t>
+            </a:r>
+          </a:p>
+        </p:txBody>
+      </p:sp>
+      <p:pic>
+        <p:nvPicPr>
+          <p:cNvPr id="20" name="Picture 19"/>
+          <p:cNvPicPr>
+            <a:picLocks noChangeAspect="1"/>
+          </p:cNvPicPr>
+          <p:nvPr/>
+        </p:nvPicPr>
+        <p:blipFill>
+          <a:blip r:embed="rId2">
+            <a:biLevel thresh="25000"/>
+            <a:extLst>
+              <a:ext uri="{28A0092B-C50C-407E-A947-70E740481C1C}">
+                <a14:useLocalDpi xmlns:a14="http://schemas.microsoft.com/office/drawing/2010/main" val="0"/>
+              </a:ext>
+            </a:extLst>
+          </a:blip>
+          <a:stretch>
+            <a:fillRect/>
+          </a:stretch>
+        </p:blipFill>
+        <p:spPr>
+          <a:xfrm>
+            <a:off x="646435" y="2368397"/>
+            <a:ext cx="1687696" cy="963915"/>
+          </a:xfrm>
+          <a:prstGeom prst="rect">
+            <a:avLst/>
+          </a:prstGeom>
+        </p:spPr>
+      </p:pic>
+      <p:sp>
+        <p:nvSpPr>
+          <p:cNvPr id="33" name="Rectangle 32"/>
           <p:cNvSpPr/>
           <p:nvPr/>
         </p:nvSpPr>
         <p:spPr>
           <a:xfrm>
-            <a:off x="0" y="0"/>
-            <a:ext cx="12192000" cy="897622"/>
+            <a:off x="6772221" y="1950475"/>
+            <a:ext cx="1628442" cy="1536755"/>
           </a:xfrm>
           <a:prstGeom prst="rect">
             <a:avLst/>
@@ -6010,49 +8846,14 @@
       </p:sp>
       <p:sp>
         <p:nvSpPr>
-          <p:cNvPr id="4" name="TextBox 3"/>
+          <p:cNvPr id="34" name="TextBox 33"/>
           <p:cNvSpPr txBox="1"/>
           <p:nvPr/>
         </p:nvSpPr>
         <p:spPr>
           <a:xfrm>
-            <a:off x="351563" y="125645"/>
-            <a:ext cx="5863905" cy="646331"/>
-          </a:xfrm>
-          <a:prstGeom prst="rect">
-            <a:avLst/>
-          </a:prstGeom>
-          <a:noFill/>
-        </p:spPr>
-        <p:txBody>
-          <a:bodyPr wrap="square" rtlCol="0">
-            <a:spAutoFit/>
-          </a:bodyPr>
-          <a:lstStyle/>
-          <a:p>
-            <a:r>
-              <a:rPr lang="en-US" sz="3600" dirty="0">
-                <a:solidFill>
-                  <a:schemeClr val="bg1"/>
-                </a:solidFill>
-                <a:latin typeface="Proxima Nova Lt" panose="02000506030000020004" pitchFamily="50" charset="0"/>
-                <a:ea typeface="Karla" pitchFamily="2" charset="0"/>
-              </a:rPr>
-              <a:t>Data Overview</a:t>
-            </a:r>
-          </a:p>
-        </p:txBody>
-      </p:sp>
-      <p:sp>
-        <p:nvSpPr>
-          <p:cNvPr id="7" name="TextBox 6"/>
-          <p:cNvSpPr txBox="1"/>
-          <p:nvPr/>
-        </p:nvSpPr>
-        <p:spPr>
-          <a:xfrm>
-            <a:off x="740474" y="1811871"/>
-            <a:ext cx="1499618" cy="338554"/>
+            <a:off x="6901045" y="2014961"/>
+            <a:ext cx="1370794" cy="338554"/>
           </a:xfrm>
           <a:prstGeom prst="rect">
             <a:avLst/>
@@ -6074,21 +8875,21 @@
                 <a:latin typeface="Proxima Nova Lt" panose="02000506030000020004" pitchFamily="50" charset="0"/>
                 <a:ea typeface="Karla" pitchFamily="2" charset="0"/>
               </a:rPr>
-              <a:t>School</a:t>
+              <a:t>Date / Time</a:t>
             </a:r>
           </a:p>
         </p:txBody>
       </p:sp>
       <p:pic>
         <p:nvPicPr>
-          <p:cNvPr id="20" name="Picture 19"/>
+          <p:cNvPr id="24" name="Picture 23"/>
           <p:cNvPicPr>
             <a:picLocks noChangeAspect="1"/>
           </p:cNvPicPr>
           <p:nvPr/>
         </p:nvPicPr>
         <p:blipFill>
-          <a:blip r:embed="rId2">
+          <a:blip r:embed="rId3">
             <a:biLevel thresh="25000"/>
             <a:extLst>
               <a:ext uri="{28A0092B-C50C-407E-A947-70E740481C1C}">
@@ -6102,8 +8903,8 @@
         </p:blipFill>
         <p:spPr>
           <a:xfrm>
-            <a:off x="646435" y="2165197"/>
-            <a:ext cx="1687696" cy="963915"/>
+            <a:off x="7135928" y="2402081"/>
+            <a:ext cx="901028" cy="901028"/>
           </a:xfrm>
           <a:prstGeom prst="rect">
             <a:avLst/>
@@ -6112,13 +8913,13 @@
       </p:pic>
       <p:sp>
         <p:nvSpPr>
-          <p:cNvPr id="33" name="Rectangle 32"/>
+          <p:cNvPr id="37" name="Rectangle 36"/>
           <p:cNvSpPr/>
           <p:nvPr/>
         </p:nvSpPr>
         <p:spPr>
           <a:xfrm>
-            <a:off x="6772221" y="1747275"/>
+            <a:off x="4774034" y="1950475"/>
             <a:ext cx="1628442" cy="1536755"/>
           </a:xfrm>
           <a:prstGeom prst="rect">
@@ -6158,13 +8959,13 @@
       </p:sp>
       <p:sp>
         <p:nvSpPr>
-          <p:cNvPr id="34" name="TextBox 33"/>
+          <p:cNvPr id="38" name="TextBox 37"/>
           <p:cNvSpPr txBox="1"/>
           <p:nvPr/>
         </p:nvSpPr>
         <p:spPr>
           <a:xfrm>
-            <a:off x="6901045" y="1811761"/>
+            <a:off x="4938363" y="2014961"/>
             <a:ext cx="1370794" cy="338554"/>
           </a:xfrm>
           <a:prstGeom prst="rect">
@@ -6187,21 +8988,21 @@
                 <a:latin typeface="Proxima Nova Lt" panose="02000506030000020004" pitchFamily="50" charset="0"/>
                 <a:ea typeface="Karla" pitchFamily="2" charset="0"/>
               </a:rPr>
-              <a:t>Date / Time</a:t>
+              <a:t>Climate</a:t>
             </a:r>
           </a:p>
         </p:txBody>
       </p:sp>
       <p:pic>
         <p:nvPicPr>
-          <p:cNvPr id="24" name="Picture 23"/>
+          <p:cNvPr id="40" name="Picture 39"/>
           <p:cNvPicPr>
             <a:picLocks noChangeAspect="1"/>
           </p:cNvPicPr>
           <p:nvPr/>
         </p:nvPicPr>
         <p:blipFill>
-          <a:blip r:embed="rId3">
+          <a:blip r:embed="rId4">
             <a:biLevel thresh="25000"/>
             <a:extLst>
               <a:ext uri="{28A0092B-C50C-407E-A947-70E740481C1C}">
@@ -6215,8 +9016,8 @@
         </p:blipFill>
         <p:spPr>
           <a:xfrm>
-            <a:off x="7135928" y="2198881"/>
-            <a:ext cx="901028" cy="901028"/>
+            <a:off x="5097480" y="2418001"/>
+            <a:ext cx="1052560" cy="1052560"/>
           </a:xfrm>
           <a:prstGeom prst="rect">
             <a:avLst/>
@@ -6225,20 +9026,712 @@
       </p:pic>
       <p:sp>
         <p:nvSpPr>
-          <p:cNvPr id="37" name="Rectangle 36"/>
+          <p:cNvPr id="51" name="TextBox 50"/>
+          <p:cNvSpPr txBox="1"/>
+          <p:nvPr/>
+        </p:nvSpPr>
+        <p:spPr>
+          <a:xfrm>
+            <a:off x="763433" y="3554016"/>
+            <a:ext cx="1378962" cy="338554"/>
+          </a:xfrm>
+          <a:prstGeom prst="rect">
+            <a:avLst/>
+          </a:prstGeom>
+          <a:solidFill>
+            <a:srgbClr val="F2A900"/>
+          </a:solidFill>
+        </p:spPr>
+        <p:txBody>
+          <a:bodyPr wrap="square" rtlCol="0">
+            <a:spAutoFit/>
+          </a:bodyPr>
+          <a:lstStyle/>
+          <a:p>
+            <a:r>
+              <a:rPr lang="en-US" sz="1600" dirty="0">
+                <a:solidFill>
+                  <a:schemeClr val="tx1">
+                    <a:lumMod val="85000"/>
+                    <a:lumOff val="15000"/>
+                  </a:schemeClr>
+                </a:solidFill>
+                <a:latin typeface="Proxima Nova Lt" panose="02000506030000020004" pitchFamily="50" charset="0"/>
+                <a:ea typeface="Karla" pitchFamily="2" charset="0"/>
+              </a:rPr>
+              <a:t>Semester #</a:t>
+            </a:r>
+          </a:p>
+        </p:txBody>
+      </p:sp>
+      <p:sp>
+        <p:nvSpPr>
+          <p:cNvPr id="54" name="TextBox 53"/>
+          <p:cNvSpPr txBox="1"/>
+          <p:nvPr/>
+        </p:nvSpPr>
+        <p:spPr>
+          <a:xfrm>
+            <a:off x="763433" y="3959246"/>
+            <a:ext cx="1378962" cy="584775"/>
+          </a:xfrm>
+          <a:prstGeom prst="rect">
+            <a:avLst/>
+          </a:prstGeom>
+          <a:solidFill>
+            <a:srgbClr val="F2A900"/>
+          </a:solidFill>
+        </p:spPr>
+        <p:txBody>
+          <a:bodyPr wrap="square" rtlCol="0">
+            <a:spAutoFit/>
+          </a:bodyPr>
+          <a:lstStyle/>
+          <a:p>
+            <a:r>
+              <a:rPr lang="en-US" sz="1600" dirty="0">
+                <a:solidFill>
+                  <a:schemeClr val="tx1">
+                    <a:lumMod val="85000"/>
+                    <a:lumOff val="15000"/>
+                  </a:schemeClr>
+                </a:solidFill>
+                <a:latin typeface="Proxima Nova Lt" panose="02000506030000020004" pitchFamily="50" charset="0"/>
+                <a:ea typeface="Karla" pitchFamily="2" charset="0"/>
+              </a:rPr>
+              <a:t>During Semester</a:t>
+            </a:r>
+          </a:p>
+        </p:txBody>
+      </p:sp>
+      <p:pic>
+        <p:nvPicPr>
+          <p:cNvPr id="42" name="Picture 41"/>
+          <p:cNvPicPr>
+            <a:picLocks noChangeAspect="1"/>
+          </p:cNvPicPr>
+          <p:nvPr/>
+        </p:nvPicPr>
+        <p:blipFill>
+          <a:blip r:embed="rId5">
+            <a:biLevel thresh="25000"/>
+            <a:extLst>
+              <a:ext uri="{28A0092B-C50C-407E-A947-70E740481C1C}">
+                <a14:useLocalDpi xmlns:a14="http://schemas.microsoft.com/office/drawing/2010/main" val="0"/>
+              </a:ext>
+            </a:extLst>
+          </a:blip>
+          <a:stretch>
+            <a:fillRect/>
+          </a:stretch>
+        </p:blipFill>
+        <p:spPr>
+          <a:xfrm>
+            <a:off x="3067018" y="2384588"/>
+            <a:ext cx="944503" cy="944503"/>
+          </a:xfrm>
+          <a:prstGeom prst="rect">
+            <a:avLst/>
+          </a:prstGeom>
+        </p:spPr>
+      </p:pic>
+      <p:sp>
+        <p:nvSpPr>
+          <p:cNvPr id="77" name="TextBox 76"/>
+          <p:cNvSpPr txBox="1"/>
+          <p:nvPr/>
+        </p:nvSpPr>
+        <p:spPr>
+          <a:xfrm>
+            <a:off x="2853872" y="2014961"/>
+            <a:ext cx="1370794" cy="338554"/>
+          </a:xfrm>
+          <a:prstGeom prst="rect">
+            <a:avLst/>
+          </a:prstGeom>
+          <a:noFill/>
+        </p:spPr>
+        <p:txBody>
+          <a:bodyPr wrap="square" rtlCol="0">
+            <a:spAutoFit/>
+          </a:bodyPr>
+          <a:lstStyle/>
+          <a:p>
+            <a:pPr algn="ctr"/>
+            <a:r>
+              <a:rPr lang="en-US" sz="1600" dirty="0">
+                <a:solidFill>
+                  <a:schemeClr val="bg1"/>
+                </a:solidFill>
+                <a:latin typeface="Proxima Nova Lt" panose="02000506030000020004" pitchFamily="50" charset="0"/>
+                <a:ea typeface="Karla" pitchFamily="2" charset="0"/>
+              </a:rPr>
+              <a:t>Holiday</a:t>
+            </a:r>
+          </a:p>
+        </p:txBody>
+      </p:sp>
+      <p:cxnSp>
+        <p:nvCxnSpPr>
+          <p:cNvPr id="44" name="Straight Connector 43"/>
+          <p:cNvCxnSpPr>
+            <a:cxnSpLocks/>
+          </p:cNvCxnSpPr>
+          <p:nvPr/>
+        </p:nvCxnSpPr>
+        <p:spPr>
+          <a:xfrm>
+            <a:off x="8924208" y="0"/>
+            <a:ext cx="24503" cy="6858000"/>
+          </a:xfrm>
+          <a:prstGeom prst="line">
+            <a:avLst/>
+          </a:prstGeom>
+          <a:ln w="31750">
+            <a:solidFill>
+              <a:srgbClr val="003A70"/>
+            </a:solidFill>
+          </a:ln>
+        </p:spPr>
+        <p:style>
+          <a:lnRef idx="1">
+            <a:schemeClr val="accent1"/>
+          </a:lnRef>
+          <a:fillRef idx="0">
+            <a:schemeClr val="accent1"/>
+          </a:fillRef>
+          <a:effectRef idx="0">
+            <a:schemeClr val="accent1"/>
+          </a:effectRef>
+          <a:fontRef idx="minor">
+            <a:schemeClr val="tx1"/>
+          </a:fontRef>
+        </p:style>
+      </p:cxnSp>
+      <p:sp>
+        <p:nvSpPr>
+          <p:cNvPr id="88" name="TextBox 87"/>
+          <p:cNvSpPr txBox="1"/>
+          <p:nvPr/>
+        </p:nvSpPr>
+        <p:spPr>
+          <a:xfrm>
+            <a:off x="763433" y="4610697"/>
+            <a:ext cx="1378962" cy="584775"/>
+          </a:xfrm>
+          <a:prstGeom prst="rect">
+            <a:avLst/>
+          </a:prstGeom>
+          <a:solidFill>
+            <a:srgbClr val="F2A900"/>
+          </a:solidFill>
+        </p:spPr>
+        <p:txBody>
+          <a:bodyPr wrap="square" rtlCol="0">
+            <a:spAutoFit/>
+          </a:bodyPr>
+          <a:lstStyle/>
+          <a:p>
+            <a:r>
+              <a:rPr lang="en-US" sz="1600" dirty="0">
+                <a:solidFill>
+                  <a:schemeClr val="tx1">
+                    <a:lumMod val="85000"/>
+                    <a:lumOff val="15000"/>
+                  </a:schemeClr>
+                </a:solidFill>
+                <a:latin typeface="Proxima Nova Lt" panose="02000506030000020004" pitchFamily="50" charset="0"/>
+                <a:ea typeface="Karla" pitchFamily="2" charset="0"/>
+              </a:rPr>
+              <a:t>Start of Semester</a:t>
+            </a:r>
+          </a:p>
+        </p:txBody>
+      </p:sp>
+      <p:sp>
+        <p:nvSpPr>
+          <p:cNvPr id="90" name="TextBox 89"/>
+          <p:cNvSpPr txBox="1"/>
+          <p:nvPr/>
+        </p:nvSpPr>
+        <p:spPr>
+          <a:xfrm>
+            <a:off x="763433" y="5262150"/>
+            <a:ext cx="1378962" cy="584775"/>
+          </a:xfrm>
+          <a:prstGeom prst="rect">
+            <a:avLst/>
+          </a:prstGeom>
+          <a:solidFill>
+            <a:srgbClr val="F2A900"/>
+          </a:solidFill>
+        </p:spPr>
+        <p:txBody>
+          <a:bodyPr wrap="square" rtlCol="0">
+            <a:spAutoFit/>
+          </a:bodyPr>
+          <a:lstStyle/>
+          <a:p>
+            <a:r>
+              <a:rPr lang="en-US" sz="1600" dirty="0">
+                <a:solidFill>
+                  <a:schemeClr val="tx1">
+                    <a:lumMod val="85000"/>
+                    <a:lumOff val="15000"/>
+                  </a:schemeClr>
+                </a:solidFill>
+                <a:latin typeface="Proxima Nova Lt" panose="02000506030000020004" pitchFamily="50" charset="0"/>
+                <a:ea typeface="Karla" pitchFamily="2" charset="0"/>
+              </a:rPr>
+              <a:t>Week of Semester</a:t>
+            </a:r>
+          </a:p>
+        </p:txBody>
+      </p:sp>
+      <p:cxnSp>
+        <p:nvCxnSpPr>
+          <p:cNvPr id="46" name="Straight Connector 45"/>
+          <p:cNvCxnSpPr>
+            <a:cxnSpLocks/>
+          </p:cNvCxnSpPr>
+          <p:nvPr/>
+        </p:nvCxnSpPr>
+        <p:spPr>
+          <a:xfrm flipH="1">
+            <a:off x="680824" y="3484849"/>
+            <a:ext cx="1" cy="2362076"/>
+          </a:xfrm>
+          <a:prstGeom prst="line">
+            <a:avLst/>
+          </a:prstGeom>
+          <a:ln w="12700">
+            <a:solidFill>
+              <a:srgbClr val="003A70"/>
+            </a:solidFill>
+          </a:ln>
+        </p:spPr>
+        <p:style>
+          <a:lnRef idx="1">
+            <a:schemeClr val="accent1"/>
+          </a:lnRef>
+          <a:fillRef idx="0">
+            <a:schemeClr val="accent1"/>
+          </a:fillRef>
+          <a:effectRef idx="0">
+            <a:schemeClr val="accent1"/>
+          </a:effectRef>
+          <a:fontRef idx="minor">
+            <a:schemeClr val="tx1"/>
+          </a:fontRef>
+        </p:style>
+      </p:cxnSp>
+      <p:sp>
+        <p:nvSpPr>
+          <p:cNvPr id="94" name="TextBox 93"/>
+          <p:cNvSpPr txBox="1"/>
+          <p:nvPr/>
+        </p:nvSpPr>
+        <p:spPr>
+          <a:xfrm>
+            <a:off x="2812418" y="3548069"/>
+            <a:ext cx="1398361" cy="584775"/>
+          </a:xfrm>
+          <a:prstGeom prst="rect">
+            <a:avLst/>
+          </a:prstGeom>
+          <a:solidFill>
+            <a:srgbClr val="F2A900"/>
+          </a:solidFill>
+        </p:spPr>
+        <p:txBody>
+          <a:bodyPr wrap="square" rtlCol="0">
+            <a:spAutoFit/>
+          </a:bodyPr>
+          <a:lstStyle/>
+          <a:p>
+            <a:r>
+              <a:rPr lang="en-US" sz="1600" dirty="0">
+                <a:solidFill>
+                  <a:schemeClr val="tx1">
+                    <a:lumMod val="85000"/>
+                    <a:lumOff val="15000"/>
+                  </a:schemeClr>
+                </a:solidFill>
+                <a:latin typeface="Proxima Nova Lt" panose="02000506030000020004" pitchFamily="50" charset="0"/>
+                <a:ea typeface="Karla" pitchFamily="2" charset="0"/>
+              </a:rPr>
+              <a:t>Major Holiday</a:t>
+            </a:r>
+          </a:p>
+        </p:txBody>
+      </p:sp>
+      <p:sp>
+        <p:nvSpPr>
+          <p:cNvPr id="95" name="TextBox 94"/>
+          <p:cNvSpPr txBox="1"/>
+          <p:nvPr/>
+        </p:nvSpPr>
+        <p:spPr>
+          <a:xfrm>
+            <a:off x="2812418" y="4193683"/>
+            <a:ext cx="1398361" cy="584775"/>
+          </a:xfrm>
+          <a:prstGeom prst="rect">
+            <a:avLst/>
+          </a:prstGeom>
+          <a:solidFill>
+            <a:srgbClr val="F2A900"/>
+          </a:solidFill>
+        </p:spPr>
+        <p:txBody>
+          <a:bodyPr wrap="square" rtlCol="0">
+            <a:spAutoFit/>
+          </a:bodyPr>
+          <a:lstStyle/>
+          <a:p>
+            <a:r>
+              <a:rPr lang="en-US" sz="1600" dirty="0">
+                <a:solidFill>
+                  <a:schemeClr val="tx1">
+                    <a:lumMod val="85000"/>
+                    <a:lumOff val="15000"/>
+                  </a:schemeClr>
+                </a:solidFill>
+                <a:latin typeface="Proxima Nova Lt" panose="02000506030000020004" pitchFamily="50" charset="0"/>
+                <a:ea typeface="Karla" pitchFamily="2" charset="0"/>
+              </a:rPr>
+              <a:t>Holiday Recess</a:t>
+            </a:r>
+          </a:p>
+        </p:txBody>
+      </p:sp>
+      <p:sp>
+        <p:nvSpPr>
+          <p:cNvPr id="96" name="TextBox 95"/>
+          <p:cNvSpPr txBox="1"/>
+          <p:nvPr/>
+        </p:nvSpPr>
+        <p:spPr>
+          <a:xfrm>
+            <a:off x="2812418" y="4839297"/>
+            <a:ext cx="1398361" cy="584775"/>
+          </a:xfrm>
+          <a:prstGeom prst="rect">
+            <a:avLst/>
+          </a:prstGeom>
+          <a:solidFill>
+            <a:srgbClr val="F2A900"/>
+          </a:solidFill>
+        </p:spPr>
+        <p:txBody>
+          <a:bodyPr wrap="square" rtlCol="0">
+            <a:spAutoFit/>
+          </a:bodyPr>
+          <a:lstStyle/>
+          <a:p>
+            <a:r>
+              <a:rPr lang="en-US" sz="1600" dirty="0">
+                <a:solidFill>
+                  <a:schemeClr val="tx1">
+                    <a:lumMod val="85000"/>
+                    <a:lumOff val="15000"/>
+                  </a:schemeClr>
+                </a:solidFill>
+                <a:latin typeface="Proxima Nova Lt" panose="02000506030000020004" pitchFamily="50" charset="0"/>
+                <a:ea typeface="Karla" pitchFamily="2" charset="0"/>
+              </a:rPr>
+              <a:t>Academic Holiday</a:t>
+            </a:r>
+          </a:p>
+        </p:txBody>
+      </p:sp>
+      <p:cxnSp>
+        <p:nvCxnSpPr>
+          <p:cNvPr id="98" name="Straight Connector 97"/>
+          <p:cNvCxnSpPr>
+            <a:cxnSpLocks/>
+          </p:cNvCxnSpPr>
+          <p:nvPr/>
+        </p:nvCxnSpPr>
+        <p:spPr>
+          <a:xfrm flipH="1">
+            <a:off x="2729811" y="3484849"/>
+            <a:ext cx="1" cy="1939223"/>
+          </a:xfrm>
+          <a:prstGeom prst="line">
+            <a:avLst/>
+          </a:prstGeom>
+          <a:ln w="12700">
+            <a:solidFill>
+              <a:srgbClr val="003A70"/>
+            </a:solidFill>
+          </a:ln>
+        </p:spPr>
+        <p:style>
+          <a:lnRef idx="1">
+            <a:schemeClr val="accent1"/>
+          </a:lnRef>
+          <a:fillRef idx="0">
+            <a:schemeClr val="accent1"/>
+          </a:fillRef>
+          <a:effectRef idx="0">
+            <a:schemeClr val="accent1"/>
+          </a:effectRef>
+          <a:fontRef idx="minor">
+            <a:schemeClr val="tx1"/>
+          </a:fontRef>
+        </p:style>
+      </p:cxnSp>
+      <p:sp>
+        <p:nvSpPr>
+          <p:cNvPr id="102" name="TextBox 101"/>
+          <p:cNvSpPr txBox="1"/>
+          <p:nvPr/>
+        </p:nvSpPr>
+        <p:spPr>
+          <a:xfrm>
+            <a:off x="4861526" y="3553070"/>
+            <a:ext cx="1398359" cy="338554"/>
+          </a:xfrm>
+          <a:prstGeom prst="rect">
+            <a:avLst/>
+          </a:prstGeom>
+          <a:solidFill>
+            <a:srgbClr val="F2A900"/>
+          </a:solidFill>
+        </p:spPr>
+        <p:txBody>
+          <a:bodyPr wrap="square" rtlCol="0">
+            <a:spAutoFit/>
+          </a:bodyPr>
+          <a:lstStyle/>
+          <a:p>
+            <a:r>
+              <a:rPr lang="en-US" sz="1600" dirty="0">
+                <a:solidFill>
+                  <a:schemeClr val="tx1">
+                    <a:lumMod val="85000"/>
+                    <a:lumOff val="15000"/>
+                  </a:schemeClr>
+                </a:solidFill>
+                <a:latin typeface="Proxima Nova Lt" panose="02000506030000020004" pitchFamily="50" charset="0"/>
+                <a:ea typeface="Karla" pitchFamily="2" charset="0"/>
+              </a:rPr>
+              <a:t>Temperature</a:t>
+            </a:r>
+          </a:p>
+        </p:txBody>
+      </p:sp>
+      <p:sp>
+        <p:nvSpPr>
+          <p:cNvPr id="103" name="TextBox 102"/>
+          <p:cNvSpPr txBox="1"/>
+          <p:nvPr/>
+        </p:nvSpPr>
+        <p:spPr>
+          <a:xfrm>
+            <a:off x="4861526" y="3957463"/>
+            <a:ext cx="1398359" cy="338554"/>
+          </a:xfrm>
+          <a:prstGeom prst="rect">
+            <a:avLst/>
+          </a:prstGeom>
+          <a:solidFill>
+            <a:srgbClr val="F2A900"/>
+          </a:solidFill>
+        </p:spPr>
+        <p:txBody>
+          <a:bodyPr wrap="square" rtlCol="0">
+            <a:spAutoFit/>
+          </a:bodyPr>
+          <a:lstStyle/>
+          <a:p>
+            <a:r>
+              <a:rPr lang="en-US" sz="1600" dirty="0">
+                <a:solidFill>
+                  <a:schemeClr val="tx1">
+                    <a:lumMod val="85000"/>
+                    <a:lumOff val="15000"/>
+                  </a:schemeClr>
+                </a:solidFill>
+                <a:latin typeface="Proxima Nova Lt" panose="02000506030000020004" pitchFamily="50" charset="0"/>
+                <a:ea typeface="Karla" pitchFamily="2" charset="0"/>
+              </a:rPr>
+              <a:t>Precipitation</a:t>
+            </a:r>
+          </a:p>
+        </p:txBody>
+      </p:sp>
+      <p:cxnSp>
+        <p:nvCxnSpPr>
+          <p:cNvPr id="105" name="Straight Connector 104"/>
+          <p:cNvCxnSpPr>
+            <a:cxnSpLocks/>
+          </p:cNvCxnSpPr>
+          <p:nvPr/>
+        </p:nvCxnSpPr>
+        <p:spPr>
+          <a:xfrm flipH="1">
+            <a:off x="4778920" y="3484849"/>
+            <a:ext cx="1" cy="811168"/>
+          </a:xfrm>
+          <a:prstGeom prst="line">
+            <a:avLst/>
+          </a:prstGeom>
+          <a:ln w="12700">
+            <a:solidFill>
+              <a:srgbClr val="003A70"/>
+            </a:solidFill>
+          </a:ln>
+        </p:spPr>
+        <p:style>
+          <a:lnRef idx="1">
+            <a:schemeClr val="accent1"/>
+          </a:lnRef>
+          <a:fillRef idx="0">
+            <a:schemeClr val="accent1"/>
+          </a:fillRef>
+          <a:effectRef idx="0">
+            <a:schemeClr val="accent1"/>
+          </a:effectRef>
+          <a:fontRef idx="minor">
+            <a:schemeClr val="tx1"/>
+          </a:fontRef>
+        </p:style>
+      </p:cxnSp>
+      <p:sp>
+        <p:nvSpPr>
+          <p:cNvPr id="107" name="TextBox 106"/>
+          <p:cNvSpPr txBox="1"/>
+          <p:nvPr/>
+        </p:nvSpPr>
+        <p:spPr>
+          <a:xfrm>
+            <a:off x="6859588" y="3553070"/>
+            <a:ext cx="1398359" cy="338554"/>
+          </a:xfrm>
+          <a:prstGeom prst="rect">
+            <a:avLst/>
+          </a:prstGeom>
+          <a:solidFill>
+            <a:srgbClr val="F2A900"/>
+          </a:solidFill>
+        </p:spPr>
+        <p:txBody>
+          <a:bodyPr wrap="square" rtlCol="0">
+            <a:spAutoFit/>
+          </a:bodyPr>
+          <a:lstStyle/>
+          <a:p>
+            <a:r>
+              <a:rPr lang="en-US" sz="1600" dirty="0">
+                <a:solidFill>
+                  <a:schemeClr val="tx1">
+                    <a:lumMod val="85000"/>
+                    <a:lumOff val="15000"/>
+                  </a:schemeClr>
+                </a:solidFill>
+                <a:latin typeface="Proxima Nova Lt" panose="02000506030000020004" pitchFamily="50" charset="0"/>
+                <a:ea typeface="Karla" pitchFamily="2" charset="0"/>
+              </a:rPr>
+              <a:t>Day of Week</a:t>
+            </a:r>
+          </a:p>
+        </p:txBody>
+      </p:sp>
+      <p:sp>
+        <p:nvSpPr>
+          <p:cNvPr id="108" name="TextBox 107"/>
+          <p:cNvSpPr txBox="1"/>
+          <p:nvPr/>
+        </p:nvSpPr>
+        <p:spPr>
+          <a:xfrm>
+            <a:off x="6859588" y="3957463"/>
+            <a:ext cx="1398359" cy="338554"/>
+          </a:xfrm>
+          <a:prstGeom prst="rect">
+            <a:avLst/>
+          </a:prstGeom>
+          <a:solidFill>
+            <a:srgbClr val="F2A900"/>
+          </a:solidFill>
+        </p:spPr>
+        <p:txBody>
+          <a:bodyPr wrap="square" rtlCol="0">
+            <a:spAutoFit/>
+          </a:bodyPr>
+          <a:lstStyle/>
+          <a:p>
+            <a:r>
+              <a:rPr lang="en-US" sz="1600" dirty="0">
+                <a:solidFill>
+                  <a:schemeClr val="tx1">
+                    <a:lumMod val="85000"/>
+                    <a:lumOff val="15000"/>
+                  </a:schemeClr>
+                </a:solidFill>
+                <a:latin typeface="Proxima Nova Lt" panose="02000506030000020004" pitchFamily="50" charset="0"/>
+                <a:ea typeface="Karla" pitchFamily="2" charset="0"/>
+              </a:rPr>
+              <a:t>Hour</a:t>
+            </a:r>
+          </a:p>
+        </p:txBody>
+      </p:sp>
+      <p:cxnSp>
+        <p:nvCxnSpPr>
+          <p:cNvPr id="109" name="Straight Connector 108"/>
+          <p:cNvCxnSpPr>
+            <a:cxnSpLocks/>
+          </p:cNvCxnSpPr>
+          <p:nvPr/>
+        </p:nvCxnSpPr>
+        <p:spPr>
+          <a:xfrm flipH="1">
+            <a:off x="6776982" y="3484849"/>
+            <a:ext cx="1" cy="811168"/>
+          </a:xfrm>
+          <a:prstGeom prst="line">
+            <a:avLst/>
+          </a:prstGeom>
+          <a:ln w="12700">
+            <a:solidFill>
+              <a:srgbClr val="003A70"/>
+            </a:solidFill>
+          </a:ln>
+        </p:spPr>
+        <p:style>
+          <a:lnRef idx="1">
+            <a:schemeClr val="accent1"/>
+          </a:lnRef>
+          <a:fillRef idx="0">
+            <a:schemeClr val="accent1"/>
+          </a:fillRef>
+          <a:effectRef idx="0">
+            <a:schemeClr val="accent1"/>
+          </a:effectRef>
+          <a:fontRef idx="minor">
+            <a:schemeClr val="tx1"/>
+          </a:fontRef>
+        </p:style>
+      </p:cxnSp>
+      <p:sp>
+        <p:nvSpPr>
+          <p:cNvPr id="85" name="Rectangle 84"/>
           <p:cNvSpPr/>
           <p:nvPr/>
         </p:nvSpPr>
         <p:spPr>
           <a:xfrm>
-            <a:off x="4774034" y="1747275"/>
-            <a:ext cx="1628442" cy="1536755"/>
+            <a:off x="676061" y="1244600"/>
+            <a:ext cx="7724602" cy="501684"/>
           </a:xfrm>
           <a:prstGeom prst="rect">
             <a:avLst/>
           </a:prstGeom>
           <a:solidFill>
-            <a:srgbClr val="003A70"/>
+            <a:srgbClr val="F2A900"/>
           </a:solidFill>
           <a:ln>
             <a:noFill/>
@@ -6265,103 +9758,8 @@
           <a:lstStyle/>
           <a:p>
             <a:pPr algn="ctr"/>
-            <a:endParaRPr lang="en-US"/>
-          </a:p>
-        </p:txBody>
-      </p:sp>
-      <p:sp>
-        <p:nvSpPr>
-          <p:cNvPr id="38" name="TextBox 37"/>
-          <p:cNvSpPr txBox="1"/>
-          <p:nvPr/>
-        </p:nvSpPr>
-        <p:spPr>
-          <a:xfrm>
-            <a:off x="4938363" y="1811761"/>
-            <a:ext cx="1370794" cy="338554"/>
-          </a:xfrm>
-          <a:prstGeom prst="rect">
-            <a:avLst/>
-          </a:prstGeom>
-          <a:noFill/>
-        </p:spPr>
-        <p:txBody>
-          <a:bodyPr wrap="square" rtlCol="0">
-            <a:spAutoFit/>
-          </a:bodyPr>
-          <a:lstStyle/>
-          <a:p>
-            <a:pPr algn="ctr"/>
-            <a:r>
-              <a:rPr lang="en-US" sz="1600" dirty="0">
-                <a:solidFill>
-                  <a:schemeClr val="bg1"/>
-                </a:solidFill>
-                <a:latin typeface="Proxima Nova Lt" panose="02000506030000020004" pitchFamily="50" charset="0"/>
-                <a:ea typeface="Karla" pitchFamily="2" charset="0"/>
-              </a:rPr>
-              <a:t>Climate</a:t>
-            </a:r>
-          </a:p>
-        </p:txBody>
-      </p:sp>
-      <p:pic>
-        <p:nvPicPr>
-          <p:cNvPr id="40" name="Picture 39"/>
-          <p:cNvPicPr>
-            <a:picLocks noChangeAspect="1"/>
-          </p:cNvPicPr>
-          <p:nvPr/>
-        </p:nvPicPr>
-        <p:blipFill>
-          <a:blip r:embed="rId4">
-            <a:biLevel thresh="25000"/>
-            <a:extLst>
-              <a:ext uri="{28A0092B-C50C-407E-A947-70E740481C1C}">
-                <a14:useLocalDpi xmlns:a14="http://schemas.microsoft.com/office/drawing/2010/main" val="0"/>
-              </a:ext>
-            </a:extLst>
-          </a:blip>
-          <a:stretch>
-            <a:fillRect/>
-          </a:stretch>
-        </p:blipFill>
-        <p:spPr>
-          <a:xfrm>
-            <a:off x="5097480" y="2214801"/>
-            <a:ext cx="1052560" cy="1052560"/>
-          </a:xfrm>
-          <a:prstGeom prst="rect">
-            <a:avLst/>
-          </a:prstGeom>
-        </p:spPr>
-      </p:pic>
-      <p:sp>
-        <p:nvSpPr>
-          <p:cNvPr id="51" name="TextBox 50"/>
-          <p:cNvSpPr txBox="1"/>
-          <p:nvPr/>
-        </p:nvSpPr>
-        <p:spPr>
-          <a:xfrm>
-            <a:off x="763433" y="3350816"/>
-            <a:ext cx="1378962" cy="338554"/>
-          </a:xfrm>
-          <a:prstGeom prst="rect">
-            <a:avLst/>
-          </a:prstGeom>
-          <a:solidFill>
-            <a:srgbClr val="F2A900"/>
-          </a:solidFill>
-        </p:spPr>
-        <p:txBody>
-          <a:bodyPr wrap="square" rtlCol="0">
-            <a:spAutoFit/>
-          </a:bodyPr>
-          <a:lstStyle/>
-          <a:p>
-            <a:r>
-              <a:rPr lang="en-US" sz="1600" dirty="0">
+            <a:r>
+              <a:rPr lang="en-US" dirty="0">
                 <a:solidFill>
                   <a:schemeClr val="tx1">
                     <a:lumMod val="85000"/>
@@ -6369,679 +9767,28 @@
                   </a:schemeClr>
                 </a:solidFill>
                 <a:latin typeface="Proxima Nova Lt" panose="02000506030000020004" pitchFamily="50" charset="0"/>
-                <a:ea typeface="Karla" pitchFamily="2" charset="0"/>
-              </a:rPr>
-              <a:t>Semester #</a:t>
-            </a:r>
-          </a:p>
-        </p:txBody>
-      </p:sp>
-      <p:sp>
-        <p:nvSpPr>
-          <p:cNvPr id="54" name="TextBox 53"/>
-          <p:cNvSpPr txBox="1"/>
+              </a:rPr>
+              <a:t>Predictors</a:t>
+            </a:r>
+          </a:p>
+        </p:txBody>
+      </p:sp>
+      <p:sp>
+        <p:nvSpPr>
+          <p:cNvPr id="111" name="Rectangle 110"/>
+          <p:cNvSpPr/>
           <p:nvPr/>
         </p:nvSpPr>
         <p:spPr>
           <a:xfrm>
-            <a:off x="763433" y="3756046"/>
-            <a:ext cx="1378962" cy="584775"/>
+            <a:off x="9473200" y="1244600"/>
+            <a:ext cx="1971786" cy="501684"/>
           </a:xfrm>
           <a:prstGeom prst="rect">
             <a:avLst/>
           </a:prstGeom>
           <a:solidFill>
-            <a:srgbClr val="F2A900"/>
-          </a:solidFill>
-        </p:spPr>
-        <p:txBody>
-          <a:bodyPr wrap="square" rtlCol="0">
-            <a:spAutoFit/>
-          </a:bodyPr>
-          <a:lstStyle/>
-          <a:p>
-            <a:r>
-              <a:rPr lang="en-US" sz="1600" dirty="0">
-                <a:solidFill>
-                  <a:schemeClr val="tx1">
-                    <a:lumMod val="85000"/>
-                    <a:lumOff val="15000"/>
-                  </a:schemeClr>
-                </a:solidFill>
-                <a:latin typeface="Proxima Nova Lt" panose="02000506030000020004" pitchFamily="50" charset="0"/>
-                <a:ea typeface="Karla" pitchFamily="2" charset="0"/>
-              </a:rPr>
-              <a:t>During Semester</a:t>
-            </a:r>
-          </a:p>
-        </p:txBody>
-      </p:sp>
-      <p:pic>
-        <p:nvPicPr>
-          <p:cNvPr id="42" name="Picture 41"/>
-          <p:cNvPicPr>
-            <a:picLocks noChangeAspect="1"/>
-          </p:cNvPicPr>
-          <p:nvPr/>
-        </p:nvPicPr>
-        <p:blipFill>
-          <a:blip r:embed="rId5">
-            <a:biLevel thresh="25000"/>
-            <a:extLst>
-              <a:ext uri="{28A0092B-C50C-407E-A947-70E740481C1C}">
-                <a14:useLocalDpi xmlns:a14="http://schemas.microsoft.com/office/drawing/2010/main" val="0"/>
-              </a:ext>
-            </a:extLst>
-          </a:blip>
-          <a:stretch>
-            <a:fillRect/>
-          </a:stretch>
-        </p:blipFill>
-        <p:spPr>
-          <a:xfrm>
-            <a:off x="3067018" y="2181388"/>
-            <a:ext cx="944503" cy="944503"/>
-          </a:xfrm>
-          <a:prstGeom prst="rect">
-            <a:avLst/>
-          </a:prstGeom>
-        </p:spPr>
-      </p:pic>
-      <p:sp>
-        <p:nvSpPr>
-          <p:cNvPr id="77" name="TextBox 76"/>
-          <p:cNvSpPr txBox="1"/>
-          <p:nvPr/>
-        </p:nvSpPr>
-        <p:spPr>
-          <a:xfrm>
-            <a:off x="2853872" y="1811761"/>
-            <a:ext cx="1370794" cy="338554"/>
-          </a:xfrm>
-          <a:prstGeom prst="rect">
-            <a:avLst/>
-          </a:prstGeom>
-          <a:noFill/>
-        </p:spPr>
-        <p:txBody>
-          <a:bodyPr wrap="square" rtlCol="0">
-            <a:spAutoFit/>
-          </a:bodyPr>
-          <a:lstStyle/>
-          <a:p>
-            <a:pPr algn="ctr"/>
-            <a:r>
-              <a:rPr lang="en-US" sz="1600" dirty="0">
-                <a:solidFill>
-                  <a:schemeClr val="bg1"/>
-                </a:solidFill>
-                <a:latin typeface="Proxima Nova Lt" panose="02000506030000020004" pitchFamily="50" charset="0"/>
-                <a:ea typeface="Karla" pitchFamily="2" charset="0"/>
-              </a:rPr>
-              <a:t>Holiday</a:t>
-            </a:r>
-          </a:p>
-        </p:txBody>
-      </p:sp>
-      <p:cxnSp>
-        <p:nvCxnSpPr>
-          <p:cNvPr id="44" name="Straight Connector 43"/>
-          <p:cNvCxnSpPr/>
-          <p:nvPr/>
-        </p:nvCxnSpPr>
-        <p:spPr>
-          <a:xfrm>
-            <a:off x="8927407" y="895241"/>
-            <a:ext cx="19050" cy="5331728"/>
-          </a:xfrm>
-          <a:prstGeom prst="line">
-            <a:avLst/>
-          </a:prstGeom>
-          <a:ln w="31750">
-            <a:solidFill>
-              <a:srgbClr val="003A70"/>
-            </a:solidFill>
-          </a:ln>
-        </p:spPr>
-        <p:style>
-          <a:lnRef idx="1">
-            <a:schemeClr val="accent1"/>
-          </a:lnRef>
-          <a:fillRef idx="0">
-            <a:schemeClr val="accent1"/>
-          </a:fillRef>
-          <a:effectRef idx="0">
-            <a:schemeClr val="accent1"/>
-          </a:effectRef>
-          <a:fontRef idx="minor">
-            <a:schemeClr val="tx1"/>
-          </a:fontRef>
-        </p:style>
-      </p:cxnSp>
-      <p:sp>
-        <p:nvSpPr>
-          <p:cNvPr id="88" name="TextBox 87"/>
-          <p:cNvSpPr txBox="1"/>
-          <p:nvPr/>
-        </p:nvSpPr>
-        <p:spPr>
-          <a:xfrm>
-            <a:off x="763433" y="4407497"/>
-            <a:ext cx="1378962" cy="584775"/>
-          </a:xfrm>
-          <a:prstGeom prst="rect">
-            <a:avLst/>
-          </a:prstGeom>
-          <a:solidFill>
-            <a:srgbClr val="F2A900"/>
-          </a:solidFill>
-        </p:spPr>
-        <p:txBody>
-          <a:bodyPr wrap="square" rtlCol="0">
-            <a:spAutoFit/>
-          </a:bodyPr>
-          <a:lstStyle/>
-          <a:p>
-            <a:r>
-              <a:rPr lang="en-US" sz="1600" dirty="0">
-                <a:solidFill>
-                  <a:schemeClr val="tx1">
-                    <a:lumMod val="85000"/>
-                    <a:lumOff val="15000"/>
-                  </a:schemeClr>
-                </a:solidFill>
-                <a:latin typeface="Proxima Nova Lt" panose="02000506030000020004" pitchFamily="50" charset="0"/>
-                <a:ea typeface="Karla" pitchFamily="2" charset="0"/>
-              </a:rPr>
-              <a:t>Start of Semester</a:t>
-            </a:r>
-          </a:p>
-        </p:txBody>
-      </p:sp>
-      <p:sp>
-        <p:nvSpPr>
-          <p:cNvPr id="90" name="TextBox 89"/>
-          <p:cNvSpPr txBox="1"/>
-          <p:nvPr/>
-        </p:nvSpPr>
-        <p:spPr>
-          <a:xfrm>
-            <a:off x="763433" y="5058950"/>
-            <a:ext cx="1378962" cy="584775"/>
-          </a:xfrm>
-          <a:prstGeom prst="rect">
-            <a:avLst/>
-          </a:prstGeom>
-          <a:solidFill>
-            <a:srgbClr val="F2A900"/>
-          </a:solidFill>
-        </p:spPr>
-        <p:txBody>
-          <a:bodyPr wrap="square" rtlCol="0">
-            <a:spAutoFit/>
-          </a:bodyPr>
-          <a:lstStyle/>
-          <a:p>
-            <a:r>
-              <a:rPr lang="en-US" sz="1600" dirty="0">
-                <a:solidFill>
-                  <a:schemeClr val="tx1">
-                    <a:lumMod val="85000"/>
-                    <a:lumOff val="15000"/>
-                  </a:schemeClr>
-                </a:solidFill>
-                <a:latin typeface="Proxima Nova Lt" panose="02000506030000020004" pitchFamily="50" charset="0"/>
-                <a:ea typeface="Karla" pitchFamily="2" charset="0"/>
-              </a:rPr>
-              <a:t>Week of Semester</a:t>
-            </a:r>
-          </a:p>
-        </p:txBody>
-      </p:sp>
-      <p:cxnSp>
-        <p:nvCxnSpPr>
-          <p:cNvPr id="46" name="Straight Connector 45"/>
-          <p:cNvCxnSpPr>
-            <a:cxnSpLocks/>
-          </p:cNvCxnSpPr>
-          <p:nvPr/>
-        </p:nvCxnSpPr>
-        <p:spPr>
-          <a:xfrm flipH="1">
-            <a:off x="680824" y="3281649"/>
-            <a:ext cx="1" cy="2362076"/>
-          </a:xfrm>
-          <a:prstGeom prst="line">
-            <a:avLst/>
-          </a:prstGeom>
-          <a:ln w="12700">
-            <a:solidFill>
-              <a:srgbClr val="003A70"/>
-            </a:solidFill>
-          </a:ln>
-        </p:spPr>
-        <p:style>
-          <a:lnRef idx="1">
-            <a:schemeClr val="accent1"/>
-          </a:lnRef>
-          <a:fillRef idx="0">
-            <a:schemeClr val="accent1"/>
-          </a:fillRef>
-          <a:effectRef idx="0">
-            <a:schemeClr val="accent1"/>
-          </a:effectRef>
-          <a:fontRef idx="minor">
-            <a:schemeClr val="tx1"/>
-          </a:fontRef>
-        </p:style>
-      </p:cxnSp>
-      <p:sp>
-        <p:nvSpPr>
-          <p:cNvPr id="94" name="TextBox 93"/>
-          <p:cNvSpPr txBox="1"/>
-          <p:nvPr/>
-        </p:nvSpPr>
-        <p:spPr>
-          <a:xfrm>
-            <a:off x="2812418" y="3344869"/>
-            <a:ext cx="1398361" cy="584775"/>
-          </a:xfrm>
-          <a:prstGeom prst="rect">
-            <a:avLst/>
-          </a:prstGeom>
-          <a:solidFill>
-            <a:srgbClr val="F2A900"/>
-          </a:solidFill>
-        </p:spPr>
-        <p:txBody>
-          <a:bodyPr wrap="square" rtlCol="0">
-            <a:spAutoFit/>
-          </a:bodyPr>
-          <a:lstStyle/>
-          <a:p>
-            <a:r>
-              <a:rPr lang="en-US" sz="1600" dirty="0">
-                <a:solidFill>
-                  <a:schemeClr val="tx1">
-                    <a:lumMod val="85000"/>
-                    <a:lumOff val="15000"/>
-                  </a:schemeClr>
-                </a:solidFill>
-                <a:latin typeface="Proxima Nova Lt" panose="02000506030000020004" pitchFamily="50" charset="0"/>
-                <a:ea typeface="Karla" pitchFamily="2" charset="0"/>
-              </a:rPr>
-              <a:t>Major Holiday</a:t>
-            </a:r>
-          </a:p>
-        </p:txBody>
-      </p:sp>
-      <p:sp>
-        <p:nvSpPr>
-          <p:cNvPr id="95" name="TextBox 94"/>
-          <p:cNvSpPr txBox="1"/>
-          <p:nvPr/>
-        </p:nvSpPr>
-        <p:spPr>
-          <a:xfrm>
-            <a:off x="2812418" y="3990483"/>
-            <a:ext cx="1398361" cy="584775"/>
-          </a:xfrm>
-          <a:prstGeom prst="rect">
-            <a:avLst/>
-          </a:prstGeom>
-          <a:solidFill>
-            <a:srgbClr val="F2A900"/>
-          </a:solidFill>
-        </p:spPr>
-        <p:txBody>
-          <a:bodyPr wrap="square" rtlCol="0">
-            <a:spAutoFit/>
-          </a:bodyPr>
-          <a:lstStyle/>
-          <a:p>
-            <a:r>
-              <a:rPr lang="en-US" sz="1600" dirty="0">
-                <a:solidFill>
-                  <a:schemeClr val="tx1">
-                    <a:lumMod val="85000"/>
-                    <a:lumOff val="15000"/>
-                  </a:schemeClr>
-                </a:solidFill>
-                <a:latin typeface="Proxima Nova Lt" panose="02000506030000020004" pitchFamily="50" charset="0"/>
-                <a:ea typeface="Karla" pitchFamily="2" charset="0"/>
-              </a:rPr>
-              <a:t>Holiday Recess</a:t>
-            </a:r>
-          </a:p>
-        </p:txBody>
-      </p:sp>
-      <p:sp>
-        <p:nvSpPr>
-          <p:cNvPr id="96" name="TextBox 95"/>
-          <p:cNvSpPr txBox="1"/>
-          <p:nvPr/>
-        </p:nvSpPr>
-        <p:spPr>
-          <a:xfrm>
-            <a:off x="2812418" y="4636097"/>
-            <a:ext cx="1398361" cy="584775"/>
-          </a:xfrm>
-          <a:prstGeom prst="rect">
-            <a:avLst/>
-          </a:prstGeom>
-          <a:solidFill>
-            <a:srgbClr val="F2A900"/>
-          </a:solidFill>
-        </p:spPr>
-        <p:txBody>
-          <a:bodyPr wrap="square" rtlCol="0">
-            <a:spAutoFit/>
-          </a:bodyPr>
-          <a:lstStyle/>
-          <a:p>
-            <a:r>
-              <a:rPr lang="en-US" sz="1600" dirty="0">
-                <a:solidFill>
-                  <a:schemeClr val="tx1">
-                    <a:lumMod val="85000"/>
-                    <a:lumOff val="15000"/>
-                  </a:schemeClr>
-                </a:solidFill>
-                <a:latin typeface="Proxima Nova Lt" panose="02000506030000020004" pitchFamily="50" charset="0"/>
-                <a:ea typeface="Karla" pitchFamily="2" charset="0"/>
-              </a:rPr>
-              <a:t>Academic Holiday</a:t>
-            </a:r>
-          </a:p>
-        </p:txBody>
-      </p:sp>
-      <p:cxnSp>
-        <p:nvCxnSpPr>
-          <p:cNvPr id="98" name="Straight Connector 97"/>
-          <p:cNvCxnSpPr>
-            <a:cxnSpLocks/>
-          </p:cNvCxnSpPr>
-          <p:nvPr/>
-        </p:nvCxnSpPr>
-        <p:spPr>
-          <a:xfrm flipH="1">
-            <a:off x="2729811" y="3281649"/>
-            <a:ext cx="1" cy="1939223"/>
-          </a:xfrm>
-          <a:prstGeom prst="line">
-            <a:avLst/>
-          </a:prstGeom>
-          <a:ln w="12700">
-            <a:solidFill>
-              <a:srgbClr val="003A70"/>
-            </a:solidFill>
-          </a:ln>
-        </p:spPr>
-        <p:style>
-          <a:lnRef idx="1">
-            <a:schemeClr val="accent1"/>
-          </a:lnRef>
-          <a:fillRef idx="0">
-            <a:schemeClr val="accent1"/>
-          </a:fillRef>
-          <a:effectRef idx="0">
-            <a:schemeClr val="accent1"/>
-          </a:effectRef>
-          <a:fontRef idx="minor">
-            <a:schemeClr val="tx1"/>
-          </a:fontRef>
-        </p:style>
-      </p:cxnSp>
-      <p:sp>
-        <p:nvSpPr>
-          <p:cNvPr id="102" name="TextBox 101"/>
-          <p:cNvSpPr txBox="1"/>
-          <p:nvPr/>
-        </p:nvSpPr>
-        <p:spPr>
-          <a:xfrm>
-            <a:off x="4861526" y="3349870"/>
-            <a:ext cx="1398359" cy="338554"/>
-          </a:xfrm>
-          <a:prstGeom prst="rect">
-            <a:avLst/>
-          </a:prstGeom>
-          <a:solidFill>
-            <a:srgbClr val="F2A900"/>
-          </a:solidFill>
-        </p:spPr>
-        <p:txBody>
-          <a:bodyPr wrap="square" rtlCol="0">
-            <a:spAutoFit/>
-          </a:bodyPr>
-          <a:lstStyle/>
-          <a:p>
-            <a:r>
-              <a:rPr lang="en-US" sz="1600" dirty="0">
-                <a:solidFill>
-                  <a:schemeClr val="tx1">
-                    <a:lumMod val="85000"/>
-                    <a:lumOff val="15000"/>
-                  </a:schemeClr>
-                </a:solidFill>
-                <a:latin typeface="Proxima Nova Lt" panose="02000506030000020004" pitchFamily="50" charset="0"/>
-                <a:ea typeface="Karla" pitchFamily="2" charset="0"/>
-              </a:rPr>
-              <a:t>Temperature</a:t>
-            </a:r>
-          </a:p>
-        </p:txBody>
-      </p:sp>
-      <p:sp>
-        <p:nvSpPr>
-          <p:cNvPr id="103" name="TextBox 102"/>
-          <p:cNvSpPr txBox="1"/>
-          <p:nvPr/>
-        </p:nvSpPr>
-        <p:spPr>
-          <a:xfrm>
-            <a:off x="4861526" y="3754263"/>
-            <a:ext cx="1398359" cy="338554"/>
-          </a:xfrm>
-          <a:prstGeom prst="rect">
-            <a:avLst/>
-          </a:prstGeom>
-          <a:solidFill>
-            <a:srgbClr val="F2A900"/>
-          </a:solidFill>
-        </p:spPr>
-        <p:txBody>
-          <a:bodyPr wrap="square" rtlCol="0">
-            <a:spAutoFit/>
-          </a:bodyPr>
-          <a:lstStyle/>
-          <a:p>
-            <a:r>
-              <a:rPr lang="en-US" sz="1600" dirty="0">
-                <a:solidFill>
-                  <a:schemeClr val="tx1">
-                    <a:lumMod val="85000"/>
-                    <a:lumOff val="15000"/>
-                  </a:schemeClr>
-                </a:solidFill>
-                <a:latin typeface="Proxima Nova Lt" panose="02000506030000020004" pitchFamily="50" charset="0"/>
-                <a:ea typeface="Karla" pitchFamily="2" charset="0"/>
-              </a:rPr>
-              <a:t>Precipitation</a:t>
-            </a:r>
-          </a:p>
-        </p:txBody>
-      </p:sp>
-      <p:cxnSp>
-        <p:nvCxnSpPr>
-          <p:cNvPr id="105" name="Straight Connector 104"/>
-          <p:cNvCxnSpPr>
-            <a:cxnSpLocks/>
-          </p:cNvCxnSpPr>
-          <p:nvPr/>
-        </p:nvCxnSpPr>
-        <p:spPr>
-          <a:xfrm flipH="1">
-            <a:off x="4778920" y="3281649"/>
-            <a:ext cx="1" cy="811168"/>
-          </a:xfrm>
-          <a:prstGeom prst="line">
-            <a:avLst/>
-          </a:prstGeom>
-          <a:ln w="12700">
-            <a:solidFill>
-              <a:srgbClr val="003A70"/>
-            </a:solidFill>
-          </a:ln>
-        </p:spPr>
-        <p:style>
-          <a:lnRef idx="1">
-            <a:schemeClr val="accent1"/>
-          </a:lnRef>
-          <a:fillRef idx="0">
-            <a:schemeClr val="accent1"/>
-          </a:fillRef>
-          <a:effectRef idx="0">
-            <a:schemeClr val="accent1"/>
-          </a:effectRef>
-          <a:fontRef idx="minor">
-            <a:schemeClr val="tx1"/>
-          </a:fontRef>
-        </p:style>
-      </p:cxnSp>
-      <p:sp>
-        <p:nvSpPr>
-          <p:cNvPr id="107" name="TextBox 106"/>
-          <p:cNvSpPr txBox="1"/>
-          <p:nvPr/>
-        </p:nvSpPr>
-        <p:spPr>
-          <a:xfrm>
-            <a:off x="6859588" y="3349870"/>
-            <a:ext cx="1398359" cy="338554"/>
-          </a:xfrm>
-          <a:prstGeom prst="rect">
-            <a:avLst/>
-          </a:prstGeom>
-          <a:solidFill>
-            <a:srgbClr val="F2A900"/>
-          </a:solidFill>
-        </p:spPr>
-        <p:txBody>
-          <a:bodyPr wrap="square" rtlCol="0">
-            <a:spAutoFit/>
-          </a:bodyPr>
-          <a:lstStyle/>
-          <a:p>
-            <a:r>
-              <a:rPr lang="en-US" sz="1600" dirty="0">
-                <a:solidFill>
-                  <a:schemeClr val="tx1">
-                    <a:lumMod val="85000"/>
-                    <a:lumOff val="15000"/>
-                  </a:schemeClr>
-                </a:solidFill>
-                <a:latin typeface="Proxima Nova Lt" panose="02000506030000020004" pitchFamily="50" charset="0"/>
-                <a:ea typeface="Karla" pitchFamily="2" charset="0"/>
-              </a:rPr>
-              <a:t>Day of Week</a:t>
-            </a:r>
-          </a:p>
-        </p:txBody>
-      </p:sp>
-      <p:sp>
-        <p:nvSpPr>
-          <p:cNvPr id="108" name="TextBox 107"/>
-          <p:cNvSpPr txBox="1"/>
-          <p:nvPr/>
-        </p:nvSpPr>
-        <p:spPr>
-          <a:xfrm>
-            <a:off x="6859588" y="3754263"/>
-            <a:ext cx="1398359" cy="338554"/>
-          </a:xfrm>
-          <a:prstGeom prst="rect">
-            <a:avLst/>
-          </a:prstGeom>
-          <a:solidFill>
-            <a:srgbClr val="F2A900"/>
-          </a:solidFill>
-        </p:spPr>
-        <p:txBody>
-          <a:bodyPr wrap="square" rtlCol="0">
-            <a:spAutoFit/>
-          </a:bodyPr>
-          <a:lstStyle/>
-          <a:p>
-            <a:r>
-              <a:rPr lang="en-US" sz="1600" dirty="0">
-                <a:solidFill>
-                  <a:schemeClr val="tx1">
-                    <a:lumMod val="85000"/>
-                    <a:lumOff val="15000"/>
-                  </a:schemeClr>
-                </a:solidFill>
-                <a:latin typeface="Proxima Nova Lt" panose="02000506030000020004" pitchFamily="50" charset="0"/>
-                <a:ea typeface="Karla" pitchFamily="2" charset="0"/>
-              </a:rPr>
-              <a:t>Hour</a:t>
-            </a:r>
-          </a:p>
-        </p:txBody>
-      </p:sp>
-      <p:cxnSp>
-        <p:nvCxnSpPr>
-          <p:cNvPr id="109" name="Straight Connector 108"/>
-          <p:cNvCxnSpPr>
-            <a:cxnSpLocks/>
-          </p:cNvCxnSpPr>
-          <p:nvPr/>
-        </p:nvCxnSpPr>
-        <p:spPr>
-          <a:xfrm flipH="1">
-            <a:off x="6776982" y="3281649"/>
-            <a:ext cx="1" cy="811168"/>
-          </a:xfrm>
-          <a:prstGeom prst="line">
-            <a:avLst/>
-          </a:prstGeom>
-          <a:ln w="12700">
-            <a:solidFill>
-              <a:srgbClr val="003A70"/>
-            </a:solidFill>
-          </a:ln>
-        </p:spPr>
-        <p:style>
-          <a:lnRef idx="1">
-            <a:schemeClr val="accent1"/>
-          </a:lnRef>
-          <a:fillRef idx="0">
-            <a:schemeClr val="accent1"/>
-          </a:fillRef>
-          <a:effectRef idx="0">
-            <a:schemeClr val="accent1"/>
-          </a:effectRef>
-          <a:fontRef idx="minor">
-            <a:schemeClr val="tx1"/>
-          </a:fontRef>
-        </p:style>
-      </p:cxnSp>
-      <p:sp>
-        <p:nvSpPr>
-          <p:cNvPr id="85" name="Rectangle 84"/>
-          <p:cNvSpPr/>
-          <p:nvPr/>
-        </p:nvSpPr>
-        <p:spPr>
-          <a:xfrm>
-            <a:off x="676061" y="1041400"/>
-            <a:ext cx="7724602" cy="501684"/>
-          </a:xfrm>
-          <a:prstGeom prst="rect">
-            <a:avLst/>
-          </a:prstGeom>
-          <a:solidFill>
-            <a:srgbClr val="F2A900"/>
+            <a:srgbClr val="C00000"/>
           </a:solidFill>
           <a:ln>
             <a:noFill/>
@@ -7071,34 +9818,31 @@
             <a:r>
               <a:rPr lang="en-US" dirty="0">
                 <a:solidFill>
-                  <a:schemeClr val="tx1">
-                    <a:lumMod val="85000"/>
-                    <a:lumOff val="15000"/>
-                  </a:schemeClr>
+                  <a:schemeClr val="bg1"/>
                 </a:solidFill>
                 <a:latin typeface="Proxima Nova Lt" panose="02000506030000020004" pitchFamily="50" charset="0"/>
               </a:rPr>
-              <a:t>Predictors</a:t>
-            </a:r>
-          </a:p>
-        </p:txBody>
-      </p:sp>
-      <p:sp>
-        <p:nvSpPr>
-          <p:cNvPr id="111" name="Rectangle 110"/>
+              <a:t>Target</a:t>
+            </a:r>
+          </a:p>
+        </p:txBody>
+      </p:sp>
+      <p:sp>
+        <p:nvSpPr>
+          <p:cNvPr id="112" name="Rectangle 111"/>
           <p:cNvSpPr/>
           <p:nvPr/>
         </p:nvSpPr>
         <p:spPr>
           <a:xfrm>
-            <a:off x="9473200" y="1041400"/>
-            <a:ext cx="1971786" cy="501684"/>
+            <a:off x="9633563" y="1950475"/>
+            <a:ext cx="1628442" cy="2593546"/>
           </a:xfrm>
           <a:prstGeom prst="rect">
             <a:avLst/>
           </a:prstGeom>
           <a:solidFill>
-            <a:srgbClr val="C00000"/>
+            <a:srgbClr val="003A70"/>
           </a:solidFill>
           <a:ln>
             <a:noFill/>
@@ -7125,37 +9869,105 @@
           <a:lstStyle/>
           <a:p>
             <a:pPr algn="ctr"/>
-            <a:r>
-              <a:rPr lang="en-US" dirty="0">
+            <a:endParaRPr lang="en-US">
+              <a:solidFill>
+                <a:schemeClr val="tx1">
+                  <a:lumMod val="65000"/>
+                  <a:lumOff val="35000"/>
+                </a:schemeClr>
+              </a:solidFill>
+            </a:endParaRPr>
+          </a:p>
+        </p:txBody>
+      </p:sp>
+      <p:sp>
+        <p:nvSpPr>
+          <p:cNvPr id="113" name="TextBox 112"/>
+          <p:cNvSpPr txBox="1"/>
+          <p:nvPr/>
+        </p:nvSpPr>
+        <p:spPr>
+          <a:xfrm>
+            <a:off x="9697975" y="2014961"/>
+            <a:ext cx="1499618" cy="584775"/>
+          </a:xfrm>
+          <a:prstGeom prst="rect">
+            <a:avLst/>
+          </a:prstGeom>
+          <a:noFill/>
+        </p:spPr>
+        <p:txBody>
+          <a:bodyPr wrap="square" rtlCol="0">
+            <a:spAutoFit/>
+          </a:bodyPr>
+          <a:lstStyle/>
+          <a:p>
+            <a:pPr algn="ctr"/>
+            <a:r>
+              <a:rPr lang="en-US" sz="1600" dirty="0">
                 <a:solidFill>
                   <a:schemeClr val="bg1"/>
                 </a:solidFill>
                 <a:latin typeface="Proxima Nova Lt" panose="02000506030000020004" pitchFamily="50" charset="0"/>
-              </a:rPr>
-              <a:t>Target</a:t>
-            </a:r>
-          </a:p>
-        </p:txBody>
-      </p:sp>
-      <p:sp>
-        <p:nvSpPr>
-          <p:cNvPr id="112" name="Rectangle 111"/>
+                <a:ea typeface="Karla" pitchFamily="2" charset="0"/>
+              </a:rPr>
+              <a:t>Gym Attendance</a:t>
+            </a:r>
+          </a:p>
+        </p:txBody>
+      </p:sp>
+      <p:pic>
+        <p:nvPicPr>
+          <p:cNvPr id="91" name="Picture 90"/>
+          <p:cNvPicPr>
+            <a:picLocks noChangeAspect="1"/>
+          </p:cNvPicPr>
+          <p:nvPr/>
+        </p:nvPicPr>
+        <p:blipFill>
+          <a:blip r:embed="rId6">
+            <a:biLevel thresh="25000"/>
+            <a:extLst>
+              <a:ext uri="{28A0092B-C50C-407E-A947-70E740481C1C}">
+                <a14:useLocalDpi xmlns:a14="http://schemas.microsoft.com/office/drawing/2010/main" val="0"/>
+              </a:ext>
+            </a:extLst>
+          </a:blip>
+          <a:stretch>
+            <a:fillRect/>
+          </a:stretch>
+        </p:blipFill>
+        <p:spPr>
+          <a:xfrm>
+            <a:off x="9501697" y="2595436"/>
+            <a:ext cx="1914792" cy="1905266"/>
+          </a:xfrm>
+          <a:prstGeom prst="rect">
+            <a:avLst/>
+          </a:prstGeom>
+        </p:spPr>
+      </p:pic>
+      <p:sp>
+        <p:nvSpPr>
+          <p:cNvPr id="15" name="Arrow: Pentagon 14"/>
           <p:cNvSpPr/>
           <p:nvPr/>
         </p:nvSpPr>
         <p:spPr>
-          <a:xfrm>
-            <a:off x="9633563" y="1747275"/>
-            <a:ext cx="1628442" cy="2593546"/>
-          </a:xfrm>
-          <a:prstGeom prst="rect">
+          <a:xfrm flipH="1">
+            <a:off x="10772770" y="6316980"/>
+            <a:ext cx="1419223" cy="541019"/>
+          </a:xfrm>
+          <a:prstGeom prst="homePlate">
             <a:avLst/>
           </a:prstGeom>
           <a:solidFill>
-            <a:srgbClr val="003A70"/>
+            <a:srgbClr val="929292"/>
           </a:solidFill>
           <a:ln>
-            <a:noFill/>
+            <a:solidFill>
+              <a:schemeClr val="bg1"/>
+            </a:solidFill>
           </a:ln>
         </p:spPr>
         <p:style>
@@ -7175,88 +9987,735 @@
           </a:fontRef>
         </p:style>
         <p:txBody>
-          <a:bodyPr rtlCol="0" anchor="ctr"/>
+          <a:bodyPr lIns="457200" rIns="0" rtlCol="0" anchor="ctr"/>
           <a:lstStyle/>
           <a:p>
             <a:pPr algn="ctr"/>
-            <a:endParaRPr lang="en-US">
-              <a:solidFill>
-                <a:schemeClr val="tx1">
-                  <a:lumMod val="65000"/>
-                  <a:lumOff val="35000"/>
-                </a:schemeClr>
-              </a:solidFill>
-            </a:endParaRPr>
-          </a:p>
-        </p:txBody>
-      </p:sp>
-      <p:sp>
-        <p:nvSpPr>
-          <p:cNvPr id="113" name="TextBox 112"/>
-          <p:cNvSpPr txBox="1"/>
-          <p:nvPr/>
-        </p:nvSpPr>
-        <p:spPr>
-          <a:xfrm>
-            <a:off x="9697975" y="1811761"/>
-            <a:ext cx="1499618" cy="584775"/>
-          </a:xfrm>
-          <a:prstGeom prst="rect">
-            <a:avLst/>
-          </a:prstGeom>
-          <a:noFill/>
-        </p:spPr>
-        <p:txBody>
-          <a:bodyPr wrap="square" rtlCol="0">
-            <a:spAutoFit/>
-          </a:bodyPr>
-          <a:lstStyle/>
-          <a:p>
-            <a:pPr algn="ctr"/>
-            <a:r>
-              <a:rPr lang="en-US" sz="1600" dirty="0">
+            <a:fld id="{12820A9B-FD09-4E62-A5A0-C9E59AE630FD}" type="slidenum">
+              <a:rPr lang="en-US" sz="1400" smtClean="0">
                 <a:solidFill>
                   <a:schemeClr val="bg1"/>
                 </a:solidFill>
-                <a:latin typeface="Proxima Nova Lt" panose="02000506030000020004" pitchFamily="50" charset="0"/>
-                <a:ea typeface="Karla" pitchFamily="2" charset="0"/>
-              </a:rPr>
-              <a:t>Gym Attendance</a:t>
-            </a:r>
-          </a:p>
-        </p:txBody>
-      </p:sp>
-      <p:pic>
-        <p:nvPicPr>
-          <p:cNvPr id="91" name="Picture 90"/>
-          <p:cNvPicPr>
-            <a:picLocks noChangeAspect="1"/>
-          </p:cNvPicPr>
-          <p:nvPr/>
-        </p:nvPicPr>
-        <p:blipFill>
-          <a:blip r:embed="rId6">
-            <a:biLevel thresh="25000"/>
-            <a:extLst>
-              <a:ext uri="{28A0092B-C50C-407E-A947-70E740481C1C}">
-                <a14:useLocalDpi xmlns:a14="http://schemas.microsoft.com/office/drawing/2010/main" val="0"/>
-              </a:ext>
-            </a:extLst>
-          </a:blip>
-          <a:stretch>
-            <a:fillRect/>
-          </a:stretch>
-        </p:blipFill>
-        <p:spPr>
+              </a:rPr>
+              <a:pPr algn="ctr"/>
+              <a:t>3</a:t>
+            </a:fld>
+            <a:endParaRPr lang="en-US" sz="1400" dirty="0">
+              <a:solidFill>
+                <a:schemeClr val="bg1"/>
+              </a:solidFill>
+            </a:endParaRPr>
+          </a:p>
+        </p:txBody>
+      </p:sp>
+      <p:grpSp>
+        <p:nvGrpSpPr>
+          <p:cNvPr id="6" name="Group 5"/>
+          <p:cNvGrpSpPr/>
+          <p:nvPr/>
+        </p:nvGrpSpPr>
+        <p:grpSpPr>
           <a:xfrm>
-            <a:off x="9501697" y="2392236"/>
-            <a:ext cx="1914792" cy="1905266"/>
-          </a:xfrm>
-          <a:prstGeom prst="rect">
-            <a:avLst/>
-          </a:prstGeom>
-        </p:spPr>
-      </p:pic>
+            <a:off x="-6276" y="6316980"/>
+            <a:ext cx="11422765" cy="541263"/>
+            <a:chOff x="-5991" y="6226969"/>
+            <a:chExt cx="12196500" cy="631275"/>
+          </a:xfrm>
+          <a:solidFill>
+            <a:srgbClr val="003A70"/>
+          </a:solidFill>
+        </p:grpSpPr>
+        <p:sp>
+          <p:nvSpPr>
+            <p:cNvPr id="9" name="Freeform: Shape 8"/>
+            <p:cNvSpPr/>
+            <p:nvPr/>
+          </p:nvSpPr>
+          <p:spPr>
+            <a:xfrm>
+              <a:off x="-5991" y="6226969"/>
+              <a:ext cx="2903928" cy="631275"/>
+            </a:xfrm>
+            <a:custGeom>
+              <a:avLst/>
+              <a:gdLst>
+                <a:gd name="connsiteX0" fmla="*/ 0 w 2903928"/>
+                <a:gd name="connsiteY0" fmla="*/ 0 h 631275"/>
+                <a:gd name="connsiteX1" fmla="*/ 2588291 w 2903928"/>
+                <a:gd name="connsiteY1" fmla="*/ 0 h 631275"/>
+                <a:gd name="connsiteX2" fmla="*/ 2903928 w 2903928"/>
+                <a:gd name="connsiteY2" fmla="*/ 315638 h 631275"/>
+                <a:gd name="connsiteX3" fmla="*/ 2588291 w 2903928"/>
+                <a:gd name="connsiteY3" fmla="*/ 631275 h 631275"/>
+                <a:gd name="connsiteX4" fmla="*/ 0 w 2903928"/>
+                <a:gd name="connsiteY4" fmla="*/ 631275 h 631275"/>
+                <a:gd name="connsiteX5" fmla="*/ 0 w 2903928"/>
+                <a:gd name="connsiteY5" fmla="*/ 0 h 631275"/>
+              </a:gdLst>
+              <a:ahLst/>
+              <a:cxnLst>
+                <a:cxn ang="0">
+                  <a:pos x="connsiteX0" y="connsiteY0"/>
+                </a:cxn>
+                <a:cxn ang="0">
+                  <a:pos x="connsiteX1" y="connsiteY1"/>
+                </a:cxn>
+                <a:cxn ang="0">
+                  <a:pos x="connsiteX2" y="connsiteY2"/>
+                </a:cxn>
+                <a:cxn ang="0">
+                  <a:pos x="connsiteX3" y="connsiteY3"/>
+                </a:cxn>
+                <a:cxn ang="0">
+                  <a:pos x="connsiteX4" y="connsiteY4"/>
+                </a:cxn>
+                <a:cxn ang="0">
+                  <a:pos x="connsiteX5" y="connsiteY5"/>
+                </a:cxn>
+              </a:cxnLst>
+              <a:rect l="l" t="t" r="r" b="b"/>
+              <a:pathLst>
+                <a:path w="2903928" h="631275">
+                  <a:moveTo>
+                    <a:pt x="0" y="0"/>
+                  </a:moveTo>
+                  <a:lnTo>
+                    <a:pt x="2588291" y="0"/>
+                  </a:lnTo>
+                  <a:lnTo>
+                    <a:pt x="2903928" y="315638"/>
+                  </a:lnTo>
+                  <a:lnTo>
+                    <a:pt x="2588291" y="631275"/>
+                  </a:lnTo>
+                  <a:lnTo>
+                    <a:pt x="0" y="631275"/>
+                  </a:lnTo>
+                  <a:lnTo>
+                    <a:pt x="0" y="0"/>
+                  </a:lnTo>
+                  <a:close/>
+                </a:path>
+              </a:pathLst>
+            </a:custGeom>
+            <a:solidFill>
+              <a:srgbClr val="929292"/>
+            </a:solidFill>
+          </p:spPr>
+          <p:style>
+            <a:lnRef idx="2">
+              <a:schemeClr val="lt1">
+                <a:hueOff val="0"/>
+                <a:satOff val="0"/>
+                <a:lumOff val="0"/>
+                <a:alphaOff val="0"/>
+              </a:schemeClr>
+            </a:lnRef>
+            <a:fillRef idx="1">
+              <a:scrgbClr r="0" g="0" b="0"/>
+            </a:fillRef>
+            <a:effectRef idx="0">
+              <a:schemeClr val="accent1">
+                <a:hueOff val="0"/>
+                <a:satOff val="0"/>
+                <a:lumOff val="0"/>
+                <a:alphaOff val="0"/>
+              </a:schemeClr>
+            </a:effectRef>
+            <a:fontRef idx="minor">
+              <a:schemeClr val="lt1"/>
+            </a:fontRef>
+          </p:style>
+          <p:txBody>
+            <a:bodyPr spcFirstLastPara="0" vert="horz" wrap="square" lIns="0" tIns="48006" rIns="181822" bIns="48006" numCol="1" spcCol="1270" anchor="ctr" anchorCtr="0">
+              <a:noAutofit/>
+            </a:bodyPr>
+            <a:lstStyle/>
+            <a:p>
+              <a:pPr marL="0" lvl="0" indent="0" algn="ctr" defTabSz="800100">
+                <a:lnSpc>
+                  <a:spcPct val="90000"/>
+                </a:lnSpc>
+                <a:spcBef>
+                  <a:spcPct val="0"/>
+                </a:spcBef>
+                <a:buNone/>
+              </a:pPr>
+              <a:r>
+                <a:rPr lang="en-US" sz="1400" kern="1200" dirty="0">
+                  <a:solidFill>
+                    <a:schemeClr val="bg1"/>
+                  </a:solidFill>
+                  <a:latin typeface="Proxima Nova Lt" panose="02000506030000020004" pitchFamily="50" charset="0"/>
+                </a:rPr>
+                <a:t>Analysis Goals</a:t>
+              </a:r>
+            </a:p>
+          </p:txBody>
+        </p:sp>
+        <p:sp>
+          <p:nvSpPr>
+            <p:cNvPr id="10" name="Freeform: Shape 9"/>
+            <p:cNvSpPr/>
+            <p:nvPr/>
+          </p:nvSpPr>
+          <p:spPr>
+            <a:xfrm>
+              <a:off x="2317152" y="6226969"/>
+              <a:ext cx="2903928" cy="631275"/>
+            </a:xfrm>
+            <a:custGeom>
+              <a:avLst/>
+              <a:gdLst>
+                <a:gd name="connsiteX0" fmla="*/ 0 w 2903928"/>
+                <a:gd name="connsiteY0" fmla="*/ 0 h 631275"/>
+                <a:gd name="connsiteX1" fmla="*/ 2588291 w 2903928"/>
+                <a:gd name="connsiteY1" fmla="*/ 0 h 631275"/>
+                <a:gd name="connsiteX2" fmla="*/ 2903928 w 2903928"/>
+                <a:gd name="connsiteY2" fmla="*/ 315638 h 631275"/>
+                <a:gd name="connsiteX3" fmla="*/ 2588291 w 2903928"/>
+                <a:gd name="connsiteY3" fmla="*/ 631275 h 631275"/>
+                <a:gd name="connsiteX4" fmla="*/ 0 w 2903928"/>
+                <a:gd name="connsiteY4" fmla="*/ 631275 h 631275"/>
+                <a:gd name="connsiteX5" fmla="*/ 315638 w 2903928"/>
+                <a:gd name="connsiteY5" fmla="*/ 315638 h 631275"/>
+                <a:gd name="connsiteX6" fmla="*/ 0 w 2903928"/>
+                <a:gd name="connsiteY6" fmla="*/ 0 h 631275"/>
+              </a:gdLst>
+              <a:ahLst/>
+              <a:cxnLst>
+                <a:cxn ang="0">
+                  <a:pos x="connsiteX0" y="connsiteY0"/>
+                </a:cxn>
+                <a:cxn ang="0">
+                  <a:pos x="connsiteX1" y="connsiteY1"/>
+                </a:cxn>
+                <a:cxn ang="0">
+                  <a:pos x="connsiteX2" y="connsiteY2"/>
+                </a:cxn>
+                <a:cxn ang="0">
+                  <a:pos x="connsiteX3" y="connsiteY3"/>
+                </a:cxn>
+                <a:cxn ang="0">
+                  <a:pos x="connsiteX4" y="connsiteY4"/>
+                </a:cxn>
+                <a:cxn ang="0">
+                  <a:pos x="connsiteX5" y="connsiteY5"/>
+                </a:cxn>
+                <a:cxn ang="0">
+                  <a:pos x="connsiteX6" y="connsiteY6"/>
+                </a:cxn>
+              </a:cxnLst>
+              <a:rect l="l" t="t" r="r" b="b"/>
+              <a:pathLst>
+                <a:path w="2903928" h="631275">
+                  <a:moveTo>
+                    <a:pt x="0" y="0"/>
+                  </a:moveTo>
+                  <a:lnTo>
+                    <a:pt x="2588291" y="0"/>
+                  </a:lnTo>
+                  <a:lnTo>
+                    <a:pt x="2903928" y="315638"/>
+                  </a:lnTo>
+                  <a:lnTo>
+                    <a:pt x="2588291" y="631275"/>
+                  </a:lnTo>
+                  <a:lnTo>
+                    <a:pt x="0" y="631275"/>
+                  </a:lnTo>
+                  <a:lnTo>
+                    <a:pt x="315638" y="315638"/>
+                  </a:lnTo>
+                  <a:lnTo>
+                    <a:pt x="0" y="0"/>
+                  </a:lnTo>
+                  <a:close/>
+                </a:path>
+              </a:pathLst>
+            </a:custGeom>
+            <a:grpFill/>
+          </p:spPr>
+          <p:style>
+            <a:lnRef idx="2">
+              <a:schemeClr val="lt1">
+                <a:hueOff val="0"/>
+                <a:satOff val="0"/>
+                <a:lumOff val="0"/>
+                <a:alphaOff val="0"/>
+              </a:schemeClr>
+            </a:lnRef>
+            <a:fillRef idx="1">
+              <a:scrgbClr r="0" g="0" b="0"/>
+            </a:fillRef>
+            <a:effectRef idx="0">
+              <a:schemeClr val="accent1">
+                <a:hueOff val="0"/>
+                <a:satOff val="0"/>
+                <a:lumOff val="0"/>
+                <a:alphaOff val="0"/>
+              </a:schemeClr>
+            </a:effectRef>
+            <a:fontRef idx="minor">
+              <a:schemeClr val="lt1"/>
+            </a:fontRef>
+          </p:style>
+          <p:txBody>
+            <a:bodyPr spcFirstLastPara="0" vert="horz" wrap="square" lIns="0" tIns="48006" rIns="182880" bIns="48006" numCol="1" spcCol="1270" anchor="ctr" anchorCtr="0">
+              <a:noAutofit/>
+            </a:bodyPr>
+            <a:lstStyle/>
+            <a:p>
+              <a:pPr marL="0" lvl="0" indent="0" algn="ctr" defTabSz="800100">
+                <a:lnSpc>
+                  <a:spcPct val="90000"/>
+                </a:lnSpc>
+                <a:spcBef>
+                  <a:spcPct val="0"/>
+                </a:spcBef>
+                <a:buNone/>
+              </a:pPr>
+              <a:r>
+                <a:rPr lang="en-US" sz="1400" kern="1200" dirty="0">
+                  <a:solidFill>
+                    <a:schemeClr val="bg1"/>
+                  </a:solidFill>
+                  <a:latin typeface="Proxima Nova Lt" panose="02000506030000020004" pitchFamily="50" charset="0"/>
+                </a:rPr>
+                <a:t>Data Overview</a:t>
+              </a:r>
+            </a:p>
+          </p:txBody>
+        </p:sp>
+        <p:sp>
+          <p:nvSpPr>
+            <p:cNvPr id="12" name="Freeform: Shape 11"/>
+            <p:cNvSpPr/>
+            <p:nvPr/>
+          </p:nvSpPr>
+          <p:spPr>
+            <a:xfrm>
+              <a:off x="4640295" y="6226969"/>
+              <a:ext cx="2903928" cy="631275"/>
+            </a:xfrm>
+            <a:custGeom>
+              <a:avLst/>
+              <a:gdLst>
+                <a:gd name="connsiteX0" fmla="*/ 0 w 2903928"/>
+                <a:gd name="connsiteY0" fmla="*/ 0 h 631275"/>
+                <a:gd name="connsiteX1" fmla="*/ 2588291 w 2903928"/>
+                <a:gd name="connsiteY1" fmla="*/ 0 h 631275"/>
+                <a:gd name="connsiteX2" fmla="*/ 2903928 w 2903928"/>
+                <a:gd name="connsiteY2" fmla="*/ 315638 h 631275"/>
+                <a:gd name="connsiteX3" fmla="*/ 2588291 w 2903928"/>
+                <a:gd name="connsiteY3" fmla="*/ 631275 h 631275"/>
+                <a:gd name="connsiteX4" fmla="*/ 0 w 2903928"/>
+                <a:gd name="connsiteY4" fmla="*/ 631275 h 631275"/>
+                <a:gd name="connsiteX5" fmla="*/ 315638 w 2903928"/>
+                <a:gd name="connsiteY5" fmla="*/ 315638 h 631275"/>
+                <a:gd name="connsiteX6" fmla="*/ 0 w 2903928"/>
+                <a:gd name="connsiteY6" fmla="*/ 0 h 631275"/>
+              </a:gdLst>
+              <a:ahLst/>
+              <a:cxnLst>
+                <a:cxn ang="0">
+                  <a:pos x="connsiteX0" y="connsiteY0"/>
+                </a:cxn>
+                <a:cxn ang="0">
+                  <a:pos x="connsiteX1" y="connsiteY1"/>
+                </a:cxn>
+                <a:cxn ang="0">
+                  <a:pos x="connsiteX2" y="connsiteY2"/>
+                </a:cxn>
+                <a:cxn ang="0">
+                  <a:pos x="connsiteX3" y="connsiteY3"/>
+                </a:cxn>
+                <a:cxn ang="0">
+                  <a:pos x="connsiteX4" y="connsiteY4"/>
+                </a:cxn>
+                <a:cxn ang="0">
+                  <a:pos x="connsiteX5" y="connsiteY5"/>
+                </a:cxn>
+                <a:cxn ang="0">
+                  <a:pos x="connsiteX6" y="connsiteY6"/>
+                </a:cxn>
+              </a:cxnLst>
+              <a:rect l="l" t="t" r="r" b="b"/>
+              <a:pathLst>
+                <a:path w="2903928" h="631275">
+                  <a:moveTo>
+                    <a:pt x="0" y="0"/>
+                  </a:moveTo>
+                  <a:lnTo>
+                    <a:pt x="2588291" y="0"/>
+                  </a:lnTo>
+                  <a:lnTo>
+                    <a:pt x="2903928" y="315638"/>
+                  </a:lnTo>
+                  <a:lnTo>
+                    <a:pt x="2588291" y="631275"/>
+                  </a:lnTo>
+                  <a:lnTo>
+                    <a:pt x="0" y="631275"/>
+                  </a:lnTo>
+                  <a:lnTo>
+                    <a:pt x="315638" y="315638"/>
+                  </a:lnTo>
+                  <a:lnTo>
+                    <a:pt x="0" y="0"/>
+                  </a:lnTo>
+                  <a:close/>
+                </a:path>
+              </a:pathLst>
+            </a:custGeom>
+            <a:solidFill>
+              <a:srgbClr val="929292"/>
+            </a:solidFill>
+          </p:spPr>
+          <p:style>
+            <a:lnRef idx="2">
+              <a:schemeClr val="lt1">
+                <a:hueOff val="0"/>
+                <a:satOff val="0"/>
+                <a:lumOff val="0"/>
+                <a:alphaOff val="0"/>
+              </a:schemeClr>
+            </a:lnRef>
+            <a:fillRef idx="1">
+              <a:scrgbClr r="0" g="0" b="0"/>
+            </a:fillRef>
+            <a:effectRef idx="0">
+              <a:schemeClr val="accent1">
+                <a:hueOff val="0"/>
+                <a:satOff val="0"/>
+                <a:lumOff val="0"/>
+                <a:alphaOff val="0"/>
+              </a:schemeClr>
+            </a:effectRef>
+            <a:fontRef idx="minor">
+              <a:schemeClr val="lt1"/>
+            </a:fontRef>
+          </p:style>
+          <p:txBody>
+            <a:bodyPr spcFirstLastPara="0" vert="horz" wrap="square" lIns="0" tIns="48006" rIns="182880" bIns="48006" numCol="1" spcCol="1270" anchor="ctr" anchorCtr="0">
+              <a:noAutofit/>
+            </a:bodyPr>
+            <a:lstStyle/>
+            <a:p>
+              <a:pPr marL="0" lvl="0" indent="0" algn="ctr" defTabSz="800100">
+                <a:lnSpc>
+                  <a:spcPct val="85000"/>
+                </a:lnSpc>
+                <a:spcBef>
+                  <a:spcPct val="0"/>
+                </a:spcBef>
+                <a:buNone/>
+              </a:pPr>
+              <a:r>
+                <a:rPr lang="en-US" sz="1400" kern="1200" dirty="0">
+                  <a:solidFill>
+                    <a:schemeClr val="bg1"/>
+                  </a:solidFill>
+                  <a:latin typeface="Proxima Nova Lt" panose="02000506030000020004" pitchFamily="50" charset="0"/>
+                </a:rPr>
+                <a:t>Variable</a:t>
+              </a:r>
+            </a:p>
+            <a:p>
+              <a:pPr marL="0" lvl="0" indent="0" algn="ctr" defTabSz="800100">
+                <a:lnSpc>
+                  <a:spcPct val="85000"/>
+                </a:lnSpc>
+                <a:spcBef>
+                  <a:spcPct val="0"/>
+                </a:spcBef>
+                <a:buNone/>
+              </a:pPr>
+              <a:r>
+                <a:rPr lang="en-US" sz="1400" kern="1200" dirty="0">
+                  <a:solidFill>
+                    <a:schemeClr val="bg1"/>
+                  </a:solidFill>
+                  <a:latin typeface="Proxima Nova Lt" panose="02000506030000020004" pitchFamily="50" charset="0"/>
+                </a:rPr>
+                <a:t>Relationships</a:t>
+              </a:r>
+            </a:p>
+          </p:txBody>
+        </p:sp>
+        <p:sp>
+          <p:nvSpPr>
+            <p:cNvPr id="13" name="Freeform: Shape 12"/>
+            <p:cNvSpPr/>
+            <p:nvPr/>
+          </p:nvSpPr>
+          <p:spPr>
+            <a:xfrm>
+              <a:off x="6963438" y="6226969"/>
+              <a:ext cx="2903928" cy="631275"/>
+            </a:xfrm>
+            <a:custGeom>
+              <a:avLst/>
+              <a:gdLst>
+                <a:gd name="connsiteX0" fmla="*/ 0 w 2903928"/>
+                <a:gd name="connsiteY0" fmla="*/ 0 h 631275"/>
+                <a:gd name="connsiteX1" fmla="*/ 2588291 w 2903928"/>
+                <a:gd name="connsiteY1" fmla="*/ 0 h 631275"/>
+                <a:gd name="connsiteX2" fmla="*/ 2903928 w 2903928"/>
+                <a:gd name="connsiteY2" fmla="*/ 315638 h 631275"/>
+                <a:gd name="connsiteX3" fmla="*/ 2588291 w 2903928"/>
+                <a:gd name="connsiteY3" fmla="*/ 631275 h 631275"/>
+                <a:gd name="connsiteX4" fmla="*/ 0 w 2903928"/>
+                <a:gd name="connsiteY4" fmla="*/ 631275 h 631275"/>
+                <a:gd name="connsiteX5" fmla="*/ 315638 w 2903928"/>
+                <a:gd name="connsiteY5" fmla="*/ 315638 h 631275"/>
+                <a:gd name="connsiteX6" fmla="*/ 0 w 2903928"/>
+                <a:gd name="connsiteY6" fmla="*/ 0 h 631275"/>
+              </a:gdLst>
+              <a:ahLst/>
+              <a:cxnLst>
+                <a:cxn ang="0">
+                  <a:pos x="connsiteX0" y="connsiteY0"/>
+                </a:cxn>
+                <a:cxn ang="0">
+                  <a:pos x="connsiteX1" y="connsiteY1"/>
+                </a:cxn>
+                <a:cxn ang="0">
+                  <a:pos x="connsiteX2" y="connsiteY2"/>
+                </a:cxn>
+                <a:cxn ang="0">
+                  <a:pos x="connsiteX3" y="connsiteY3"/>
+                </a:cxn>
+                <a:cxn ang="0">
+                  <a:pos x="connsiteX4" y="connsiteY4"/>
+                </a:cxn>
+                <a:cxn ang="0">
+                  <a:pos x="connsiteX5" y="connsiteY5"/>
+                </a:cxn>
+                <a:cxn ang="0">
+                  <a:pos x="connsiteX6" y="connsiteY6"/>
+                </a:cxn>
+              </a:cxnLst>
+              <a:rect l="l" t="t" r="r" b="b"/>
+              <a:pathLst>
+                <a:path w="2903928" h="631275">
+                  <a:moveTo>
+                    <a:pt x="0" y="0"/>
+                  </a:moveTo>
+                  <a:lnTo>
+                    <a:pt x="2588291" y="0"/>
+                  </a:lnTo>
+                  <a:lnTo>
+                    <a:pt x="2903928" y="315638"/>
+                  </a:lnTo>
+                  <a:lnTo>
+                    <a:pt x="2588291" y="631275"/>
+                  </a:lnTo>
+                  <a:lnTo>
+                    <a:pt x="0" y="631275"/>
+                  </a:lnTo>
+                  <a:lnTo>
+                    <a:pt x="315638" y="315638"/>
+                  </a:lnTo>
+                  <a:lnTo>
+                    <a:pt x="0" y="0"/>
+                  </a:lnTo>
+                  <a:close/>
+                </a:path>
+              </a:pathLst>
+            </a:custGeom>
+            <a:solidFill>
+              <a:srgbClr val="929292"/>
+            </a:solidFill>
+          </p:spPr>
+          <p:style>
+            <a:lnRef idx="2">
+              <a:schemeClr val="lt1">
+                <a:hueOff val="0"/>
+                <a:satOff val="0"/>
+                <a:lumOff val="0"/>
+                <a:alphaOff val="0"/>
+              </a:schemeClr>
+            </a:lnRef>
+            <a:fillRef idx="1">
+              <a:scrgbClr r="0" g="0" b="0"/>
+            </a:fillRef>
+            <a:effectRef idx="0">
+              <a:schemeClr val="accent1">
+                <a:hueOff val="0"/>
+                <a:satOff val="0"/>
+                <a:lumOff val="0"/>
+                <a:alphaOff val="0"/>
+              </a:schemeClr>
+            </a:effectRef>
+            <a:fontRef idx="minor">
+              <a:schemeClr val="lt1"/>
+            </a:fontRef>
+          </p:style>
+          <p:txBody>
+            <a:bodyPr spcFirstLastPara="0" vert="horz" wrap="square" lIns="0" tIns="48006" rIns="182880" bIns="48006" numCol="1" spcCol="1270" anchor="ctr" anchorCtr="0">
+              <a:noAutofit/>
+            </a:bodyPr>
+            <a:lstStyle/>
+            <a:p>
+              <a:pPr marL="0" lvl="0" indent="0" algn="ctr" defTabSz="800100">
+                <a:lnSpc>
+                  <a:spcPct val="90000"/>
+                </a:lnSpc>
+                <a:spcBef>
+                  <a:spcPct val="0"/>
+                </a:spcBef>
+                <a:buNone/>
+              </a:pPr>
+              <a:r>
+                <a:rPr lang="en-US" sz="1400" kern="1200" dirty="0">
+                  <a:solidFill>
+                    <a:schemeClr val="bg1"/>
+                  </a:solidFill>
+                  <a:latin typeface="Proxima Nova Lt" panose="02000506030000020004" pitchFamily="50" charset="0"/>
+                </a:rPr>
+                <a:t>Model</a:t>
+              </a:r>
+            </a:p>
+          </p:txBody>
+        </p:sp>
+        <p:sp>
+          <p:nvSpPr>
+            <p:cNvPr id="14" name="Freeform: Shape 13"/>
+            <p:cNvSpPr/>
+            <p:nvPr/>
+          </p:nvSpPr>
+          <p:spPr>
+            <a:xfrm>
+              <a:off x="9286581" y="6226969"/>
+              <a:ext cx="2903928" cy="631275"/>
+            </a:xfrm>
+            <a:custGeom>
+              <a:avLst/>
+              <a:gdLst>
+                <a:gd name="connsiteX0" fmla="*/ 0 w 2903928"/>
+                <a:gd name="connsiteY0" fmla="*/ 0 h 631275"/>
+                <a:gd name="connsiteX1" fmla="*/ 2588291 w 2903928"/>
+                <a:gd name="connsiteY1" fmla="*/ 0 h 631275"/>
+                <a:gd name="connsiteX2" fmla="*/ 2903928 w 2903928"/>
+                <a:gd name="connsiteY2" fmla="*/ 315638 h 631275"/>
+                <a:gd name="connsiteX3" fmla="*/ 2588291 w 2903928"/>
+                <a:gd name="connsiteY3" fmla="*/ 631275 h 631275"/>
+                <a:gd name="connsiteX4" fmla="*/ 0 w 2903928"/>
+                <a:gd name="connsiteY4" fmla="*/ 631275 h 631275"/>
+                <a:gd name="connsiteX5" fmla="*/ 315638 w 2903928"/>
+                <a:gd name="connsiteY5" fmla="*/ 315638 h 631275"/>
+                <a:gd name="connsiteX6" fmla="*/ 0 w 2903928"/>
+                <a:gd name="connsiteY6" fmla="*/ 0 h 631275"/>
+              </a:gdLst>
+              <a:ahLst/>
+              <a:cxnLst>
+                <a:cxn ang="0">
+                  <a:pos x="connsiteX0" y="connsiteY0"/>
+                </a:cxn>
+                <a:cxn ang="0">
+                  <a:pos x="connsiteX1" y="connsiteY1"/>
+                </a:cxn>
+                <a:cxn ang="0">
+                  <a:pos x="connsiteX2" y="connsiteY2"/>
+                </a:cxn>
+                <a:cxn ang="0">
+                  <a:pos x="connsiteX3" y="connsiteY3"/>
+                </a:cxn>
+                <a:cxn ang="0">
+                  <a:pos x="connsiteX4" y="connsiteY4"/>
+                </a:cxn>
+                <a:cxn ang="0">
+                  <a:pos x="connsiteX5" y="connsiteY5"/>
+                </a:cxn>
+                <a:cxn ang="0">
+                  <a:pos x="connsiteX6" y="connsiteY6"/>
+                </a:cxn>
+              </a:cxnLst>
+              <a:rect l="l" t="t" r="r" b="b"/>
+              <a:pathLst>
+                <a:path w="2903928" h="631275">
+                  <a:moveTo>
+                    <a:pt x="0" y="0"/>
+                  </a:moveTo>
+                  <a:lnTo>
+                    <a:pt x="2588291" y="0"/>
+                  </a:lnTo>
+                  <a:lnTo>
+                    <a:pt x="2903928" y="315638"/>
+                  </a:lnTo>
+                  <a:lnTo>
+                    <a:pt x="2588291" y="631275"/>
+                  </a:lnTo>
+                  <a:lnTo>
+                    <a:pt x="0" y="631275"/>
+                  </a:lnTo>
+                  <a:lnTo>
+                    <a:pt x="315638" y="315638"/>
+                  </a:lnTo>
+                  <a:lnTo>
+                    <a:pt x="0" y="0"/>
+                  </a:lnTo>
+                  <a:close/>
+                </a:path>
+              </a:pathLst>
+            </a:custGeom>
+            <a:solidFill>
+              <a:srgbClr val="929292"/>
+            </a:solidFill>
+          </p:spPr>
+          <p:style>
+            <a:lnRef idx="2">
+              <a:schemeClr val="lt1">
+                <a:hueOff val="0"/>
+                <a:satOff val="0"/>
+                <a:lumOff val="0"/>
+                <a:alphaOff val="0"/>
+              </a:schemeClr>
+            </a:lnRef>
+            <a:fillRef idx="1">
+              <a:scrgbClr r="0" g="0" b="0"/>
+            </a:fillRef>
+            <a:effectRef idx="0">
+              <a:schemeClr val="accent1">
+                <a:hueOff val="0"/>
+                <a:satOff val="0"/>
+                <a:lumOff val="0"/>
+                <a:alphaOff val="0"/>
+              </a:schemeClr>
+            </a:effectRef>
+            <a:fontRef idx="minor">
+              <a:schemeClr val="lt1"/>
+            </a:fontRef>
+          </p:style>
+          <p:txBody>
+            <a:bodyPr spcFirstLastPara="0" vert="horz" wrap="square" lIns="0" tIns="48006" rIns="182880" bIns="48006" numCol="1" spcCol="1270" anchor="ctr" anchorCtr="0">
+              <a:noAutofit/>
+            </a:bodyPr>
+            <a:lstStyle/>
+            <a:p>
+              <a:pPr marL="0" lvl="0" indent="0" algn="ctr" defTabSz="800100">
+                <a:lnSpc>
+                  <a:spcPct val="90000"/>
+                </a:lnSpc>
+                <a:spcBef>
+                  <a:spcPct val="0"/>
+                </a:spcBef>
+                <a:buNone/>
+              </a:pPr>
+              <a:r>
+                <a:rPr lang="en-US" sz="1400" kern="1200" dirty="0">
+                  <a:solidFill>
+                    <a:schemeClr val="bg1"/>
+                  </a:solidFill>
+                  <a:latin typeface="Proxima Nova Lt" panose="02000506030000020004" pitchFamily="50" charset="0"/>
+                </a:rPr>
+                <a:t>Results</a:t>
+              </a:r>
+            </a:p>
+          </p:txBody>
+        </p:sp>
+      </p:grpSp>
     </p:spTree>
     <p:extLst>
       <p:ext uri="{BB962C8B-B14F-4D97-AF65-F5344CB8AC3E}">
@@ -8606,7 +12065,7 @@
 </p:sld>
 </file>
 
-<file path=ppt/slides/slide5.xml><?xml version="1.0" encoding="utf-8"?>
+<file path=ppt/slides/slide4.xml><?xml version="1.0" encoding="utf-8"?>
 <p:sld xmlns:a="http://schemas.openxmlformats.org/drawingml/2006/main" xmlns:r="http://schemas.openxmlformats.org/officeDocument/2006/relationships" xmlns:p="http://schemas.openxmlformats.org/presentationml/2006/main">
   <p:cSld>
     <p:spTree>
@@ -8779,7 +12238,7 @@
 </p:sld>
 </file>
 
-<file path=ppt/slides/slide6.xml><?xml version="1.0" encoding="utf-8"?>
+<file path=ppt/slides/slide5.xml><?xml version="1.0" encoding="utf-8"?>
 <p:sld xmlns:a="http://schemas.openxmlformats.org/drawingml/2006/main" xmlns:r="http://schemas.openxmlformats.org/officeDocument/2006/relationships" xmlns:p="http://schemas.openxmlformats.org/presentationml/2006/main">
   <p:cSld>
     <p:bg>
@@ -9057,7 +12516,7 @@
 </p:sld>
 </file>
 
-<file path=ppt/slides/slide7.xml><?xml version="1.0" encoding="utf-8"?>
+<file path=ppt/slides/slide6.xml><?xml version="1.0" encoding="utf-8"?>
 <p:sld xmlns:a="http://schemas.openxmlformats.org/drawingml/2006/main" xmlns:r="http://schemas.openxmlformats.org/officeDocument/2006/relationships" xmlns:p="http://schemas.openxmlformats.org/presentationml/2006/main">
   <p:cSld>
     <p:spTree>
@@ -9441,7 +12900,7 @@
 </p:sld>
 </file>
 
-<file path=ppt/slides/slide8.xml><?xml version="1.0" encoding="utf-8"?>
+<file path=ppt/slides/slide7.xml><?xml version="1.0" encoding="utf-8"?>
 <p:sld xmlns:a="http://schemas.openxmlformats.org/drawingml/2006/main" xmlns:r="http://schemas.openxmlformats.org/officeDocument/2006/relationships" xmlns:p="http://schemas.openxmlformats.org/presentationml/2006/main">
   <p:cSld>
     <p:spTree>
@@ -9935,7 +13394,7 @@
 </p:sld>
 </file>
 
-<file path=ppt/slides/slide9.xml><?xml version="1.0" encoding="utf-8"?>
+<file path=ppt/slides/slide8.xml><?xml version="1.0" encoding="utf-8"?>
 <p:sld xmlns:a="http://schemas.openxmlformats.org/drawingml/2006/main" xmlns:r="http://schemas.openxmlformats.org/officeDocument/2006/relationships" xmlns:p="http://schemas.openxmlformats.org/presentationml/2006/main">
   <p:cSld>
     <p:spTree>
@@ -10536,6 +13995,729 @@
     <p:extLst>
       <p:ext uri="{BB962C8B-B14F-4D97-AF65-F5344CB8AC3E}">
         <p14:creationId xmlns:p14="http://schemas.microsoft.com/office/powerpoint/2010/main" val="587154643"/>
+      </p:ext>
+    </p:extLst>
+  </p:cSld>
+  <p:clrMapOvr>
+    <a:masterClrMapping/>
+  </p:clrMapOvr>
+</p:sld>
+</file>
+
+<file path=ppt/slides/slide9.xml><?xml version="1.0" encoding="utf-8"?>
+<p:sld xmlns:a="http://schemas.openxmlformats.org/drawingml/2006/main" xmlns:r="http://schemas.openxmlformats.org/officeDocument/2006/relationships" xmlns:p="http://schemas.openxmlformats.org/presentationml/2006/main">
+  <p:cSld>
+    <p:spTree>
+      <p:nvGrpSpPr>
+        <p:cNvPr id="1" name=""/>
+        <p:cNvGrpSpPr/>
+        <p:nvPr/>
+      </p:nvGrpSpPr>
+      <p:grpSpPr>
+        <a:xfrm>
+          <a:off x="0" y="0"/>
+          <a:ext cx="0" cy="0"/>
+          <a:chOff x="0" y="0"/>
+          <a:chExt cx="0" cy="0"/>
+        </a:xfrm>
+      </p:grpSpPr>
+      <p:sp>
+        <p:nvSpPr>
+          <p:cNvPr id="49" name="TextBox 48"/>
+          <p:cNvSpPr txBox="1"/>
+          <p:nvPr/>
+        </p:nvSpPr>
+        <p:spPr>
+          <a:xfrm>
+            <a:off x="404480" y="2724000"/>
+            <a:ext cx="507831" cy="1410001"/>
+          </a:xfrm>
+          <a:prstGeom prst="rect">
+            <a:avLst/>
+          </a:prstGeom>
+          <a:noFill/>
+        </p:spPr>
+        <p:txBody>
+          <a:bodyPr vert="vert270" wrap="none" rtlCol="0">
+            <a:spAutoFit/>
+          </a:bodyPr>
+          <a:lstStyle/>
+          <a:p>
+            <a:pPr algn="ctr"/>
+            <a:r>
+              <a:rPr lang="en-US" sz="1200" b="1" dirty="0">
+                <a:latin typeface="Arial" panose="020B0604020202020204" pitchFamily="34" charset="0"/>
+                <a:cs typeface="Arial" panose="020B0604020202020204" pitchFamily="34" charset="0"/>
+              </a:rPr>
+              <a:t>Number of People</a:t>
+            </a:r>
+          </a:p>
+          <a:p>
+            <a:pPr algn="ctr"/>
+            <a:r>
+              <a:rPr lang="en-US" sz="900" dirty="0">
+                <a:latin typeface="Arial" panose="020B0604020202020204" pitchFamily="34" charset="0"/>
+                <a:cs typeface="Arial" panose="020B0604020202020204" pitchFamily="34" charset="0"/>
+              </a:rPr>
+              <a:t>(7-day Moving Average)</a:t>
+            </a:r>
+            <a:endParaRPr lang="en-US" sz="1400" dirty="0">
+              <a:latin typeface="Arial" panose="020B0604020202020204" pitchFamily="34" charset="0"/>
+              <a:cs typeface="Arial" panose="020B0604020202020204" pitchFamily="34" charset="0"/>
+            </a:endParaRPr>
+          </a:p>
+        </p:txBody>
+      </p:sp>
+      <p:pic>
+        <p:nvPicPr>
+          <p:cNvPr id="51" name="Picture 50"/>
+          <p:cNvPicPr>
+            <a:picLocks noChangeAspect="1"/>
+          </p:cNvPicPr>
+          <p:nvPr/>
+        </p:nvPicPr>
+        <p:blipFill rotWithShape="1">
+          <a:blip r:embed="rId2">
+            <a:extLst>
+              <a:ext uri="{28A0092B-C50C-407E-A947-70E740481C1C}">
+                <a14:useLocalDpi xmlns:a14="http://schemas.microsoft.com/office/drawing/2010/main" val="0"/>
+              </a:ext>
+            </a:extLst>
+          </a:blip>
+          <a:srcRect l="2222" t="3819" r="2086" b="3567"/>
+          <a:stretch/>
+        </p:blipFill>
+        <p:spPr>
+          <a:xfrm>
+            <a:off x="1055459" y="1072536"/>
+            <a:ext cx="10255250" cy="5293497"/>
+          </a:xfrm>
+          <a:prstGeom prst="rect">
+            <a:avLst/>
+          </a:prstGeom>
+          <a:ln>
+            <a:noFill/>
+          </a:ln>
+        </p:spPr>
+      </p:pic>
+      <p:sp>
+        <p:nvSpPr>
+          <p:cNvPr id="53" name="TextBox 52"/>
+          <p:cNvSpPr txBox="1"/>
+          <p:nvPr/>
+        </p:nvSpPr>
+        <p:spPr>
+          <a:xfrm>
+            <a:off x="5823050" y="6411684"/>
+            <a:ext cx="647934" cy="276999"/>
+          </a:xfrm>
+          <a:prstGeom prst="rect">
+            <a:avLst/>
+          </a:prstGeom>
+          <a:noFill/>
+        </p:spPr>
+        <p:txBody>
+          <a:bodyPr wrap="none" rtlCol="0">
+            <a:spAutoFit/>
+          </a:bodyPr>
+          <a:lstStyle/>
+          <a:p>
+            <a:r>
+              <a:rPr lang="en-US" sz="1200" b="1" dirty="0">
+                <a:latin typeface="Arial" panose="020B0604020202020204" pitchFamily="34" charset="0"/>
+                <a:cs typeface="Arial" panose="020B0604020202020204" pitchFamily="34" charset="0"/>
+              </a:rPr>
+              <a:t>Month</a:t>
+            </a:r>
+            <a:endParaRPr lang="en-US" sz="1400" b="1" dirty="0">
+              <a:latin typeface="Arial" panose="020B0604020202020204" pitchFamily="34" charset="0"/>
+              <a:cs typeface="Arial" panose="020B0604020202020204" pitchFamily="34" charset="0"/>
+            </a:endParaRPr>
+          </a:p>
+        </p:txBody>
+      </p:sp>
+      <p:sp>
+        <p:nvSpPr>
+          <p:cNvPr id="54" name="TextBox 53"/>
+          <p:cNvSpPr txBox="1"/>
+          <p:nvPr/>
+        </p:nvSpPr>
+        <p:spPr>
+          <a:xfrm>
+            <a:off x="6678270" y="1168985"/>
+            <a:ext cx="1994014" cy="851515"/>
+          </a:xfrm>
+          <a:prstGeom prst="rect">
+            <a:avLst/>
+          </a:prstGeom>
+          <a:noFill/>
+        </p:spPr>
+        <p:txBody>
+          <a:bodyPr wrap="square" rtlCol="0">
+            <a:spAutoFit/>
+          </a:bodyPr>
+          <a:lstStyle/>
+          <a:p>
+            <a:pPr>
+              <a:spcAft>
+                <a:spcPts val="100"/>
+              </a:spcAft>
+            </a:pPr>
+            <a:r>
+              <a:rPr lang="en-US" sz="1200" b="1" dirty="0">
+                <a:solidFill>
+                  <a:schemeClr val="bg2">
+                    <a:lumMod val="90000"/>
+                  </a:schemeClr>
+                </a:solidFill>
+                <a:latin typeface="Century Gothic" panose="020B0502020202020204" pitchFamily="34" charset="0"/>
+                <a:cs typeface="Arial" panose="020B0604020202020204" pitchFamily="34" charset="0"/>
+              </a:rPr>
+              <a:t>New Year’s Gym Rush</a:t>
+            </a:r>
+          </a:p>
+          <a:p>
+            <a:pPr>
+              <a:spcAft>
+                <a:spcPts val="200"/>
+              </a:spcAft>
+            </a:pPr>
+            <a:r>
+              <a:rPr lang="en-US" sz="1000" dirty="0">
+                <a:solidFill>
+                  <a:schemeClr val="bg2">
+                    <a:lumMod val="90000"/>
+                  </a:schemeClr>
+                </a:solidFill>
+                <a:latin typeface="Century Gothic" panose="020B0502020202020204" pitchFamily="34" charset="0"/>
+                <a:cs typeface="Arial" panose="020B0604020202020204" pitchFamily="34" charset="0"/>
+              </a:rPr>
+              <a:t>Jan 20, 2016</a:t>
+            </a:r>
+          </a:p>
+          <a:p>
+            <a:r>
+              <a:rPr lang="en-US" sz="800" i="1" dirty="0">
+                <a:solidFill>
+                  <a:schemeClr val="bg2">
+                    <a:lumMod val="90000"/>
+                  </a:schemeClr>
+                </a:solidFill>
+                <a:latin typeface="Century Gothic" panose="020B0502020202020204" pitchFamily="34" charset="0"/>
+                <a:cs typeface="Arial" panose="020B0604020202020204" pitchFamily="34" charset="0"/>
+              </a:rPr>
+              <a:t>Students flood to the gym in a futile attempt to fulfill their New Year’s goals</a:t>
+            </a:r>
+          </a:p>
+        </p:txBody>
+      </p:sp>
+      <p:cxnSp>
+        <p:nvCxnSpPr>
+          <p:cNvPr id="60" name="Straight Arrow Connector 59"/>
+          <p:cNvCxnSpPr>
+            <a:cxnSpLocks/>
+          </p:cNvCxnSpPr>
+          <p:nvPr/>
+        </p:nvCxnSpPr>
+        <p:spPr>
+          <a:xfrm flipH="1">
+            <a:off x="5741759" y="1433497"/>
+            <a:ext cx="974611" cy="33724"/>
+          </a:xfrm>
+          <a:prstGeom prst="straightConnector1">
+            <a:avLst/>
+          </a:prstGeom>
+          <a:ln>
+            <a:solidFill>
+              <a:schemeClr val="bg2"/>
+            </a:solidFill>
+            <a:tailEnd type="triangle"/>
+          </a:ln>
+        </p:spPr>
+        <p:style>
+          <a:lnRef idx="1">
+            <a:schemeClr val="accent1"/>
+          </a:lnRef>
+          <a:fillRef idx="0">
+            <a:schemeClr val="accent1"/>
+          </a:fillRef>
+          <a:effectRef idx="0">
+            <a:schemeClr val="accent1"/>
+          </a:effectRef>
+          <a:fontRef idx="minor">
+            <a:schemeClr val="tx1"/>
+          </a:fontRef>
+        </p:style>
+      </p:cxnSp>
+      <p:cxnSp>
+        <p:nvCxnSpPr>
+          <p:cNvPr id="61" name="Straight Arrow Connector 60"/>
+          <p:cNvCxnSpPr>
+            <a:cxnSpLocks/>
+          </p:cNvCxnSpPr>
+          <p:nvPr/>
+        </p:nvCxnSpPr>
+        <p:spPr>
+          <a:xfrm flipV="1">
+            <a:off x="4584700" y="4626041"/>
+            <a:ext cx="317272" cy="382366"/>
+          </a:xfrm>
+          <a:prstGeom prst="straightConnector1">
+            <a:avLst/>
+          </a:prstGeom>
+          <a:ln>
+            <a:solidFill>
+              <a:schemeClr val="bg2"/>
+            </a:solidFill>
+            <a:tailEnd type="triangle"/>
+          </a:ln>
+        </p:spPr>
+        <p:style>
+          <a:lnRef idx="1">
+            <a:schemeClr val="accent1"/>
+          </a:lnRef>
+          <a:fillRef idx="0">
+            <a:schemeClr val="accent1"/>
+          </a:fillRef>
+          <a:effectRef idx="0">
+            <a:schemeClr val="accent1"/>
+          </a:effectRef>
+          <a:fontRef idx="minor">
+            <a:schemeClr val="tx1"/>
+          </a:fontRef>
+        </p:style>
+      </p:cxnSp>
+      <p:sp>
+        <p:nvSpPr>
+          <p:cNvPr id="64" name="TextBox 63"/>
+          <p:cNvSpPr txBox="1"/>
+          <p:nvPr/>
+        </p:nvSpPr>
+        <p:spPr>
+          <a:xfrm>
+            <a:off x="968375" y="264531"/>
+            <a:ext cx="5178311" cy="461665"/>
+          </a:xfrm>
+          <a:prstGeom prst="rect">
+            <a:avLst/>
+          </a:prstGeom>
+          <a:noFill/>
+        </p:spPr>
+        <p:txBody>
+          <a:bodyPr wrap="square" rtlCol="0">
+            <a:spAutoFit/>
+          </a:bodyPr>
+          <a:lstStyle/>
+          <a:p>
+            <a:r>
+              <a:rPr lang="en-US" sz="2400" dirty="0">
+                <a:latin typeface="Futura-Normal" pitchFamily="2" charset="0"/>
+              </a:rPr>
+              <a:t>UC Berkeley 2015-16 Gym Attendance</a:t>
+            </a:r>
+          </a:p>
+        </p:txBody>
+      </p:sp>
+      <p:sp>
+        <p:nvSpPr>
+          <p:cNvPr id="65" name="TextBox 64"/>
+          <p:cNvSpPr txBox="1"/>
+          <p:nvPr/>
+        </p:nvSpPr>
+        <p:spPr>
+          <a:xfrm>
+            <a:off x="3539744" y="5008407"/>
+            <a:ext cx="1617448" cy="838691"/>
+          </a:xfrm>
+          <a:prstGeom prst="rect">
+            <a:avLst/>
+          </a:prstGeom>
+          <a:noFill/>
+        </p:spPr>
+        <p:txBody>
+          <a:bodyPr wrap="square" rtlCol="0">
+            <a:spAutoFit/>
+          </a:bodyPr>
+          <a:lstStyle/>
+          <a:p>
+            <a:pPr>
+              <a:spcAft>
+                <a:spcPts val="100"/>
+              </a:spcAft>
+            </a:pPr>
+            <a:r>
+              <a:rPr lang="en-US" sz="1200" b="1" dirty="0">
+                <a:solidFill>
+                  <a:schemeClr val="bg2">
+                    <a:lumMod val="90000"/>
+                  </a:schemeClr>
+                </a:solidFill>
+                <a:latin typeface="Century Gothic" panose="020B0502020202020204" pitchFamily="34" charset="0"/>
+                <a:cs typeface="Arial" panose="020B0604020202020204" pitchFamily="34" charset="0"/>
+              </a:rPr>
+              <a:t>Winter Break</a:t>
+            </a:r>
+          </a:p>
+          <a:p>
+            <a:pPr>
+              <a:spcAft>
+                <a:spcPts val="200"/>
+              </a:spcAft>
+            </a:pPr>
+            <a:r>
+              <a:rPr lang="en-US" sz="1000" dirty="0">
+                <a:solidFill>
+                  <a:schemeClr val="bg2">
+                    <a:lumMod val="90000"/>
+                  </a:schemeClr>
+                </a:solidFill>
+                <a:latin typeface="Century Gothic" panose="020B0502020202020204" pitchFamily="34" charset="0"/>
+                <a:cs typeface="Arial" panose="020B0604020202020204" pitchFamily="34" charset="0"/>
+              </a:rPr>
+              <a:t>Dec 19-Jan 19, 2015</a:t>
+            </a:r>
+          </a:p>
+          <a:p>
+            <a:r>
+              <a:rPr lang="en-US" sz="800" i="1" dirty="0">
+                <a:solidFill>
+                  <a:schemeClr val="bg2">
+                    <a:lumMod val="90000"/>
+                  </a:schemeClr>
+                </a:solidFill>
+                <a:latin typeface="Century Gothic" panose="020B0502020202020204" pitchFamily="34" charset="0"/>
+                <a:cs typeface="Arial" panose="020B0604020202020204" pitchFamily="34" charset="0"/>
+              </a:rPr>
+              <a:t>Most students head home for the winter holidays, like Christmas and Hanukkah</a:t>
+            </a:r>
+          </a:p>
+        </p:txBody>
+      </p:sp>
+      <p:sp>
+        <p:nvSpPr>
+          <p:cNvPr id="66" name="TextBox 65"/>
+          <p:cNvSpPr txBox="1"/>
+          <p:nvPr/>
+        </p:nvSpPr>
+        <p:spPr>
+          <a:xfrm>
+            <a:off x="2023091" y="3516084"/>
+            <a:ext cx="1621523" cy="838691"/>
+          </a:xfrm>
+          <a:prstGeom prst="rect">
+            <a:avLst/>
+          </a:prstGeom>
+          <a:noFill/>
+        </p:spPr>
+        <p:txBody>
+          <a:bodyPr wrap="square" rtlCol="0">
+            <a:spAutoFit/>
+          </a:bodyPr>
+          <a:lstStyle/>
+          <a:p>
+            <a:pPr>
+              <a:spcAft>
+                <a:spcPts val="100"/>
+              </a:spcAft>
+            </a:pPr>
+            <a:r>
+              <a:rPr lang="en-US" sz="1200" b="1" dirty="0">
+                <a:solidFill>
+                  <a:schemeClr val="bg2">
+                    <a:lumMod val="90000"/>
+                  </a:schemeClr>
+                </a:solidFill>
+                <a:latin typeface="Century Gothic" panose="020B0502020202020204" pitchFamily="34" charset="0"/>
+                <a:cs typeface="Arial" panose="020B0604020202020204" pitchFamily="34" charset="0"/>
+              </a:rPr>
+              <a:t>Thanksgiving</a:t>
+            </a:r>
+          </a:p>
+          <a:p>
+            <a:pPr>
+              <a:spcAft>
+                <a:spcPts val="200"/>
+              </a:spcAft>
+            </a:pPr>
+            <a:r>
+              <a:rPr lang="en-US" sz="1000" dirty="0">
+                <a:solidFill>
+                  <a:schemeClr val="bg2">
+                    <a:lumMod val="90000"/>
+                  </a:schemeClr>
+                </a:solidFill>
+                <a:latin typeface="Century Gothic" panose="020B0502020202020204" pitchFamily="34" charset="0"/>
+                <a:cs typeface="Arial" panose="020B0604020202020204" pitchFamily="34" charset="0"/>
+              </a:rPr>
+              <a:t>Nov 26 2015</a:t>
+            </a:r>
+          </a:p>
+          <a:p>
+            <a:r>
+              <a:rPr lang="en-US" sz="800" i="1" dirty="0">
+                <a:solidFill>
+                  <a:schemeClr val="bg2">
+                    <a:lumMod val="90000"/>
+                  </a:schemeClr>
+                </a:solidFill>
+                <a:latin typeface="Century Gothic" panose="020B0502020202020204" pitchFamily="34" charset="0"/>
+                <a:cs typeface="Arial" panose="020B0604020202020204" pitchFamily="34" charset="0"/>
+              </a:rPr>
+              <a:t>Working out is optional when you’re filling up on turkey and mashed potatoes</a:t>
+            </a:r>
+          </a:p>
+        </p:txBody>
+      </p:sp>
+      <p:cxnSp>
+        <p:nvCxnSpPr>
+          <p:cNvPr id="67" name="Straight Arrow Connector 66"/>
+          <p:cNvCxnSpPr>
+            <a:cxnSpLocks/>
+          </p:cNvCxnSpPr>
+          <p:nvPr/>
+        </p:nvCxnSpPr>
+        <p:spPr>
+          <a:xfrm flipV="1">
+            <a:off x="3249384" y="3601809"/>
+            <a:ext cx="926306" cy="219076"/>
+          </a:xfrm>
+          <a:prstGeom prst="straightConnector1">
+            <a:avLst/>
+          </a:prstGeom>
+          <a:ln>
+            <a:solidFill>
+              <a:schemeClr val="bg2"/>
+            </a:solidFill>
+            <a:tailEnd type="triangle"/>
+          </a:ln>
+        </p:spPr>
+        <p:style>
+          <a:lnRef idx="1">
+            <a:schemeClr val="accent1"/>
+          </a:lnRef>
+          <a:fillRef idx="0">
+            <a:schemeClr val="accent1"/>
+          </a:fillRef>
+          <a:effectRef idx="0">
+            <a:schemeClr val="accent1"/>
+          </a:effectRef>
+          <a:fontRef idx="minor">
+            <a:schemeClr val="tx1"/>
+          </a:fontRef>
+        </p:style>
+      </p:cxnSp>
+      <p:sp>
+        <p:nvSpPr>
+          <p:cNvPr id="72" name="TextBox 71"/>
+          <p:cNvSpPr txBox="1"/>
+          <p:nvPr/>
+        </p:nvSpPr>
+        <p:spPr>
+          <a:xfrm>
+            <a:off x="5910722" y="5008407"/>
+            <a:ext cx="1535095" cy="592470"/>
+          </a:xfrm>
+          <a:prstGeom prst="rect">
+            <a:avLst/>
+          </a:prstGeom>
+          <a:noFill/>
+        </p:spPr>
+        <p:txBody>
+          <a:bodyPr wrap="square" rtlCol="0">
+            <a:spAutoFit/>
+          </a:bodyPr>
+          <a:lstStyle/>
+          <a:p>
+            <a:pPr>
+              <a:spcAft>
+                <a:spcPts val="100"/>
+              </a:spcAft>
+            </a:pPr>
+            <a:r>
+              <a:rPr lang="en-US" sz="1200" b="1" dirty="0">
+                <a:latin typeface="Century Gothic" panose="020B0502020202020204" pitchFamily="34" charset="0"/>
+                <a:cs typeface="Arial" panose="020B0604020202020204" pitchFamily="34" charset="0"/>
+              </a:rPr>
+              <a:t>Spring Break</a:t>
+            </a:r>
+          </a:p>
+          <a:p>
+            <a:pPr>
+              <a:spcAft>
+                <a:spcPts val="200"/>
+              </a:spcAft>
+            </a:pPr>
+            <a:r>
+              <a:rPr lang="en-US" sz="1000" dirty="0">
+                <a:latin typeface="Century Gothic" panose="020B0502020202020204" pitchFamily="34" charset="0"/>
+                <a:cs typeface="Arial" panose="020B0604020202020204" pitchFamily="34" charset="0"/>
+              </a:rPr>
+              <a:t>Mar 21-25, 2016</a:t>
+            </a:r>
+          </a:p>
+          <a:p>
+            <a:r>
+              <a:rPr lang="en-US" sz="800" i="1" dirty="0">
+                <a:latin typeface="Century Gothic" panose="020B0502020202020204" pitchFamily="34" charset="0"/>
+                <a:cs typeface="Arial" panose="020B0604020202020204" pitchFamily="34" charset="0"/>
+              </a:rPr>
+              <a:t>Spring break! Party! Woo!</a:t>
+            </a:r>
+          </a:p>
+        </p:txBody>
+      </p:sp>
+      <p:cxnSp>
+        <p:nvCxnSpPr>
+          <p:cNvPr id="80" name="Straight Arrow Connector 79"/>
+          <p:cNvCxnSpPr>
+            <a:cxnSpLocks/>
+          </p:cNvCxnSpPr>
+          <p:nvPr/>
+        </p:nvCxnSpPr>
+        <p:spPr>
+          <a:xfrm flipV="1">
+            <a:off x="6934200" y="4354775"/>
+            <a:ext cx="400050" cy="653632"/>
+          </a:xfrm>
+          <a:prstGeom prst="straightConnector1">
+            <a:avLst/>
+          </a:prstGeom>
+          <a:ln>
+            <a:tailEnd type="triangle"/>
+          </a:ln>
+        </p:spPr>
+        <p:style>
+          <a:lnRef idx="1">
+            <a:schemeClr val="accent1"/>
+          </a:lnRef>
+          <a:fillRef idx="0">
+            <a:schemeClr val="accent1"/>
+          </a:fillRef>
+          <a:effectRef idx="0">
+            <a:schemeClr val="accent1"/>
+          </a:effectRef>
+          <a:fontRef idx="minor">
+            <a:schemeClr val="tx1"/>
+          </a:fontRef>
+        </p:style>
+      </p:cxnSp>
+      <p:sp>
+        <p:nvSpPr>
+          <p:cNvPr id="85" name="TextBox 84"/>
+          <p:cNvSpPr txBox="1"/>
+          <p:nvPr/>
+        </p:nvSpPr>
+        <p:spPr>
+          <a:xfrm>
+            <a:off x="3103334" y="1105594"/>
+            <a:ext cx="1481366" cy="715581"/>
+          </a:xfrm>
+          <a:prstGeom prst="rect">
+            <a:avLst/>
+          </a:prstGeom>
+          <a:noFill/>
+        </p:spPr>
+        <p:txBody>
+          <a:bodyPr wrap="square" rtlCol="0">
+            <a:spAutoFit/>
+          </a:bodyPr>
+          <a:lstStyle/>
+          <a:p>
+            <a:pPr>
+              <a:spcAft>
+                <a:spcPts val="100"/>
+              </a:spcAft>
+            </a:pPr>
+            <a:r>
+              <a:rPr lang="en-US" sz="1200" b="1" dirty="0">
+                <a:solidFill>
+                  <a:schemeClr val="bg2">
+                    <a:lumMod val="90000"/>
+                  </a:schemeClr>
+                </a:solidFill>
+                <a:latin typeface="Century Gothic" panose="020B0502020202020204" pitchFamily="34" charset="0"/>
+                <a:cs typeface="Arial" panose="020B0604020202020204" pitchFamily="34" charset="0"/>
+              </a:rPr>
+              <a:t>School Begins</a:t>
+            </a:r>
+          </a:p>
+          <a:p>
+            <a:pPr>
+              <a:spcAft>
+                <a:spcPts val="200"/>
+              </a:spcAft>
+            </a:pPr>
+            <a:r>
+              <a:rPr lang="en-US" sz="1000" dirty="0">
+                <a:solidFill>
+                  <a:schemeClr val="bg2">
+                    <a:lumMod val="90000"/>
+                  </a:schemeClr>
+                </a:solidFill>
+                <a:latin typeface="Century Gothic" panose="020B0502020202020204" pitchFamily="34" charset="0"/>
+                <a:cs typeface="Arial" panose="020B0604020202020204" pitchFamily="34" charset="0"/>
+              </a:rPr>
+              <a:t>Aug 26, 2016</a:t>
+            </a:r>
+          </a:p>
+          <a:p>
+            <a:r>
+              <a:rPr lang="en-US" sz="800" i="1" dirty="0">
+                <a:solidFill>
+                  <a:schemeClr val="bg2">
+                    <a:lumMod val="90000"/>
+                  </a:schemeClr>
+                </a:solidFill>
+                <a:latin typeface="Century Gothic" panose="020B0502020202020204" pitchFamily="34" charset="0"/>
+                <a:cs typeface="Arial" panose="020B0604020202020204" pitchFamily="34" charset="0"/>
+              </a:rPr>
+              <a:t>Every freshman is in the gym until next week</a:t>
+            </a:r>
+          </a:p>
+        </p:txBody>
+      </p:sp>
+      <p:cxnSp>
+        <p:nvCxnSpPr>
+          <p:cNvPr id="86" name="Straight Arrow Connector 85"/>
+          <p:cNvCxnSpPr>
+            <a:cxnSpLocks/>
+          </p:cNvCxnSpPr>
+          <p:nvPr/>
+        </p:nvCxnSpPr>
+        <p:spPr>
+          <a:xfrm flipH="1">
+            <a:off x="2126456" y="1450359"/>
+            <a:ext cx="976878" cy="111741"/>
+          </a:xfrm>
+          <a:prstGeom prst="straightConnector1">
+            <a:avLst/>
+          </a:prstGeom>
+          <a:ln>
+            <a:solidFill>
+              <a:schemeClr val="bg2"/>
+            </a:solidFill>
+            <a:tailEnd type="triangle"/>
+          </a:ln>
+        </p:spPr>
+        <p:style>
+          <a:lnRef idx="1">
+            <a:schemeClr val="accent1"/>
+          </a:lnRef>
+          <a:fillRef idx="0">
+            <a:schemeClr val="accent1"/>
+          </a:fillRef>
+          <a:effectRef idx="0">
+            <a:schemeClr val="accent1"/>
+          </a:effectRef>
+          <a:fontRef idx="minor">
+            <a:schemeClr val="tx1"/>
+          </a:fontRef>
+        </p:style>
+      </p:cxnSp>
+    </p:spTree>
+    <p:extLst>
+      <p:ext uri="{BB962C8B-B14F-4D97-AF65-F5344CB8AC3E}">
+        <p14:creationId xmlns:p14="http://schemas.microsoft.com/office/powerpoint/2010/main" val="3065806878"/>
       </p:ext>
     </p:extLst>
   </p:cSld>
@@ -10838,4 +15020,299 @@
     </a:ext>
   </a:extLst>
 </a:theme>
+</file>
+
+<file path=ppt/theme/theme2.xml><?xml version="1.0" encoding="utf-8"?>
+<a:theme xmlns:a="http://schemas.openxmlformats.org/drawingml/2006/main" name="Office Theme">
+  <a:themeElements>
+    <a:clrScheme name="Office">
+      <a:dk1>
+        <a:sysClr val="windowText" lastClr="000000"/>
+      </a:dk1>
+      <a:lt1>
+        <a:sysClr val="window" lastClr="FFFFFF"/>
+      </a:lt1>
+      <a:dk2>
+        <a:srgbClr val="44546A"/>
+      </a:dk2>
+      <a:lt2>
+        <a:srgbClr val="E7E6E6"/>
+      </a:lt2>
+      <a:accent1>
+        <a:srgbClr val="4472C4"/>
+      </a:accent1>
+      <a:accent2>
+        <a:srgbClr val="ED7D31"/>
+      </a:accent2>
+      <a:accent3>
+        <a:srgbClr val="A5A5A5"/>
+      </a:accent3>
+      <a:accent4>
+        <a:srgbClr val="FFC000"/>
+      </a:accent4>
+      <a:accent5>
+        <a:srgbClr val="5B9BD5"/>
+      </a:accent5>
+      <a:accent6>
+        <a:srgbClr val="70AD47"/>
+      </a:accent6>
+      <a:hlink>
+        <a:srgbClr val="0563C1"/>
+      </a:hlink>
+      <a:folHlink>
+        <a:srgbClr val="954F72"/>
+      </a:folHlink>
+    </a:clrScheme>
+    <a:fontScheme name="Office">
+      <a:majorFont>
+        <a:latin typeface="Calibri Light" panose="020F0302020204030204"/>
+        <a:ea typeface=""/>
+        <a:cs typeface=""/>
+        <a:font script="Jpan" typeface="游ゴシック Light"/>
+        <a:font script="Hang" typeface="맑은 고딕"/>
+        <a:font script="Hans" typeface="等线 Light"/>
+        <a:font script="Hant" typeface="新細明體"/>
+        <a:font script="Arab" typeface="Times New Roman"/>
+        <a:font script="Hebr" typeface="Times New Roman"/>
+        <a:font script="Thai" typeface="Angsana New"/>
+        <a:font script="Ethi" typeface="Nyala"/>
+        <a:font script="Beng" typeface="Vrinda"/>
+        <a:font script="Gujr" typeface="Shruti"/>
+        <a:font script="Khmr" typeface="MoolBoran"/>
+        <a:font script="Knda" typeface="Tunga"/>
+        <a:font script="Guru" typeface="Raavi"/>
+        <a:font script="Cans" typeface="Euphemia"/>
+        <a:font script="Cher" typeface="Plantagenet Cherokee"/>
+        <a:font script="Yiii" typeface="Microsoft Yi Baiti"/>
+        <a:font script="Tibt" typeface="Microsoft Himalaya"/>
+        <a:font script="Thaa" typeface="MV Boli"/>
+        <a:font script="Deva" typeface="Mangal"/>
+        <a:font script="Telu" typeface="Gautami"/>
+        <a:font script="Taml" typeface="Latha"/>
+        <a:font script="Syrc" typeface="Estrangelo Edessa"/>
+        <a:font script="Orya" typeface="Kalinga"/>
+        <a:font script="Mlym" typeface="Kartika"/>
+        <a:font script="Laoo" typeface="DokChampa"/>
+        <a:font script="Sinh" typeface="Iskoola Pota"/>
+        <a:font script="Mong" typeface="Mongolian Baiti"/>
+        <a:font script="Viet" typeface="Times New Roman"/>
+        <a:font script="Uigh" typeface="Microsoft Uighur"/>
+        <a:font script="Geor" typeface="Sylfaen"/>
+        <a:font script="Armn" typeface="Arial"/>
+        <a:font script="Bugi" typeface="Leelawadee UI"/>
+        <a:font script="Bopo" typeface="Microsoft JhengHei"/>
+        <a:font script="Java" typeface="Javanese Text"/>
+        <a:font script="Lisu" typeface="Segoe UI"/>
+        <a:font script="Mymr" typeface="Myanmar Text"/>
+        <a:font script="Nkoo" typeface="Ebrima"/>
+        <a:font script="Olck" typeface="Nirmala UI"/>
+        <a:font script="Osma" typeface="Ebrima"/>
+        <a:font script="Phag" typeface="Phagspa"/>
+        <a:font script="Syrn" typeface="Estrangelo Edessa"/>
+        <a:font script="Syrj" typeface="Estrangelo Edessa"/>
+        <a:font script="Syre" typeface="Estrangelo Edessa"/>
+        <a:font script="Sora" typeface="Nirmala UI"/>
+        <a:font script="Tale" typeface="Microsoft Tai Le"/>
+        <a:font script="Talu" typeface="Microsoft New Tai Lue"/>
+        <a:font script="Tfng" typeface="Ebrima"/>
+      </a:majorFont>
+      <a:minorFont>
+        <a:latin typeface="Calibri" panose="020F0502020204030204"/>
+        <a:ea typeface=""/>
+        <a:cs typeface=""/>
+        <a:font script="Jpan" typeface="游ゴシック"/>
+        <a:font script="Hang" typeface="맑은 고딕"/>
+        <a:font script="Hans" typeface="等线"/>
+        <a:font script="Hant" typeface="新細明體"/>
+        <a:font script="Arab" typeface="Arial"/>
+        <a:font script="Hebr" typeface="Arial"/>
+        <a:font script="Thai" typeface="Cordia New"/>
+        <a:font script="Ethi" typeface="Nyala"/>
+        <a:font script="Beng" typeface="Vrinda"/>
+        <a:font script="Gujr" typeface="Shruti"/>
+        <a:font script="Khmr" typeface="DaunPenh"/>
+        <a:font script="Knda" typeface="Tunga"/>
+        <a:font script="Guru" typeface="Raavi"/>
+        <a:font script="Cans" typeface="Euphemia"/>
+        <a:font script="Cher" typeface="Plantagenet Cherokee"/>
+        <a:font script="Yiii" typeface="Microsoft Yi Baiti"/>
+        <a:font script="Tibt" typeface="Microsoft Himalaya"/>
+        <a:font script="Thaa" typeface="MV Boli"/>
+        <a:font script="Deva" typeface="Mangal"/>
+        <a:font script="Telu" typeface="Gautami"/>
+        <a:font script="Taml" typeface="Latha"/>
+        <a:font script="Syrc" typeface="Estrangelo Edessa"/>
+        <a:font script="Orya" typeface="Kalinga"/>
+        <a:font script="Mlym" typeface="Kartika"/>
+        <a:font script="Laoo" typeface="DokChampa"/>
+        <a:font script="Sinh" typeface="Iskoola Pota"/>
+        <a:font script="Mong" typeface="Mongolian Baiti"/>
+        <a:font script="Viet" typeface="Arial"/>
+        <a:font script="Uigh" typeface="Microsoft Uighur"/>
+        <a:font script="Geor" typeface="Sylfaen"/>
+        <a:font script="Armn" typeface="Arial"/>
+        <a:font script="Bugi" typeface="Leelawadee UI"/>
+        <a:font script="Bopo" typeface="Microsoft JhengHei"/>
+        <a:font script="Java" typeface="Javanese Text"/>
+        <a:font script="Lisu" typeface="Segoe UI"/>
+        <a:font script="Mymr" typeface="Myanmar Text"/>
+        <a:font script="Nkoo" typeface="Ebrima"/>
+        <a:font script="Olck" typeface="Nirmala UI"/>
+        <a:font script="Osma" typeface="Ebrima"/>
+        <a:font script="Phag" typeface="Phagspa"/>
+        <a:font script="Syrn" typeface="Estrangelo Edessa"/>
+        <a:font script="Syrj" typeface="Estrangelo Edessa"/>
+        <a:font script="Syre" typeface="Estrangelo Edessa"/>
+        <a:font script="Sora" typeface="Nirmala UI"/>
+        <a:font script="Tale" typeface="Microsoft Tai Le"/>
+        <a:font script="Talu" typeface="Microsoft New Tai Lue"/>
+        <a:font script="Tfng" typeface="Ebrima"/>
+      </a:minorFont>
+    </a:fontScheme>
+    <a:fmtScheme name="Office">
+      <a:fillStyleLst>
+        <a:solidFill>
+          <a:schemeClr val="phClr"/>
+        </a:solidFill>
+        <a:gradFill rotWithShape="1">
+          <a:gsLst>
+            <a:gs pos="0">
+              <a:schemeClr val="phClr">
+                <a:lumMod val="110000"/>
+                <a:satMod val="105000"/>
+                <a:tint val="67000"/>
+              </a:schemeClr>
+            </a:gs>
+            <a:gs pos="50000">
+              <a:schemeClr val="phClr">
+                <a:lumMod val="105000"/>
+                <a:satMod val="103000"/>
+                <a:tint val="73000"/>
+              </a:schemeClr>
+            </a:gs>
+            <a:gs pos="100000">
+              <a:schemeClr val="phClr">
+                <a:lumMod val="105000"/>
+                <a:satMod val="109000"/>
+                <a:tint val="81000"/>
+              </a:schemeClr>
+            </a:gs>
+          </a:gsLst>
+          <a:lin ang="5400000" scaled="0"/>
+        </a:gradFill>
+        <a:gradFill rotWithShape="1">
+          <a:gsLst>
+            <a:gs pos="0">
+              <a:schemeClr val="phClr">
+                <a:satMod val="103000"/>
+                <a:lumMod val="102000"/>
+                <a:tint val="94000"/>
+              </a:schemeClr>
+            </a:gs>
+            <a:gs pos="50000">
+              <a:schemeClr val="phClr">
+                <a:satMod val="110000"/>
+                <a:lumMod val="100000"/>
+                <a:shade val="100000"/>
+              </a:schemeClr>
+            </a:gs>
+            <a:gs pos="100000">
+              <a:schemeClr val="phClr">
+                <a:lumMod val="99000"/>
+                <a:satMod val="120000"/>
+                <a:shade val="78000"/>
+              </a:schemeClr>
+            </a:gs>
+          </a:gsLst>
+          <a:lin ang="5400000" scaled="0"/>
+        </a:gradFill>
+      </a:fillStyleLst>
+      <a:lnStyleLst>
+        <a:ln w="6350" cap="flat" cmpd="sng" algn="ctr">
+          <a:solidFill>
+            <a:schemeClr val="phClr"/>
+          </a:solidFill>
+          <a:prstDash val="solid"/>
+          <a:miter lim="800000"/>
+        </a:ln>
+        <a:ln w="12700" cap="flat" cmpd="sng" algn="ctr">
+          <a:solidFill>
+            <a:schemeClr val="phClr"/>
+          </a:solidFill>
+          <a:prstDash val="solid"/>
+          <a:miter lim="800000"/>
+        </a:ln>
+        <a:ln w="19050" cap="flat" cmpd="sng" algn="ctr">
+          <a:solidFill>
+            <a:schemeClr val="phClr"/>
+          </a:solidFill>
+          <a:prstDash val="solid"/>
+          <a:miter lim="800000"/>
+        </a:ln>
+      </a:lnStyleLst>
+      <a:effectStyleLst>
+        <a:effectStyle>
+          <a:effectLst/>
+        </a:effectStyle>
+        <a:effectStyle>
+          <a:effectLst/>
+        </a:effectStyle>
+        <a:effectStyle>
+          <a:effectLst>
+            <a:outerShdw blurRad="57150" dist="19050" dir="5400000" algn="ctr" rotWithShape="0">
+              <a:srgbClr val="000000">
+                <a:alpha val="63000"/>
+              </a:srgbClr>
+            </a:outerShdw>
+          </a:effectLst>
+        </a:effectStyle>
+      </a:effectStyleLst>
+      <a:bgFillStyleLst>
+        <a:solidFill>
+          <a:schemeClr val="phClr"/>
+        </a:solidFill>
+        <a:solidFill>
+          <a:schemeClr val="phClr">
+            <a:tint val="95000"/>
+            <a:satMod val="170000"/>
+          </a:schemeClr>
+        </a:solidFill>
+        <a:gradFill rotWithShape="1">
+          <a:gsLst>
+            <a:gs pos="0">
+              <a:schemeClr val="phClr">
+                <a:tint val="93000"/>
+                <a:satMod val="150000"/>
+                <a:shade val="98000"/>
+                <a:lumMod val="102000"/>
+              </a:schemeClr>
+            </a:gs>
+            <a:gs pos="50000">
+              <a:schemeClr val="phClr">
+                <a:tint val="98000"/>
+                <a:satMod val="130000"/>
+                <a:shade val="90000"/>
+                <a:lumMod val="103000"/>
+              </a:schemeClr>
+            </a:gs>
+            <a:gs pos="100000">
+              <a:schemeClr val="phClr">
+                <a:shade val="63000"/>
+                <a:satMod val="120000"/>
+              </a:schemeClr>
+            </a:gs>
+          </a:gsLst>
+          <a:lin ang="5400000" scaled="0"/>
+        </a:gradFill>
+      </a:bgFillStyleLst>
+    </a:fmtScheme>
+  </a:themeElements>
+  <a:objectDefaults/>
+  <a:extraClrSchemeLst/>
+  <a:extLst>
+    <a:ext uri="{05A4C25C-085E-4340-85A3-A5531E510DB2}">
+      <thm15:themeFamily xmlns:thm15="http://schemas.microsoft.com/office/thememl/2012/main" name="Office Theme" id="{62F939B6-93AF-4DB8-9C6B-D6C7DFDC589F}" vid="{4A3C46E8-61CC-4603-A589-7422A47A8E4A}"/>
+    </a:ext>
+  </a:extLst>
+</a:theme>
 </file>